--- a/Slide Deck.pptx
+++ b/Slide Deck.pptx
@@ -118,2852 +118,6 @@
 </p:presentation>
 </file>
 
-<file path=ppt/diagrams/colors1.xml><?xml version="1.0" encoding="utf-8"?>
-<dgm:colorsDef xmlns:dgm="http://schemas.openxmlformats.org/drawingml/2006/diagram" xmlns:a="http://schemas.openxmlformats.org/drawingml/2006/main" uniqueId="urn:microsoft.com/office/officeart/2005/8/colors/accent1_2">
-  <dgm:title val=""/>
-  <dgm:desc val=""/>
-  <dgm:catLst>
-    <dgm:cat type="accent1" pri="11200"/>
-  </dgm:catLst>
-  <dgm:styleLbl name="node0">
-    <dgm:fillClrLst meth="repeat">
-      <a:schemeClr val="accent1"/>
-    </dgm:fillClrLst>
-    <dgm:linClrLst meth="repeat">
-      <a:schemeClr val="lt1"/>
-    </dgm:linClrLst>
-    <dgm:effectClrLst/>
-    <dgm:txLinClrLst/>
-    <dgm:txFillClrLst/>
-    <dgm:txEffectClrLst/>
-  </dgm:styleLbl>
-  <dgm:styleLbl name="alignNode1">
-    <dgm:fillClrLst meth="repeat">
-      <a:schemeClr val="accent1"/>
-    </dgm:fillClrLst>
-    <dgm:linClrLst meth="repeat">
-      <a:schemeClr val="accent1"/>
-    </dgm:linClrLst>
-    <dgm:effectClrLst/>
-    <dgm:txLinClrLst/>
-    <dgm:txFillClrLst/>
-    <dgm:txEffectClrLst/>
-  </dgm:styleLbl>
-  <dgm:styleLbl name="node1">
-    <dgm:fillClrLst meth="repeat">
-      <a:schemeClr val="accent1"/>
-    </dgm:fillClrLst>
-    <dgm:linClrLst meth="repeat">
-      <a:schemeClr val="lt1"/>
-    </dgm:linClrLst>
-    <dgm:effectClrLst/>
-    <dgm:txLinClrLst/>
-    <dgm:txFillClrLst/>
-    <dgm:txEffectClrLst/>
-  </dgm:styleLbl>
-  <dgm:styleLbl name="lnNode1">
-    <dgm:fillClrLst meth="repeat">
-      <a:schemeClr val="accent1"/>
-    </dgm:fillClrLst>
-    <dgm:linClrLst meth="repeat">
-      <a:schemeClr val="lt1"/>
-    </dgm:linClrLst>
-    <dgm:effectClrLst/>
-    <dgm:txLinClrLst/>
-    <dgm:txFillClrLst/>
-    <dgm:txEffectClrLst/>
-  </dgm:styleLbl>
-  <dgm:styleLbl name="vennNode1">
-    <dgm:fillClrLst meth="repeat">
-      <a:schemeClr val="accent1">
-        <a:alpha val="50000"/>
-      </a:schemeClr>
-    </dgm:fillClrLst>
-    <dgm:linClrLst meth="repeat">
-      <a:schemeClr val="lt1"/>
-    </dgm:linClrLst>
-    <dgm:effectClrLst/>
-    <dgm:txLinClrLst/>
-    <dgm:txFillClrLst/>
-    <dgm:txEffectClrLst/>
-  </dgm:styleLbl>
-  <dgm:styleLbl name="node2">
-    <dgm:fillClrLst meth="repeat">
-      <a:schemeClr val="accent1"/>
-    </dgm:fillClrLst>
-    <dgm:linClrLst meth="repeat">
-      <a:schemeClr val="lt1"/>
-    </dgm:linClrLst>
-    <dgm:effectClrLst/>
-    <dgm:txLinClrLst/>
-    <dgm:txFillClrLst/>
-    <dgm:txEffectClrLst/>
-  </dgm:styleLbl>
-  <dgm:styleLbl name="node3">
-    <dgm:fillClrLst meth="repeat">
-      <a:schemeClr val="accent1"/>
-    </dgm:fillClrLst>
-    <dgm:linClrLst meth="repeat">
-      <a:schemeClr val="lt1"/>
-    </dgm:linClrLst>
-    <dgm:effectClrLst/>
-    <dgm:txLinClrLst/>
-    <dgm:txFillClrLst/>
-    <dgm:txEffectClrLst/>
-  </dgm:styleLbl>
-  <dgm:styleLbl name="node4">
-    <dgm:fillClrLst meth="repeat">
-      <a:schemeClr val="accent1"/>
-    </dgm:fillClrLst>
-    <dgm:linClrLst meth="repeat">
-      <a:schemeClr val="lt1"/>
-    </dgm:linClrLst>
-    <dgm:effectClrLst/>
-    <dgm:txLinClrLst/>
-    <dgm:txFillClrLst/>
-    <dgm:txEffectClrLst/>
-  </dgm:styleLbl>
-  <dgm:styleLbl name="fgImgPlace1">
-    <dgm:fillClrLst meth="repeat">
-      <a:schemeClr val="accent1">
-        <a:tint val="50000"/>
-      </a:schemeClr>
-    </dgm:fillClrLst>
-    <dgm:linClrLst meth="repeat">
-      <a:schemeClr val="lt1"/>
-    </dgm:linClrLst>
-    <dgm:effectClrLst/>
-    <dgm:txLinClrLst/>
-    <dgm:txFillClrLst meth="repeat">
-      <a:schemeClr val="lt1"/>
-    </dgm:txFillClrLst>
-    <dgm:txEffectClrLst/>
-  </dgm:styleLbl>
-  <dgm:styleLbl name="alignImgPlace1">
-    <dgm:fillClrLst meth="repeat">
-      <a:schemeClr val="accent1">
-        <a:tint val="50000"/>
-      </a:schemeClr>
-    </dgm:fillClrLst>
-    <dgm:linClrLst meth="repeat">
-      <a:schemeClr val="lt1"/>
-    </dgm:linClrLst>
-    <dgm:effectClrLst/>
-    <dgm:txLinClrLst/>
-    <dgm:txFillClrLst meth="repeat">
-      <a:schemeClr val="lt1"/>
-    </dgm:txFillClrLst>
-    <dgm:txEffectClrLst/>
-  </dgm:styleLbl>
-  <dgm:styleLbl name="bgImgPlace1">
-    <dgm:fillClrLst meth="repeat">
-      <a:schemeClr val="accent1">
-        <a:tint val="50000"/>
-      </a:schemeClr>
-    </dgm:fillClrLst>
-    <dgm:linClrLst meth="repeat">
-      <a:schemeClr val="lt1"/>
-    </dgm:linClrLst>
-    <dgm:effectClrLst/>
-    <dgm:txLinClrLst/>
-    <dgm:txFillClrLst meth="repeat">
-      <a:schemeClr val="lt1"/>
-    </dgm:txFillClrLst>
-    <dgm:txEffectClrLst/>
-  </dgm:styleLbl>
-  <dgm:styleLbl name="sibTrans2D1">
-    <dgm:fillClrLst meth="repeat">
-      <a:schemeClr val="accent1">
-        <a:tint val="60000"/>
-      </a:schemeClr>
-    </dgm:fillClrLst>
-    <dgm:linClrLst meth="repeat">
-      <a:schemeClr val="accent1">
-        <a:tint val="60000"/>
-      </a:schemeClr>
-    </dgm:linClrLst>
-    <dgm:effectClrLst/>
-    <dgm:txLinClrLst/>
-    <dgm:txFillClrLst/>
-    <dgm:txEffectClrLst/>
-  </dgm:styleLbl>
-  <dgm:styleLbl name="fgSibTrans2D1">
-    <dgm:fillClrLst meth="repeat">
-      <a:schemeClr val="accent1">
-        <a:tint val="60000"/>
-      </a:schemeClr>
-    </dgm:fillClrLst>
-    <dgm:linClrLst meth="repeat">
-      <a:schemeClr val="accent1">
-        <a:tint val="60000"/>
-      </a:schemeClr>
-    </dgm:linClrLst>
-    <dgm:effectClrLst/>
-    <dgm:txLinClrLst/>
-    <dgm:txFillClrLst/>
-    <dgm:txEffectClrLst/>
-  </dgm:styleLbl>
-  <dgm:styleLbl name="bgSibTrans2D1">
-    <dgm:fillClrLst meth="repeat">
-      <a:schemeClr val="accent1">
-        <a:tint val="60000"/>
-      </a:schemeClr>
-    </dgm:fillClrLst>
-    <dgm:linClrLst meth="repeat">
-      <a:schemeClr val="accent1">
-        <a:tint val="60000"/>
-      </a:schemeClr>
-    </dgm:linClrLst>
-    <dgm:effectClrLst/>
-    <dgm:txLinClrLst/>
-    <dgm:txFillClrLst/>
-    <dgm:txEffectClrLst/>
-  </dgm:styleLbl>
-  <dgm:styleLbl name="sibTrans1D1">
-    <dgm:fillClrLst meth="repeat">
-      <a:schemeClr val="accent1"/>
-    </dgm:fillClrLst>
-    <dgm:linClrLst meth="repeat">
-      <a:schemeClr val="accent1"/>
-    </dgm:linClrLst>
-    <dgm:effectClrLst/>
-    <dgm:txLinClrLst/>
-    <dgm:txFillClrLst meth="repeat">
-      <a:schemeClr val="tx1"/>
-    </dgm:txFillClrLst>
-    <dgm:txEffectClrLst/>
-  </dgm:styleLbl>
-  <dgm:styleLbl name="callout">
-    <dgm:fillClrLst meth="repeat">
-      <a:schemeClr val="accent1"/>
-    </dgm:fillClrLst>
-    <dgm:linClrLst meth="repeat">
-      <a:schemeClr val="accent1">
-        <a:tint val="50000"/>
-      </a:schemeClr>
-    </dgm:linClrLst>
-    <dgm:effectClrLst/>
-    <dgm:txLinClrLst/>
-    <dgm:txFillClrLst meth="repeat">
-      <a:schemeClr val="tx1"/>
-    </dgm:txFillClrLst>
-    <dgm:txEffectClrLst/>
-  </dgm:styleLbl>
-  <dgm:styleLbl name="asst0">
-    <dgm:fillClrLst meth="repeat">
-      <a:schemeClr val="accent1"/>
-    </dgm:fillClrLst>
-    <dgm:linClrLst meth="repeat">
-      <a:schemeClr val="lt1"/>
-    </dgm:linClrLst>
-    <dgm:effectClrLst/>
-    <dgm:txLinClrLst/>
-    <dgm:txFillClrLst/>
-    <dgm:txEffectClrLst/>
-  </dgm:styleLbl>
-  <dgm:styleLbl name="asst1">
-    <dgm:fillClrLst meth="repeat">
-      <a:schemeClr val="accent1"/>
-    </dgm:fillClrLst>
-    <dgm:linClrLst meth="repeat">
-      <a:schemeClr val="lt1"/>
-    </dgm:linClrLst>
-    <dgm:effectClrLst/>
-    <dgm:txLinClrLst/>
-    <dgm:txFillClrLst/>
-    <dgm:txEffectClrLst/>
-  </dgm:styleLbl>
-  <dgm:styleLbl name="asst2">
-    <dgm:fillClrLst meth="repeat">
-      <a:schemeClr val="accent1"/>
-    </dgm:fillClrLst>
-    <dgm:linClrLst meth="repeat">
-      <a:schemeClr val="lt1"/>
-    </dgm:linClrLst>
-    <dgm:effectClrLst/>
-    <dgm:txLinClrLst/>
-    <dgm:txFillClrLst/>
-    <dgm:txEffectClrLst/>
-  </dgm:styleLbl>
-  <dgm:styleLbl name="asst3">
-    <dgm:fillClrLst meth="repeat">
-      <a:schemeClr val="accent1"/>
-    </dgm:fillClrLst>
-    <dgm:linClrLst meth="repeat">
-      <a:schemeClr val="lt1"/>
-    </dgm:linClrLst>
-    <dgm:effectClrLst/>
-    <dgm:txLinClrLst/>
-    <dgm:txFillClrLst/>
-    <dgm:txEffectClrLst/>
-  </dgm:styleLbl>
-  <dgm:styleLbl name="asst4">
-    <dgm:fillClrLst meth="repeat">
-      <a:schemeClr val="accent1"/>
-    </dgm:fillClrLst>
-    <dgm:linClrLst meth="repeat">
-      <a:schemeClr val="lt1"/>
-    </dgm:linClrLst>
-    <dgm:effectClrLst/>
-    <dgm:txLinClrLst/>
-    <dgm:txFillClrLst/>
-    <dgm:txEffectClrLst/>
-  </dgm:styleLbl>
-  <dgm:styleLbl name="parChTrans2D1">
-    <dgm:fillClrLst meth="repeat">
-      <a:schemeClr val="accent1">
-        <a:tint val="60000"/>
-      </a:schemeClr>
-    </dgm:fillClrLst>
-    <dgm:linClrLst meth="repeat">
-      <a:schemeClr val="accent1">
-        <a:tint val="60000"/>
-      </a:schemeClr>
-    </dgm:linClrLst>
-    <dgm:effectClrLst/>
-    <dgm:txLinClrLst/>
-    <dgm:txFillClrLst meth="repeat">
-      <a:schemeClr val="lt1"/>
-    </dgm:txFillClrLst>
-    <dgm:txEffectClrLst/>
-  </dgm:styleLbl>
-  <dgm:styleLbl name="parChTrans2D2">
-    <dgm:fillClrLst meth="repeat">
-      <a:schemeClr val="accent1"/>
-    </dgm:fillClrLst>
-    <dgm:linClrLst meth="repeat">
-      <a:schemeClr val="accent1"/>
-    </dgm:linClrLst>
-    <dgm:effectClrLst/>
-    <dgm:txLinClrLst/>
-    <dgm:txFillClrLst meth="repeat">
-      <a:schemeClr val="lt1"/>
-    </dgm:txFillClrLst>
-    <dgm:txEffectClrLst/>
-  </dgm:styleLbl>
-  <dgm:styleLbl name="parChTrans2D3">
-    <dgm:fillClrLst meth="repeat">
-      <a:schemeClr val="accent1"/>
-    </dgm:fillClrLst>
-    <dgm:linClrLst meth="repeat">
-      <a:schemeClr val="accent1"/>
-    </dgm:linClrLst>
-    <dgm:effectClrLst/>
-    <dgm:txLinClrLst/>
-    <dgm:txFillClrLst meth="repeat">
-      <a:schemeClr val="lt1"/>
-    </dgm:txFillClrLst>
-    <dgm:txEffectClrLst/>
-  </dgm:styleLbl>
-  <dgm:styleLbl name="parChTrans2D4">
-    <dgm:fillClrLst meth="repeat">
-      <a:schemeClr val="accent1"/>
-    </dgm:fillClrLst>
-    <dgm:linClrLst meth="repeat">
-      <a:schemeClr val="accent1"/>
-    </dgm:linClrLst>
-    <dgm:effectClrLst/>
-    <dgm:txLinClrLst/>
-    <dgm:txFillClrLst meth="repeat">
-      <a:schemeClr val="lt1"/>
-    </dgm:txFillClrLst>
-    <dgm:txEffectClrLst/>
-  </dgm:styleLbl>
-  <dgm:styleLbl name="parChTrans1D1">
-    <dgm:fillClrLst meth="repeat">
-      <a:schemeClr val="accent1"/>
-    </dgm:fillClrLst>
-    <dgm:linClrLst meth="repeat">
-      <a:schemeClr val="accent1">
-        <a:shade val="60000"/>
-      </a:schemeClr>
-    </dgm:linClrLst>
-    <dgm:effectClrLst/>
-    <dgm:txLinClrLst/>
-    <dgm:txFillClrLst meth="repeat">
-      <a:schemeClr val="tx1"/>
-    </dgm:txFillClrLst>
-    <dgm:txEffectClrLst/>
-  </dgm:styleLbl>
-  <dgm:styleLbl name="parChTrans1D2">
-    <dgm:fillClrLst meth="repeat">
-      <a:schemeClr val="accent1"/>
-    </dgm:fillClrLst>
-    <dgm:linClrLst meth="repeat">
-      <a:schemeClr val="accent1">
-        <a:shade val="60000"/>
-      </a:schemeClr>
-    </dgm:linClrLst>
-    <dgm:effectClrLst/>
-    <dgm:txLinClrLst/>
-    <dgm:txFillClrLst meth="repeat">
-      <a:schemeClr val="tx1"/>
-    </dgm:txFillClrLst>
-    <dgm:txEffectClrLst/>
-  </dgm:styleLbl>
-  <dgm:styleLbl name="parChTrans1D3">
-    <dgm:fillClrLst meth="repeat">
-      <a:schemeClr val="accent1"/>
-    </dgm:fillClrLst>
-    <dgm:linClrLst meth="repeat">
-      <a:schemeClr val="accent1">
-        <a:shade val="80000"/>
-      </a:schemeClr>
-    </dgm:linClrLst>
-    <dgm:effectClrLst/>
-    <dgm:txLinClrLst/>
-    <dgm:txFillClrLst meth="repeat">
-      <a:schemeClr val="tx1"/>
-    </dgm:txFillClrLst>
-    <dgm:txEffectClrLst/>
-  </dgm:styleLbl>
-  <dgm:styleLbl name="parChTrans1D4">
-    <dgm:fillClrLst meth="repeat">
-      <a:schemeClr val="accent1"/>
-    </dgm:fillClrLst>
-    <dgm:linClrLst meth="repeat">
-      <a:schemeClr val="accent1">
-        <a:shade val="80000"/>
-      </a:schemeClr>
-    </dgm:linClrLst>
-    <dgm:effectClrLst/>
-    <dgm:txLinClrLst/>
-    <dgm:txFillClrLst meth="repeat">
-      <a:schemeClr val="tx1"/>
-    </dgm:txFillClrLst>
-    <dgm:txEffectClrLst/>
-  </dgm:styleLbl>
-  <dgm:styleLbl name="fgAcc1">
-    <dgm:fillClrLst meth="repeat">
-      <a:schemeClr val="lt1">
-        <a:alpha val="90000"/>
-      </a:schemeClr>
-    </dgm:fillClrLst>
-    <dgm:linClrLst meth="repeat">
-      <a:schemeClr val="accent1"/>
-    </dgm:linClrLst>
-    <dgm:effectClrLst/>
-    <dgm:txLinClrLst/>
-    <dgm:txFillClrLst meth="repeat">
-      <a:schemeClr val="dk1"/>
-    </dgm:txFillClrLst>
-    <dgm:txEffectClrLst/>
-  </dgm:styleLbl>
-  <dgm:styleLbl name="conFgAcc1">
-    <dgm:fillClrLst meth="repeat">
-      <a:schemeClr val="lt1">
-        <a:alpha val="90000"/>
-      </a:schemeClr>
-    </dgm:fillClrLst>
-    <dgm:linClrLst meth="repeat">
-      <a:schemeClr val="accent1"/>
-    </dgm:linClrLst>
-    <dgm:effectClrLst/>
-    <dgm:txLinClrLst/>
-    <dgm:txFillClrLst meth="repeat">
-      <a:schemeClr val="dk1"/>
-    </dgm:txFillClrLst>
-    <dgm:txEffectClrLst/>
-  </dgm:styleLbl>
-  <dgm:styleLbl name="alignAcc1">
-    <dgm:fillClrLst meth="repeat">
-      <a:schemeClr val="lt1">
-        <a:alpha val="90000"/>
-      </a:schemeClr>
-    </dgm:fillClrLst>
-    <dgm:linClrLst meth="repeat">
-      <a:schemeClr val="accent1"/>
-    </dgm:linClrLst>
-    <dgm:effectClrLst/>
-    <dgm:txLinClrLst/>
-    <dgm:txFillClrLst meth="repeat">
-      <a:schemeClr val="dk1"/>
-    </dgm:txFillClrLst>
-    <dgm:txEffectClrLst/>
-  </dgm:styleLbl>
-  <dgm:styleLbl name="trAlignAcc1">
-    <dgm:fillClrLst meth="repeat">
-      <a:schemeClr val="lt1">
-        <a:alpha val="40000"/>
-      </a:schemeClr>
-    </dgm:fillClrLst>
-    <dgm:linClrLst meth="repeat">
-      <a:schemeClr val="accent1"/>
-    </dgm:linClrLst>
-    <dgm:effectClrLst/>
-    <dgm:txLinClrLst/>
-    <dgm:txFillClrLst meth="repeat">
-      <a:schemeClr val="dk1"/>
-    </dgm:txFillClrLst>
-    <dgm:txEffectClrLst/>
-  </dgm:styleLbl>
-  <dgm:styleLbl name="bgAcc1">
-    <dgm:fillClrLst meth="repeat">
-      <a:schemeClr val="lt1">
-        <a:alpha val="90000"/>
-      </a:schemeClr>
-    </dgm:fillClrLst>
-    <dgm:linClrLst meth="repeat">
-      <a:schemeClr val="accent1"/>
-    </dgm:linClrLst>
-    <dgm:effectClrLst/>
-    <dgm:txLinClrLst/>
-    <dgm:txFillClrLst meth="repeat">
-      <a:schemeClr val="dk1"/>
-    </dgm:txFillClrLst>
-    <dgm:txEffectClrLst/>
-  </dgm:styleLbl>
-  <dgm:styleLbl name="solidFgAcc1">
-    <dgm:fillClrLst meth="repeat">
-      <a:schemeClr val="lt1"/>
-    </dgm:fillClrLst>
-    <dgm:linClrLst meth="repeat">
-      <a:schemeClr val="accent1"/>
-    </dgm:linClrLst>
-    <dgm:effectClrLst/>
-    <dgm:txLinClrLst/>
-    <dgm:txFillClrLst meth="repeat">
-      <a:schemeClr val="dk1"/>
-    </dgm:txFillClrLst>
-    <dgm:txEffectClrLst/>
-  </dgm:styleLbl>
-  <dgm:styleLbl name="solidAlignAcc1">
-    <dgm:fillClrLst meth="repeat">
-      <a:schemeClr val="lt1"/>
-    </dgm:fillClrLst>
-    <dgm:linClrLst meth="repeat">
-      <a:schemeClr val="accent1"/>
-    </dgm:linClrLst>
-    <dgm:effectClrLst/>
-    <dgm:txLinClrLst/>
-    <dgm:txFillClrLst meth="repeat">
-      <a:schemeClr val="dk1"/>
-    </dgm:txFillClrLst>
-    <dgm:txEffectClrLst/>
-  </dgm:styleLbl>
-  <dgm:styleLbl name="solidBgAcc1">
-    <dgm:fillClrLst meth="repeat">
-      <a:schemeClr val="lt1"/>
-    </dgm:fillClrLst>
-    <dgm:linClrLst meth="repeat">
-      <a:schemeClr val="accent1"/>
-    </dgm:linClrLst>
-    <dgm:effectClrLst/>
-    <dgm:txLinClrLst/>
-    <dgm:txFillClrLst meth="repeat">
-      <a:schemeClr val="dk1"/>
-    </dgm:txFillClrLst>
-    <dgm:txEffectClrLst/>
-  </dgm:styleLbl>
-  <dgm:styleLbl name="fgAccFollowNode1">
-    <dgm:fillClrLst meth="repeat">
-      <a:schemeClr val="accent1">
-        <a:alpha val="90000"/>
-        <a:tint val="40000"/>
-      </a:schemeClr>
-    </dgm:fillClrLst>
-    <dgm:linClrLst meth="repeat">
-      <a:schemeClr val="accent1">
-        <a:alpha val="90000"/>
-        <a:tint val="40000"/>
-      </a:schemeClr>
-    </dgm:linClrLst>
-    <dgm:effectClrLst/>
-    <dgm:txLinClrLst/>
-    <dgm:txFillClrLst meth="repeat">
-      <a:schemeClr val="dk1"/>
-    </dgm:txFillClrLst>
-    <dgm:txEffectClrLst/>
-  </dgm:styleLbl>
-  <dgm:styleLbl name="alignAccFollowNode1">
-    <dgm:fillClrLst meth="repeat">
-      <a:schemeClr val="accent1">
-        <a:alpha val="90000"/>
-        <a:tint val="40000"/>
-      </a:schemeClr>
-    </dgm:fillClrLst>
-    <dgm:linClrLst meth="repeat">
-      <a:schemeClr val="accent1">
-        <a:alpha val="90000"/>
-        <a:tint val="40000"/>
-      </a:schemeClr>
-    </dgm:linClrLst>
-    <dgm:effectClrLst/>
-    <dgm:txLinClrLst/>
-    <dgm:txFillClrLst meth="repeat">
-      <a:schemeClr val="dk1"/>
-    </dgm:txFillClrLst>
-    <dgm:txEffectClrLst/>
-  </dgm:styleLbl>
-  <dgm:styleLbl name="bgAccFollowNode1">
-    <dgm:fillClrLst meth="repeat">
-      <a:schemeClr val="accent1">
-        <a:alpha val="90000"/>
-        <a:tint val="40000"/>
-      </a:schemeClr>
-    </dgm:fillClrLst>
-    <dgm:linClrLst meth="repeat">
-      <a:schemeClr val="accent1">
-        <a:alpha val="90000"/>
-        <a:tint val="40000"/>
-      </a:schemeClr>
-    </dgm:linClrLst>
-    <dgm:effectClrLst/>
-    <dgm:txLinClrLst/>
-    <dgm:txFillClrLst meth="repeat">
-      <a:schemeClr val="dk1"/>
-    </dgm:txFillClrLst>
-    <dgm:txEffectClrLst/>
-  </dgm:styleLbl>
-  <dgm:styleLbl name="fgAcc0">
-    <dgm:fillClrLst meth="repeat">
-      <a:schemeClr val="lt1">
-        <a:alpha val="90000"/>
-      </a:schemeClr>
-    </dgm:fillClrLst>
-    <dgm:linClrLst meth="repeat">
-      <a:schemeClr val="accent1"/>
-    </dgm:linClrLst>
-    <dgm:effectClrLst/>
-    <dgm:txLinClrLst/>
-    <dgm:txFillClrLst meth="repeat">
-      <a:schemeClr val="dk1"/>
-    </dgm:txFillClrLst>
-    <dgm:txEffectClrLst/>
-  </dgm:styleLbl>
-  <dgm:styleLbl name="fgAcc2">
-    <dgm:fillClrLst meth="repeat">
-      <a:schemeClr val="lt1">
-        <a:alpha val="90000"/>
-      </a:schemeClr>
-    </dgm:fillClrLst>
-    <dgm:linClrLst meth="repeat">
-      <a:schemeClr val="accent1"/>
-    </dgm:linClrLst>
-    <dgm:effectClrLst/>
-    <dgm:txLinClrLst/>
-    <dgm:txFillClrLst meth="repeat">
-      <a:schemeClr val="dk1"/>
-    </dgm:txFillClrLst>
-    <dgm:txEffectClrLst/>
-  </dgm:styleLbl>
-  <dgm:styleLbl name="fgAcc3">
-    <dgm:fillClrLst meth="repeat">
-      <a:schemeClr val="lt1">
-        <a:alpha val="90000"/>
-      </a:schemeClr>
-    </dgm:fillClrLst>
-    <dgm:linClrLst meth="repeat">
-      <a:schemeClr val="accent1"/>
-    </dgm:linClrLst>
-    <dgm:effectClrLst/>
-    <dgm:txLinClrLst/>
-    <dgm:txFillClrLst meth="repeat">
-      <a:schemeClr val="dk1"/>
-    </dgm:txFillClrLst>
-    <dgm:txEffectClrLst/>
-  </dgm:styleLbl>
-  <dgm:styleLbl name="fgAcc4">
-    <dgm:fillClrLst meth="repeat">
-      <a:schemeClr val="lt1">
-        <a:alpha val="90000"/>
-      </a:schemeClr>
-    </dgm:fillClrLst>
-    <dgm:linClrLst meth="repeat">
-      <a:schemeClr val="accent1"/>
-    </dgm:linClrLst>
-    <dgm:effectClrLst/>
-    <dgm:txLinClrLst/>
-    <dgm:txFillClrLst meth="repeat">
-      <a:schemeClr val="dk1"/>
-    </dgm:txFillClrLst>
-    <dgm:txEffectClrLst/>
-  </dgm:styleLbl>
-  <dgm:styleLbl name="bgShp">
-    <dgm:fillClrLst meth="repeat">
-      <a:schemeClr val="accent1">
-        <a:tint val="40000"/>
-      </a:schemeClr>
-    </dgm:fillClrLst>
-    <dgm:linClrLst meth="repeat">
-      <a:schemeClr val="accent1"/>
-    </dgm:linClrLst>
-    <dgm:effectClrLst/>
-    <dgm:txLinClrLst/>
-    <dgm:txFillClrLst meth="repeat">
-      <a:schemeClr val="dk1"/>
-    </dgm:txFillClrLst>
-    <dgm:txEffectClrLst/>
-  </dgm:styleLbl>
-  <dgm:styleLbl name="dkBgShp">
-    <dgm:fillClrLst meth="repeat">
-      <a:schemeClr val="accent1">
-        <a:shade val="80000"/>
-      </a:schemeClr>
-    </dgm:fillClrLst>
-    <dgm:linClrLst meth="repeat">
-      <a:schemeClr val="accent1"/>
-    </dgm:linClrLst>
-    <dgm:effectClrLst/>
-    <dgm:txLinClrLst/>
-    <dgm:txFillClrLst meth="repeat">
-      <a:schemeClr val="lt1"/>
-    </dgm:txFillClrLst>
-    <dgm:txEffectClrLst/>
-  </dgm:styleLbl>
-  <dgm:styleLbl name="trBgShp">
-    <dgm:fillClrLst meth="repeat">
-      <a:schemeClr val="accent1">
-        <a:tint val="50000"/>
-        <a:alpha val="40000"/>
-      </a:schemeClr>
-    </dgm:fillClrLst>
-    <dgm:linClrLst meth="repeat">
-      <a:schemeClr val="accent1"/>
-    </dgm:linClrLst>
-    <dgm:effectClrLst/>
-    <dgm:txLinClrLst/>
-    <dgm:txFillClrLst meth="repeat">
-      <a:schemeClr val="lt1"/>
-    </dgm:txFillClrLst>
-    <dgm:txEffectClrLst/>
-  </dgm:styleLbl>
-  <dgm:styleLbl name="fgShp">
-    <dgm:fillClrLst meth="repeat">
-      <a:schemeClr val="accent1">
-        <a:tint val="60000"/>
-      </a:schemeClr>
-    </dgm:fillClrLst>
-    <dgm:linClrLst meth="repeat">
-      <a:schemeClr val="lt1"/>
-    </dgm:linClrLst>
-    <dgm:effectClrLst/>
-    <dgm:txLinClrLst/>
-    <dgm:txFillClrLst meth="repeat">
-      <a:schemeClr val="dk1"/>
-    </dgm:txFillClrLst>
-    <dgm:txEffectClrLst/>
-  </dgm:styleLbl>
-  <dgm:styleLbl name="revTx">
-    <dgm:fillClrLst meth="repeat">
-      <a:schemeClr val="lt1">
-        <a:alpha val="0"/>
-      </a:schemeClr>
-    </dgm:fillClrLst>
-    <dgm:linClrLst meth="repeat">
-      <a:schemeClr val="dk1">
-        <a:alpha val="0"/>
-      </a:schemeClr>
-    </dgm:linClrLst>
-    <dgm:effectClrLst/>
-    <dgm:txLinClrLst/>
-    <dgm:txFillClrLst meth="repeat">
-      <a:schemeClr val="tx1"/>
-    </dgm:txFillClrLst>
-    <dgm:txEffectClrLst/>
-  </dgm:styleLbl>
-</dgm:colorsDef>
-</file>
-
-<file path=ppt/diagrams/data1.xml><?xml version="1.0" encoding="utf-8"?>
-<dgm:dataModel xmlns:dgm="http://schemas.openxmlformats.org/drawingml/2006/diagram" xmlns:a="http://schemas.openxmlformats.org/drawingml/2006/main">
-  <dgm:ptLst>
-    <dgm:pt modelId="{928B9BD9-CCD1-FE4B-B336-62050BFE362B}" type="doc">
-      <dgm:prSet loTypeId="urn:microsoft.com/office/officeart/2005/8/layout/radial2" loCatId="" qsTypeId="urn:microsoft.com/office/officeart/2005/8/quickstyle/simple1" qsCatId="simple" csTypeId="urn:microsoft.com/office/officeart/2005/8/colors/accent1_2" csCatId="accent1" phldr="1"/>
-      <dgm:spPr/>
-      <dgm:t>
-        <a:bodyPr/>
-        <a:lstStyle/>
-        <a:p>
-          <a:endParaRPr lang="en-GB"/>
-        </a:p>
-      </dgm:t>
-    </dgm:pt>
-    <dgm:pt modelId="{4F35545C-4EA6-4C4F-982E-64607A5E4D77}">
-      <dgm:prSet phldrT="[Text]"/>
-      <dgm:spPr/>
-      <dgm:t>
-        <a:bodyPr/>
-        <a:lstStyle/>
-        <a:p>
-          <a:r>
-            <a:rPr lang="en-GB" dirty="0"/>
-            <a:t>Breakfast</a:t>
-          </a:r>
-        </a:p>
-      </dgm:t>
-    </dgm:pt>
-    <dgm:pt modelId="{ABD45062-EDE6-F34F-B313-682D767ADF2D}" type="parTrans" cxnId="{07EC1066-AD48-6E48-8C85-3BBCC4825B72}">
-      <dgm:prSet/>
-      <dgm:spPr/>
-      <dgm:t>
-        <a:bodyPr/>
-        <a:lstStyle/>
-        <a:p>
-          <a:endParaRPr lang="en-GB"/>
-        </a:p>
-      </dgm:t>
-    </dgm:pt>
-    <dgm:pt modelId="{1A7A3144-83DD-C148-AE81-6BB222EEA076}" type="sibTrans" cxnId="{07EC1066-AD48-6E48-8C85-3BBCC4825B72}">
-      <dgm:prSet/>
-      <dgm:spPr/>
-      <dgm:t>
-        <a:bodyPr/>
-        <a:lstStyle/>
-        <a:p>
-          <a:endParaRPr lang="en-GB"/>
-        </a:p>
-      </dgm:t>
-    </dgm:pt>
-    <dgm:pt modelId="{C4FCF19C-FA99-084F-BB98-7113B6178599}">
-      <dgm:prSet phldrT="[Text]"/>
-      <dgm:spPr/>
-      <dgm:t>
-        <a:bodyPr/>
-        <a:lstStyle/>
-        <a:p>
-          <a:r>
-            <a:rPr lang="en-GB" dirty="0"/>
-            <a:t>Lunch</a:t>
-          </a:r>
-        </a:p>
-      </dgm:t>
-    </dgm:pt>
-    <dgm:pt modelId="{5CFB6614-EA4B-A94D-AD47-3DA6E839EA12}" type="parTrans" cxnId="{7549DE8F-FD39-2448-A3B3-6E2DAB867839}">
-      <dgm:prSet/>
-      <dgm:spPr/>
-      <dgm:t>
-        <a:bodyPr/>
-        <a:lstStyle/>
-        <a:p>
-          <a:endParaRPr lang="en-GB"/>
-        </a:p>
-      </dgm:t>
-    </dgm:pt>
-    <dgm:pt modelId="{96EB671C-3351-3D42-A761-AB707BEBEBF5}" type="sibTrans" cxnId="{7549DE8F-FD39-2448-A3B3-6E2DAB867839}">
-      <dgm:prSet/>
-      <dgm:spPr/>
-      <dgm:t>
-        <a:bodyPr/>
-        <a:lstStyle/>
-        <a:p>
-          <a:endParaRPr lang="en-GB"/>
-        </a:p>
-      </dgm:t>
-    </dgm:pt>
-    <dgm:pt modelId="{2FF27CD7-4662-6842-ACB1-1302FFD450F7}">
-      <dgm:prSet phldrT="[Text]"/>
-      <dgm:spPr/>
-      <dgm:t>
-        <a:bodyPr/>
-        <a:lstStyle/>
-        <a:p>
-          <a:r>
-            <a:rPr lang="en-GB" dirty="0"/>
-            <a:t>Dinner</a:t>
-          </a:r>
-        </a:p>
-      </dgm:t>
-    </dgm:pt>
-    <dgm:pt modelId="{F17A7F70-59EA-1F45-8DC3-8DC796CEFDA0}" type="parTrans" cxnId="{B27EB687-E3A6-9645-8371-BB7C8FB1CBD8}">
-      <dgm:prSet/>
-      <dgm:spPr/>
-      <dgm:t>
-        <a:bodyPr/>
-        <a:lstStyle/>
-        <a:p>
-          <a:endParaRPr lang="en-GB"/>
-        </a:p>
-      </dgm:t>
-    </dgm:pt>
-    <dgm:pt modelId="{C305BCD8-2D31-7F44-B18F-EFADF4778211}" type="sibTrans" cxnId="{B27EB687-E3A6-9645-8371-BB7C8FB1CBD8}">
-      <dgm:prSet/>
-      <dgm:spPr/>
-      <dgm:t>
-        <a:bodyPr/>
-        <a:lstStyle/>
-        <a:p>
-          <a:endParaRPr lang="en-GB"/>
-        </a:p>
-      </dgm:t>
-    </dgm:pt>
-    <dgm:pt modelId="{0BBA6D34-57BA-9F40-8375-835C2287E7DC}" type="pres">
-      <dgm:prSet presAssocID="{928B9BD9-CCD1-FE4B-B336-62050BFE362B}" presName="composite" presStyleCnt="0">
-        <dgm:presLayoutVars>
-          <dgm:chMax val="5"/>
-          <dgm:dir/>
-          <dgm:animLvl val="ctr"/>
-          <dgm:resizeHandles val="exact"/>
-        </dgm:presLayoutVars>
-      </dgm:prSet>
-      <dgm:spPr/>
-    </dgm:pt>
-    <dgm:pt modelId="{70C118BA-6646-904C-A081-A68E8F35132F}" type="pres">
-      <dgm:prSet presAssocID="{928B9BD9-CCD1-FE4B-B336-62050BFE362B}" presName="cycle" presStyleCnt="0"/>
-      <dgm:spPr/>
-    </dgm:pt>
-    <dgm:pt modelId="{1A91CFB2-70C1-544D-B3F3-A7937875A366}" type="pres">
-      <dgm:prSet presAssocID="{928B9BD9-CCD1-FE4B-B336-62050BFE362B}" presName="centerShape" presStyleCnt="0"/>
-      <dgm:spPr/>
-    </dgm:pt>
-    <dgm:pt modelId="{9EF5DEEC-D370-EB4D-A536-62E25A351FFD}" type="pres">
-      <dgm:prSet presAssocID="{928B9BD9-CCD1-FE4B-B336-62050BFE362B}" presName="connSite" presStyleLbl="node1" presStyleIdx="0" presStyleCnt="4"/>
-      <dgm:spPr/>
-    </dgm:pt>
-    <dgm:pt modelId="{6F11EC79-1D29-FF4B-B3B4-AC6FB651383F}" type="pres">
-      <dgm:prSet presAssocID="{928B9BD9-CCD1-FE4B-B336-62050BFE362B}" presName="visible" presStyleLbl="node1" presStyleIdx="0" presStyleCnt="4"/>
-      <dgm:spPr/>
-    </dgm:pt>
-    <dgm:pt modelId="{2EDB2795-440B-5C42-ACF4-5C42FFA4DB9E}" type="pres">
-      <dgm:prSet presAssocID="{ABD45062-EDE6-F34F-B313-682D767ADF2D}" presName="Name25" presStyleLbl="parChTrans1D1" presStyleIdx="0" presStyleCnt="3"/>
-      <dgm:spPr/>
-    </dgm:pt>
-    <dgm:pt modelId="{3C15460D-226B-3A45-9408-615094F1E255}" type="pres">
-      <dgm:prSet presAssocID="{4F35545C-4EA6-4C4F-982E-64607A5E4D77}" presName="node" presStyleCnt="0"/>
-      <dgm:spPr/>
-    </dgm:pt>
-    <dgm:pt modelId="{90144700-9D71-8245-9F8E-03AAB3960BBB}" type="pres">
-      <dgm:prSet presAssocID="{4F35545C-4EA6-4C4F-982E-64607A5E4D77}" presName="parentNode" presStyleLbl="node1" presStyleIdx="1" presStyleCnt="4">
-        <dgm:presLayoutVars>
-          <dgm:chMax val="1"/>
-          <dgm:bulletEnabled val="1"/>
-        </dgm:presLayoutVars>
-      </dgm:prSet>
-      <dgm:spPr/>
-    </dgm:pt>
-    <dgm:pt modelId="{EEA3482E-04D4-9F4A-986C-997E76F792AB}" type="pres">
-      <dgm:prSet presAssocID="{4F35545C-4EA6-4C4F-982E-64607A5E4D77}" presName="childNode" presStyleLbl="revTx" presStyleIdx="0" presStyleCnt="0">
-        <dgm:presLayoutVars>
-          <dgm:bulletEnabled val="1"/>
-        </dgm:presLayoutVars>
-      </dgm:prSet>
-      <dgm:spPr/>
-    </dgm:pt>
-    <dgm:pt modelId="{2D691C4C-D66C-0F4E-82E0-9B4205CD9093}" type="pres">
-      <dgm:prSet presAssocID="{5CFB6614-EA4B-A94D-AD47-3DA6E839EA12}" presName="Name25" presStyleLbl="parChTrans1D1" presStyleIdx="1" presStyleCnt="3"/>
-      <dgm:spPr/>
-    </dgm:pt>
-    <dgm:pt modelId="{B461A172-BD87-C645-AC19-0AF56A248EC3}" type="pres">
-      <dgm:prSet presAssocID="{C4FCF19C-FA99-084F-BB98-7113B6178599}" presName="node" presStyleCnt="0"/>
-      <dgm:spPr/>
-    </dgm:pt>
-    <dgm:pt modelId="{180EF10B-F19F-A847-89C8-E28731DCF413}" type="pres">
-      <dgm:prSet presAssocID="{C4FCF19C-FA99-084F-BB98-7113B6178599}" presName="parentNode" presStyleLbl="node1" presStyleIdx="2" presStyleCnt="4">
-        <dgm:presLayoutVars>
-          <dgm:chMax val="1"/>
-          <dgm:bulletEnabled val="1"/>
-        </dgm:presLayoutVars>
-      </dgm:prSet>
-      <dgm:spPr/>
-    </dgm:pt>
-    <dgm:pt modelId="{658D6054-810C-ED40-9E90-DA0B9D682293}" type="pres">
-      <dgm:prSet presAssocID="{C4FCF19C-FA99-084F-BB98-7113B6178599}" presName="childNode" presStyleLbl="revTx" presStyleIdx="0" presStyleCnt="0">
-        <dgm:presLayoutVars>
-          <dgm:bulletEnabled val="1"/>
-        </dgm:presLayoutVars>
-      </dgm:prSet>
-      <dgm:spPr/>
-    </dgm:pt>
-    <dgm:pt modelId="{BB4F29F6-E85C-9047-8801-5BA1BA88BC8A}" type="pres">
-      <dgm:prSet presAssocID="{F17A7F70-59EA-1F45-8DC3-8DC796CEFDA0}" presName="Name25" presStyleLbl="parChTrans1D1" presStyleIdx="2" presStyleCnt="3"/>
-      <dgm:spPr/>
-    </dgm:pt>
-    <dgm:pt modelId="{931E7E62-4C9F-2D43-B6FD-3FDE99A858CC}" type="pres">
-      <dgm:prSet presAssocID="{2FF27CD7-4662-6842-ACB1-1302FFD450F7}" presName="node" presStyleCnt="0"/>
-      <dgm:spPr/>
-    </dgm:pt>
-    <dgm:pt modelId="{34096524-C20B-3548-BA0A-C8C640100292}" type="pres">
-      <dgm:prSet presAssocID="{2FF27CD7-4662-6842-ACB1-1302FFD450F7}" presName="parentNode" presStyleLbl="node1" presStyleIdx="3" presStyleCnt="4">
-        <dgm:presLayoutVars>
-          <dgm:chMax val="1"/>
-          <dgm:bulletEnabled val="1"/>
-        </dgm:presLayoutVars>
-      </dgm:prSet>
-      <dgm:spPr/>
-    </dgm:pt>
-    <dgm:pt modelId="{40A552A1-5317-B845-A293-8079651EEBDC}" type="pres">
-      <dgm:prSet presAssocID="{2FF27CD7-4662-6842-ACB1-1302FFD450F7}" presName="childNode" presStyleLbl="revTx" presStyleIdx="0" presStyleCnt="0">
-        <dgm:presLayoutVars>
-          <dgm:bulletEnabled val="1"/>
-        </dgm:presLayoutVars>
-      </dgm:prSet>
-      <dgm:spPr/>
-    </dgm:pt>
-  </dgm:ptLst>
-  <dgm:cxnLst>
-    <dgm:cxn modelId="{69BE2812-D08F-8942-822E-33A1B9E356CF}" type="presOf" srcId="{4F35545C-4EA6-4C4F-982E-64607A5E4D77}" destId="{90144700-9D71-8245-9F8E-03AAB3960BBB}" srcOrd="0" destOrd="0" presId="urn:microsoft.com/office/officeart/2005/8/layout/radial2"/>
-    <dgm:cxn modelId="{C598831A-7C21-C94D-8D1B-72D7235A67E4}" type="presOf" srcId="{928B9BD9-CCD1-FE4B-B336-62050BFE362B}" destId="{0BBA6D34-57BA-9F40-8375-835C2287E7DC}" srcOrd="0" destOrd="0" presId="urn:microsoft.com/office/officeart/2005/8/layout/radial2"/>
-    <dgm:cxn modelId="{EA5A803C-A05B-C94B-B176-933561AE5F90}" type="presOf" srcId="{F17A7F70-59EA-1F45-8DC3-8DC796CEFDA0}" destId="{BB4F29F6-E85C-9047-8801-5BA1BA88BC8A}" srcOrd="0" destOrd="0" presId="urn:microsoft.com/office/officeart/2005/8/layout/radial2"/>
-    <dgm:cxn modelId="{BE5B4764-BB1B-FD40-856C-44A924AD5BD0}" type="presOf" srcId="{C4FCF19C-FA99-084F-BB98-7113B6178599}" destId="{180EF10B-F19F-A847-89C8-E28731DCF413}" srcOrd="0" destOrd="0" presId="urn:microsoft.com/office/officeart/2005/8/layout/radial2"/>
-    <dgm:cxn modelId="{07EC1066-AD48-6E48-8C85-3BBCC4825B72}" srcId="{928B9BD9-CCD1-FE4B-B336-62050BFE362B}" destId="{4F35545C-4EA6-4C4F-982E-64607A5E4D77}" srcOrd="0" destOrd="0" parTransId="{ABD45062-EDE6-F34F-B313-682D767ADF2D}" sibTransId="{1A7A3144-83DD-C148-AE81-6BB222EEA076}"/>
-    <dgm:cxn modelId="{B27EB687-E3A6-9645-8371-BB7C8FB1CBD8}" srcId="{928B9BD9-CCD1-FE4B-B336-62050BFE362B}" destId="{2FF27CD7-4662-6842-ACB1-1302FFD450F7}" srcOrd="2" destOrd="0" parTransId="{F17A7F70-59EA-1F45-8DC3-8DC796CEFDA0}" sibTransId="{C305BCD8-2D31-7F44-B18F-EFADF4778211}"/>
-    <dgm:cxn modelId="{7549DE8F-FD39-2448-A3B3-6E2DAB867839}" srcId="{928B9BD9-CCD1-FE4B-B336-62050BFE362B}" destId="{C4FCF19C-FA99-084F-BB98-7113B6178599}" srcOrd="1" destOrd="0" parTransId="{5CFB6614-EA4B-A94D-AD47-3DA6E839EA12}" sibTransId="{96EB671C-3351-3D42-A761-AB707BEBEBF5}"/>
-    <dgm:cxn modelId="{68C4B396-8048-A446-9858-E3E96A77331C}" type="presOf" srcId="{ABD45062-EDE6-F34F-B313-682D767ADF2D}" destId="{2EDB2795-440B-5C42-ACF4-5C42FFA4DB9E}" srcOrd="0" destOrd="0" presId="urn:microsoft.com/office/officeart/2005/8/layout/radial2"/>
-    <dgm:cxn modelId="{FAED76A4-4DF3-5641-8598-84A408878755}" type="presOf" srcId="{2FF27CD7-4662-6842-ACB1-1302FFD450F7}" destId="{34096524-C20B-3548-BA0A-C8C640100292}" srcOrd="0" destOrd="0" presId="urn:microsoft.com/office/officeart/2005/8/layout/radial2"/>
-    <dgm:cxn modelId="{0E1C6BBC-D023-6440-B591-F79967B6D350}" type="presOf" srcId="{5CFB6614-EA4B-A94D-AD47-3DA6E839EA12}" destId="{2D691C4C-D66C-0F4E-82E0-9B4205CD9093}" srcOrd="0" destOrd="0" presId="urn:microsoft.com/office/officeart/2005/8/layout/radial2"/>
-    <dgm:cxn modelId="{F5F5A3D8-4233-3348-A92B-46FFF1BF38FA}" type="presParOf" srcId="{0BBA6D34-57BA-9F40-8375-835C2287E7DC}" destId="{70C118BA-6646-904C-A081-A68E8F35132F}" srcOrd="0" destOrd="0" presId="urn:microsoft.com/office/officeart/2005/8/layout/radial2"/>
-    <dgm:cxn modelId="{F62FDBAB-D8F9-0544-906C-B7F2A3A3B52C}" type="presParOf" srcId="{70C118BA-6646-904C-A081-A68E8F35132F}" destId="{1A91CFB2-70C1-544D-B3F3-A7937875A366}" srcOrd="0" destOrd="0" presId="urn:microsoft.com/office/officeart/2005/8/layout/radial2"/>
-    <dgm:cxn modelId="{57815BC3-6F6C-B14F-905C-9C116ECDAA75}" type="presParOf" srcId="{1A91CFB2-70C1-544D-B3F3-A7937875A366}" destId="{9EF5DEEC-D370-EB4D-A536-62E25A351FFD}" srcOrd="0" destOrd="0" presId="urn:microsoft.com/office/officeart/2005/8/layout/radial2"/>
-    <dgm:cxn modelId="{50C12367-EA1F-A249-88FB-9AC3A2B9707F}" type="presParOf" srcId="{1A91CFB2-70C1-544D-B3F3-A7937875A366}" destId="{6F11EC79-1D29-FF4B-B3B4-AC6FB651383F}" srcOrd="1" destOrd="0" presId="urn:microsoft.com/office/officeart/2005/8/layout/radial2"/>
-    <dgm:cxn modelId="{903AA31E-EF2D-9145-81DC-546C2961A65F}" type="presParOf" srcId="{70C118BA-6646-904C-A081-A68E8F35132F}" destId="{2EDB2795-440B-5C42-ACF4-5C42FFA4DB9E}" srcOrd="1" destOrd="0" presId="urn:microsoft.com/office/officeart/2005/8/layout/radial2"/>
-    <dgm:cxn modelId="{B92FEFDF-D448-D342-BB1B-416DDBA86D5F}" type="presParOf" srcId="{70C118BA-6646-904C-A081-A68E8F35132F}" destId="{3C15460D-226B-3A45-9408-615094F1E255}" srcOrd="2" destOrd="0" presId="urn:microsoft.com/office/officeart/2005/8/layout/radial2"/>
-    <dgm:cxn modelId="{DC00E148-4842-A045-B9D1-1AC501CA2BBF}" type="presParOf" srcId="{3C15460D-226B-3A45-9408-615094F1E255}" destId="{90144700-9D71-8245-9F8E-03AAB3960BBB}" srcOrd="0" destOrd="0" presId="urn:microsoft.com/office/officeart/2005/8/layout/radial2"/>
-    <dgm:cxn modelId="{8B71D41D-26ED-3243-A155-EFCA89885621}" type="presParOf" srcId="{3C15460D-226B-3A45-9408-615094F1E255}" destId="{EEA3482E-04D4-9F4A-986C-997E76F792AB}" srcOrd="1" destOrd="0" presId="urn:microsoft.com/office/officeart/2005/8/layout/radial2"/>
-    <dgm:cxn modelId="{B42527D1-F684-8F42-BB31-4301ECBDC944}" type="presParOf" srcId="{70C118BA-6646-904C-A081-A68E8F35132F}" destId="{2D691C4C-D66C-0F4E-82E0-9B4205CD9093}" srcOrd="3" destOrd="0" presId="urn:microsoft.com/office/officeart/2005/8/layout/radial2"/>
-    <dgm:cxn modelId="{42DAA87E-E0C8-7747-BD3C-9A6267DBE9AF}" type="presParOf" srcId="{70C118BA-6646-904C-A081-A68E8F35132F}" destId="{B461A172-BD87-C645-AC19-0AF56A248EC3}" srcOrd="4" destOrd="0" presId="urn:microsoft.com/office/officeart/2005/8/layout/radial2"/>
-    <dgm:cxn modelId="{6A79576C-2ECA-BE4A-A0BD-817BFA0E55EC}" type="presParOf" srcId="{B461A172-BD87-C645-AC19-0AF56A248EC3}" destId="{180EF10B-F19F-A847-89C8-E28731DCF413}" srcOrd="0" destOrd="0" presId="urn:microsoft.com/office/officeart/2005/8/layout/radial2"/>
-    <dgm:cxn modelId="{C301F6B1-3007-C947-A83C-85CC2514FB85}" type="presParOf" srcId="{B461A172-BD87-C645-AC19-0AF56A248EC3}" destId="{658D6054-810C-ED40-9E90-DA0B9D682293}" srcOrd="1" destOrd="0" presId="urn:microsoft.com/office/officeart/2005/8/layout/radial2"/>
-    <dgm:cxn modelId="{244D7336-E141-3D4E-8010-168DEAEDDB85}" type="presParOf" srcId="{70C118BA-6646-904C-A081-A68E8F35132F}" destId="{BB4F29F6-E85C-9047-8801-5BA1BA88BC8A}" srcOrd="5" destOrd="0" presId="urn:microsoft.com/office/officeart/2005/8/layout/radial2"/>
-    <dgm:cxn modelId="{AF300F01-FC51-004B-A393-E499CB72AB9E}" type="presParOf" srcId="{70C118BA-6646-904C-A081-A68E8F35132F}" destId="{931E7E62-4C9F-2D43-B6FD-3FDE99A858CC}" srcOrd="6" destOrd="0" presId="urn:microsoft.com/office/officeart/2005/8/layout/radial2"/>
-    <dgm:cxn modelId="{EF01B02E-F9C5-F843-999A-322D2EEC11AC}" type="presParOf" srcId="{931E7E62-4C9F-2D43-B6FD-3FDE99A858CC}" destId="{34096524-C20B-3548-BA0A-C8C640100292}" srcOrd="0" destOrd="0" presId="urn:microsoft.com/office/officeart/2005/8/layout/radial2"/>
-    <dgm:cxn modelId="{6B8B1B48-8898-9E48-AB70-607B08D61F90}" type="presParOf" srcId="{931E7E62-4C9F-2D43-B6FD-3FDE99A858CC}" destId="{40A552A1-5317-B845-A293-8079651EEBDC}" srcOrd="1" destOrd="0" presId="urn:microsoft.com/office/officeart/2005/8/layout/radial2"/>
-  </dgm:cxnLst>
-  <dgm:bg/>
-  <dgm:whole/>
-  <dgm:extLst>
-    <a:ext uri="http://schemas.microsoft.com/office/drawing/2008/diagram">
-      <dsp:dataModelExt xmlns:dsp="http://schemas.microsoft.com/office/drawing/2008/diagram" relId="rId8" minVer="http://schemas.openxmlformats.org/drawingml/2006/diagram"/>
-    </a:ext>
-  </dgm:extLst>
-</dgm:dataModel>
-</file>
-
-<file path=ppt/diagrams/drawing1.xml><?xml version="1.0" encoding="utf-8"?>
-<dsp:drawing xmlns:dgm="http://schemas.openxmlformats.org/drawingml/2006/diagram" xmlns:dsp="http://schemas.microsoft.com/office/drawing/2008/diagram" xmlns:a="http://schemas.openxmlformats.org/drawingml/2006/main">
-  <dsp:spTree>
-    <dsp:nvGrpSpPr>
-      <dsp:cNvPr id="0" name=""/>
-      <dsp:cNvGrpSpPr/>
-    </dsp:nvGrpSpPr>
-    <dsp:grpSpPr/>
-    <dsp:sp modelId="{BB4F29F6-E85C-9047-8801-5BA1BA88BC8A}">
-      <dsp:nvSpPr>
-        <dsp:cNvPr id="0" name=""/>
-        <dsp:cNvSpPr/>
-      </dsp:nvSpPr>
-      <dsp:spPr>
-        <a:xfrm rot="2563250">
-          <a:off x="3232776" y="2722623"/>
-          <a:ext cx="584929" cy="39067"/>
-        </a:xfrm>
-        <a:custGeom>
-          <a:avLst/>
-          <a:gdLst/>
-          <a:ahLst/>
-          <a:cxnLst/>
-          <a:rect l="0" t="0" r="0" b="0"/>
-          <a:pathLst>
-            <a:path>
-              <a:moveTo>
-                <a:pt x="0" y="19533"/>
-              </a:moveTo>
-              <a:lnTo>
-                <a:pt x="584929" y="19533"/>
-              </a:lnTo>
-            </a:path>
-          </a:pathLst>
-        </a:custGeom>
-        <a:noFill/>
-        <a:ln w="19050" cap="rnd" cmpd="sng" algn="ctr">
-          <a:solidFill>
-            <a:schemeClr val="accent1">
-              <a:shade val="60000"/>
-              <a:hueOff val="0"/>
-              <a:satOff val="0"/>
-              <a:lumOff val="0"/>
-              <a:alphaOff val="0"/>
-            </a:schemeClr>
-          </a:solidFill>
-          <a:prstDash val="solid"/>
-        </a:ln>
-        <a:effectLst/>
-      </dsp:spPr>
-      <dsp:style>
-        <a:lnRef idx="2">
-          <a:scrgbClr r="0" g="0" b="0"/>
-        </a:lnRef>
-        <a:fillRef idx="0">
-          <a:scrgbClr r="0" g="0" b="0"/>
-        </a:fillRef>
-        <a:effectRef idx="0">
-          <a:scrgbClr r="0" g="0" b="0"/>
-        </a:effectRef>
-        <a:fontRef idx="minor"/>
-      </dsp:style>
-    </dsp:sp>
-    <dsp:sp modelId="{2D691C4C-D66C-0F4E-82E0-9B4205CD9093}">
-      <dsp:nvSpPr>
-        <dsp:cNvPr id="0" name=""/>
-        <dsp:cNvSpPr/>
-      </dsp:nvSpPr>
-      <dsp:spPr>
-        <a:xfrm>
-          <a:off x="3310376" y="1921184"/>
-          <a:ext cx="650874" cy="39067"/>
-        </a:xfrm>
-        <a:custGeom>
-          <a:avLst/>
-          <a:gdLst/>
-          <a:ahLst/>
-          <a:cxnLst/>
-          <a:rect l="0" t="0" r="0" b="0"/>
-          <a:pathLst>
-            <a:path>
-              <a:moveTo>
-                <a:pt x="0" y="19533"/>
-              </a:moveTo>
-              <a:lnTo>
-                <a:pt x="650874" y="19533"/>
-              </a:lnTo>
-            </a:path>
-          </a:pathLst>
-        </a:custGeom>
-        <a:noFill/>
-        <a:ln w="19050" cap="rnd" cmpd="sng" algn="ctr">
-          <a:solidFill>
-            <a:schemeClr val="accent1">
-              <a:shade val="60000"/>
-              <a:hueOff val="0"/>
-              <a:satOff val="0"/>
-              <a:lumOff val="0"/>
-              <a:alphaOff val="0"/>
-            </a:schemeClr>
-          </a:solidFill>
-          <a:prstDash val="solid"/>
-        </a:ln>
-        <a:effectLst/>
-      </dsp:spPr>
-      <dsp:style>
-        <a:lnRef idx="2">
-          <a:scrgbClr r="0" g="0" b="0"/>
-        </a:lnRef>
-        <a:fillRef idx="0">
-          <a:scrgbClr r="0" g="0" b="0"/>
-        </a:fillRef>
-        <a:effectRef idx="0">
-          <a:scrgbClr r="0" g="0" b="0"/>
-        </a:effectRef>
-        <a:fontRef idx="minor"/>
-      </dsp:style>
-    </dsp:sp>
-    <dsp:sp modelId="{2EDB2795-440B-5C42-ACF4-5C42FFA4DB9E}">
-      <dsp:nvSpPr>
-        <dsp:cNvPr id="0" name=""/>
-        <dsp:cNvSpPr/>
-      </dsp:nvSpPr>
-      <dsp:spPr>
-        <a:xfrm rot="19036750">
-          <a:off x="3232776" y="1119745"/>
-          <a:ext cx="584929" cy="39067"/>
-        </a:xfrm>
-        <a:custGeom>
-          <a:avLst/>
-          <a:gdLst/>
-          <a:ahLst/>
-          <a:cxnLst/>
-          <a:rect l="0" t="0" r="0" b="0"/>
-          <a:pathLst>
-            <a:path>
-              <a:moveTo>
-                <a:pt x="0" y="19533"/>
-              </a:moveTo>
-              <a:lnTo>
-                <a:pt x="584929" y="19533"/>
-              </a:lnTo>
-            </a:path>
-          </a:pathLst>
-        </a:custGeom>
-        <a:noFill/>
-        <a:ln w="19050" cap="rnd" cmpd="sng" algn="ctr">
-          <a:solidFill>
-            <a:schemeClr val="accent1">
-              <a:shade val="60000"/>
-              <a:hueOff val="0"/>
-              <a:satOff val="0"/>
-              <a:lumOff val="0"/>
-              <a:alphaOff val="0"/>
-            </a:schemeClr>
-          </a:solidFill>
-          <a:prstDash val="solid"/>
-        </a:ln>
-        <a:effectLst/>
-      </dsp:spPr>
-      <dsp:style>
-        <a:lnRef idx="2">
-          <a:scrgbClr r="0" g="0" b="0"/>
-        </a:lnRef>
-        <a:fillRef idx="0">
-          <a:scrgbClr r="0" g="0" b="0"/>
-        </a:fillRef>
-        <a:effectRef idx="0">
-          <a:scrgbClr r="0" g="0" b="0"/>
-        </a:effectRef>
-        <a:fontRef idx="minor"/>
-      </dsp:style>
-    </dsp:sp>
-    <dsp:sp modelId="{6F11EC79-1D29-FF4B-B3B4-AC6FB651383F}">
-      <dsp:nvSpPr>
-        <dsp:cNvPr id="0" name=""/>
-        <dsp:cNvSpPr/>
-      </dsp:nvSpPr>
-      <dsp:spPr>
-        <a:xfrm>
-          <a:off x="1724486" y="1007842"/>
-          <a:ext cx="1865752" cy="1865752"/>
-        </a:xfrm>
-        <a:prstGeom prst="ellipse">
-          <a:avLst/>
-        </a:prstGeom>
-        <a:solidFill>
-          <a:schemeClr val="accent1">
-            <a:hueOff val="0"/>
-            <a:satOff val="0"/>
-            <a:lumOff val="0"/>
-            <a:alphaOff val="0"/>
-          </a:schemeClr>
-        </a:solidFill>
-        <a:ln w="19050" cap="rnd" cmpd="sng" algn="ctr">
-          <a:solidFill>
-            <a:schemeClr val="lt1">
-              <a:hueOff val="0"/>
-              <a:satOff val="0"/>
-              <a:lumOff val="0"/>
-              <a:alphaOff val="0"/>
-            </a:schemeClr>
-          </a:solidFill>
-          <a:prstDash val="solid"/>
-        </a:ln>
-        <a:effectLst/>
-      </dsp:spPr>
-      <dsp:style>
-        <a:lnRef idx="2">
-          <a:scrgbClr r="0" g="0" b="0"/>
-        </a:lnRef>
-        <a:fillRef idx="1">
-          <a:scrgbClr r="0" g="0" b="0"/>
-        </a:fillRef>
-        <a:effectRef idx="0">
-          <a:scrgbClr r="0" g="0" b="0"/>
-        </a:effectRef>
-        <a:fontRef idx="minor">
-          <a:schemeClr val="lt1"/>
-        </a:fontRef>
-      </dsp:style>
-    </dsp:sp>
-    <dsp:sp modelId="{90144700-9D71-8245-9F8E-03AAB3960BBB}">
-      <dsp:nvSpPr>
-        <dsp:cNvPr id="0" name=""/>
-        <dsp:cNvSpPr/>
-      </dsp:nvSpPr>
-      <dsp:spPr>
-        <a:xfrm>
-          <a:off x="3591592" y="1405"/>
-          <a:ext cx="1119451" cy="1119451"/>
-        </a:xfrm>
-        <a:prstGeom prst="ellipse">
-          <a:avLst/>
-        </a:prstGeom>
-        <a:solidFill>
-          <a:schemeClr val="accent1">
-            <a:hueOff val="0"/>
-            <a:satOff val="0"/>
-            <a:lumOff val="0"/>
-            <a:alphaOff val="0"/>
-          </a:schemeClr>
-        </a:solidFill>
-        <a:ln w="19050" cap="rnd" cmpd="sng" algn="ctr">
-          <a:solidFill>
-            <a:schemeClr val="lt1">
-              <a:hueOff val="0"/>
-              <a:satOff val="0"/>
-              <a:lumOff val="0"/>
-              <a:alphaOff val="0"/>
-            </a:schemeClr>
-          </a:solidFill>
-          <a:prstDash val="solid"/>
-        </a:ln>
-        <a:effectLst/>
-      </dsp:spPr>
-      <dsp:style>
-        <a:lnRef idx="2">
-          <a:scrgbClr r="0" g="0" b="0"/>
-        </a:lnRef>
-        <a:fillRef idx="1">
-          <a:scrgbClr r="0" g="0" b="0"/>
-        </a:fillRef>
-        <a:effectRef idx="0">
-          <a:scrgbClr r="0" g="0" b="0"/>
-        </a:effectRef>
-        <a:fontRef idx="minor">
-          <a:schemeClr val="lt1"/>
-        </a:fontRef>
-      </dsp:style>
-      <dsp:txBody>
-        <a:bodyPr spcFirstLastPara="0" vert="horz" wrap="square" lIns="8890" tIns="8890" rIns="8890" bIns="8890" numCol="1" spcCol="1270" anchor="ctr" anchorCtr="0">
-          <a:noAutofit/>
-        </a:bodyPr>
-        <a:lstStyle/>
-        <a:p>
-          <a:pPr marL="0" lvl="0" indent="0" algn="ctr" defTabSz="622300">
-            <a:lnSpc>
-              <a:spcPct val="90000"/>
-            </a:lnSpc>
-            <a:spcBef>
-              <a:spcPct val="0"/>
-            </a:spcBef>
-            <a:spcAft>
-              <a:spcPct val="35000"/>
-            </a:spcAft>
-            <a:buNone/>
-          </a:pPr>
-          <a:r>
-            <a:rPr lang="en-GB" sz="1400" kern="1200" dirty="0"/>
-            <a:t>Breakfast</a:t>
-          </a:r>
-        </a:p>
-      </dsp:txBody>
-      <dsp:txXfrm>
-        <a:off x="3755532" y="165345"/>
-        <a:ext cx="791571" cy="791571"/>
-      </dsp:txXfrm>
-    </dsp:sp>
-    <dsp:sp modelId="{180EF10B-F19F-A847-89C8-E28731DCF413}">
-      <dsp:nvSpPr>
-        <dsp:cNvPr id="0" name=""/>
-        <dsp:cNvSpPr/>
-      </dsp:nvSpPr>
-      <dsp:spPr>
-        <a:xfrm>
-          <a:off x="3961251" y="1380992"/>
-          <a:ext cx="1119451" cy="1119451"/>
-        </a:xfrm>
-        <a:prstGeom prst="ellipse">
-          <a:avLst/>
-        </a:prstGeom>
-        <a:solidFill>
-          <a:schemeClr val="accent1">
-            <a:hueOff val="0"/>
-            <a:satOff val="0"/>
-            <a:lumOff val="0"/>
-            <a:alphaOff val="0"/>
-          </a:schemeClr>
-        </a:solidFill>
-        <a:ln w="19050" cap="rnd" cmpd="sng" algn="ctr">
-          <a:solidFill>
-            <a:schemeClr val="lt1">
-              <a:hueOff val="0"/>
-              <a:satOff val="0"/>
-              <a:lumOff val="0"/>
-              <a:alphaOff val="0"/>
-            </a:schemeClr>
-          </a:solidFill>
-          <a:prstDash val="solid"/>
-        </a:ln>
-        <a:effectLst/>
-      </dsp:spPr>
-      <dsp:style>
-        <a:lnRef idx="2">
-          <a:scrgbClr r="0" g="0" b="0"/>
-        </a:lnRef>
-        <a:fillRef idx="1">
-          <a:scrgbClr r="0" g="0" b="0"/>
-        </a:fillRef>
-        <a:effectRef idx="0">
-          <a:scrgbClr r="0" g="0" b="0"/>
-        </a:effectRef>
-        <a:fontRef idx="minor">
-          <a:schemeClr val="lt1"/>
-        </a:fontRef>
-      </dsp:style>
-      <dsp:txBody>
-        <a:bodyPr spcFirstLastPara="0" vert="horz" wrap="square" lIns="8890" tIns="8890" rIns="8890" bIns="8890" numCol="1" spcCol="1270" anchor="ctr" anchorCtr="0">
-          <a:noAutofit/>
-        </a:bodyPr>
-        <a:lstStyle/>
-        <a:p>
-          <a:pPr marL="0" lvl="0" indent="0" algn="ctr" defTabSz="622300">
-            <a:lnSpc>
-              <a:spcPct val="90000"/>
-            </a:lnSpc>
-            <a:spcBef>
-              <a:spcPct val="0"/>
-            </a:spcBef>
-            <a:spcAft>
-              <a:spcPct val="35000"/>
-            </a:spcAft>
-            <a:buNone/>
-          </a:pPr>
-          <a:r>
-            <a:rPr lang="en-GB" sz="1400" kern="1200" dirty="0"/>
-            <a:t>Lunch</a:t>
-          </a:r>
-        </a:p>
-      </dsp:txBody>
-      <dsp:txXfrm>
-        <a:off x="4125191" y="1544932"/>
-        <a:ext cx="791571" cy="791571"/>
-      </dsp:txXfrm>
-    </dsp:sp>
-    <dsp:sp modelId="{34096524-C20B-3548-BA0A-C8C640100292}">
-      <dsp:nvSpPr>
-        <dsp:cNvPr id="0" name=""/>
-        <dsp:cNvSpPr/>
-      </dsp:nvSpPr>
-      <dsp:spPr>
-        <a:xfrm>
-          <a:off x="3591592" y="2760580"/>
-          <a:ext cx="1119451" cy="1119451"/>
-        </a:xfrm>
-        <a:prstGeom prst="ellipse">
-          <a:avLst/>
-        </a:prstGeom>
-        <a:solidFill>
-          <a:schemeClr val="accent1">
-            <a:hueOff val="0"/>
-            <a:satOff val="0"/>
-            <a:lumOff val="0"/>
-            <a:alphaOff val="0"/>
-          </a:schemeClr>
-        </a:solidFill>
-        <a:ln w="19050" cap="rnd" cmpd="sng" algn="ctr">
-          <a:solidFill>
-            <a:schemeClr val="lt1">
-              <a:hueOff val="0"/>
-              <a:satOff val="0"/>
-              <a:lumOff val="0"/>
-              <a:alphaOff val="0"/>
-            </a:schemeClr>
-          </a:solidFill>
-          <a:prstDash val="solid"/>
-        </a:ln>
-        <a:effectLst/>
-      </dsp:spPr>
-      <dsp:style>
-        <a:lnRef idx="2">
-          <a:scrgbClr r="0" g="0" b="0"/>
-        </a:lnRef>
-        <a:fillRef idx="1">
-          <a:scrgbClr r="0" g="0" b="0"/>
-        </a:fillRef>
-        <a:effectRef idx="0">
-          <a:scrgbClr r="0" g="0" b="0"/>
-        </a:effectRef>
-        <a:fontRef idx="minor">
-          <a:schemeClr val="lt1"/>
-        </a:fontRef>
-      </dsp:style>
-      <dsp:txBody>
-        <a:bodyPr spcFirstLastPara="0" vert="horz" wrap="square" lIns="8890" tIns="8890" rIns="8890" bIns="8890" numCol="1" spcCol="1270" anchor="ctr" anchorCtr="0">
-          <a:noAutofit/>
-        </a:bodyPr>
-        <a:lstStyle/>
-        <a:p>
-          <a:pPr marL="0" lvl="0" indent="0" algn="ctr" defTabSz="622300">
-            <a:lnSpc>
-              <a:spcPct val="90000"/>
-            </a:lnSpc>
-            <a:spcBef>
-              <a:spcPct val="0"/>
-            </a:spcBef>
-            <a:spcAft>
-              <a:spcPct val="35000"/>
-            </a:spcAft>
-            <a:buNone/>
-          </a:pPr>
-          <a:r>
-            <a:rPr lang="en-GB" sz="1400" kern="1200" dirty="0"/>
-            <a:t>Dinner</a:t>
-          </a:r>
-        </a:p>
-      </dsp:txBody>
-      <dsp:txXfrm>
-        <a:off x="3755532" y="2924520"/>
-        <a:ext cx="791571" cy="791571"/>
-      </dsp:txXfrm>
-    </dsp:sp>
-  </dsp:spTree>
-</dsp:drawing>
-</file>
-
-<file path=ppt/diagrams/layout1.xml><?xml version="1.0" encoding="utf-8"?>
-<dgm:layoutDef xmlns:dgm="http://schemas.openxmlformats.org/drawingml/2006/diagram" xmlns:a="http://schemas.openxmlformats.org/drawingml/2006/main" uniqueId="urn:microsoft.com/office/officeart/2005/8/layout/radial2">
-  <dgm:title val=""/>
-  <dgm:desc val=""/>
-  <dgm:catLst>
-    <dgm:cat type="relationship" pri="20000"/>
-    <dgm:cat type="convert" pri="9000"/>
-  </dgm:catLst>
-  <dgm:sampData>
-    <dgm:dataModel>
-      <dgm:ptLst>
-        <dgm:pt modelId="0" type="doc"/>
-        <dgm:pt modelId="1">
-          <dgm:prSet phldr="1"/>
-        </dgm:pt>
-        <dgm:pt modelId="11">
-          <dgm:prSet phldr="1"/>
-        </dgm:pt>
-        <dgm:pt modelId="12">
-          <dgm:prSet phldr="1"/>
-        </dgm:pt>
-        <dgm:pt modelId="2">
-          <dgm:prSet phldr="1"/>
-        </dgm:pt>
-        <dgm:pt modelId="21">
-          <dgm:prSet phldr="1"/>
-        </dgm:pt>
-        <dgm:pt modelId="22">
-          <dgm:prSet phldr="1"/>
-        </dgm:pt>
-        <dgm:pt modelId="3">
-          <dgm:prSet phldr="1"/>
-        </dgm:pt>
-        <dgm:pt modelId="31">
-          <dgm:prSet phldr="1"/>
-        </dgm:pt>
-        <dgm:pt modelId="32">
-          <dgm:prSet phldr="1"/>
-        </dgm:pt>
-      </dgm:ptLst>
-      <dgm:cxnLst>
-        <dgm:cxn modelId="4" srcId="0" destId="1" srcOrd="0" destOrd="0"/>
-        <dgm:cxn modelId="5" srcId="0" destId="2" srcOrd="1" destOrd="0"/>
-        <dgm:cxn modelId="6" srcId="0" destId="3" srcOrd="2" destOrd="0"/>
-        <dgm:cxn modelId="13" srcId="1" destId="11" srcOrd="0" destOrd="0"/>
-        <dgm:cxn modelId="14" srcId="1" destId="12" srcOrd="1" destOrd="0"/>
-        <dgm:cxn modelId="23" srcId="2" destId="21" srcOrd="0" destOrd="0"/>
-        <dgm:cxn modelId="24" srcId="2" destId="22" srcOrd="1" destOrd="0"/>
-        <dgm:cxn modelId="33" srcId="3" destId="31" srcOrd="0" destOrd="0"/>
-        <dgm:cxn modelId="34" srcId="3" destId="32" srcOrd="1" destOrd="0"/>
-      </dgm:cxnLst>
-      <dgm:bg/>
-      <dgm:whole/>
-    </dgm:dataModel>
-  </dgm:sampData>
-  <dgm:styleData>
-    <dgm:dataModel>
-      <dgm:ptLst>
-        <dgm:pt modelId="0" type="doc"/>
-        <dgm:pt modelId="1"/>
-        <dgm:pt modelId="2"/>
-      </dgm:ptLst>
-      <dgm:cxnLst>
-        <dgm:cxn modelId="3" srcId="0" destId="1" srcOrd="0" destOrd="0"/>
-        <dgm:cxn modelId="4" srcId="0" destId="2" srcOrd="1" destOrd="0"/>
-      </dgm:cxnLst>
-      <dgm:bg/>
-      <dgm:whole/>
-    </dgm:dataModel>
-  </dgm:styleData>
-  <dgm:clrData>
-    <dgm:dataModel>
-      <dgm:ptLst>
-        <dgm:pt modelId="0" type="doc"/>
-        <dgm:pt modelId="1"/>
-        <dgm:pt modelId="2"/>
-        <dgm:pt modelId="3"/>
-        <dgm:pt modelId="4"/>
-      </dgm:ptLst>
-      <dgm:cxnLst>
-        <dgm:cxn modelId="5" srcId="0" destId="1" srcOrd="0" destOrd="0"/>
-        <dgm:cxn modelId="6" srcId="0" destId="2" srcOrd="1" destOrd="0"/>
-        <dgm:cxn modelId="7" srcId="0" destId="3" srcOrd="2" destOrd="0"/>
-        <dgm:cxn modelId="8" srcId="0" destId="4" srcOrd="3" destOrd="0"/>
-      </dgm:cxnLst>
-      <dgm:bg/>
-      <dgm:whole/>
-    </dgm:dataModel>
-  </dgm:clrData>
-  <dgm:layoutNode name="composite">
-    <dgm:varLst>
-      <dgm:chMax val="5"/>
-      <dgm:dir/>
-      <dgm:animLvl val="ctr"/>
-      <dgm:resizeHandles val="exact"/>
-    </dgm:varLst>
-    <dgm:alg type="composite"/>
-    <dgm:shape xmlns:r="http://schemas.openxmlformats.org/officeDocument/2006/relationships" r:blip="">
-      <dgm:adjLst/>
-    </dgm:shape>
-    <dgm:presOf/>
-    <dgm:constrLst>
-      <dgm:constr type="w" for="ch" forName="cycle" refType="w"/>
-      <dgm:constr type="h" for="ch" forName="cycle" refType="h"/>
-    </dgm:constrLst>
-    <dgm:ruleLst/>
-    <dgm:layoutNode name="cycle">
-      <dgm:choose name="Name0">
-        <dgm:if name="Name1" func="var" arg="dir" op="equ" val="norm">
-          <dgm:choose name="Name2">
-            <dgm:if name="Name3" axis="ch" ptType="node" func="cnt" op="lte" val="1">
-              <dgm:alg type="cycle">
-                <dgm:param type="stAng" val="90"/>
-                <dgm:param type="spanAng" val="360"/>
-                <dgm:param type="ctrShpMap" val="fNode"/>
-              </dgm:alg>
-            </dgm:if>
-            <dgm:if name="Name4" axis="ch" ptType="node" func="cnt" op="equ" val="2">
-              <dgm:alg type="cycle">
-                <dgm:param type="stAng" val="70"/>
-                <dgm:param type="spanAng" val="40"/>
-                <dgm:param type="ctrShpMap" val="fNode"/>
-              </dgm:alg>
-            </dgm:if>
-            <dgm:if name="Name5" axis="ch" ptType="node" func="cnt" op="equ" val="3">
-              <dgm:alg type="cycle">
-                <dgm:param type="stAng" val="60"/>
-                <dgm:param type="spanAng" val="60"/>
-                <dgm:param type="ctrShpMap" val="fNode"/>
-              </dgm:alg>
-            </dgm:if>
-            <dgm:else name="Name6">
-              <dgm:alg type="cycle">
-                <dgm:param type="stAng" val="45"/>
-                <dgm:param type="spanAng" val="90"/>
-                <dgm:param type="ctrShpMap" val="fNode"/>
-              </dgm:alg>
-            </dgm:else>
-          </dgm:choose>
-        </dgm:if>
-        <dgm:else name="Name7">
-          <dgm:choose name="Name8">
-            <dgm:if name="Name9" axis="ch" ptType="node" func="cnt" op="lte" val="1">
-              <dgm:alg type="cycle">
-                <dgm:param type="stAng" val="-90"/>
-                <dgm:param type="spanAng" val="-360"/>
-                <dgm:param type="ctrShpMap" val="fNode"/>
-              </dgm:alg>
-            </dgm:if>
-            <dgm:if name="Name10" axis="ch" ptType="node" func="cnt" op="equ" val="2">
-              <dgm:alg type="cycle">
-                <dgm:param type="stAng" val="-70"/>
-                <dgm:param type="spanAng" val="-40"/>
-                <dgm:param type="ctrShpMap" val="fNode"/>
-              </dgm:alg>
-            </dgm:if>
-            <dgm:if name="Name11" axis="ch" ptType="node" func="cnt" op="equ" val="3">
-              <dgm:alg type="cycle">
-                <dgm:param type="stAng" val="-60"/>
-                <dgm:param type="spanAng" val="-60"/>
-                <dgm:param type="ctrShpMap" val="fNode"/>
-              </dgm:alg>
-            </dgm:if>
-            <dgm:else name="Name12">
-              <dgm:alg type="cycle">
-                <dgm:param type="stAng" val="-45"/>
-                <dgm:param type="spanAng" val="-90"/>
-                <dgm:param type="ctrShpMap" val="fNode"/>
-              </dgm:alg>
-            </dgm:else>
-          </dgm:choose>
-        </dgm:else>
-      </dgm:choose>
-      <dgm:shape xmlns:r="http://schemas.openxmlformats.org/officeDocument/2006/relationships" r:blip="">
-        <dgm:adjLst/>
-      </dgm:shape>
-      <dgm:presOf/>
-      <dgm:constrLst>
-        <dgm:constr type="sp" val="20"/>
-        <dgm:constr type="w" for="ch" forName="centerShape" refType="w"/>
-        <dgm:constr type="w" for="ch" forName="node" refType="w" refFor="ch" refForName="centerShape" fact="1.5"/>
-        <dgm:constr type="sibSp" refType="w" refFor="ch" refForName="centerShape" op="equ" fact="0.08"/>
-        <dgm:constr type="primFontSz" for="des" forName="parentNode" op="equ" val="65"/>
-        <dgm:constr type="secFontSz" for="des" forName="childNode" op="equ" val="65"/>
-      </dgm:constrLst>
-      <dgm:ruleLst/>
-      <dgm:choose name="Name13">
-        <dgm:if name="Name14" axis="ch" ptType="node" hideLastTrans="0" func="cnt" op="gte" val="1">
-          <dgm:layoutNode name="centerShape" styleLbl="node0">
-            <dgm:alg type="composite"/>
-            <dgm:shape xmlns:r="http://schemas.openxmlformats.org/officeDocument/2006/relationships" r:blip="">
-              <dgm:adjLst/>
-            </dgm:shape>
-            <dgm:presOf axis="ch" ptType="node" cnt="1"/>
-            <dgm:constrLst>
-              <dgm:constr type="w" for="ch" forName="connSite" refType="w" fact="0.7"/>
-              <dgm:constr type="h" for="ch" forName="connSite" refType="w" fact="0.7"/>
-              <dgm:constr type="ctrX" for="ch" forName="connSite" refType="w" fact="0.5"/>
-              <dgm:constr type="ctrY" for="ch" forName="connSite" refType="h" fact="0.5"/>
-              <dgm:constr type="w" for="ch" forName="visible" refType="w"/>
-              <dgm:constr type="h" for="ch" forName="visible" refType="w"/>
-              <dgm:constr type="ctrX" for="ch" forName="visible" refType="w" fact="0.5"/>
-              <dgm:constr type="ctrY" for="ch" forName="visible" refType="h" fact="0.5"/>
-            </dgm:constrLst>
-            <dgm:ruleLst/>
-            <dgm:layoutNode name="connSite">
-              <dgm:alg type="sp"/>
-              <dgm:shape xmlns:r="http://schemas.openxmlformats.org/officeDocument/2006/relationships" type="ellipse" r:blip="" hideGeom="1">
-                <dgm:adjLst/>
-              </dgm:shape>
-              <dgm:presOf/>
-              <dgm:constrLst/>
-              <dgm:ruleLst/>
-            </dgm:layoutNode>
-            <dgm:layoutNode name="visible">
-              <dgm:alg type="sp"/>
-              <dgm:shape xmlns:r="http://schemas.openxmlformats.org/officeDocument/2006/relationships" type="ellipse" r:blip="" blipPhldr="1">
-                <dgm:adjLst/>
-              </dgm:shape>
-              <dgm:presOf/>
-              <dgm:constrLst/>
-              <dgm:ruleLst/>
-            </dgm:layoutNode>
-          </dgm:layoutNode>
-        </dgm:if>
-        <dgm:else name="Name15"/>
-      </dgm:choose>
-      <dgm:forEach name="Name16" axis="ch">
-        <dgm:forEach name="Name17" axis="self" ptType="node">
-          <dgm:layoutNode name="node">
-            <dgm:alg type="composite"/>
-            <dgm:shape xmlns:r="http://schemas.openxmlformats.org/officeDocument/2006/relationships" r:blip="">
-              <dgm:adjLst/>
-            </dgm:shape>
-            <dgm:presOf/>
-            <dgm:choose name="Name18">
-              <dgm:if name="Name19" func="var" arg="dir" op="equ" val="norm">
-                <dgm:constrLst>
-                  <dgm:constr type="t" for="ch" forName="parentNode"/>
-                  <dgm:constr type="l" for="ch" forName="parentNode"/>
-                  <dgm:constr type="w" for="ch" forName="parentNode" refType="w" fact="0.4"/>
-                  <dgm:constr type="h" for="ch" forName="parentNode" refType="w" refFor="ch" refForName="parentNode" op="equ"/>
-                  <dgm:constr type="ctrY" for="ch" forName="childNode" refType="h" refFor="ch" refForName="parentNode" fact="0.5"/>
-                  <dgm:constr type="l" for="ch" forName="childNode" refType="w" refFor="ch" refForName="parentNode" op="equ" fact="1.1"/>
-                  <dgm:constr type="w" for="ch" forName="childNode" refType="w" fact="0.6"/>
-                  <dgm:constr type="h" for="ch" forName="childNode" refType="h" refFor="ch" refForName="parentNode"/>
-                </dgm:constrLst>
-              </dgm:if>
-              <dgm:else name="Name20">
-                <dgm:constrLst>
-                  <dgm:constr type="t" for="ch" forName="parentNode"/>
-                  <dgm:constr type="r" for="ch" forName="parentNode" refType="w"/>
-                  <dgm:constr type="w" for="ch" forName="parentNode" refType="w" fact="0.4"/>
-                  <dgm:constr type="h" for="ch" forName="parentNode" refType="w" refFor="ch" refForName="parentNode" op="equ"/>
-                  <dgm:constr type="ctrY" for="ch" forName="childNode" refType="h" refFor="ch" refForName="parentNode" fact="0.5"/>
-                  <dgm:constr type="l" for="ch" forName="childNode"/>
-                  <dgm:constr type="w" for="ch" forName="childNode" refType="w" fact="0.6"/>
-                  <dgm:constr type="h" for="ch" forName="childNode" refType="h" refFor="ch" refForName="parentNode"/>
-                </dgm:constrLst>
-              </dgm:else>
-            </dgm:choose>
-            <dgm:ruleLst/>
-            <dgm:layoutNode name="parentNode" styleLbl="node1">
-              <dgm:varLst>
-                <dgm:chMax val="1"/>
-                <dgm:bulletEnabled val="1"/>
-              </dgm:varLst>
-              <dgm:alg type="tx"/>
-              <dgm:shape xmlns:r="http://schemas.openxmlformats.org/officeDocument/2006/relationships" type="ellipse" r:blip="">
-                <dgm:adjLst/>
-              </dgm:shape>
-              <dgm:presOf axis="self"/>
-              <dgm:constrLst>
-                <dgm:constr type="tMarg" refType="primFontSz" fact="0.05"/>
-                <dgm:constr type="bMarg" refType="primFontSz" fact="0.05"/>
-                <dgm:constr type="lMarg" refType="primFontSz" fact="0.05"/>
-                <dgm:constr type="rMarg" refType="primFontSz" fact="0.05"/>
-              </dgm:constrLst>
-              <dgm:ruleLst>
-                <dgm:rule type="primFontSz" val="5" fact="NaN" max="NaN"/>
-              </dgm:ruleLst>
-            </dgm:layoutNode>
-            <dgm:layoutNode name="childNode" styleLbl="revTx" moveWith="parentNode">
-              <dgm:varLst>
-                <dgm:bulletEnabled val="1"/>
-              </dgm:varLst>
-              <dgm:alg type="tx">
-                <dgm:param type="txAnchorVertCh" val="mid"/>
-                <dgm:param type="stBulletLvl" val="1"/>
-              </dgm:alg>
-              <dgm:choose name="Name21">
-                <dgm:if name="Name22" axis="ch" ptType="node" func="cnt" op="gte" val="1">
-                  <dgm:shape xmlns:r="http://schemas.openxmlformats.org/officeDocument/2006/relationships" type="rect" r:blip="">
-                    <dgm:adjLst/>
-                  </dgm:shape>
-                </dgm:if>
-                <dgm:else name="Name23">
-                  <dgm:shape xmlns:r="http://schemas.openxmlformats.org/officeDocument/2006/relationships" type="rect" r:blip="" hideGeom="1">
-                    <dgm:adjLst/>
-                  </dgm:shape>
-                </dgm:else>
-              </dgm:choose>
-              <dgm:presOf axis="des" ptType="node"/>
-              <dgm:constrLst>
-                <dgm:constr type="tMarg"/>
-                <dgm:constr type="bMarg"/>
-                <dgm:constr type="lMarg"/>
-                <dgm:constr type="rMarg"/>
-              </dgm:constrLst>
-              <dgm:ruleLst>
-                <dgm:rule type="secFontSz" val="5" fact="NaN" max="NaN"/>
-              </dgm:ruleLst>
-            </dgm:layoutNode>
-          </dgm:layoutNode>
-        </dgm:forEach>
-        <dgm:forEach name="Name24" axis="self" ptType="parTrans" cnt="1">
-          <dgm:layoutNode name="Name25">
-            <dgm:alg type="conn">
-              <dgm:param type="dim" val="1D"/>
-              <dgm:param type="endSty" val="noArr"/>
-              <dgm:param type="begPts" val="auto"/>
-              <dgm:param type="endPts" val="auto"/>
-              <dgm:param type="srcNode" val="connSite"/>
-              <dgm:param type="dstNode" val="parentNode"/>
-            </dgm:alg>
-            <dgm:shape xmlns:r="http://schemas.openxmlformats.org/officeDocument/2006/relationships" type="conn" r:blip="" zOrderOff="-99">
-              <dgm:adjLst/>
-            </dgm:shape>
-            <dgm:presOf axis="self"/>
-            <dgm:constrLst>
-              <dgm:constr type="connDist"/>
-              <dgm:constr type="w" val="1"/>
-              <dgm:constr type="h" val="5"/>
-              <dgm:constr type="begPad"/>
-              <dgm:constr type="endPad"/>
-            </dgm:constrLst>
-            <dgm:ruleLst/>
-          </dgm:layoutNode>
-        </dgm:forEach>
-      </dgm:forEach>
-    </dgm:layoutNode>
-  </dgm:layoutNode>
-</dgm:layoutDef>
-</file>
-
-<file path=ppt/diagrams/quickStyle1.xml><?xml version="1.0" encoding="utf-8"?>
-<dgm:styleDef xmlns:dgm="http://schemas.openxmlformats.org/drawingml/2006/diagram" xmlns:a="http://schemas.openxmlformats.org/drawingml/2006/main" uniqueId="urn:microsoft.com/office/officeart/2005/8/quickstyle/simple1">
-  <dgm:title val=""/>
-  <dgm:desc val=""/>
-  <dgm:catLst>
-    <dgm:cat type="simple" pri="10100"/>
-  </dgm:catLst>
-  <dgm:scene3d>
-    <a:camera prst="orthographicFront"/>
-    <a:lightRig rig="threePt" dir="t"/>
-  </dgm:scene3d>
-  <dgm:styleLbl name="node0">
-    <dgm:scene3d>
-      <a:camera prst="orthographicFront"/>
-      <a:lightRig rig="threePt" dir="t"/>
-    </dgm:scene3d>
-    <dgm:sp3d/>
-    <dgm:txPr/>
-    <dgm:style>
-      <a:lnRef idx="2">
-        <a:scrgbClr r="0" g="0" b="0"/>
-      </a:lnRef>
-      <a:fillRef idx="1">
-        <a:scrgbClr r="0" g="0" b="0"/>
-      </a:fillRef>
-      <a:effectRef idx="0">
-        <a:scrgbClr r="0" g="0" b="0"/>
-      </a:effectRef>
-      <a:fontRef idx="minor">
-        <a:schemeClr val="lt1"/>
-      </a:fontRef>
-    </dgm:style>
-  </dgm:styleLbl>
-  <dgm:styleLbl name="lnNode1">
-    <dgm:scene3d>
-      <a:camera prst="orthographicFront"/>
-      <a:lightRig rig="threePt" dir="t"/>
-    </dgm:scene3d>
-    <dgm:sp3d/>
-    <dgm:txPr/>
-    <dgm:style>
-      <a:lnRef idx="2">
-        <a:scrgbClr r="0" g="0" b="0"/>
-      </a:lnRef>
-      <a:fillRef idx="1">
-        <a:scrgbClr r="0" g="0" b="0"/>
-      </a:fillRef>
-      <a:effectRef idx="0">
-        <a:scrgbClr r="0" g="0" b="0"/>
-      </a:effectRef>
-      <a:fontRef idx="minor">
-        <a:schemeClr val="lt1"/>
-      </a:fontRef>
-    </dgm:style>
-  </dgm:styleLbl>
-  <dgm:styleLbl name="vennNode1">
-    <dgm:scene3d>
-      <a:camera prst="orthographicFront"/>
-      <a:lightRig rig="threePt" dir="t"/>
-    </dgm:scene3d>
-    <dgm:sp3d/>
-    <dgm:txPr/>
-    <dgm:style>
-      <a:lnRef idx="2">
-        <a:scrgbClr r="0" g="0" b="0"/>
-      </a:lnRef>
-      <a:fillRef idx="1">
-        <a:scrgbClr r="0" g="0" b="0"/>
-      </a:fillRef>
-      <a:effectRef idx="0">
-        <a:scrgbClr r="0" g="0" b="0"/>
-      </a:effectRef>
-      <a:fontRef idx="minor">
-        <a:schemeClr val="tx1"/>
-      </a:fontRef>
-    </dgm:style>
-  </dgm:styleLbl>
-  <dgm:styleLbl name="alignNode1">
-    <dgm:scene3d>
-      <a:camera prst="orthographicFront"/>
-      <a:lightRig rig="threePt" dir="t"/>
-    </dgm:scene3d>
-    <dgm:sp3d/>
-    <dgm:txPr/>
-    <dgm:style>
-      <a:lnRef idx="2">
-        <a:scrgbClr r="0" g="0" b="0"/>
-      </a:lnRef>
-      <a:fillRef idx="1">
-        <a:scrgbClr r="0" g="0" b="0"/>
-      </a:fillRef>
-      <a:effectRef idx="0">
-        <a:scrgbClr r="0" g="0" b="0"/>
-      </a:effectRef>
-      <a:fontRef idx="minor">
-        <a:schemeClr val="lt1"/>
-      </a:fontRef>
-    </dgm:style>
-  </dgm:styleLbl>
-  <dgm:styleLbl name="node1">
-    <dgm:scene3d>
-      <a:camera prst="orthographicFront"/>
-      <a:lightRig rig="threePt" dir="t"/>
-    </dgm:scene3d>
-    <dgm:sp3d/>
-    <dgm:txPr/>
-    <dgm:style>
-      <a:lnRef idx="2">
-        <a:scrgbClr r="0" g="0" b="0"/>
-      </a:lnRef>
-      <a:fillRef idx="1">
-        <a:scrgbClr r="0" g="0" b="0"/>
-      </a:fillRef>
-      <a:effectRef idx="0">
-        <a:scrgbClr r="0" g="0" b="0"/>
-      </a:effectRef>
-      <a:fontRef idx="minor">
-        <a:schemeClr val="lt1"/>
-      </a:fontRef>
-    </dgm:style>
-  </dgm:styleLbl>
-  <dgm:styleLbl name="node2">
-    <dgm:scene3d>
-      <a:camera prst="orthographicFront"/>
-      <a:lightRig rig="threePt" dir="t"/>
-    </dgm:scene3d>
-    <dgm:sp3d/>
-    <dgm:txPr/>
-    <dgm:style>
-      <a:lnRef idx="2">
-        <a:scrgbClr r="0" g="0" b="0"/>
-      </a:lnRef>
-      <a:fillRef idx="1">
-        <a:scrgbClr r="0" g="0" b="0"/>
-      </a:fillRef>
-      <a:effectRef idx="0">
-        <a:scrgbClr r="0" g="0" b="0"/>
-      </a:effectRef>
-      <a:fontRef idx="minor">
-        <a:schemeClr val="lt1"/>
-      </a:fontRef>
-    </dgm:style>
-  </dgm:styleLbl>
-  <dgm:styleLbl name="node3">
-    <dgm:scene3d>
-      <a:camera prst="orthographicFront"/>
-      <a:lightRig rig="threePt" dir="t"/>
-    </dgm:scene3d>
-    <dgm:sp3d/>
-    <dgm:txPr/>
-    <dgm:style>
-      <a:lnRef idx="2">
-        <a:scrgbClr r="0" g="0" b="0"/>
-      </a:lnRef>
-      <a:fillRef idx="1">
-        <a:scrgbClr r="0" g="0" b="0"/>
-      </a:fillRef>
-      <a:effectRef idx="0">
-        <a:scrgbClr r="0" g="0" b="0"/>
-      </a:effectRef>
-      <a:fontRef idx="minor">
-        <a:schemeClr val="lt1"/>
-      </a:fontRef>
-    </dgm:style>
-  </dgm:styleLbl>
-  <dgm:styleLbl name="node4">
-    <dgm:scene3d>
-      <a:camera prst="orthographicFront"/>
-      <a:lightRig rig="threePt" dir="t"/>
-    </dgm:scene3d>
-    <dgm:sp3d/>
-    <dgm:txPr/>
-    <dgm:style>
-      <a:lnRef idx="2">
-        <a:scrgbClr r="0" g="0" b="0"/>
-      </a:lnRef>
-      <a:fillRef idx="1">
-        <a:scrgbClr r="0" g="0" b="0"/>
-      </a:fillRef>
-      <a:effectRef idx="0">
-        <a:scrgbClr r="0" g="0" b="0"/>
-      </a:effectRef>
-      <a:fontRef idx="minor">
-        <a:schemeClr val="lt1"/>
-      </a:fontRef>
-    </dgm:style>
-  </dgm:styleLbl>
-  <dgm:styleLbl name="fgImgPlace1">
-    <dgm:scene3d>
-      <a:camera prst="orthographicFront"/>
-      <a:lightRig rig="threePt" dir="t"/>
-    </dgm:scene3d>
-    <dgm:sp3d/>
-    <dgm:txPr/>
-    <dgm:style>
-      <a:lnRef idx="2">
-        <a:scrgbClr r="0" g="0" b="0"/>
-      </a:lnRef>
-      <a:fillRef idx="1">
-        <a:scrgbClr r="0" g="0" b="0"/>
-      </a:fillRef>
-      <a:effectRef idx="0">
-        <a:scrgbClr r="0" g="0" b="0"/>
-      </a:effectRef>
-      <a:fontRef idx="minor"/>
-    </dgm:style>
-  </dgm:styleLbl>
-  <dgm:styleLbl name="alignImgPlace1">
-    <dgm:scene3d>
-      <a:camera prst="orthographicFront"/>
-      <a:lightRig rig="threePt" dir="t"/>
-    </dgm:scene3d>
-    <dgm:sp3d/>
-    <dgm:txPr/>
-    <dgm:style>
-      <a:lnRef idx="2">
-        <a:scrgbClr r="0" g="0" b="0"/>
-      </a:lnRef>
-      <a:fillRef idx="1">
-        <a:scrgbClr r="0" g="0" b="0"/>
-      </a:fillRef>
-      <a:effectRef idx="0">
-        <a:scrgbClr r="0" g="0" b="0"/>
-      </a:effectRef>
-      <a:fontRef idx="minor"/>
-    </dgm:style>
-  </dgm:styleLbl>
-  <dgm:styleLbl name="bgImgPlace1">
-    <dgm:scene3d>
-      <a:camera prst="orthographicFront"/>
-      <a:lightRig rig="threePt" dir="t"/>
-    </dgm:scene3d>
-    <dgm:sp3d/>
-    <dgm:txPr/>
-    <dgm:style>
-      <a:lnRef idx="2">
-        <a:scrgbClr r="0" g="0" b="0"/>
-      </a:lnRef>
-      <a:fillRef idx="1">
-        <a:scrgbClr r="0" g="0" b="0"/>
-      </a:fillRef>
-      <a:effectRef idx="0">
-        <a:scrgbClr r="0" g="0" b="0"/>
-      </a:effectRef>
-      <a:fontRef idx="minor"/>
-    </dgm:style>
-  </dgm:styleLbl>
-  <dgm:styleLbl name="sibTrans2D1">
-    <dgm:scene3d>
-      <a:camera prst="orthographicFront"/>
-      <a:lightRig rig="threePt" dir="t"/>
-    </dgm:scene3d>
-    <dgm:sp3d/>
-    <dgm:txPr/>
-    <dgm:style>
-      <a:lnRef idx="0">
-        <a:scrgbClr r="0" g="0" b="0"/>
-      </a:lnRef>
-      <a:fillRef idx="1">
-        <a:scrgbClr r="0" g="0" b="0"/>
-      </a:fillRef>
-      <a:effectRef idx="0">
-        <a:scrgbClr r="0" g="0" b="0"/>
-      </a:effectRef>
-      <a:fontRef idx="minor">
-        <a:schemeClr val="lt1"/>
-      </a:fontRef>
-    </dgm:style>
-  </dgm:styleLbl>
-  <dgm:styleLbl name="fgSibTrans2D1">
-    <dgm:scene3d>
-      <a:camera prst="orthographicFront"/>
-      <a:lightRig rig="threePt" dir="t"/>
-    </dgm:scene3d>
-    <dgm:sp3d/>
-    <dgm:txPr/>
-    <dgm:style>
-      <a:lnRef idx="0">
-        <a:scrgbClr r="0" g="0" b="0"/>
-      </a:lnRef>
-      <a:fillRef idx="1">
-        <a:scrgbClr r="0" g="0" b="0"/>
-      </a:fillRef>
-      <a:effectRef idx="0">
-        <a:scrgbClr r="0" g="0" b="0"/>
-      </a:effectRef>
-      <a:fontRef idx="minor">
-        <a:schemeClr val="lt1"/>
-      </a:fontRef>
-    </dgm:style>
-  </dgm:styleLbl>
-  <dgm:styleLbl name="bgSibTrans2D1">
-    <dgm:scene3d>
-      <a:camera prst="orthographicFront"/>
-      <a:lightRig rig="threePt" dir="t"/>
-    </dgm:scene3d>
-    <dgm:sp3d/>
-    <dgm:txPr/>
-    <dgm:style>
-      <a:lnRef idx="0">
-        <a:scrgbClr r="0" g="0" b="0"/>
-      </a:lnRef>
-      <a:fillRef idx="1">
-        <a:scrgbClr r="0" g="0" b="0"/>
-      </a:fillRef>
-      <a:effectRef idx="0">
-        <a:scrgbClr r="0" g="0" b="0"/>
-      </a:effectRef>
-      <a:fontRef idx="minor">
-        <a:schemeClr val="lt1"/>
-      </a:fontRef>
-    </dgm:style>
-  </dgm:styleLbl>
-  <dgm:styleLbl name="sibTrans1D1">
-    <dgm:scene3d>
-      <a:camera prst="orthographicFront"/>
-      <a:lightRig rig="threePt" dir="t"/>
-    </dgm:scene3d>
-    <dgm:sp3d/>
-    <dgm:txPr/>
-    <dgm:style>
-      <a:lnRef idx="1">
-        <a:scrgbClr r="0" g="0" b="0"/>
-      </a:lnRef>
-      <a:fillRef idx="0">
-        <a:scrgbClr r="0" g="0" b="0"/>
-      </a:fillRef>
-      <a:effectRef idx="0">
-        <a:scrgbClr r="0" g="0" b="0"/>
-      </a:effectRef>
-      <a:fontRef idx="minor"/>
-    </dgm:style>
-  </dgm:styleLbl>
-  <dgm:styleLbl name="callout">
-    <dgm:scene3d>
-      <a:camera prst="orthographicFront"/>
-      <a:lightRig rig="threePt" dir="t"/>
-    </dgm:scene3d>
-    <dgm:sp3d/>
-    <dgm:txPr/>
-    <dgm:style>
-      <a:lnRef idx="2">
-        <a:scrgbClr r="0" g="0" b="0"/>
-      </a:lnRef>
-      <a:fillRef idx="1">
-        <a:scrgbClr r="0" g="0" b="0"/>
-      </a:fillRef>
-      <a:effectRef idx="0">
-        <a:scrgbClr r="0" g="0" b="0"/>
-      </a:effectRef>
-      <a:fontRef idx="minor"/>
-    </dgm:style>
-  </dgm:styleLbl>
-  <dgm:styleLbl name="asst0">
-    <dgm:scene3d>
-      <a:camera prst="orthographicFront"/>
-      <a:lightRig rig="threePt" dir="t"/>
-    </dgm:scene3d>
-    <dgm:sp3d/>
-    <dgm:txPr/>
-    <dgm:style>
-      <a:lnRef idx="2">
-        <a:scrgbClr r="0" g="0" b="0"/>
-      </a:lnRef>
-      <a:fillRef idx="1">
-        <a:scrgbClr r="0" g="0" b="0"/>
-      </a:fillRef>
-      <a:effectRef idx="0">
-        <a:scrgbClr r="0" g="0" b="0"/>
-      </a:effectRef>
-      <a:fontRef idx="minor">
-        <a:schemeClr val="lt1"/>
-      </a:fontRef>
-    </dgm:style>
-  </dgm:styleLbl>
-  <dgm:styleLbl name="asst1">
-    <dgm:scene3d>
-      <a:camera prst="orthographicFront"/>
-      <a:lightRig rig="threePt" dir="t"/>
-    </dgm:scene3d>
-    <dgm:sp3d/>
-    <dgm:txPr/>
-    <dgm:style>
-      <a:lnRef idx="2">
-        <a:scrgbClr r="0" g="0" b="0"/>
-      </a:lnRef>
-      <a:fillRef idx="1">
-        <a:scrgbClr r="0" g="0" b="0"/>
-      </a:fillRef>
-      <a:effectRef idx="0">
-        <a:scrgbClr r="0" g="0" b="0"/>
-      </a:effectRef>
-      <a:fontRef idx="minor">
-        <a:schemeClr val="lt1"/>
-      </a:fontRef>
-    </dgm:style>
-  </dgm:styleLbl>
-  <dgm:styleLbl name="asst2">
-    <dgm:scene3d>
-      <a:camera prst="orthographicFront"/>
-      <a:lightRig rig="threePt" dir="t"/>
-    </dgm:scene3d>
-    <dgm:sp3d/>
-    <dgm:txPr/>
-    <dgm:style>
-      <a:lnRef idx="2">
-        <a:scrgbClr r="0" g="0" b="0"/>
-      </a:lnRef>
-      <a:fillRef idx="1">
-        <a:scrgbClr r="0" g="0" b="0"/>
-      </a:fillRef>
-      <a:effectRef idx="0">
-        <a:scrgbClr r="0" g="0" b="0"/>
-      </a:effectRef>
-      <a:fontRef idx="minor">
-        <a:schemeClr val="lt1"/>
-      </a:fontRef>
-    </dgm:style>
-  </dgm:styleLbl>
-  <dgm:styleLbl name="asst3">
-    <dgm:scene3d>
-      <a:camera prst="orthographicFront"/>
-      <a:lightRig rig="threePt" dir="t"/>
-    </dgm:scene3d>
-    <dgm:sp3d/>
-    <dgm:txPr/>
-    <dgm:style>
-      <a:lnRef idx="2">
-        <a:scrgbClr r="0" g="0" b="0"/>
-      </a:lnRef>
-      <a:fillRef idx="1">
-        <a:scrgbClr r="0" g="0" b="0"/>
-      </a:fillRef>
-      <a:effectRef idx="0">
-        <a:scrgbClr r="0" g="0" b="0"/>
-      </a:effectRef>
-      <a:fontRef idx="minor">
-        <a:schemeClr val="lt1"/>
-      </a:fontRef>
-    </dgm:style>
-  </dgm:styleLbl>
-  <dgm:styleLbl name="asst4">
-    <dgm:scene3d>
-      <a:camera prst="orthographicFront"/>
-      <a:lightRig rig="threePt" dir="t"/>
-    </dgm:scene3d>
-    <dgm:sp3d/>
-    <dgm:txPr/>
-    <dgm:style>
-      <a:lnRef idx="2">
-        <a:scrgbClr r="0" g="0" b="0"/>
-      </a:lnRef>
-      <a:fillRef idx="1">
-        <a:scrgbClr r="0" g="0" b="0"/>
-      </a:fillRef>
-      <a:effectRef idx="0">
-        <a:scrgbClr r="0" g="0" b="0"/>
-      </a:effectRef>
-      <a:fontRef idx="minor">
-        <a:schemeClr val="lt1"/>
-      </a:fontRef>
-    </dgm:style>
-  </dgm:styleLbl>
-  <dgm:styleLbl name="parChTrans2D1">
-    <dgm:scene3d>
-      <a:camera prst="orthographicFront"/>
-      <a:lightRig rig="threePt" dir="t"/>
-    </dgm:scene3d>
-    <dgm:sp3d/>
-    <dgm:txPr/>
-    <dgm:style>
-      <a:lnRef idx="2">
-        <a:scrgbClr r="0" g="0" b="0"/>
-      </a:lnRef>
-      <a:fillRef idx="1">
-        <a:scrgbClr r="0" g="0" b="0"/>
-      </a:fillRef>
-      <a:effectRef idx="0">
-        <a:scrgbClr r="0" g="0" b="0"/>
-      </a:effectRef>
-      <a:fontRef idx="minor">
-        <a:schemeClr val="lt1"/>
-      </a:fontRef>
-    </dgm:style>
-  </dgm:styleLbl>
-  <dgm:styleLbl name="parChTrans2D2">
-    <dgm:scene3d>
-      <a:camera prst="orthographicFront"/>
-      <a:lightRig rig="threePt" dir="t"/>
-    </dgm:scene3d>
-    <dgm:sp3d/>
-    <dgm:txPr/>
-    <dgm:style>
-      <a:lnRef idx="2">
-        <a:scrgbClr r="0" g="0" b="0"/>
-      </a:lnRef>
-      <a:fillRef idx="1">
-        <a:scrgbClr r="0" g="0" b="0"/>
-      </a:fillRef>
-      <a:effectRef idx="0">
-        <a:scrgbClr r="0" g="0" b="0"/>
-      </a:effectRef>
-      <a:fontRef idx="minor">
-        <a:schemeClr val="lt1"/>
-      </a:fontRef>
-    </dgm:style>
-  </dgm:styleLbl>
-  <dgm:styleLbl name="parChTrans2D3">
-    <dgm:scene3d>
-      <a:camera prst="orthographicFront"/>
-      <a:lightRig rig="threePt" dir="t"/>
-    </dgm:scene3d>
-    <dgm:sp3d/>
-    <dgm:txPr/>
-    <dgm:style>
-      <a:lnRef idx="2">
-        <a:scrgbClr r="0" g="0" b="0"/>
-      </a:lnRef>
-      <a:fillRef idx="1">
-        <a:scrgbClr r="0" g="0" b="0"/>
-      </a:fillRef>
-      <a:effectRef idx="0">
-        <a:scrgbClr r="0" g="0" b="0"/>
-      </a:effectRef>
-      <a:fontRef idx="minor">
-        <a:schemeClr val="lt1"/>
-      </a:fontRef>
-    </dgm:style>
-  </dgm:styleLbl>
-  <dgm:styleLbl name="parChTrans2D4">
-    <dgm:scene3d>
-      <a:camera prst="orthographicFront"/>
-      <a:lightRig rig="threePt" dir="t"/>
-    </dgm:scene3d>
-    <dgm:sp3d/>
-    <dgm:txPr/>
-    <dgm:style>
-      <a:lnRef idx="2">
-        <a:scrgbClr r="0" g="0" b="0"/>
-      </a:lnRef>
-      <a:fillRef idx="1">
-        <a:scrgbClr r="0" g="0" b="0"/>
-      </a:fillRef>
-      <a:effectRef idx="0">
-        <a:scrgbClr r="0" g="0" b="0"/>
-      </a:effectRef>
-      <a:fontRef idx="minor">
-        <a:schemeClr val="lt1"/>
-      </a:fontRef>
-    </dgm:style>
-  </dgm:styleLbl>
-  <dgm:styleLbl name="parChTrans1D1">
-    <dgm:scene3d>
-      <a:camera prst="orthographicFront"/>
-      <a:lightRig rig="threePt" dir="t"/>
-    </dgm:scene3d>
-    <dgm:sp3d/>
-    <dgm:txPr/>
-    <dgm:style>
-      <a:lnRef idx="2">
-        <a:scrgbClr r="0" g="0" b="0"/>
-      </a:lnRef>
-      <a:fillRef idx="0">
-        <a:scrgbClr r="0" g="0" b="0"/>
-      </a:fillRef>
-      <a:effectRef idx="0">
-        <a:scrgbClr r="0" g="0" b="0"/>
-      </a:effectRef>
-      <a:fontRef idx="minor"/>
-    </dgm:style>
-  </dgm:styleLbl>
-  <dgm:styleLbl name="parChTrans1D2">
-    <dgm:scene3d>
-      <a:camera prst="orthographicFront"/>
-      <a:lightRig rig="threePt" dir="t"/>
-    </dgm:scene3d>
-    <dgm:sp3d/>
-    <dgm:txPr/>
-    <dgm:style>
-      <a:lnRef idx="2">
-        <a:scrgbClr r="0" g="0" b="0"/>
-      </a:lnRef>
-      <a:fillRef idx="0">
-        <a:scrgbClr r="0" g="0" b="0"/>
-      </a:fillRef>
-      <a:effectRef idx="0">
-        <a:scrgbClr r="0" g="0" b="0"/>
-      </a:effectRef>
-      <a:fontRef idx="minor"/>
-    </dgm:style>
-  </dgm:styleLbl>
-  <dgm:styleLbl name="parChTrans1D3">
-    <dgm:scene3d>
-      <a:camera prst="orthographicFront"/>
-      <a:lightRig rig="threePt" dir="t"/>
-    </dgm:scene3d>
-    <dgm:sp3d/>
-    <dgm:txPr/>
-    <dgm:style>
-      <a:lnRef idx="2">
-        <a:scrgbClr r="0" g="0" b="0"/>
-      </a:lnRef>
-      <a:fillRef idx="0">
-        <a:scrgbClr r="0" g="0" b="0"/>
-      </a:fillRef>
-      <a:effectRef idx="0">
-        <a:scrgbClr r="0" g="0" b="0"/>
-      </a:effectRef>
-      <a:fontRef idx="minor"/>
-    </dgm:style>
-  </dgm:styleLbl>
-  <dgm:styleLbl name="parChTrans1D4">
-    <dgm:scene3d>
-      <a:camera prst="orthographicFront"/>
-      <a:lightRig rig="threePt" dir="t"/>
-    </dgm:scene3d>
-    <dgm:sp3d/>
-    <dgm:txPr/>
-    <dgm:style>
-      <a:lnRef idx="2">
-        <a:scrgbClr r="0" g="0" b="0"/>
-      </a:lnRef>
-      <a:fillRef idx="0">
-        <a:scrgbClr r="0" g="0" b="0"/>
-      </a:fillRef>
-      <a:effectRef idx="0">
-        <a:scrgbClr r="0" g="0" b="0"/>
-      </a:effectRef>
-      <a:fontRef idx="minor"/>
-    </dgm:style>
-  </dgm:styleLbl>
-  <dgm:styleLbl name="fgAcc1">
-    <dgm:scene3d>
-      <a:camera prst="orthographicFront"/>
-      <a:lightRig rig="threePt" dir="t"/>
-    </dgm:scene3d>
-    <dgm:sp3d/>
-    <dgm:txPr/>
-    <dgm:style>
-      <a:lnRef idx="2">
-        <a:scrgbClr r="0" g="0" b="0"/>
-      </a:lnRef>
-      <a:fillRef idx="1">
-        <a:scrgbClr r="0" g="0" b="0"/>
-      </a:fillRef>
-      <a:effectRef idx="0">
-        <a:scrgbClr r="0" g="0" b="0"/>
-      </a:effectRef>
-      <a:fontRef idx="minor"/>
-    </dgm:style>
-  </dgm:styleLbl>
-  <dgm:styleLbl name="conFgAcc1">
-    <dgm:scene3d>
-      <a:camera prst="orthographicFront"/>
-      <a:lightRig rig="threePt" dir="t"/>
-    </dgm:scene3d>
-    <dgm:sp3d/>
-    <dgm:txPr/>
-    <dgm:style>
-      <a:lnRef idx="2">
-        <a:scrgbClr r="0" g="0" b="0"/>
-      </a:lnRef>
-      <a:fillRef idx="1">
-        <a:scrgbClr r="0" g="0" b="0"/>
-      </a:fillRef>
-      <a:effectRef idx="0">
-        <a:scrgbClr r="0" g="0" b="0"/>
-      </a:effectRef>
-      <a:fontRef idx="minor"/>
-    </dgm:style>
-  </dgm:styleLbl>
-  <dgm:styleLbl name="alignAcc1">
-    <dgm:scene3d>
-      <a:camera prst="orthographicFront"/>
-      <a:lightRig rig="threePt" dir="t"/>
-    </dgm:scene3d>
-    <dgm:sp3d/>
-    <dgm:txPr/>
-    <dgm:style>
-      <a:lnRef idx="2">
-        <a:scrgbClr r="0" g="0" b="0"/>
-      </a:lnRef>
-      <a:fillRef idx="1">
-        <a:scrgbClr r="0" g="0" b="0"/>
-      </a:fillRef>
-      <a:effectRef idx="0">
-        <a:scrgbClr r="0" g="0" b="0"/>
-      </a:effectRef>
-      <a:fontRef idx="minor"/>
-    </dgm:style>
-  </dgm:styleLbl>
-  <dgm:styleLbl name="trAlignAcc1">
-    <dgm:scene3d>
-      <a:camera prst="orthographicFront"/>
-      <a:lightRig rig="threePt" dir="t"/>
-    </dgm:scene3d>
-    <dgm:sp3d/>
-    <dgm:txPr/>
-    <dgm:style>
-      <a:lnRef idx="1">
-        <a:scrgbClr r="0" g="0" b="0"/>
-      </a:lnRef>
-      <a:fillRef idx="1">
-        <a:scrgbClr r="0" g="0" b="0"/>
-      </a:fillRef>
-      <a:effectRef idx="0">
-        <a:scrgbClr r="0" g="0" b="0"/>
-      </a:effectRef>
-      <a:fontRef idx="minor"/>
-    </dgm:style>
-  </dgm:styleLbl>
-  <dgm:styleLbl name="bgAcc1">
-    <dgm:scene3d>
-      <a:camera prst="orthographicFront"/>
-      <a:lightRig rig="threePt" dir="t"/>
-    </dgm:scene3d>
-    <dgm:sp3d/>
-    <dgm:txPr/>
-    <dgm:style>
-      <a:lnRef idx="2">
-        <a:scrgbClr r="0" g="0" b="0"/>
-      </a:lnRef>
-      <a:fillRef idx="1">
-        <a:scrgbClr r="0" g="0" b="0"/>
-      </a:fillRef>
-      <a:effectRef idx="0">
-        <a:scrgbClr r="0" g="0" b="0"/>
-      </a:effectRef>
-      <a:fontRef idx="minor"/>
-    </dgm:style>
-  </dgm:styleLbl>
-  <dgm:styleLbl name="solidFgAcc1">
-    <dgm:scene3d>
-      <a:camera prst="orthographicFront"/>
-      <a:lightRig rig="threePt" dir="t"/>
-    </dgm:scene3d>
-    <dgm:sp3d/>
-    <dgm:txPr/>
-    <dgm:style>
-      <a:lnRef idx="2">
-        <a:scrgbClr r="0" g="0" b="0"/>
-      </a:lnRef>
-      <a:fillRef idx="1">
-        <a:scrgbClr r="0" g="0" b="0"/>
-      </a:fillRef>
-      <a:effectRef idx="0">
-        <a:scrgbClr r="0" g="0" b="0"/>
-      </a:effectRef>
-      <a:fontRef idx="minor"/>
-    </dgm:style>
-  </dgm:styleLbl>
-  <dgm:styleLbl name="solidAlignAcc1">
-    <dgm:scene3d>
-      <a:camera prst="orthographicFront"/>
-      <a:lightRig rig="threePt" dir="t"/>
-    </dgm:scene3d>
-    <dgm:sp3d/>
-    <dgm:txPr/>
-    <dgm:style>
-      <a:lnRef idx="2">
-        <a:scrgbClr r="0" g="0" b="0"/>
-      </a:lnRef>
-      <a:fillRef idx="1">
-        <a:scrgbClr r="0" g="0" b="0"/>
-      </a:fillRef>
-      <a:effectRef idx="0">
-        <a:scrgbClr r="0" g="0" b="0"/>
-      </a:effectRef>
-      <a:fontRef idx="minor"/>
-    </dgm:style>
-  </dgm:styleLbl>
-  <dgm:styleLbl name="solidBgAcc1">
-    <dgm:scene3d>
-      <a:camera prst="orthographicFront"/>
-      <a:lightRig rig="threePt" dir="t"/>
-    </dgm:scene3d>
-    <dgm:sp3d/>
-    <dgm:txPr/>
-    <dgm:style>
-      <a:lnRef idx="2">
-        <a:scrgbClr r="0" g="0" b="0"/>
-      </a:lnRef>
-      <a:fillRef idx="1">
-        <a:scrgbClr r="0" g="0" b="0"/>
-      </a:fillRef>
-      <a:effectRef idx="0">
-        <a:scrgbClr r="0" g="0" b="0"/>
-      </a:effectRef>
-      <a:fontRef idx="minor"/>
-    </dgm:style>
-  </dgm:styleLbl>
-  <dgm:styleLbl name="fgAccFollowNode1">
-    <dgm:scene3d>
-      <a:camera prst="orthographicFront"/>
-      <a:lightRig rig="threePt" dir="t"/>
-    </dgm:scene3d>
-    <dgm:sp3d/>
-    <dgm:txPr/>
-    <dgm:style>
-      <a:lnRef idx="2">
-        <a:scrgbClr r="0" g="0" b="0"/>
-      </a:lnRef>
-      <a:fillRef idx="1">
-        <a:scrgbClr r="0" g="0" b="0"/>
-      </a:fillRef>
-      <a:effectRef idx="0">
-        <a:scrgbClr r="0" g="0" b="0"/>
-      </a:effectRef>
-      <a:fontRef idx="minor"/>
-    </dgm:style>
-  </dgm:styleLbl>
-  <dgm:styleLbl name="alignAccFollowNode1">
-    <dgm:scene3d>
-      <a:camera prst="orthographicFront"/>
-      <a:lightRig rig="threePt" dir="t"/>
-    </dgm:scene3d>
-    <dgm:sp3d/>
-    <dgm:txPr/>
-    <dgm:style>
-      <a:lnRef idx="2">
-        <a:scrgbClr r="0" g="0" b="0"/>
-      </a:lnRef>
-      <a:fillRef idx="1">
-        <a:scrgbClr r="0" g="0" b="0"/>
-      </a:fillRef>
-      <a:effectRef idx="0">
-        <a:scrgbClr r="0" g="0" b="0"/>
-      </a:effectRef>
-      <a:fontRef idx="minor"/>
-    </dgm:style>
-  </dgm:styleLbl>
-  <dgm:styleLbl name="bgAccFollowNode1">
-    <dgm:scene3d>
-      <a:camera prst="orthographicFront"/>
-      <a:lightRig rig="threePt" dir="t"/>
-    </dgm:scene3d>
-    <dgm:sp3d/>
-    <dgm:txPr/>
-    <dgm:style>
-      <a:lnRef idx="2">
-        <a:scrgbClr r="0" g="0" b="0"/>
-      </a:lnRef>
-      <a:fillRef idx="1">
-        <a:scrgbClr r="0" g="0" b="0"/>
-      </a:fillRef>
-      <a:effectRef idx="0">
-        <a:scrgbClr r="0" g="0" b="0"/>
-      </a:effectRef>
-      <a:fontRef idx="minor"/>
-    </dgm:style>
-  </dgm:styleLbl>
-  <dgm:styleLbl name="fgAcc0">
-    <dgm:scene3d>
-      <a:camera prst="orthographicFront"/>
-      <a:lightRig rig="threePt" dir="t"/>
-    </dgm:scene3d>
-    <dgm:sp3d/>
-    <dgm:txPr/>
-    <dgm:style>
-      <a:lnRef idx="2">
-        <a:scrgbClr r="0" g="0" b="0"/>
-      </a:lnRef>
-      <a:fillRef idx="1">
-        <a:scrgbClr r="0" g="0" b="0"/>
-      </a:fillRef>
-      <a:effectRef idx="0">
-        <a:scrgbClr r="0" g="0" b="0"/>
-      </a:effectRef>
-      <a:fontRef idx="minor"/>
-    </dgm:style>
-  </dgm:styleLbl>
-  <dgm:styleLbl name="fgAcc2">
-    <dgm:scene3d>
-      <a:camera prst="orthographicFront"/>
-      <a:lightRig rig="threePt" dir="t"/>
-    </dgm:scene3d>
-    <dgm:sp3d/>
-    <dgm:txPr/>
-    <dgm:style>
-      <a:lnRef idx="2">
-        <a:scrgbClr r="0" g="0" b="0"/>
-      </a:lnRef>
-      <a:fillRef idx="1">
-        <a:scrgbClr r="0" g="0" b="0"/>
-      </a:fillRef>
-      <a:effectRef idx="0">
-        <a:scrgbClr r="0" g="0" b="0"/>
-      </a:effectRef>
-      <a:fontRef idx="minor"/>
-    </dgm:style>
-  </dgm:styleLbl>
-  <dgm:styleLbl name="fgAcc3">
-    <dgm:scene3d>
-      <a:camera prst="orthographicFront"/>
-      <a:lightRig rig="threePt" dir="t"/>
-    </dgm:scene3d>
-    <dgm:sp3d/>
-    <dgm:txPr/>
-    <dgm:style>
-      <a:lnRef idx="2">
-        <a:scrgbClr r="0" g="0" b="0"/>
-      </a:lnRef>
-      <a:fillRef idx="1">
-        <a:scrgbClr r="0" g="0" b="0"/>
-      </a:fillRef>
-      <a:effectRef idx="0">
-        <a:scrgbClr r="0" g="0" b="0"/>
-      </a:effectRef>
-      <a:fontRef idx="minor"/>
-    </dgm:style>
-  </dgm:styleLbl>
-  <dgm:styleLbl name="fgAcc4">
-    <dgm:scene3d>
-      <a:camera prst="orthographicFront"/>
-      <a:lightRig rig="threePt" dir="t"/>
-    </dgm:scene3d>
-    <dgm:sp3d/>
-    <dgm:txPr/>
-    <dgm:style>
-      <a:lnRef idx="2">
-        <a:scrgbClr r="0" g="0" b="0"/>
-      </a:lnRef>
-      <a:fillRef idx="1">
-        <a:scrgbClr r="0" g="0" b="0"/>
-      </a:fillRef>
-      <a:effectRef idx="0">
-        <a:scrgbClr r="0" g="0" b="0"/>
-      </a:effectRef>
-      <a:fontRef idx="minor"/>
-    </dgm:style>
-  </dgm:styleLbl>
-  <dgm:styleLbl name="bgShp">
-    <dgm:scene3d>
-      <a:camera prst="orthographicFront"/>
-      <a:lightRig rig="threePt" dir="t"/>
-    </dgm:scene3d>
-    <dgm:sp3d/>
-    <dgm:txPr/>
-    <dgm:style>
-      <a:lnRef idx="0">
-        <a:scrgbClr r="0" g="0" b="0"/>
-      </a:lnRef>
-      <a:fillRef idx="1">
-        <a:scrgbClr r="0" g="0" b="0"/>
-      </a:fillRef>
-      <a:effectRef idx="0">
-        <a:scrgbClr r="0" g="0" b="0"/>
-      </a:effectRef>
-      <a:fontRef idx="minor"/>
-    </dgm:style>
-  </dgm:styleLbl>
-  <dgm:styleLbl name="dkBgShp">
-    <dgm:scene3d>
-      <a:camera prst="orthographicFront"/>
-      <a:lightRig rig="threePt" dir="t"/>
-    </dgm:scene3d>
-    <dgm:sp3d/>
-    <dgm:txPr/>
-    <dgm:style>
-      <a:lnRef idx="0">
-        <a:scrgbClr r="0" g="0" b="0"/>
-      </a:lnRef>
-      <a:fillRef idx="1">
-        <a:scrgbClr r="0" g="0" b="0"/>
-      </a:fillRef>
-      <a:effectRef idx="0">
-        <a:scrgbClr r="0" g="0" b="0"/>
-      </a:effectRef>
-      <a:fontRef idx="minor"/>
-    </dgm:style>
-  </dgm:styleLbl>
-  <dgm:styleLbl name="trBgShp">
-    <dgm:scene3d>
-      <a:camera prst="orthographicFront"/>
-      <a:lightRig rig="threePt" dir="t"/>
-    </dgm:scene3d>
-    <dgm:sp3d/>
-    <dgm:txPr/>
-    <dgm:style>
-      <a:lnRef idx="0">
-        <a:scrgbClr r="0" g="0" b="0"/>
-      </a:lnRef>
-      <a:fillRef idx="1">
-        <a:scrgbClr r="0" g="0" b="0"/>
-      </a:fillRef>
-      <a:effectRef idx="0">
-        <a:scrgbClr r="0" g="0" b="0"/>
-      </a:effectRef>
-      <a:fontRef idx="minor"/>
-    </dgm:style>
-  </dgm:styleLbl>
-  <dgm:styleLbl name="fgShp">
-    <dgm:scene3d>
-      <a:camera prst="orthographicFront"/>
-      <a:lightRig rig="threePt" dir="t"/>
-    </dgm:scene3d>
-    <dgm:sp3d/>
-    <dgm:txPr/>
-    <dgm:style>
-      <a:lnRef idx="2">
-        <a:scrgbClr r="0" g="0" b="0"/>
-      </a:lnRef>
-      <a:fillRef idx="1">
-        <a:scrgbClr r="0" g="0" b="0"/>
-      </a:fillRef>
-      <a:effectRef idx="0">
-        <a:scrgbClr r="0" g="0" b="0"/>
-      </a:effectRef>
-      <a:fontRef idx="minor"/>
-    </dgm:style>
-  </dgm:styleLbl>
-  <dgm:styleLbl name="revTx">
-    <dgm:scene3d>
-      <a:camera prst="orthographicFront"/>
-      <a:lightRig rig="threePt" dir="t"/>
-    </dgm:scene3d>
-    <dgm:sp3d/>
-    <dgm:txPr/>
-    <dgm:style>
-      <a:lnRef idx="0">
-        <a:scrgbClr r="0" g="0" b="0"/>
-      </a:lnRef>
-      <a:fillRef idx="0">
-        <a:scrgbClr r="0" g="0" b="0"/>
-      </a:fillRef>
-      <a:effectRef idx="0">
-        <a:scrgbClr r="0" g="0" b="0"/>
-      </a:effectRef>
-      <a:fontRef idx="minor"/>
-    </dgm:style>
-  </dgm:styleLbl>
-</dgm:styleDef>
-</file>
-
 <file path=ppt/notesMasters/notesMaster1.xml><?xml version="1.0" encoding="utf-8"?>
 <p:notesMaster xmlns:a="http://schemas.openxmlformats.org/drawingml/2006/main" xmlns:r="http://schemas.openxmlformats.org/officeDocument/2006/relationships" xmlns:p="http://schemas.openxmlformats.org/presentationml/2006/main">
   <p:cSld>
@@ -3387,7 +541,7 @@
           <a:p>
             <a:r>
               <a:rPr lang="en-US" dirty="0"/>
-              <a:t>The goal of the project is to compare recipes from two popular recipe websites, Spoonacular and </a:t>
+              <a:t>The goal, as per the project proposal, is to compare recipes from two popular recipe websites, Spoonacular and </a:t>
             </a:r>
             <a:r>
               <a:rPr lang="en-US" dirty="0" err="1"/>
@@ -3395,7 +549,7 @@
             </a:r>
             <a:r>
               <a:rPr lang="en-US" dirty="0"/>
-              <a:t>, and identify “healthy” recipes using two market-implemented measures: Nutri-Scores and Weight Watchers Smart Points.</a:t>
+              <a:t>, and identify “healthy” recipes using two market-implemented measures: Nutri-Scores and Weight Watchers Smart Points. </a:t>
             </a:r>
           </a:p>
         </p:txBody>
@@ -3517,7 +671,27 @@
             </a:r>
             <a:r>
               <a:rPr lang="en-US" dirty="0"/>
-              <a:t>, and identify “healthy” recipes using two market-implemented measures: Nutri-Scores and Weight Watchers Smart Points.</a:t>
+              <a:t>, and identify “healthy” recipes using two market-implemented measures: Nutri-Scores and Weight Watchers Smart Points. In terms of the outcome, the primary dataset we used was </a:t>
+            </a:r>
+            <a:r>
+              <a:rPr lang="en-US" dirty="0" err="1"/>
+              <a:t>Food.com</a:t>
+            </a:r>
+            <a:r>
+              <a:rPr lang="en-US" dirty="0"/>
+              <a:t> (we’ll talk through the Spoonacular API briefly) and the primary measure of recipe healthiness as “Weight Watchers”, and for context, the lower the points are the healthier the recipe is.</a:t>
+            </a:r>
+          </a:p>
+          <a:p>
+            <a:r>
+              <a:rPr lang="en-US" dirty="0"/>
+              <a:t>- Nutri-Scores: API was limited to 500 requests per day, and ran out of time.</a:t>
+            </a:r>
+          </a:p>
+          <a:p>
+            <a:r>
+              <a:rPr lang="en-US" dirty="0"/>
+              <a:t>- Spoonacular API: even after about 20 requests (limited to 150 per day), most rows did not have the minimum data required. Reducing the dataset to a single meal type reduced the dataset from 1600 to 180.</a:t>
             </a:r>
           </a:p>
         </p:txBody>
@@ -10949,15 +8123,7 @@
             <a:pPr lvl="1"/>
             <a:r>
               <a:rPr lang="en-US" dirty="0"/>
-              <a:t>What meal type (breakfast</a:t>
-            </a:r>
-            <a:r>
-              <a:rPr lang="en-US"/>
-              <a:t>, lunch, or dinner</a:t>
-            </a:r>
-            <a:r>
-              <a:rPr lang="en-US" dirty="0"/>
-              <a:t>) is the healthiest?</a:t>
+              <a:t>What meal type (breakfast, lunch, or dinner) is the healthiest?</a:t>
             </a:r>
           </a:p>
           <a:p>
@@ -11178,10 +8344,10 @@
       </p:sp>
       <p:graphicFrame>
         <p:nvGraphicFramePr>
-          <p:cNvPr id="7" name="Content Placeholder 6">
+          <p:cNvPr id="21" name="Table 21">
             <a:extLst>
               <a:ext uri="{FF2B5EF4-FFF2-40B4-BE49-F238E27FC236}">
-                <a16:creationId xmlns:a16="http://schemas.microsoft.com/office/drawing/2014/main" id="{E4E4CC01-F5FB-C2B2-F022-34CE73B81E6C}"/>
+                <a16:creationId xmlns:a16="http://schemas.microsoft.com/office/drawing/2014/main" id="{19A4FD8A-6EC6-E086-C701-DDF1DF8779FF}"/>
               </a:ext>
             </a:extLst>
           </p:cNvPr>
@@ -11192,56 +8358,517 @@
             <p:ph idx="1"/>
             <p:extLst>
               <p:ext uri="{D42A27DB-BD31-4B8C-83A1-F6EECF244321}">
-                <p14:modId xmlns:p14="http://schemas.microsoft.com/office/powerpoint/2010/main" val="2713455787"/>
+                <p14:modId xmlns:p14="http://schemas.microsoft.com/office/powerpoint/2010/main" val="3744473890"/>
               </p:ext>
             </p:extLst>
           </p:nvPr>
         </p:nvGraphicFramePr>
         <p:xfrm>
-          <a:off x="677863" y="2160588"/>
-          <a:ext cx="8596312" cy="3881437"/>
+          <a:off x="2917998" y="1467168"/>
+          <a:ext cx="6648008" cy="4572000"/>
         </p:xfrm>
         <a:graphic>
-          <a:graphicData uri="http://schemas.openxmlformats.org/drawingml/2006/diagram">
-            <dgm:relIds xmlns:dgm="http://schemas.openxmlformats.org/drawingml/2006/diagram" xmlns:r="http://schemas.openxmlformats.org/officeDocument/2006/relationships" r:dm="rId4" r:lo="rId5" r:qs="rId6" r:cs="rId7"/>
+          <a:graphicData uri="http://schemas.openxmlformats.org/drawingml/2006/table">
+            <a:tbl>
+              <a:tblPr firstRow="1" bandRow="1">
+                <a:tableStyleId>{5C22544A-7EE6-4342-B048-85BDC9FD1C3A}</a:tableStyleId>
+              </a:tblPr>
+              <a:tblGrid>
+                <a:gridCol w="1662002">
+                  <a:extLst>
+                    <a:ext uri="{9D8B030D-6E8A-4147-A177-3AD203B41FA5}">
+                      <a16:colId xmlns:a16="http://schemas.microsoft.com/office/drawing/2014/main" val="2842163565"/>
+                    </a:ext>
+                  </a:extLst>
+                </a:gridCol>
+                <a:gridCol w="1662002">
+                  <a:extLst>
+                    <a:ext uri="{9D8B030D-6E8A-4147-A177-3AD203B41FA5}">
+                      <a16:colId xmlns:a16="http://schemas.microsoft.com/office/drawing/2014/main" val="3694270964"/>
+                    </a:ext>
+                  </a:extLst>
+                </a:gridCol>
+                <a:gridCol w="1662002">
+                  <a:extLst>
+                    <a:ext uri="{9D8B030D-6E8A-4147-A177-3AD203B41FA5}">
+                      <a16:colId xmlns:a16="http://schemas.microsoft.com/office/drawing/2014/main" val="1674887324"/>
+                    </a:ext>
+                  </a:extLst>
+                </a:gridCol>
+                <a:gridCol w="1662002">
+                  <a:extLst>
+                    <a:ext uri="{9D8B030D-6E8A-4147-A177-3AD203B41FA5}">
+                      <a16:colId xmlns:a16="http://schemas.microsoft.com/office/drawing/2014/main" val="1093988425"/>
+                    </a:ext>
+                  </a:extLst>
+                </a:gridCol>
+              </a:tblGrid>
+              <a:tr h="370840">
+                <a:tc>
+                  <a:txBody>
+                    <a:bodyPr/>
+                    <a:lstStyle/>
+                    <a:p>
+                      <a:pPr algn="ctr"/>
+                      <a:r>
+                        <a:rPr lang="en-US" dirty="0"/>
+                        <a:t>Health Measure</a:t>
+                      </a:r>
+                    </a:p>
+                  </a:txBody>
+                  <a:tcPr anchor="ctr"/>
+                </a:tc>
+                <a:tc>
+                  <a:txBody>
+                    <a:bodyPr/>
+                    <a:lstStyle/>
+                    <a:p>
+                      <a:pPr algn="ctr"/>
+                      <a:r>
+                        <a:rPr lang="en-US" dirty="0"/>
+                        <a:t>Data Source</a:t>
+                      </a:r>
+                    </a:p>
+                  </a:txBody>
+                  <a:tcPr anchor="ctr"/>
+                </a:tc>
+                <a:tc>
+                  <a:txBody>
+                    <a:bodyPr/>
+                    <a:lstStyle/>
+                    <a:p>
+                      <a:pPr algn="ctr"/>
+                      <a:r>
+                        <a:rPr lang="en-US" dirty="0"/>
+                        <a:t>Meal Type</a:t>
+                      </a:r>
+                    </a:p>
+                  </a:txBody>
+                  <a:tcPr anchor="ctr"/>
+                </a:tc>
+                <a:tc>
+                  <a:txBody>
+                    <a:bodyPr/>
+                    <a:lstStyle/>
+                    <a:p>
+                      <a:pPr algn="ctr"/>
+                      <a:r>
+                        <a:rPr lang="en-US" dirty="0"/>
+                        <a:t>Cuisine</a:t>
+                      </a:r>
+                    </a:p>
+                  </a:txBody>
+                  <a:tcPr anchor="ctr"/>
+                </a:tc>
+                <a:extLst>
+                  <a:ext uri="{0D108BD9-81ED-4DB2-BD59-A6C34878D82A}">
+                    <a16:rowId xmlns:a16="http://schemas.microsoft.com/office/drawing/2014/main" val="2765508743"/>
+                  </a:ext>
+                </a:extLst>
+              </a:tr>
+              <a:tr h="1310640">
+                <a:tc rowSpan="2">
+                  <a:txBody>
+                    <a:bodyPr/>
+                    <a:lstStyle/>
+                    <a:p>
+                      <a:pPr algn="ctr"/>
+                      <a:r>
+                        <a:rPr lang="en-US" strike="sngStrike" dirty="0"/>
+                        <a:t>Nutri-Scores</a:t>
+                      </a:r>
+                    </a:p>
+                  </a:txBody>
+                  <a:tcPr anchor="ctr">
+                    <a:solidFill>
+                      <a:schemeClr val="accent1">
+                        <a:lumMod val="20000"/>
+                        <a:lumOff val="80000"/>
+                      </a:schemeClr>
+                    </a:solidFill>
+                  </a:tcPr>
+                </a:tc>
+                <a:tc rowSpan="2">
+                  <a:txBody>
+                    <a:bodyPr/>
+                    <a:lstStyle/>
+                    <a:p>
+                      <a:pPr algn="ctr"/>
+                      <a:r>
+                        <a:rPr lang="en-US" strike="sngStrike" dirty="0"/>
+                        <a:t>Spoonacular API</a:t>
+                      </a:r>
+                    </a:p>
+                  </a:txBody>
+                  <a:tcPr anchor="ctr">
+                    <a:solidFill>
+                      <a:schemeClr val="accent1">
+                        <a:lumMod val="20000"/>
+                        <a:lumOff val="80000"/>
+                      </a:schemeClr>
+                    </a:solidFill>
+                  </a:tcPr>
+                </a:tc>
+                <a:tc>
+                  <a:txBody>
+                    <a:bodyPr/>
+                    <a:lstStyle/>
+                    <a:p>
+                      <a:pPr algn="ctr"/>
+                      <a:r>
+                        <a:rPr lang="en-US" dirty="0"/>
+                        <a:t>Breakfast</a:t>
+                      </a:r>
+                    </a:p>
+                  </a:txBody>
+                  <a:tcPr anchor="ctr">
+                    <a:solidFill>
+                      <a:schemeClr val="accent1">
+                        <a:lumMod val="20000"/>
+                        <a:lumOff val="80000"/>
+                      </a:schemeClr>
+                    </a:solidFill>
+                  </a:tcPr>
+                </a:tc>
+                <a:tc rowSpan="4">
+                  <a:txBody>
+                    <a:bodyPr/>
+                    <a:lstStyle/>
+                    <a:p>
+                      <a:pPr algn="ctr"/>
+                      <a:r>
+                        <a:rPr lang="en-US" dirty="0"/>
+                        <a:t>African</a:t>
+                      </a:r>
+                    </a:p>
+                    <a:p>
+                      <a:pPr algn="ctr"/>
+                      <a:r>
+                        <a:rPr lang="en-US" dirty="0"/>
+                        <a:t>Cajun</a:t>
+                      </a:r>
+                    </a:p>
+                    <a:p>
+                      <a:pPr algn="ctr"/>
+                      <a:r>
+                        <a:rPr lang="en-US" dirty="0"/>
+                        <a:t>Caribbean</a:t>
+                      </a:r>
+                    </a:p>
+                    <a:p>
+                      <a:pPr algn="ctr"/>
+                      <a:r>
+                        <a:rPr lang="en-US" dirty="0"/>
+                        <a:t>French</a:t>
+                      </a:r>
+                    </a:p>
+                    <a:p>
+                      <a:pPr algn="ctr"/>
+                      <a:r>
+                        <a:rPr lang="en-US" dirty="0"/>
+                        <a:t>German</a:t>
+                      </a:r>
+                    </a:p>
+                    <a:p>
+                      <a:pPr algn="ctr"/>
+                      <a:r>
+                        <a:rPr lang="en-US" dirty="0"/>
+                        <a:t>Greek</a:t>
+                      </a:r>
+                    </a:p>
+                    <a:p>
+                      <a:pPr algn="ctr"/>
+                      <a:r>
+                        <a:rPr lang="en-US" dirty="0"/>
+                        <a:t>Indian</a:t>
+                      </a:r>
+                    </a:p>
+                    <a:p>
+                      <a:pPr algn="ctr"/>
+                      <a:r>
+                        <a:rPr lang="en-US" dirty="0"/>
+                        <a:t>Irish</a:t>
+                      </a:r>
+                    </a:p>
+                    <a:p>
+                      <a:pPr algn="ctr"/>
+                      <a:r>
+                        <a:rPr lang="en-US" dirty="0"/>
+                        <a:t>Japanese</a:t>
+                      </a:r>
+                    </a:p>
+                    <a:p>
+                      <a:pPr algn="ctr"/>
+                      <a:r>
+                        <a:rPr lang="en-US" dirty="0"/>
+                        <a:t>Korean</a:t>
+                      </a:r>
+                    </a:p>
+                    <a:p>
+                      <a:pPr algn="ctr"/>
+                      <a:r>
+                        <a:rPr lang="en-US" dirty="0"/>
+                        <a:t>Mexican</a:t>
+                      </a:r>
+                    </a:p>
+                    <a:p>
+                      <a:pPr algn="ctr"/>
+                      <a:r>
+                        <a:rPr lang="en-US" dirty="0"/>
+                        <a:t>Spanish</a:t>
+                      </a:r>
+                    </a:p>
+                    <a:p>
+                      <a:pPr algn="ctr"/>
+                      <a:r>
+                        <a:rPr lang="en-US" dirty="0"/>
+                        <a:t>Thai</a:t>
+                      </a:r>
+                    </a:p>
+                    <a:p>
+                      <a:pPr algn="ctr"/>
+                      <a:r>
+                        <a:rPr lang="en-US" dirty="0"/>
+                        <a:t>Vietnamese</a:t>
+                      </a:r>
+                    </a:p>
+                  </a:txBody>
+                  <a:tcPr>
+                    <a:solidFill>
+                      <a:schemeClr val="accent1">
+                        <a:lumMod val="20000"/>
+                        <a:lumOff val="80000"/>
+                      </a:schemeClr>
+                    </a:solidFill>
+                  </a:tcPr>
+                </a:tc>
+                <a:extLst>
+                  <a:ext uri="{0D108BD9-81ED-4DB2-BD59-A6C34878D82A}">
+                    <a16:rowId xmlns:a16="http://schemas.microsoft.com/office/drawing/2014/main" val="61323035"/>
+                  </a:ext>
+                </a:extLst>
+              </a:tr>
+              <a:tr h="655320">
+                <a:tc vMerge="1">
+                  <a:txBody>
+                    <a:bodyPr/>
+                    <a:lstStyle/>
+                    <a:p>
+                      <a:endParaRPr lang="en-US"/>
+                    </a:p>
+                  </a:txBody>
+                  <a:tcPr/>
+                </a:tc>
+                <a:tc vMerge="1">
+                  <a:txBody>
+                    <a:bodyPr/>
+                    <a:lstStyle/>
+                    <a:p>
+                      <a:endParaRPr lang="en-US"/>
+                    </a:p>
+                  </a:txBody>
+                  <a:tcPr/>
+                </a:tc>
+                <a:tc rowSpan="2">
+                  <a:txBody>
+                    <a:bodyPr/>
+                    <a:lstStyle/>
+                    <a:p>
+                      <a:pPr algn="ctr"/>
+                      <a:r>
+                        <a:rPr lang="en-US" dirty="0"/>
+                        <a:t>Lunch</a:t>
+                      </a:r>
+                    </a:p>
+                  </a:txBody>
+                  <a:tcPr anchor="ctr">
+                    <a:solidFill>
+                      <a:schemeClr val="accent1">
+                        <a:lumMod val="20000"/>
+                        <a:lumOff val="80000"/>
+                      </a:schemeClr>
+                    </a:solidFill>
+                  </a:tcPr>
+                </a:tc>
+                <a:tc vMerge="1">
+                  <a:txBody>
+                    <a:bodyPr/>
+                    <a:lstStyle/>
+                    <a:p>
+                      <a:endParaRPr lang="en-US"/>
+                    </a:p>
+                  </a:txBody>
+                  <a:tcPr/>
+                </a:tc>
+                <a:extLst>
+                  <a:ext uri="{0D108BD9-81ED-4DB2-BD59-A6C34878D82A}">
+                    <a16:rowId xmlns:a16="http://schemas.microsoft.com/office/drawing/2014/main" val="1918014591"/>
+                  </a:ext>
+                </a:extLst>
+              </a:tr>
+              <a:tr h="655320">
+                <a:tc rowSpan="2">
+                  <a:txBody>
+                    <a:bodyPr/>
+                    <a:lstStyle/>
+                    <a:p>
+                      <a:pPr marL="0" marR="0" lvl="0" indent="0" algn="ctr" defTabSz="457200" rtl="0" eaLnBrk="1" fontAlgn="auto" latinLnBrk="0" hangingPunct="1">
+                        <a:lnSpc>
+                          <a:spcPct val="100000"/>
+                        </a:lnSpc>
+                        <a:spcBef>
+                          <a:spcPts val="0"/>
+                        </a:spcBef>
+                        <a:spcAft>
+                          <a:spcPts val="0"/>
+                        </a:spcAft>
+                        <a:buClrTx/>
+                        <a:buSzTx/>
+                        <a:buFontTx/>
+                        <a:buNone/>
+                        <a:tabLst/>
+                        <a:defRPr/>
+                      </a:pPr>
+                      <a:r>
+                        <a:rPr lang="en-US" dirty="0"/>
+                        <a:t>Weight Watchers Smart Points</a:t>
+                      </a:r>
+                    </a:p>
+                  </a:txBody>
+                  <a:tcPr anchor="ctr">
+                    <a:solidFill>
+                      <a:schemeClr val="accent1">
+                        <a:lumMod val="20000"/>
+                        <a:lumOff val="80000"/>
+                      </a:schemeClr>
+                    </a:solidFill>
+                  </a:tcPr>
+                </a:tc>
+                <a:tc rowSpan="2">
+                  <a:txBody>
+                    <a:bodyPr/>
+                    <a:lstStyle/>
+                    <a:p>
+                      <a:pPr marL="0" marR="0" lvl="0" indent="0" algn="ctr" defTabSz="457200" rtl="0" eaLnBrk="1" fontAlgn="auto" latinLnBrk="0" hangingPunct="1">
+                        <a:lnSpc>
+                          <a:spcPct val="100000"/>
+                        </a:lnSpc>
+                        <a:spcBef>
+                          <a:spcPts val="0"/>
+                        </a:spcBef>
+                        <a:spcAft>
+                          <a:spcPts val="0"/>
+                        </a:spcAft>
+                        <a:buClrTx/>
+                        <a:buSzTx/>
+                        <a:buFontTx/>
+                        <a:buNone/>
+                        <a:tabLst/>
+                        <a:defRPr/>
+                      </a:pPr>
+                      <a:r>
+                        <a:rPr lang="en-US" dirty="0"/>
+                        <a:t>Kaggle Dataset</a:t>
+                      </a:r>
+                    </a:p>
+                  </a:txBody>
+                  <a:tcPr anchor="ctr">
+                    <a:solidFill>
+                      <a:schemeClr val="accent1">
+                        <a:lumMod val="20000"/>
+                        <a:lumOff val="80000"/>
+                      </a:schemeClr>
+                    </a:solidFill>
+                  </a:tcPr>
+                </a:tc>
+                <a:tc vMerge="1">
+                  <a:txBody>
+                    <a:bodyPr/>
+                    <a:lstStyle/>
+                    <a:p>
+                      <a:endParaRPr lang="en-US"/>
+                    </a:p>
+                  </a:txBody>
+                  <a:tcPr/>
+                </a:tc>
+                <a:tc vMerge="1">
+                  <a:txBody>
+                    <a:bodyPr/>
+                    <a:lstStyle/>
+                    <a:p>
+                      <a:endParaRPr lang="en-US"/>
+                    </a:p>
+                  </a:txBody>
+                  <a:tcPr/>
+                </a:tc>
+                <a:extLst>
+                  <a:ext uri="{0D108BD9-81ED-4DB2-BD59-A6C34878D82A}">
+                    <a16:rowId xmlns:a16="http://schemas.microsoft.com/office/drawing/2014/main" val="1874076762"/>
+                  </a:ext>
+                </a:extLst>
+              </a:tr>
+              <a:tr h="1310640">
+                <a:tc vMerge="1">
+                  <a:txBody>
+                    <a:bodyPr/>
+                    <a:lstStyle/>
+                    <a:p>
+                      <a:endParaRPr lang="en-US"/>
+                    </a:p>
+                  </a:txBody>
+                  <a:tcPr/>
+                </a:tc>
+                <a:tc vMerge="1">
+                  <a:txBody>
+                    <a:bodyPr/>
+                    <a:lstStyle/>
+                    <a:p>
+                      <a:endParaRPr lang="en-US"/>
+                    </a:p>
+                  </a:txBody>
+                  <a:tcPr/>
+                </a:tc>
+                <a:tc>
+                  <a:txBody>
+                    <a:bodyPr/>
+                    <a:lstStyle/>
+                    <a:p>
+                      <a:pPr algn="ctr"/>
+                      <a:r>
+                        <a:rPr lang="en-US" dirty="0"/>
+                        <a:t>Dinner</a:t>
+                      </a:r>
+                    </a:p>
+                  </a:txBody>
+                  <a:tcPr anchor="ctr">
+                    <a:solidFill>
+                      <a:schemeClr val="accent1">
+                        <a:lumMod val="20000"/>
+                        <a:lumOff val="80000"/>
+                      </a:schemeClr>
+                    </a:solidFill>
+                  </a:tcPr>
+                </a:tc>
+                <a:tc vMerge="1">
+                  <a:txBody>
+                    <a:bodyPr/>
+                    <a:lstStyle/>
+                    <a:p>
+                      <a:endParaRPr lang="en-US"/>
+                    </a:p>
+                  </a:txBody>
+                  <a:tcPr/>
+                </a:tc>
+                <a:extLst>
+                  <a:ext uri="{0D108BD9-81ED-4DB2-BD59-A6C34878D82A}">
+                    <a16:rowId xmlns:a16="http://schemas.microsoft.com/office/drawing/2014/main" val="692327484"/>
+                  </a:ext>
+                </a:extLst>
+              </a:tr>
+            </a:tbl>
           </a:graphicData>
         </a:graphic>
       </p:graphicFrame>
-      <p:sp>
-        <p:nvSpPr>
-          <p:cNvPr id="8" name="TextBox 7">
-            <a:extLst>
-              <a:ext uri="{FF2B5EF4-FFF2-40B4-BE49-F238E27FC236}">
-                <a16:creationId xmlns:a16="http://schemas.microsoft.com/office/drawing/2014/main" id="{0872C4FB-7BF6-83D6-8238-3ED65FB1A1AE}"/>
-              </a:ext>
-            </a:extLst>
-          </p:cNvPr>
-          <p:cNvSpPr txBox="1"/>
-          <p:nvPr/>
-        </p:nvSpPr>
-        <p:spPr>
-          <a:xfrm>
-            <a:off x="2734056" y="3916640"/>
-            <a:ext cx="1205458" cy="369332"/>
-          </a:xfrm>
-          <a:prstGeom prst="rect">
-            <a:avLst/>
-          </a:prstGeom>
-          <a:noFill/>
-        </p:spPr>
-        <p:txBody>
-          <a:bodyPr wrap="square" rtlCol="0">
-            <a:spAutoFit/>
-          </a:bodyPr>
-          <a:lstStyle/>
-          <a:p>
-            <a:r>
-              <a:rPr lang="en-US" dirty="0"/>
-              <a:t>Meal Type</a:t>
-            </a:r>
-          </a:p>
-        </p:txBody>
-      </p:sp>
     </p:spTree>
     <p:extLst>
       <p:ext uri="{BB962C8B-B14F-4D97-AF65-F5344CB8AC3E}">

--- a/Slide Deck.pptx
+++ b/Slide Deck.pptx
@@ -5,18 +5,24 @@
     <p:sldMasterId id="2147483648" r:id="rId1"/>
   </p:sldMasterIdLst>
   <p:notesMasterIdLst>
-    <p:notesMasterId r:id="rId11"/>
+    <p:notesMasterId r:id="rId17"/>
   </p:notesMasterIdLst>
   <p:sldIdLst>
     <p:sldId id="256" r:id="rId2"/>
     <p:sldId id="257" r:id="rId3"/>
-    <p:sldId id="258" r:id="rId4"/>
-    <p:sldId id="261" r:id="rId5"/>
-    <p:sldId id="262" r:id="rId6"/>
-    <p:sldId id="264" r:id="rId7"/>
-    <p:sldId id="259" r:id="rId8"/>
-    <p:sldId id="263" r:id="rId9"/>
-    <p:sldId id="260" r:id="rId10"/>
+    <p:sldId id="261" r:id="rId4"/>
+    <p:sldId id="262" r:id="rId5"/>
+    <p:sldId id="264" r:id="rId6"/>
+    <p:sldId id="259" r:id="rId7"/>
+    <p:sldId id="274" r:id="rId8"/>
+    <p:sldId id="265" r:id="rId9"/>
+    <p:sldId id="266" r:id="rId10"/>
+    <p:sldId id="267" r:id="rId11"/>
+    <p:sldId id="269" r:id="rId12"/>
+    <p:sldId id="270" r:id="rId13"/>
+    <p:sldId id="271" r:id="rId14"/>
+    <p:sldId id="272" r:id="rId15"/>
+    <p:sldId id="273" r:id="rId16"/>
   </p:sldIdLst>
   <p:sldSz cx="12192000" cy="6858000"/>
   <p:notesSz cx="6858000" cy="9144000"/>
@@ -116,6 +122,3395 @@
     </a:lvl9pPr>
   </p:defaultTextStyle>
 </p:presentation>
+</file>
+
+<file path=ppt/diagrams/colors1.xml><?xml version="1.0" encoding="utf-8"?>
+<dgm:colorsDef xmlns:dgm="http://schemas.openxmlformats.org/drawingml/2006/diagram" xmlns:a="http://schemas.openxmlformats.org/drawingml/2006/main" uniqueId="urn:microsoft.com/office/officeart/2018/5/colors/Iconchunking_neutralbg_colorful1">
+  <dgm:title val=""/>
+  <dgm:desc val=""/>
+  <dgm:catLst>
+    <dgm:cat type="colorful" pri="10100"/>
+  </dgm:catLst>
+  <dgm:styleLbl name="node0">
+    <dgm:fillClrLst meth="repeat">
+      <a:schemeClr val="accent1"/>
+    </dgm:fillClrLst>
+    <dgm:linClrLst meth="repeat">
+      <a:schemeClr val="lt1"/>
+    </dgm:linClrLst>
+    <dgm:effectClrLst/>
+    <dgm:txLinClrLst/>
+    <dgm:txFillClrLst/>
+    <dgm:txEffectClrLst/>
+  </dgm:styleLbl>
+  <dgm:styleLbl name="node1">
+    <dgm:fillClrLst meth="repeat">
+      <a:schemeClr val="accent2"/>
+      <a:schemeClr val="accent3"/>
+      <a:schemeClr val="accent4"/>
+      <a:schemeClr val="accent5"/>
+      <a:schemeClr val="accent6"/>
+    </dgm:fillClrLst>
+    <dgm:linClrLst meth="repeat">
+      <a:schemeClr val="lt1">
+        <a:alpha val="0"/>
+      </a:schemeClr>
+    </dgm:linClrLst>
+    <dgm:effectClrLst/>
+    <dgm:txLinClrLst/>
+    <dgm:txFillClrLst/>
+    <dgm:txEffectClrLst/>
+  </dgm:styleLbl>
+  <dgm:styleLbl name="alignNode1">
+    <dgm:fillClrLst meth="repeat">
+      <a:schemeClr val="accent2"/>
+      <a:schemeClr val="accent3"/>
+      <a:schemeClr val="accent4"/>
+      <a:schemeClr val="accent5"/>
+      <a:schemeClr val="accent6"/>
+    </dgm:fillClrLst>
+    <dgm:linClrLst meth="repeat">
+      <a:schemeClr val="accent2"/>
+      <a:schemeClr val="accent3"/>
+      <a:schemeClr val="accent4"/>
+      <a:schemeClr val="accent5"/>
+      <a:schemeClr val="accent6"/>
+    </dgm:linClrLst>
+    <dgm:effectClrLst/>
+    <dgm:txLinClrLst/>
+    <dgm:txFillClrLst/>
+    <dgm:txEffectClrLst/>
+  </dgm:styleLbl>
+  <dgm:styleLbl name="lnNode1">
+    <dgm:fillClrLst meth="repeat">
+      <a:schemeClr val="accent2"/>
+      <a:schemeClr val="accent3"/>
+      <a:schemeClr val="accent4"/>
+      <a:schemeClr val="accent5"/>
+      <a:schemeClr val="accent6"/>
+    </dgm:fillClrLst>
+    <dgm:linClrLst meth="repeat">
+      <a:schemeClr val="lt1"/>
+    </dgm:linClrLst>
+    <dgm:effectClrLst/>
+    <dgm:txLinClrLst/>
+    <dgm:txFillClrLst/>
+    <dgm:txEffectClrLst/>
+  </dgm:styleLbl>
+  <dgm:styleLbl name="vennNode1">
+    <dgm:fillClrLst meth="repeat">
+      <a:schemeClr val="accent2">
+        <a:alpha val="50000"/>
+      </a:schemeClr>
+      <a:schemeClr val="accent3">
+        <a:alpha val="50000"/>
+      </a:schemeClr>
+      <a:schemeClr val="accent4">
+        <a:alpha val="50000"/>
+      </a:schemeClr>
+      <a:schemeClr val="accent5">
+        <a:alpha val="50000"/>
+      </a:schemeClr>
+      <a:schemeClr val="accent6">
+        <a:alpha val="50000"/>
+      </a:schemeClr>
+    </dgm:fillClrLst>
+    <dgm:linClrLst meth="repeat">
+      <a:schemeClr val="lt1"/>
+    </dgm:linClrLst>
+    <dgm:effectClrLst/>
+    <dgm:txLinClrLst/>
+    <dgm:txFillClrLst/>
+    <dgm:txEffectClrLst/>
+  </dgm:styleLbl>
+  <dgm:styleLbl name="node2">
+    <dgm:fillClrLst>
+      <a:schemeClr val="accent2"/>
+    </dgm:fillClrLst>
+    <dgm:linClrLst meth="repeat">
+      <a:schemeClr val="lt1"/>
+    </dgm:linClrLst>
+    <dgm:effectClrLst/>
+    <dgm:txLinClrLst/>
+    <dgm:txFillClrLst/>
+    <dgm:txEffectClrLst/>
+  </dgm:styleLbl>
+  <dgm:styleLbl name="node3">
+    <dgm:fillClrLst>
+      <a:schemeClr val="accent3"/>
+    </dgm:fillClrLst>
+    <dgm:linClrLst meth="repeat">
+      <a:schemeClr val="lt1"/>
+    </dgm:linClrLst>
+    <dgm:effectClrLst/>
+    <dgm:txLinClrLst/>
+    <dgm:txFillClrLst/>
+    <dgm:txEffectClrLst/>
+  </dgm:styleLbl>
+  <dgm:styleLbl name="node4">
+    <dgm:fillClrLst>
+      <a:schemeClr val="accent4"/>
+    </dgm:fillClrLst>
+    <dgm:linClrLst meth="repeat">
+      <a:schemeClr val="lt1"/>
+    </dgm:linClrLst>
+    <dgm:effectClrLst/>
+    <dgm:txLinClrLst/>
+    <dgm:txFillClrLst/>
+    <dgm:txEffectClrLst/>
+  </dgm:styleLbl>
+  <dgm:styleLbl name="fgImgPlace1">
+    <dgm:fillClrLst meth="repeat">
+      <a:schemeClr val="accent2">
+        <a:tint val="50000"/>
+      </a:schemeClr>
+      <a:schemeClr val="accent3">
+        <a:tint val="50000"/>
+      </a:schemeClr>
+      <a:schemeClr val="accent4">
+        <a:tint val="50000"/>
+      </a:schemeClr>
+      <a:schemeClr val="accent5">
+        <a:tint val="50000"/>
+      </a:schemeClr>
+      <a:schemeClr val="accent6">
+        <a:tint val="50000"/>
+      </a:schemeClr>
+    </dgm:fillClrLst>
+    <dgm:linClrLst meth="repeat">
+      <a:schemeClr val="lt1"/>
+    </dgm:linClrLst>
+    <dgm:effectClrLst/>
+    <dgm:txLinClrLst/>
+    <dgm:txFillClrLst meth="repeat">
+      <a:schemeClr val="lt1"/>
+    </dgm:txFillClrLst>
+    <dgm:txEffectClrLst/>
+  </dgm:styleLbl>
+  <dgm:styleLbl name="alignImgPlace1">
+    <dgm:fillClrLst>
+      <a:schemeClr val="accent1">
+        <a:tint val="50000"/>
+      </a:schemeClr>
+      <a:schemeClr val="accent2">
+        <a:tint val="20000"/>
+      </a:schemeClr>
+    </dgm:fillClrLst>
+    <dgm:linClrLst meth="repeat">
+      <a:schemeClr val="lt1"/>
+    </dgm:linClrLst>
+    <dgm:effectClrLst/>
+    <dgm:txLinClrLst/>
+    <dgm:txFillClrLst meth="repeat">
+      <a:schemeClr val="lt1"/>
+    </dgm:txFillClrLst>
+    <dgm:txEffectClrLst/>
+  </dgm:styleLbl>
+  <dgm:styleLbl name="bgImgPlace1">
+    <dgm:fillClrLst>
+      <a:schemeClr val="accent1">
+        <a:tint val="50000"/>
+      </a:schemeClr>
+      <a:schemeClr val="accent2">
+        <a:tint val="20000"/>
+      </a:schemeClr>
+    </dgm:fillClrLst>
+    <dgm:linClrLst meth="repeat">
+      <a:schemeClr val="lt1"/>
+    </dgm:linClrLst>
+    <dgm:effectClrLst/>
+    <dgm:txLinClrLst/>
+    <dgm:txFillClrLst meth="repeat">
+      <a:schemeClr val="lt1"/>
+    </dgm:txFillClrLst>
+    <dgm:txEffectClrLst/>
+  </dgm:styleLbl>
+  <dgm:styleLbl name="sibTrans2D1">
+    <dgm:fillClrLst meth="repeat">
+      <a:schemeClr val="accent2"/>
+      <a:schemeClr val="accent3"/>
+      <a:schemeClr val="accent4"/>
+      <a:schemeClr val="accent5"/>
+      <a:schemeClr val="accent6"/>
+    </dgm:fillClrLst>
+    <dgm:linClrLst meth="cycle">
+      <a:schemeClr val="lt1"/>
+    </dgm:linClrLst>
+    <dgm:effectClrLst/>
+    <dgm:txLinClrLst/>
+    <dgm:txFillClrLst/>
+    <dgm:txEffectClrLst/>
+  </dgm:styleLbl>
+  <dgm:styleLbl name="fgSibTrans2D1">
+    <dgm:fillClrLst meth="repeat">
+      <a:schemeClr val="accent2"/>
+      <a:schemeClr val="accent3"/>
+      <a:schemeClr val="accent4"/>
+      <a:schemeClr val="accent5"/>
+      <a:schemeClr val="accent6"/>
+    </dgm:fillClrLst>
+    <dgm:linClrLst meth="cycle">
+      <a:schemeClr val="lt1"/>
+    </dgm:linClrLst>
+    <dgm:effectClrLst/>
+    <dgm:txLinClrLst/>
+    <dgm:txFillClrLst meth="repeat">
+      <a:schemeClr val="lt1"/>
+    </dgm:txFillClrLst>
+    <dgm:txEffectClrLst/>
+  </dgm:styleLbl>
+  <dgm:styleLbl name="bgSibTrans2D1">
+    <dgm:fillClrLst meth="repeat">
+      <a:schemeClr val="accent2"/>
+      <a:schemeClr val="accent3"/>
+      <a:schemeClr val="accent4"/>
+      <a:schemeClr val="accent5"/>
+      <a:schemeClr val="accent6"/>
+    </dgm:fillClrLst>
+    <dgm:linClrLst meth="cycle">
+      <a:schemeClr val="lt1"/>
+    </dgm:linClrLst>
+    <dgm:effectClrLst/>
+    <dgm:txLinClrLst/>
+    <dgm:txFillClrLst meth="repeat">
+      <a:schemeClr val="lt1"/>
+    </dgm:txFillClrLst>
+    <dgm:txEffectClrLst/>
+  </dgm:styleLbl>
+  <dgm:styleLbl name="sibTrans1D1">
+    <dgm:fillClrLst meth="repeat">
+      <a:schemeClr val="accent2"/>
+      <a:schemeClr val="accent3"/>
+      <a:schemeClr val="accent4"/>
+      <a:schemeClr val="accent5"/>
+      <a:schemeClr val="accent6"/>
+    </dgm:fillClrLst>
+    <dgm:linClrLst meth="repeat">
+      <a:schemeClr val="accent2"/>
+      <a:schemeClr val="accent3"/>
+      <a:schemeClr val="accent4"/>
+      <a:schemeClr val="accent5"/>
+      <a:schemeClr val="accent6"/>
+    </dgm:linClrLst>
+    <dgm:effectClrLst/>
+    <dgm:txLinClrLst/>
+    <dgm:txFillClrLst meth="repeat">
+      <a:schemeClr val="tx1"/>
+    </dgm:txFillClrLst>
+    <dgm:txEffectClrLst/>
+  </dgm:styleLbl>
+  <dgm:styleLbl name="callout">
+    <dgm:fillClrLst meth="repeat">
+      <a:schemeClr val="accent2"/>
+    </dgm:fillClrLst>
+    <dgm:linClrLst meth="repeat">
+      <a:schemeClr val="accent2">
+        <a:tint val="50000"/>
+      </a:schemeClr>
+    </dgm:linClrLst>
+    <dgm:effectClrLst/>
+    <dgm:txLinClrLst/>
+    <dgm:txFillClrLst meth="repeat">
+      <a:schemeClr val="tx1"/>
+    </dgm:txFillClrLst>
+    <dgm:txEffectClrLst/>
+  </dgm:styleLbl>
+  <dgm:styleLbl name="asst0">
+    <dgm:fillClrLst meth="repeat">
+      <a:schemeClr val="accent1"/>
+    </dgm:fillClrLst>
+    <dgm:linClrLst meth="repeat">
+      <a:schemeClr val="lt1"/>
+    </dgm:linClrLst>
+    <dgm:effectClrLst/>
+    <dgm:txLinClrLst/>
+    <dgm:txFillClrLst/>
+    <dgm:txEffectClrLst/>
+  </dgm:styleLbl>
+  <dgm:styleLbl name="asst1">
+    <dgm:fillClrLst meth="repeat">
+      <a:schemeClr val="accent2"/>
+    </dgm:fillClrLst>
+    <dgm:linClrLst meth="repeat">
+      <a:schemeClr val="lt1"/>
+    </dgm:linClrLst>
+    <dgm:effectClrLst/>
+    <dgm:txLinClrLst/>
+    <dgm:txFillClrLst/>
+    <dgm:txEffectClrLst/>
+  </dgm:styleLbl>
+  <dgm:styleLbl name="asst2">
+    <dgm:fillClrLst>
+      <a:schemeClr val="accent3"/>
+    </dgm:fillClrLst>
+    <dgm:linClrLst meth="repeat">
+      <a:schemeClr val="lt1"/>
+    </dgm:linClrLst>
+    <dgm:effectClrLst/>
+    <dgm:txLinClrLst/>
+    <dgm:txFillClrLst/>
+    <dgm:txEffectClrLst/>
+  </dgm:styleLbl>
+  <dgm:styleLbl name="asst3">
+    <dgm:fillClrLst>
+      <a:schemeClr val="accent4"/>
+    </dgm:fillClrLst>
+    <dgm:linClrLst meth="repeat">
+      <a:schemeClr val="lt1"/>
+    </dgm:linClrLst>
+    <dgm:effectClrLst/>
+    <dgm:txLinClrLst/>
+    <dgm:txFillClrLst/>
+    <dgm:txEffectClrLst/>
+  </dgm:styleLbl>
+  <dgm:styleLbl name="asst4">
+    <dgm:fillClrLst>
+      <a:schemeClr val="accent5"/>
+    </dgm:fillClrLst>
+    <dgm:linClrLst meth="repeat">
+      <a:schemeClr val="lt1"/>
+    </dgm:linClrLst>
+    <dgm:effectClrLst/>
+    <dgm:txLinClrLst/>
+    <dgm:txFillClrLst/>
+    <dgm:txEffectClrLst/>
+  </dgm:styleLbl>
+  <dgm:styleLbl name="parChTrans2D1">
+    <dgm:fillClrLst meth="repeat">
+      <a:schemeClr val="accent2"/>
+    </dgm:fillClrLst>
+    <dgm:linClrLst meth="repeat">
+      <a:schemeClr val="lt1"/>
+    </dgm:linClrLst>
+    <dgm:effectClrLst/>
+    <dgm:txLinClrLst/>
+    <dgm:txFillClrLst meth="repeat">
+      <a:schemeClr val="lt1"/>
+    </dgm:txFillClrLst>
+    <dgm:txEffectClrLst/>
+  </dgm:styleLbl>
+  <dgm:styleLbl name="parChTrans2D2">
+    <dgm:fillClrLst meth="repeat">
+      <a:schemeClr val="accent3"/>
+    </dgm:fillClrLst>
+    <dgm:linClrLst meth="repeat">
+      <a:schemeClr val="lt1"/>
+    </dgm:linClrLst>
+    <dgm:effectClrLst/>
+    <dgm:txLinClrLst/>
+    <dgm:txFillClrLst/>
+    <dgm:txEffectClrLst/>
+  </dgm:styleLbl>
+  <dgm:styleLbl name="parChTrans2D3">
+    <dgm:fillClrLst meth="repeat">
+      <a:schemeClr val="accent4"/>
+    </dgm:fillClrLst>
+    <dgm:linClrLst meth="repeat">
+      <a:schemeClr val="lt1"/>
+    </dgm:linClrLst>
+    <dgm:effectClrLst/>
+    <dgm:txLinClrLst/>
+    <dgm:txFillClrLst/>
+    <dgm:txEffectClrLst/>
+  </dgm:styleLbl>
+  <dgm:styleLbl name="parChTrans2D4">
+    <dgm:fillClrLst meth="repeat">
+      <a:schemeClr val="accent5"/>
+    </dgm:fillClrLst>
+    <dgm:linClrLst meth="repeat">
+      <a:schemeClr val="lt1"/>
+    </dgm:linClrLst>
+    <dgm:effectClrLst/>
+    <dgm:txLinClrLst/>
+    <dgm:txFillClrLst meth="repeat">
+      <a:schemeClr val="lt1"/>
+    </dgm:txFillClrLst>
+    <dgm:txEffectClrLst/>
+  </dgm:styleLbl>
+  <dgm:styleLbl name="parChTrans1D1">
+    <dgm:fillClrLst meth="repeat">
+      <a:schemeClr val="accent2"/>
+    </dgm:fillClrLst>
+    <dgm:linClrLst meth="repeat">
+      <a:schemeClr val="accent1"/>
+    </dgm:linClrLst>
+    <dgm:effectClrLst/>
+    <dgm:txLinClrLst/>
+    <dgm:txFillClrLst meth="repeat">
+      <a:schemeClr val="tx1"/>
+    </dgm:txFillClrLst>
+    <dgm:txEffectClrLst/>
+  </dgm:styleLbl>
+  <dgm:styleLbl name="parChTrans1D2">
+    <dgm:fillClrLst meth="repeat">
+      <a:schemeClr val="accent3">
+        <a:tint val="90000"/>
+      </a:schemeClr>
+    </dgm:fillClrLst>
+    <dgm:linClrLst meth="repeat">
+      <a:schemeClr val="accent2"/>
+    </dgm:linClrLst>
+    <dgm:effectClrLst/>
+    <dgm:txLinClrLst/>
+    <dgm:txFillClrLst meth="repeat">
+      <a:schemeClr val="tx1"/>
+    </dgm:txFillClrLst>
+    <dgm:txEffectClrLst/>
+  </dgm:styleLbl>
+  <dgm:styleLbl name="parChTrans1D3">
+    <dgm:fillClrLst meth="repeat">
+      <a:schemeClr val="accent4">
+        <a:tint val="70000"/>
+      </a:schemeClr>
+    </dgm:fillClrLst>
+    <dgm:linClrLst meth="repeat">
+      <a:schemeClr val="accent3"/>
+    </dgm:linClrLst>
+    <dgm:effectClrLst/>
+    <dgm:txLinClrLst/>
+    <dgm:txFillClrLst meth="repeat">
+      <a:schemeClr val="tx1"/>
+    </dgm:txFillClrLst>
+    <dgm:txEffectClrLst/>
+  </dgm:styleLbl>
+  <dgm:styleLbl name="parChTrans1D4">
+    <dgm:fillClrLst meth="repeat">
+      <a:schemeClr val="accent5">
+        <a:tint val="50000"/>
+      </a:schemeClr>
+    </dgm:fillClrLst>
+    <dgm:linClrLst meth="repeat">
+      <a:schemeClr val="accent4"/>
+    </dgm:linClrLst>
+    <dgm:effectClrLst/>
+    <dgm:txLinClrLst/>
+    <dgm:txFillClrLst meth="repeat">
+      <a:schemeClr val="tx1"/>
+    </dgm:txFillClrLst>
+    <dgm:txEffectClrLst/>
+  </dgm:styleLbl>
+  <dgm:styleLbl name="fgAcc1">
+    <dgm:fillClrLst meth="repeat">
+      <a:schemeClr val="lt1">
+        <a:alpha val="90000"/>
+      </a:schemeClr>
+    </dgm:fillClrLst>
+    <dgm:linClrLst meth="repeat">
+      <a:schemeClr val="accent2"/>
+      <a:schemeClr val="accent3"/>
+      <a:schemeClr val="accent4"/>
+      <a:schemeClr val="accent5"/>
+      <a:schemeClr val="accent6"/>
+    </dgm:linClrLst>
+    <dgm:effectClrLst/>
+    <dgm:txLinClrLst/>
+    <dgm:txFillClrLst meth="repeat">
+      <a:schemeClr val="dk1"/>
+    </dgm:txFillClrLst>
+    <dgm:txEffectClrLst/>
+  </dgm:styleLbl>
+  <dgm:styleLbl name="conFgAcc1">
+    <dgm:fillClrLst meth="repeat">
+      <a:schemeClr val="lt1">
+        <a:alpha val="90000"/>
+      </a:schemeClr>
+    </dgm:fillClrLst>
+    <dgm:linClrLst meth="repeat">
+      <a:schemeClr val="accent2"/>
+      <a:schemeClr val="accent3"/>
+      <a:schemeClr val="accent4"/>
+      <a:schemeClr val="accent5"/>
+      <a:schemeClr val="accent6"/>
+    </dgm:linClrLst>
+    <dgm:effectClrLst/>
+    <dgm:txLinClrLst/>
+    <dgm:txFillClrLst meth="repeat">
+      <a:schemeClr val="dk1"/>
+    </dgm:txFillClrLst>
+    <dgm:txEffectClrLst/>
+  </dgm:styleLbl>
+  <dgm:styleLbl name="alignAcc1">
+    <dgm:fillClrLst meth="repeat">
+      <a:schemeClr val="lt1">
+        <a:alpha val="90000"/>
+      </a:schemeClr>
+    </dgm:fillClrLst>
+    <dgm:linClrLst meth="repeat">
+      <a:schemeClr val="accent2"/>
+      <a:schemeClr val="accent3"/>
+      <a:schemeClr val="accent4"/>
+      <a:schemeClr val="accent5"/>
+      <a:schemeClr val="accent6"/>
+    </dgm:linClrLst>
+    <dgm:effectClrLst/>
+    <dgm:txLinClrLst/>
+    <dgm:txFillClrLst meth="repeat">
+      <a:schemeClr val="dk1"/>
+    </dgm:txFillClrLst>
+    <dgm:txEffectClrLst/>
+  </dgm:styleLbl>
+  <dgm:styleLbl name="trAlignAcc1">
+    <dgm:fillClrLst meth="repeat">
+      <a:schemeClr val="lt1">
+        <a:alpha val="40000"/>
+      </a:schemeClr>
+    </dgm:fillClrLst>
+    <dgm:linClrLst meth="repeat">
+      <a:schemeClr val="accent1"/>
+    </dgm:linClrLst>
+    <dgm:effectClrLst/>
+    <dgm:txLinClrLst/>
+    <dgm:txFillClrLst meth="repeat">
+      <a:schemeClr val="dk1"/>
+    </dgm:txFillClrLst>
+    <dgm:txEffectClrLst/>
+  </dgm:styleLbl>
+  <dgm:styleLbl name="bgAcc1">
+    <dgm:fillClrLst meth="repeat">
+      <a:schemeClr val="lt1">
+        <a:alpha val="90000"/>
+      </a:schemeClr>
+    </dgm:fillClrLst>
+    <dgm:linClrLst meth="repeat">
+      <a:schemeClr val="accent2"/>
+      <a:schemeClr val="accent3"/>
+      <a:schemeClr val="accent4"/>
+      <a:schemeClr val="accent5"/>
+      <a:schemeClr val="accent6"/>
+    </dgm:linClrLst>
+    <dgm:effectClrLst/>
+    <dgm:txLinClrLst/>
+    <dgm:txFillClrLst meth="repeat">
+      <a:schemeClr val="dk1"/>
+    </dgm:txFillClrLst>
+    <dgm:txEffectClrLst/>
+  </dgm:styleLbl>
+  <dgm:styleLbl name="solidFgAcc1">
+    <dgm:fillClrLst meth="repeat">
+      <a:schemeClr val="lt1"/>
+    </dgm:fillClrLst>
+    <dgm:linClrLst meth="repeat">
+      <a:schemeClr val="accent2"/>
+      <a:schemeClr val="accent3"/>
+      <a:schemeClr val="accent4"/>
+      <a:schemeClr val="accent5"/>
+      <a:schemeClr val="accent6"/>
+    </dgm:linClrLst>
+    <dgm:effectClrLst/>
+    <dgm:txLinClrLst/>
+    <dgm:txFillClrLst meth="repeat">
+      <a:schemeClr val="dk1"/>
+    </dgm:txFillClrLst>
+    <dgm:txEffectClrLst/>
+  </dgm:styleLbl>
+  <dgm:styleLbl name="solidAlignAcc1">
+    <dgm:fillClrLst meth="repeat">
+      <a:schemeClr val="lt1"/>
+    </dgm:fillClrLst>
+    <dgm:linClrLst meth="repeat">
+      <a:schemeClr val="accent2"/>
+      <a:schemeClr val="accent3"/>
+      <a:schemeClr val="accent4"/>
+      <a:schemeClr val="accent5"/>
+      <a:schemeClr val="accent6"/>
+    </dgm:linClrLst>
+    <dgm:effectClrLst/>
+    <dgm:txLinClrLst/>
+    <dgm:txFillClrLst meth="repeat">
+      <a:schemeClr val="dk1"/>
+    </dgm:txFillClrLst>
+    <dgm:txEffectClrLst/>
+  </dgm:styleLbl>
+  <dgm:styleLbl name="solidBgAcc1">
+    <dgm:fillClrLst meth="repeat">
+      <a:schemeClr val="lt1"/>
+    </dgm:fillClrLst>
+    <dgm:linClrLst meth="repeat">
+      <a:schemeClr val="accent2"/>
+      <a:schemeClr val="accent3"/>
+      <a:schemeClr val="accent4"/>
+      <a:schemeClr val="accent5"/>
+      <a:schemeClr val="accent6"/>
+    </dgm:linClrLst>
+    <dgm:effectClrLst/>
+    <dgm:txLinClrLst/>
+    <dgm:txFillClrLst meth="repeat">
+      <a:schemeClr val="dk1"/>
+    </dgm:txFillClrLst>
+    <dgm:txEffectClrLst/>
+  </dgm:styleLbl>
+  <dgm:styleLbl name="fgAccFollowNode1">
+    <dgm:fillClrLst meth="repeat">
+      <a:schemeClr val="accent2">
+        <a:tint val="40000"/>
+        <a:alpha val="90000"/>
+      </a:schemeClr>
+      <a:schemeClr val="accent3">
+        <a:tint val="40000"/>
+        <a:alpha val="90000"/>
+      </a:schemeClr>
+      <a:schemeClr val="accent4">
+        <a:tint val="40000"/>
+        <a:alpha val="90000"/>
+      </a:schemeClr>
+      <a:schemeClr val="accent5">
+        <a:tint val="40000"/>
+        <a:alpha val="90000"/>
+      </a:schemeClr>
+      <a:schemeClr val="accent6">
+        <a:tint val="40000"/>
+        <a:alpha val="90000"/>
+      </a:schemeClr>
+    </dgm:fillClrLst>
+    <dgm:linClrLst meth="repeat">
+      <a:schemeClr val="accent2">
+        <a:tint val="40000"/>
+        <a:alpha val="90000"/>
+      </a:schemeClr>
+      <a:schemeClr val="accent3">
+        <a:tint val="40000"/>
+        <a:alpha val="90000"/>
+      </a:schemeClr>
+      <a:schemeClr val="accent4">
+        <a:tint val="40000"/>
+        <a:alpha val="90000"/>
+      </a:schemeClr>
+      <a:schemeClr val="accent5">
+        <a:tint val="40000"/>
+        <a:alpha val="90000"/>
+      </a:schemeClr>
+      <a:schemeClr val="accent6">
+        <a:tint val="40000"/>
+        <a:alpha val="90000"/>
+      </a:schemeClr>
+    </dgm:linClrLst>
+    <dgm:effectClrLst/>
+    <dgm:txLinClrLst/>
+    <dgm:txFillClrLst meth="repeat">
+      <a:schemeClr val="dk1"/>
+    </dgm:txFillClrLst>
+    <dgm:txEffectClrLst/>
+  </dgm:styleLbl>
+  <dgm:styleLbl name="alignAccFollowNode1">
+    <dgm:fillClrLst meth="repeat">
+      <a:schemeClr val="accent2">
+        <a:tint val="40000"/>
+        <a:alpha val="90000"/>
+      </a:schemeClr>
+      <a:schemeClr val="accent3">
+        <a:tint val="40000"/>
+        <a:alpha val="90000"/>
+      </a:schemeClr>
+      <a:schemeClr val="accent4">
+        <a:tint val="40000"/>
+        <a:alpha val="90000"/>
+      </a:schemeClr>
+      <a:schemeClr val="accent5">
+        <a:tint val="40000"/>
+        <a:alpha val="90000"/>
+      </a:schemeClr>
+      <a:schemeClr val="accent6">
+        <a:tint val="40000"/>
+        <a:alpha val="90000"/>
+      </a:schemeClr>
+    </dgm:fillClrLst>
+    <dgm:linClrLst meth="repeat">
+      <a:schemeClr val="accent2">
+        <a:tint val="40000"/>
+        <a:alpha val="90000"/>
+      </a:schemeClr>
+      <a:schemeClr val="accent3">
+        <a:tint val="40000"/>
+        <a:alpha val="90000"/>
+      </a:schemeClr>
+      <a:schemeClr val="accent4">
+        <a:tint val="40000"/>
+        <a:alpha val="90000"/>
+      </a:schemeClr>
+      <a:schemeClr val="accent5">
+        <a:tint val="40000"/>
+        <a:alpha val="90000"/>
+      </a:schemeClr>
+      <a:schemeClr val="accent6">
+        <a:tint val="40000"/>
+        <a:alpha val="90000"/>
+      </a:schemeClr>
+    </dgm:linClrLst>
+    <dgm:effectClrLst/>
+    <dgm:txLinClrLst/>
+    <dgm:txFillClrLst meth="repeat">
+      <a:schemeClr val="dk1"/>
+    </dgm:txFillClrLst>
+    <dgm:txEffectClrLst/>
+  </dgm:styleLbl>
+  <dgm:styleLbl name="bgAccFollowNode1">
+    <dgm:fillClrLst meth="repeat">
+      <a:schemeClr val="accent2">
+        <a:tint val="40000"/>
+        <a:alpha val="90000"/>
+      </a:schemeClr>
+      <a:schemeClr val="accent3">
+        <a:tint val="40000"/>
+        <a:alpha val="90000"/>
+      </a:schemeClr>
+      <a:schemeClr val="accent4">
+        <a:tint val="40000"/>
+        <a:alpha val="90000"/>
+      </a:schemeClr>
+      <a:schemeClr val="accent5">
+        <a:tint val="40000"/>
+        <a:alpha val="90000"/>
+      </a:schemeClr>
+      <a:schemeClr val="accent6">
+        <a:tint val="40000"/>
+        <a:alpha val="90000"/>
+      </a:schemeClr>
+    </dgm:fillClrLst>
+    <dgm:linClrLst meth="repeat">
+      <a:schemeClr val="accent2">
+        <a:tint val="40000"/>
+        <a:alpha val="90000"/>
+      </a:schemeClr>
+      <a:schemeClr val="accent3">
+        <a:tint val="40000"/>
+        <a:alpha val="90000"/>
+      </a:schemeClr>
+      <a:schemeClr val="accent4">
+        <a:tint val="40000"/>
+        <a:alpha val="90000"/>
+      </a:schemeClr>
+      <a:schemeClr val="accent5">
+        <a:tint val="40000"/>
+        <a:alpha val="90000"/>
+      </a:schemeClr>
+      <a:schemeClr val="accent6">
+        <a:tint val="40000"/>
+        <a:alpha val="90000"/>
+      </a:schemeClr>
+    </dgm:linClrLst>
+    <dgm:effectClrLst/>
+    <dgm:txLinClrLst/>
+    <dgm:txFillClrLst meth="repeat">
+      <a:schemeClr val="dk1"/>
+    </dgm:txFillClrLst>
+    <dgm:txEffectClrLst/>
+  </dgm:styleLbl>
+  <dgm:styleLbl name="fgAcc0">
+    <dgm:fillClrLst meth="repeat">
+      <a:schemeClr val="lt1">
+        <a:alpha val="90000"/>
+      </a:schemeClr>
+    </dgm:fillClrLst>
+    <dgm:linClrLst>
+      <a:schemeClr val="accent1"/>
+    </dgm:linClrLst>
+    <dgm:effectClrLst/>
+    <dgm:txLinClrLst/>
+    <dgm:txFillClrLst meth="repeat">
+      <a:schemeClr val="dk1"/>
+    </dgm:txFillClrLst>
+    <dgm:txEffectClrLst/>
+  </dgm:styleLbl>
+  <dgm:styleLbl name="fgAcc2">
+    <dgm:fillClrLst meth="repeat">
+      <a:schemeClr val="lt1">
+        <a:alpha val="90000"/>
+      </a:schemeClr>
+    </dgm:fillClrLst>
+    <dgm:linClrLst>
+      <a:schemeClr val="accent2"/>
+    </dgm:linClrLst>
+    <dgm:effectClrLst/>
+    <dgm:txLinClrLst/>
+    <dgm:txFillClrLst meth="repeat">
+      <a:schemeClr val="dk1"/>
+    </dgm:txFillClrLst>
+    <dgm:txEffectClrLst/>
+  </dgm:styleLbl>
+  <dgm:styleLbl name="fgAcc3">
+    <dgm:fillClrLst meth="repeat">
+      <a:schemeClr val="lt1">
+        <a:alpha val="90000"/>
+      </a:schemeClr>
+    </dgm:fillClrLst>
+    <dgm:linClrLst>
+      <a:schemeClr val="accent3"/>
+    </dgm:linClrLst>
+    <dgm:effectClrLst/>
+    <dgm:txLinClrLst/>
+    <dgm:txFillClrLst meth="repeat">
+      <a:schemeClr val="dk1"/>
+    </dgm:txFillClrLst>
+    <dgm:txEffectClrLst/>
+  </dgm:styleLbl>
+  <dgm:styleLbl name="fgAcc4">
+    <dgm:fillClrLst meth="repeat">
+      <a:schemeClr val="lt1">
+        <a:alpha val="90000"/>
+      </a:schemeClr>
+    </dgm:fillClrLst>
+    <dgm:linClrLst>
+      <a:schemeClr val="accent4"/>
+    </dgm:linClrLst>
+    <dgm:effectClrLst/>
+    <dgm:txLinClrLst/>
+    <dgm:txFillClrLst meth="repeat">
+      <a:schemeClr val="dk1"/>
+    </dgm:txFillClrLst>
+    <dgm:txEffectClrLst/>
+  </dgm:styleLbl>
+  <dgm:styleLbl name="bgShp">
+    <dgm:fillClrLst meth="repeat">
+      <a:schemeClr val="bg1">
+        <a:lumMod val="95000"/>
+      </a:schemeClr>
+    </dgm:fillClrLst>
+    <dgm:linClrLst meth="repeat">
+      <a:schemeClr val="dk1"/>
+    </dgm:linClrLst>
+    <dgm:effectClrLst/>
+    <dgm:txLinClrLst/>
+    <dgm:txFillClrLst meth="repeat">
+      <a:schemeClr val="dk1"/>
+    </dgm:txFillClrLst>
+    <dgm:txEffectClrLst/>
+  </dgm:styleLbl>
+  <dgm:styleLbl name="dkBgShp">
+    <dgm:fillClrLst meth="repeat">
+      <a:schemeClr val="accent2">
+        <a:shade val="90000"/>
+      </a:schemeClr>
+    </dgm:fillClrLst>
+    <dgm:linClrLst meth="repeat">
+      <a:schemeClr val="dk1"/>
+    </dgm:linClrLst>
+    <dgm:effectClrLst/>
+    <dgm:txLinClrLst/>
+    <dgm:txFillClrLst meth="repeat">
+      <a:schemeClr val="lt1"/>
+    </dgm:txFillClrLst>
+    <dgm:txEffectClrLst/>
+  </dgm:styleLbl>
+  <dgm:styleLbl name="trBgShp">
+    <dgm:fillClrLst meth="repeat">
+      <a:schemeClr val="accent1">
+        <a:tint val="50000"/>
+        <a:alpha val="40000"/>
+      </a:schemeClr>
+    </dgm:fillClrLst>
+    <dgm:linClrLst meth="repeat">
+      <a:schemeClr val="accent2"/>
+    </dgm:linClrLst>
+    <dgm:effectClrLst/>
+    <dgm:txLinClrLst/>
+    <dgm:txFillClrLst meth="repeat">
+      <a:schemeClr val="lt1"/>
+    </dgm:txFillClrLst>
+    <dgm:txEffectClrLst/>
+  </dgm:styleLbl>
+  <dgm:styleLbl name="fgShp">
+    <dgm:fillClrLst meth="repeat">
+      <a:schemeClr val="accent2">
+        <a:tint val="40000"/>
+      </a:schemeClr>
+    </dgm:fillClrLst>
+    <dgm:linClrLst meth="repeat">
+      <a:schemeClr val="lt1"/>
+    </dgm:linClrLst>
+    <dgm:effectClrLst/>
+    <dgm:txLinClrLst/>
+    <dgm:txFillClrLst meth="repeat">
+      <a:schemeClr val="dk1"/>
+    </dgm:txFillClrLst>
+    <dgm:txEffectClrLst/>
+  </dgm:styleLbl>
+  <dgm:styleLbl name="revTx">
+    <dgm:fillClrLst meth="repeat">
+      <a:schemeClr val="lt1">
+        <a:alpha val="0"/>
+      </a:schemeClr>
+    </dgm:fillClrLst>
+    <dgm:linClrLst meth="repeat">
+      <a:schemeClr val="dk1">
+        <a:alpha val="0"/>
+      </a:schemeClr>
+    </dgm:linClrLst>
+    <dgm:effectClrLst/>
+    <dgm:txLinClrLst/>
+    <dgm:txFillClrLst meth="repeat">
+      <a:schemeClr val="tx1"/>
+    </dgm:txFillClrLst>
+    <dgm:txEffectClrLst/>
+  </dgm:styleLbl>
+</dgm:colorsDef>
+</file>
+
+<file path=ppt/diagrams/data1.xml><?xml version="1.0" encoding="utf-8"?>
+<dgm:dataModel xmlns:dgm="http://schemas.openxmlformats.org/drawingml/2006/diagram" xmlns:a="http://schemas.openxmlformats.org/drawingml/2006/main">
+  <dgm:ptLst>
+    <dgm:pt modelId="{BDAFED8A-11F7-4B14-A55C-B43CF5167DBE}" type="doc">
+      <dgm:prSet loTypeId="urn:microsoft.com/office/officeart/2018/5/layout/CenteredIconLabelDescriptionList" loCatId="icon" qsTypeId="urn:microsoft.com/office/officeart/2005/8/quickstyle/simple1" qsCatId="simple" csTypeId="urn:microsoft.com/office/officeart/2018/5/colors/Iconchunking_neutralbg_colorful1" csCatId="colorful" phldr="1"/>
+      <dgm:spPr/>
+      <dgm:t>
+        <a:bodyPr/>
+        <a:lstStyle/>
+        <a:p>
+          <a:endParaRPr lang="en-US"/>
+        </a:p>
+      </dgm:t>
+    </dgm:pt>
+    <dgm:pt modelId="{E3DAC6E3-6D06-42D4-B5B6-7CFBBC63D7E3}">
+      <dgm:prSet/>
+      <dgm:spPr/>
+      <dgm:t>
+        <a:bodyPr/>
+        <a:lstStyle/>
+        <a:p>
+          <a:pPr>
+            <a:defRPr b="1"/>
+          </a:pPr>
+          <a:r>
+            <a:rPr lang="en-US" b="1"/>
+            <a:t>Popularity vs Health Rating</a:t>
+          </a:r>
+          <a:endParaRPr lang="en-US"/>
+        </a:p>
+      </dgm:t>
+    </dgm:pt>
+    <dgm:pt modelId="{4E4488A8-4FF6-4461-BA5C-C03240DE4AE0}" type="parTrans" cxnId="{80B37835-DDD6-4275-9E71-4E3CCCA29DF7}">
+      <dgm:prSet/>
+      <dgm:spPr/>
+      <dgm:t>
+        <a:bodyPr/>
+        <a:lstStyle/>
+        <a:p>
+          <a:endParaRPr lang="en-US"/>
+        </a:p>
+      </dgm:t>
+    </dgm:pt>
+    <dgm:pt modelId="{ED789E7A-8D33-4FB9-8F15-CD8777C0B299}" type="sibTrans" cxnId="{80B37835-DDD6-4275-9E71-4E3CCCA29DF7}">
+      <dgm:prSet/>
+      <dgm:spPr/>
+      <dgm:t>
+        <a:bodyPr/>
+        <a:lstStyle/>
+        <a:p>
+          <a:endParaRPr lang="en-US"/>
+        </a:p>
+      </dgm:t>
+    </dgm:pt>
+    <dgm:pt modelId="{4B5C521F-AE82-47A9-970F-B10FA455479C}">
+      <dgm:prSet/>
+      <dgm:spPr/>
+      <dgm:t>
+        <a:bodyPr anchor="ctr"/>
+        <a:lstStyle/>
+        <a:p>
+          <a:r>
+            <a:rPr lang="en-US" dirty="0"/>
+            <a:t>Are more popular recipes healthier?</a:t>
+          </a:r>
+        </a:p>
+        <a:p>
+          <a:endParaRPr lang="en-US" dirty="0"/>
+        </a:p>
+      </dgm:t>
+    </dgm:pt>
+    <dgm:pt modelId="{B259F1E1-39BE-4349-AA97-FA99D05D0158}" type="parTrans" cxnId="{71A572D7-D35C-4187-8BCE-F95F382BB97B}">
+      <dgm:prSet/>
+      <dgm:spPr/>
+      <dgm:t>
+        <a:bodyPr/>
+        <a:lstStyle/>
+        <a:p>
+          <a:endParaRPr lang="en-US"/>
+        </a:p>
+      </dgm:t>
+    </dgm:pt>
+    <dgm:pt modelId="{C172F472-0131-4151-B0A9-DED0180AF093}" type="sibTrans" cxnId="{71A572D7-D35C-4187-8BCE-F95F382BB97B}">
+      <dgm:prSet/>
+      <dgm:spPr/>
+      <dgm:t>
+        <a:bodyPr/>
+        <a:lstStyle/>
+        <a:p>
+          <a:endParaRPr lang="en-US"/>
+        </a:p>
+      </dgm:t>
+    </dgm:pt>
+    <dgm:pt modelId="{02E25DDA-63B5-4D0F-9CB5-50C7F493F81C}">
+      <dgm:prSet/>
+      <dgm:spPr/>
+      <dgm:t>
+        <a:bodyPr anchor="ctr"/>
+        <a:lstStyle/>
+        <a:p>
+          <a:r>
+            <a:rPr lang="en-US" dirty="0"/>
+            <a:t>What is the health rating of the most popular recipes?</a:t>
+          </a:r>
+          <a:br>
+            <a:rPr lang="en-US" dirty="0"/>
+          </a:br>
+          <a:endParaRPr lang="en-US" dirty="0"/>
+        </a:p>
+      </dgm:t>
+    </dgm:pt>
+    <dgm:pt modelId="{F61D4186-D43D-445E-85F2-EEDDE5B264D5}" type="parTrans" cxnId="{D0EC10F3-A1B7-4192-9FF9-2008C0C73C06}">
+      <dgm:prSet/>
+      <dgm:spPr/>
+      <dgm:t>
+        <a:bodyPr/>
+        <a:lstStyle/>
+        <a:p>
+          <a:endParaRPr lang="en-US"/>
+        </a:p>
+      </dgm:t>
+    </dgm:pt>
+    <dgm:pt modelId="{03088CEC-AED2-440C-887F-ED522D0DB92B}" type="sibTrans" cxnId="{D0EC10F3-A1B7-4192-9FF9-2008C0C73C06}">
+      <dgm:prSet/>
+      <dgm:spPr/>
+      <dgm:t>
+        <a:bodyPr/>
+        <a:lstStyle/>
+        <a:p>
+          <a:endParaRPr lang="en-US"/>
+        </a:p>
+      </dgm:t>
+    </dgm:pt>
+    <dgm:pt modelId="{3ACE7874-38ED-465E-8EDF-7D6FD1039D7C}">
+      <dgm:prSet/>
+      <dgm:spPr/>
+      <dgm:t>
+        <a:bodyPr/>
+        <a:lstStyle/>
+        <a:p>
+          <a:pPr>
+            <a:defRPr b="1"/>
+          </a:pPr>
+          <a:r>
+            <a:rPr lang="en-US" b="1"/>
+            <a:t>Meal Types</a:t>
+          </a:r>
+          <a:endParaRPr lang="en-US"/>
+        </a:p>
+      </dgm:t>
+    </dgm:pt>
+    <dgm:pt modelId="{CCEA51A6-B804-4309-8F69-BF0D5BDF7625}" type="parTrans" cxnId="{731DB023-0925-49C2-917E-7FAA89FBAA56}">
+      <dgm:prSet/>
+      <dgm:spPr/>
+      <dgm:t>
+        <a:bodyPr/>
+        <a:lstStyle/>
+        <a:p>
+          <a:endParaRPr lang="en-US"/>
+        </a:p>
+      </dgm:t>
+    </dgm:pt>
+    <dgm:pt modelId="{E357B556-A8A5-4B2B-B97E-609251A54ABE}" type="sibTrans" cxnId="{731DB023-0925-49C2-917E-7FAA89FBAA56}">
+      <dgm:prSet/>
+      <dgm:spPr/>
+      <dgm:t>
+        <a:bodyPr/>
+        <a:lstStyle/>
+        <a:p>
+          <a:endParaRPr lang="en-US"/>
+        </a:p>
+      </dgm:t>
+    </dgm:pt>
+    <dgm:pt modelId="{60D40A79-9F45-4452-A322-F4288A55D50E}">
+      <dgm:prSet/>
+      <dgm:spPr/>
+      <dgm:t>
+        <a:bodyPr anchor="ctr"/>
+        <a:lstStyle/>
+        <a:p>
+          <a:r>
+            <a:rPr lang="en-US" dirty="0"/>
+            <a:t>What meal type (breakfast, lunch, or dinner) is the healthiest?</a:t>
+          </a:r>
+        </a:p>
+        <a:p>
+          <a:endParaRPr lang="en-US" dirty="0"/>
+        </a:p>
+      </dgm:t>
+    </dgm:pt>
+    <dgm:pt modelId="{AA0E2A62-B32B-4AF0-AE0D-EE22A0828E52}" type="parTrans" cxnId="{6A603C64-C12D-4E80-A197-9A0D54CDEBF9}">
+      <dgm:prSet/>
+      <dgm:spPr/>
+      <dgm:t>
+        <a:bodyPr/>
+        <a:lstStyle/>
+        <a:p>
+          <a:endParaRPr lang="en-US"/>
+        </a:p>
+      </dgm:t>
+    </dgm:pt>
+    <dgm:pt modelId="{8C9A3EFB-3E79-4E03-BB19-8FD822B85C4E}" type="sibTrans" cxnId="{6A603C64-C12D-4E80-A197-9A0D54CDEBF9}">
+      <dgm:prSet/>
+      <dgm:spPr/>
+      <dgm:t>
+        <a:bodyPr/>
+        <a:lstStyle/>
+        <a:p>
+          <a:endParaRPr lang="en-US"/>
+        </a:p>
+      </dgm:t>
+    </dgm:pt>
+    <dgm:pt modelId="{6B8BC4E6-1559-4F20-BD9B-F362FE11BA68}">
+      <dgm:prSet/>
+      <dgm:spPr/>
+      <dgm:t>
+        <a:bodyPr anchor="ctr"/>
+        <a:lstStyle/>
+        <a:p>
+          <a:r>
+            <a:rPr lang="en-US" dirty="0"/>
+            <a:t>What percentage of recipes are healthy?</a:t>
+          </a:r>
+        </a:p>
+        <a:p>
+          <a:endParaRPr lang="en-US" dirty="0"/>
+        </a:p>
+      </dgm:t>
+    </dgm:pt>
+    <dgm:pt modelId="{2653CFFE-B21F-4672-801C-5AE4FBB6B314}" type="parTrans" cxnId="{D164E6A6-9DD8-459A-8C29-7FC738D2267B}">
+      <dgm:prSet/>
+      <dgm:spPr/>
+      <dgm:t>
+        <a:bodyPr/>
+        <a:lstStyle/>
+        <a:p>
+          <a:endParaRPr lang="en-US"/>
+        </a:p>
+      </dgm:t>
+    </dgm:pt>
+    <dgm:pt modelId="{FD6540D6-1D54-4192-8AFE-0F2F662787E5}" type="sibTrans" cxnId="{D164E6A6-9DD8-459A-8C29-7FC738D2267B}">
+      <dgm:prSet/>
+      <dgm:spPr/>
+      <dgm:t>
+        <a:bodyPr/>
+        <a:lstStyle/>
+        <a:p>
+          <a:endParaRPr lang="en-US"/>
+        </a:p>
+      </dgm:t>
+    </dgm:pt>
+    <dgm:pt modelId="{49623862-E202-40C5-8D8D-FBB3464A77F2}">
+      <dgm:prSet/>
+      <dgm:spPr/>
+      <dgm:t>
+        <a:bodyPr anchor="ctr"/>
+        <a:lstStyle/>
+        <a:p>
+          <a:r>
+            <a:rPr lang="en-US"/>
+            <a:t>What is the most popular ingredient per meal type?</a:t>
+          </a:r>
+          <a:br>
+            <a:rPr lang="en-US"/>
+          </a:br>
+          <a:endParaRPr lang="en-US"/>
+        </a:p>
+      </dgm:t>
+    </dgm:pt>
+    <dgm:pt modelId="{4F5C2EEB-8FF3-4524-B3A9-58F9994C79DE}" type="parTrans" cxnId="{85AD7698-48AA-4EF0-B797-FDE7E92298A0}">
+      <dgm:prSet/>
+      <dgm:spPr/>
+      <dgm:t>
+        <a:bodyPr/>
+        <a:lstStyle/>
+        <a:p>
+          <a:endParaRPr lang="en-US"/>
+        </a:p>
+      </dgm:t>
+    </dgm:pt>
+    <dgm:pt modelId="{D14CEDB9-52EB-4571-8792-E1D06C5E5384}" type="sibTrans" cxnId="{85AD7698-48AA-4EF0-B797-FDE7E92298A0}">
+      <dgm:prSet/>
+      <dgm:spPr/>
+      <dgm:t>
+        <a:bodyPr/>
+        <a:lstStyle/>
+        <a:p>
+          <a:endParaRPr lang="en-US"/>
+        </a:p>
+      </dgm:t>
+    </dgm:pt>
+    <dgm:pt modelId="{9CCAFABB-2322-4CBA-90E7-1C681E87BFEA}">
+      <dgm:prSet/>
+      <dgm:spPr/>
+      <dgm:t>
+        <a:bodyPr/>
+        <a:lstStyle/>
+        <a:p>
+          <a:pPr>
+            <a:defRPr b="1"/>
+          </a:pPr>
+          <a:r>
+            <a:rPr lang="en-US" b="1"/>
+            <a:t>Cuisines</a:t>
+          </a:r>
+          <a:endParaRPr lang="en-US"/>
+        </a:p>
+      </dgm:t>
+    </dgm:pt>
+    <dgm:pt modelId="{8EEB23B1-A9BF-4E41-B338-1E32C12CBF83}" type="parTrans" cxnId="{CBD5867A-EE85-47F1-AAF2-B901AA3496E6}">
+      <dgm:prSet/>
+      <dgm:spPr/>
+      <dgm:t>
+        <a:bodyPr/>
+        <a:lstStyle/>
+        <a:p>
+          <a:endParaRPr lang="en-US"/>
+        </a:p>
+      </dgm:t>
+    </dgm:pt>
+    <dgm:pt modelId="{06602A84-28A3-4A33-A8A0-39CC91796685}" type="sibTrans" cxnId="{CBD5867A-EE85-47F1-AAF2-B901AA3496E6}">
+      <dgm:prSet/>
+      <dgm:spPr/>
+      <dgm:t>
+        <a:bodyPr/>
+        <a:lstStyle/>
+        <a:p>
+          <a:endParaRPr lang="en-US"/>
+        </a:p>
+      </dgm:t>
+    </dgm:pt>
+    <dgm:pt modelId="{0495B53F-B1E8-44D1-8E16-83323D9B050B}">
+      <dgm:prSet/>
+      <dgm:spPr/>
+      <dgm:t>
+        <a:bodyPr anchor="ctr"/>
+        <a:lstStyle/>
+        <a:p>
+          <a:r>
+            <a:rPr lang="en-US" dirty="0"/>
+            <a:t>Which cuisine has the healthiest recipes?</a:t>
+          </a:r>
+        </a:p>
+      </dgm:t>
+    </dgm:pt>
+    <dgm:pt modelId="{C4DD5F33-70BE-43EA-9EC6-3D60AAB1121F}" type="parTrans" cxnId="{EEEE7110-A49D-47FB-8130-D3F9858B4F01}">
+      <dgm:prSet/>
+      <dgm:spPr/>
+      <dgm:t>
+        <a:bodyPr/>
+        <a:lstStyle/>
+        <a:p>
+          <a:endParaRPr lang="en-US"/>
+        </a:p>
+      </dgm:t>
+    </dgm:pt>
+    <dgm:pt modelId="{0861B5EA-A1BD-4115-B5EB-0FFF0C4C785B}" type="sibTrans" cxnId="{EEEE7110-A49D-47FB-8130-D3F9858B4F01}">
+      <dgm:prSet/>
+      <dgm:spPr/>
+      <dgm:t>
+        <a:bodyPr/>
+        <a:lstStyle/>
+        <a:p>
+          <a:endParaRPr lang="en-US"/>
+        </a:p>
+      </dgm:t>
+    </dgm:pt>
+    <dgm:pt modelId="{8C23E817-4003-4273-84C5-2CC14CB147C0}" type="pres">
+      <dgm:prSet presAssocID="{BDAFED8A-11F7-4B14-A55C-B43CF5167DBE}" presName="root" presStyleCnt="0">
+        <dgm:presLayoutVars>
+          <dgm:dir/>
+          <dgm:resizeHandles val="exact"/>
+        </dgm:presLayoutVars>
+      </dgm:prSet>
+      <dgm:spPr/>
+    </dgm:pt>
+    <dgm:pt modelId="{E0CF0BC5-4C5A-4918-9D8A-ECC7F9D83E3F}" type="pres">
+      <dgm:prSet presAssocID="{E3DAC6E3-6D06-42D4-B5B6-7CFBBC63D7E3}" presName="compNode" presStyleCnt="0"/>
+      <dgm:spPr/>
+    </dgm:pt>
+    <dgm:pt modelId="{D3983F88-AB66-4FB6-9796-49803652A50F}" type="pres">
+      <dgm:prSet presAssocID="{E3DAC6E3-6D06-42D4-B5B6-7CFBBC63D7E3}" presName="iconRect" presStyleLbl="node1" presStyleIdx="0" presStyleCnt="3"/>
+      <dgm:spPr>
+        <a:blipFill>
+          <a:blip xmlns:r="http://schemas.openxmlformats.org/officeDocument/2006/relationships" r:embed="rId1">
+            <a:extLst>
+              <a:ext uri="{28A0092B-C50C-407E-A947-70E740481C1C}">
+                <a14:useLocalDpi xmlns:a14="http://schemas.microsoft.com/office/drawing/2010/main" val="0"/>
+              </a:ext>
+              <a:ext uri="{96DAC541-7B7A-43D3-8B79-37D633B846F1}">
+                <asvg:svgBlip xmlns:asvg="http://schemas.microsoft.com/office/drawing/2016/SVG/main" r:embed="rId2"/>
+              </a:ext>
+            </a:extLst>
+          </a:blip>
+          <a:stretch>
+            <a:fillRect/>
+          </a:stretch>
+        </a:blipFill>
+        <a:ln>
+          <a:noFill/>
+        </a:ln>
+      </dgm:spPr>
+      <dgm:extLst>
+        <a:ext uri="{E40237B7-FDA0-4F09-8148-C483321AD2D9}">
+          <dgm14:cNvPr xmlns:dgm14="http://schemas.microsoft.com/office/drawing/2010/diagram" id="0" name="" descr="Thumbs Up Sign"/>
+        </a:ext>
+      </dgm:extLst>
+    </dgm:pt>
+    <dgm:pt modelId="{8D7F01F3-5966-436D-B818-37059DFF14AF}" type="pres">
+      <dgm:prSet presAssocID="{E3DAC6E3-6D06-42D4-B5B6-7CFBBC63D7E3}" presName="iconSpace" presStyleCnt="0"/>
+      <dgm:spPr/>
+    </dgm:pt>
+    <dgm:pt modelId="{9FB23DC9-3332-46D3-A51B-EB723F061BF8}" type="pres">
+      <dgm:prSet presAssocID="{E3DAC6E3-6D06-42D4-B5B6-7CFBBC63D7E3}" presName="parTx" presStyleLbl="revTx" presStyleIdx="0" presStyleCnt="6">
+        <dgm:presLayoutVars>
+          <dgm:chMax val="0"/>
+          <dgm:chPref val="0"/>
+        </dgm:presLayoutVars>
+      </dgm:prSet>
+      <dgm:spPr/>
+    </dgm:pt>
+    <dgm:pt modelId="{2850DE13-53D5-4A37-98C4-2FDD2E3E0664}" type="pres">
+      <dgm:prSet presAssocID="{E3DAC6E3-6D06-42D4-B5B6-7CFBBC63D7E3}" presName="txSpace" presStyleCnt="0"/>
+      <dgm:spPr/>
+    </dgm:pt>
+    <dgm:pt modelId="{6745B453-2275-4C15-BF5B-5C5ECEFB2C99}" type="pres">
+      <dgm:prSet presAssocID="{E3DAC6E3-6D06-42D4-B5B6-7CFBBC63D7E3}" presName="desTx" presStyleLbl="revTx" presStyleIdx="1" presStyleCnt="6">
+        <dgm:presLayoutVars/>
+      </dgm:prSet>
+      <dgm:spPr/>
+    </dgm:pt>
+    <dgm:pt modelId="{B07F1F64-8376-406C-9896-AF3EB20E5934}" type="pres">
+      <dgm:prSet presAssocID="{ED789E7A-8D33-4FB9-8F15-CD8777C0B299}" presName="sibTrans" presStyleCnt="0"/>
+      <dgm:spPr/>
+    </dgm:pt>
+    <dgm:pt modelId="{EF1DA9A0-FE50-476C-BA83-0E1598A2D256}" type="pres">
+      <dgm:prSet presAssocID="{3ACE7874-38ED-465E-8EDF-7D6FD1039D7C}" presName="compNode" presStyleCnt="0"/>
+      <dgm:spPr/>
+    </dgm:pt>
+    <dgm:pt modelId="{B6D7451F-6A9E-435C-89BE-2CCFB4DA2C58}" type="pres">
+      <dgm:prSet presAssocID="{3ACE7874-38ED-465E-8EDF-7D6FD1039D7C}" presName="iconRect" presStyleLbl="node1" presStyleIdx="1" presStyleCnt="3"/>
+      <dgm:spPr>
+        <a:blipFill>
+          <a:blip xmlns:r="http://schemas.openxmlformats.org/officeDocument/2006/relationships" r:embed="rId3">
+            <a:extLst>
+              <a:ext uri="{28A0092B-C50C-407E-A947-70E740481C1C}">
+                <a14:useLocalDpi xmlns:a14="http://schemas.microsoft.com/office/drawing/2010/main" val="0"/>
+              </a:ext>
+              <a:ext uri="{96DAC541-7B7A-43D3-8B79-37D633B846F1}">
+                <asvg:svgBlip xmlns:asvg="http://schemas.microsoft.com/office/drawing/2016/SVG/main" r:embed="rId4"/>
+              </a:ext>
+            </a:extLst>
+          </a:blip>
+          <a:stretch>
+            <a:fillRect/>
+          </a:stretch>
+        </a:blipFill>
+        <a:ln>
+          <a:noFill/>
+        </a:ln>
+      </dgm:spPr>
+      <dgm:extLst>
+        <a:ext uri="{E40237B7-FDA0-4F09-8148-C483321AD2D9}">
+          <dgm14:cNvPr xmlns:dgm14="http://schemas.microsoft.com/office/drawing/2010/diagram" id="0" name="" descr="Table Setting"/>
+        </a:ext>
+      </dgm:extLst>
+    </dgm:pt>
+    <dgm:pt modelId="{A9299E62-D2FF-4241-A886-D1D0E0BDFE86}" type="pres">
+      <dgm:prSet presAssocID="{3ACE7874-38ED-465E-8EDF-7D6FD1039D7C}" presName="iconSpace" presStyleCnt="0"/>
+      <dgm:spPr/>
+    </dgm:pt>
+    <dgm:pt modelId="{13C301C6-4519-4EDC-9BBA-6C2878EE5854}" type="pres">
+      <dgm:prSet presAssocID="{3ACE7874-38ED-465E-8EDF-7D6FD1039D7C}" presName="parTx" presStyleLbl="revTx" presStyleIdx="2" presStyleCnt="6">
+        <dgm:presLayoutVars>
+          <dgm:chMax val="0"/>
+          <dgm:chPref val="0"/>
+        </dgm:presLayoutVars>
+      </dgm:prSet>
+      <dgm:spPr/>
+    </dgm:pt>
+    <dgm:pt modelId="{918CA13A-1620-4DF7-9E96-40970C4921EB}" type="pres">
+      <dgm:prSet presAssocID="{3ACE7874-38ED-465E-8EDF-7D6FD1039D7C}" presName="txSpace" presStyleCnt="0"/>
+      <dgm:spPr/>
+    </dgm:pt>
+    <dgm:pt modelId="{2B20BD03-99C2-4A9B-A962-215609C983F6}" type="pres">
+      <dgm:prSet presAssocID="{3ACE7874-38ED-465E-8EDF-7D6FD1039D7C}" presName="desTx" presStyleLbl="revTx" presStyleIdx="3" presStyleCnt="6">
+        <dgm:presLayoutVars/>
+      </dgm:prSet>
+      <dgm:spPr/>
+    </dgm:pt>
+    <dgm:pt modelId="{50737E5C-1066-41F7-A791-415A6BBA5545}" type="pres">
+      <dgm:prSet presAssocID="{E357B556-A8A5-4B2B-B97E-609251A54ABE}" presName="sibTrans" presStyleCnt="0"/>
+      <dgm:spPr/>
+    </dgm:pt>
+    <dgm:pt modelId="{5223DACE-19AB-4D48-A330-BF0A97ADF45D}" type="pres">
+      <dgm:prSet presAssocID="{9CCAFABB-2322-4CBA-90E7-1C681E87BFEA}" presName="compNode" presStyleCnt="0"/>
+      <dgm:spPr/>
+    </dgm:pt>
+    <dgm:pt modelId="{12A6CD52-7555-4260-B4DB-6C1BFDB39DD8}" type="pres">
+      <dgm:prSet presAssocID="{9CCAFABB-2322-4CBA-90E7-1C681E87BFEA}" presName="iconRect" presStyleLbl="node1" presStyleIdx="2" presStyleCnt="3"/>
+      <dgm:spPr>
+        <a:blipFill>
+          <a:blip xmlns:r="http://schemas.openxmlformats.org/officeDocument/2006/relationships" r:embed="rId5">
+            <a:extLst>
+              <a:ext uri="{28A0092B-C50C-407E-A947-70E740481C1C}">
+                <a14:useLocalDpi xmlns:a14="http://schemas.microsoft.com/office/drawing/2010/main" val="0"/>
+              </a:ext>
+              <a:ext uri="{96DAC541-7B7A-43D3-8B79-37D633B846F1}">
+                <asvg:svgBlip xmlns:asvg="http://schemas.microsoft.com/office/drawing/2016/SVG/main" r:embed="rId6"/>
+              </a:ext>
+            </a:extLst>
+          </a:blip>
+          <a:stretch>
+            <a:fillRect/>
+          </a:stretch>
+        </a:blipFill>
+        <a:ln>
+          <a:noFill/>
+        </a:ln>
+      </dgm:spPr>
+      <dgm:extLst>
+        <a:ext uri="{E40237B7-FDA0-4F09-8148-C483321AD2D9}">
+          <dgm14:cNvPr xmlns:dgm14="http://schemas.microsoft.com/office/drawing/2010/diagram" id="0" name="" descr="Covered plate"/>
+        </a:ext>
+      </dgm:extLst>
+    </dgm:pt>
+    <dgm:pt modelId="{ECA02E4D-1A7D-4E4B-AB6A-CBC4BCDCBFF8}" type="pres">
+      <dgm:prSet presAssocID="{9CCAFABB-2322-4CBA-90E7-1C681E87BFEA}" presName="iconSpace" presStyleCnt="0"/>
+      <dgm:spPr/>
+    </dgm:pt>
+    <dgm:pt modelId="{18C34D5F-CC3F-4EDA-BE0F-F4202FB06944}" type="pres">
+      <dgm:prSet presAssocID="{9CCAFABB-2322-4CBA-90E7-1C681E87BFEA}" presName="parTx" presStyleLbl="revTx" presStyleIdx="4" presStyleCnt="6">
+        <dgm:presLayoutVars>
+          <dgm:chMax val="0"/>
+          <dgm:chPref val="0"/>
+        </dgm:presLayoutVars>
+      </dgm:prSet>
+      <dgm:spPr/>
+    </dgm:pt>
+    <dgm:pt modelId="{68DDEAEE-CF44-4464-AB16-B170E7F90C85}" type="pres">
+      <dgm:prSet presAssocID="{9CCAFABB-2322-4CBA-90E7-1C681E87BFEA}" presName="txSpace" presStyleCnt="0"/>
+      <dgm:spPr/>
+    </dgm:pt>
+    <dgm:pt modelId="{5BBC331B-D87E-4145-82BD-5AD7B034809F}" type="pres">
+      <dgm:prSet presAssocID="{9CCAFABB-2322-4CBA-90E7-1C681E87BFEA}" presName="desTx" presStyleLbl="revTx" presStyleIdx="5" presStyleCnt="6">
+        <dgm:presLayoutVars/>
+      </dgm:prSet>
+      <dgm:spPr/>
+    </dgm:pt>
+  </dgm:ptLst>
+  <dgm:cxnLst>
+    <dgm:cxn modelId="{36B6DB0B-1A7F-416F-98EC-D9C76BD8CE93}" type="presOf" srcId="{BDAFED8A-11F7-4B14-A55C-B43CF5167DBE}" destId="{8C23E817-4003-4273-84C5-2CC14CB147C0}" srcOrd="0" destOrd="0" presId="urn:microsoft.com/office/officeart/2018/5/layout/CenteredIconLabelDescriptionList"/>
+    <dgm:cxn modelId="{EEEE7110-A49D-47FB-8130-D3F9858B4F01}" srcId="{9CCAFABB-2322-4CBA-90E7-1C681E87BFEA}" destId="{0495B53F-B1E8-44D1-8E16-83323D9B050B}" srcOrd="0" destOrd="0" parTransId="{C4DD5F33-70BE-43EA-9EC6-3D60AAB1121F}" sibTransId="{0861B5EA-A1BD-4115-B5EB-0FFF0C4C785B}"/>
+    <dgm:cxn modelId="{731DB023-0925-49C2-917E-7FAA89FBAA56}" srcId="{BDAFED8A-11F7-4B14-A55C-B43CF5167DBE}" destId="{3ACE7874-38ED-465E-8EDF-7D6FD1039D7C}" srcOrd="1" destOrd="0" parTransId="{CCEA51A6-B804-4309-8F69-BF0D5BDF7625}" sibTransId="{E357B556-A8A5-4B2B-B97E-609251A54ABE}"/>
+    <dgm:cxn modelId="{80B37835-DDD6-4275-9E71-4E3CCCA29DF7}" srcId="{BDAFED8A-11F7-4B14-A55C-B43CF5167DBE}" destId="{E3DAC6E3-6D06-42D4-B5B6-7CFBBC63D7E3}" srcOrd="0" destOrd="0" parTransId="{4E4488A8-4FF6-4461-BA5C-C03240DE4AE0}" sibTransId="{ED789E7A-8D33-4FB9-8F15-CD8777C0B299}"/>
+    <dgm:cxn modelId="{CAE0C141-A16B-4F7E-ACF3-9068E30AC3BA}" type="presOf" srcId="{02E25DDA-63B5-4D0F-9CB5-50C7F493F81C}" destId="{6745B453-2275-4C15-BF5B-5C5ECEFB2C99}" srcOrd="0" destOrd="1" presId="urn:microsoft.com/office/officeart/2018/5/layout/CenteredIconLabelDescriptionList"/>
+    <dgm:cxn modelId="{6A603C64-C12D-4E80-A197-9A0D54CDEBF9}" srcId="{3ACE7874-38ED-465E-8EDF-7D6FD1039D7C}" destId="{60D40A79-9F45-4452-A322-F4288A55D50E}" srcOrd="0" destOrd="0" parTransId="{AA0E2A62-B32B-4AF0-AE0D-EE22A0828E52}" sibTransId="{8C9A3EFB-3E79-4E03-BB19-8FD822B85C4E}"/>
+    <dgm:cxn modelId="{401E3170-C8B6-4FE2-931E-2BB85CA48DAA}" type="presOf" srcId="{4B5C521F-AE82-47A9-970F-B10FA455479C}" destId="{6745B453-2275-4C15-BF5B-5C5ECEFB2C99}" srcOrd="0" destOrd="0" presId="urn:microsoft.com/office/officeart/2018/5/layout/CenteredIconLabelDescriptionList"/>
+    <dgm:cxn modelId="{93187973-84B3-4E1C-B23F-0E1170AC1F44}" type="presOf" srcId="{0495B53F-B1E8-44D1-8E16-83323D9B050B}" destId="{5BBC331B-D87E-4145-82BD-5AD7B034809F}" srcOrd="0" destOrd="0" presId="urn:microsoft.com/office/officeart/2018/5/layout/CenteredIconLabelDescriptionList"/>
+    <dgm:cxn modelId="{7BCA9575-D90D-4D53-B63C-434C1D52AE81}" type="presOf" srcId="{6B8BC4E6-1559-4F20-BD9B-F362FE11BA68}" destId="{2B20BD03-99C2-4A9B-A962-215609C983F6}" srcOrd="0" destOrd="1" presId="urn:microsoft.com/office/officeart/2018/5/layout/CenteredIconLabelDescriptionList"/>
+    <dgm:cxn modelId="{CBD5867A-EE85-47F1-AAF2-B901AA3496E6}" srcId="{BDAFED8A-11F7-4B14-A55C-B43CF5167DBE}" destId="{9CCAFABB-2322-4CBA-90E7-1C681E87BFEA}" srcOrd="2" destOrd="0" parTransId="{8EEB23B1-A9BF-4E41-B338-1E32C12CBF83}" sibTransId="{06602A84-28A3-4A33-A8A0-39CC91796685}"/>
+    <dgm:cxn modelId="{85AD7698-48AA-4EF0-B797-FDE7E92298A0}" srcId="{3ACE7874-38ED-465E-8EDF-7D6FD1039D7C}" destId="{49623862-E202-40C5-8D8D-FBB3464A77F2}" srcOrd="2" destOrd="0" parTransId="{4F5C2EEB-8FF3-4524-B3A9-58F9994C79DE}" sibTransId="{D14CEDB9-52EB-4571-8792-E1D06C5E5384}"/>
+    <dgm:cxn modelId="{C6DBE2A4-5851-4EAC-8C27-5E0FBED9F794}" type="presOf" srcId="{60D40A79-9F45-4452-A322-F4288A55D50E}" destId="{2B20BD03-99C2-4A9B-A962-215609C983F6}" srcOrd="0" destOrd="0" presId="urn:microsoft.com/office/officeart/2018/5/layout/CenteredIconLabelDescriptionList"/>
+    <dgm:cxn modelId="{D164E6A6-9DD8-459A-8C29-7FC738D2267B}" srcId="{3ACE7874-38ED-465E-8EDF-7D6FD1039D7C}" destId="{6B8BC4E6-1559-4F20-BD9B-F362FE11BA68}" srcOrd="1" destOrd="0" parTransId="{2653CFFE-B21F-4672-801C-5AE4FBB6B314}" sibTransId="{FD6540D6-1D54-4192-8AFE-0F2F662787E5}"/>
+    <dgm:cxn modelId="{4A58E3C3-1EA4-4F58-BD48-B4C94D0D1FA6}" type="presOf" srcId="{49623862-E202-40C5-8D8D-FBB3464A77F2}" destId="{2B20BD03-99C2-4A9B-A962-215609C983F6}" srcOrd="0" destOrd="2" presId="urn:microsoft.com/office/officeart/2018/5/layout/CenteredIconLabelDescriptionList"/>
+    <dgm:cxn modelId="{71A572D7-D35C-4187-8BCE-F95F382BB97B}" srcId="{E3DAC6E3-6D06-42D4-B5B6-7CFBBC63D7E3}" destId="{4B5C521F-AE82-47A9-970F-B10FA455479C}" srcOrd="0" destOrd="0" parTransId="{B259F1E1-39BE-4349-AA97-FA99D05D0158}" sibTransId="{C172F472-0131-4151-B0A9-DED0180AF093}"/>
+    <dgm:cxn modelId="{00257CDB-94F4-4664-9ADB-C76F99574784}" type="presOf" srcId="{3ACE7874-38ED-465E-8EDF-7D6FD1039D7C}" destId="{13C301C6-4519-4EDC-9BBA-6C2878EE5854}" srcOrd="0" destOrd="0" presId="urn:microsoft.com/office/officeart/2018/5/layout/CenteredIconLabelDescriptionList"/>
+    <dgm:cxn modelId="{800D89E8-99DC-404C-8B30-4E38653A4BC7}" type="presOf" srcId="{9CCAFABB-2322-4CBA-90E7-1C681E87BFEA}" destId="{18C34D5F-CC3F-4EDA-BE0F-F4202FB06944}" srcOrd="0" destOrd="0" presId="urn:microsoft.com/office/officeart/2018/5/layout/CenteredIconLabelDescriptionList"/>
+    <dgm:cxn modelId="{D0EC10F3-A1B7-4192-9FF9-2008C0C73C06}" srcId="{E3DAC6E3-6D06-42D4-B5B6-7CFBBC63D7E3}" destId="{02E25DDA-63B5-4D0F-9CB5-50C7F493F81C}" srcOrd="1" destOrd="0" parTransId="{F61D4186-D43D-445E-85F2-EEDDE5B264D5}" sibTransId="{03088CEC-AED2-440C-887F-ED522D0DB92B}"/>
+    <dgm:cxn modelId="{849400FF-2D5A-4337-B49C-2316E02A0684}" type="presOf" srcId="{E3DAC6E3-6D06-42D4-B5B6-7CFBBC63D7E3}" destId="{9FB23DC9-3332-46D3-A51B-EB723F061BF8}" srcOrd="0" destOrd="0" presId="urn:microsoft.com/office/officeart/2018/5/layout/CenteredIconLabelDescriptionList"/>
+    <dgm:cxn modelId="{4A2C7936-D84F-4E90-9E62-5494049C11C6}" type="presParOf" srcId="{8C23E817-4003-4273-84C5-2CC14CB147C0}" destId="{E0CF0BC5-4C5A-4918-9D8A-ECC7F9D83E3F}" srcOrd="0" destOrd="0" presId="urn:microsoft.com/office/officeart/2018/5/layout/CenteredIconLabelDescriptionList"/>
+    <dgm:cxn modelId="{9A773015-1F36-4E8E-BFF7-ED2C9FB9E3CB}" type="presParOf" srcId="{E0CF0BC5-4C5A-4918-9D8A-ECC7F9D83E3F}" destId="{D3983F88-AB66-4FB6-9796-49803652A50F}" srcOrd="0" destOrd="0" presId="urn:microsoft.com/office/officeart/2018/5/layout/CenteredIconLabelDescriptionList"/>
+    <dgm:cxn modelId="{9A474E95-68A4-44F9-989C-202D2AEE97AC}" type="presParOf" srcId="{E0CF0BC5-4C5A-4918-9D8A-ECC7F9D83E3F}" destId="{8D7F01F3-5966-436D-B818-37059DFF14AF}" srcOrd="1" destOrd="0" presId="urn:microsoft.com/office/officeart/2018/5/layout/CenteredIconLabelDescriptionList"/>
+    <dgm:cxn modelId="{2F7F67D1-1573-4349-BF25-789D2C6C1CB0}" type="presParOf" srcId="{E0CF0BC5-4C5A-4918-9D8A-ECC7F9D83E3F}" destId="{9FB23DC9-3332-46D3-A51B-EB723F061BF8}" srcOrd="2" destOrd="0" presId="urn:microsoft.com/office/officeart/2018/5/layout/CenteredIconLabelDescriptionList"/>
+    <dgm:cxn modelId="{CD0C07E0-314D-492F-BE82-45A0C5026748}" type="presParOf" srcId="{E0CF0BC5-4C5A-4918-9D8A-ECC7F9D83E3F}" destId="{2850DE13-53D5-4A37-98C4-2FDD2E3E0664}" srcOrd="3" destOrd="0" presId="urn:microsoft.com/office/officeart/2018/5/layout/CenteredIconLabelDescriptionList"/>
+    <dgm:cxn modelId="{B9B8E616-1905-4221-88F6-687E20260444}" type="presParOf" srcId="{E0CF0BC5-4C5A-4918-9D8A-ECC7F9D83E3F}" destId="{6745B453-2275-4C15-BF5B-5C5ECEFB2C99}" srcOrd="4" destOrd="0" presId="urn:microsoft.com/office/officeart/2018/5/layout/CenteredIconLabelDescriptionList"/>
+    <dgm:cxn modelId="{96CCD034-0526-4F62-88BE-6DC1DC263D2B}" type="presParOf" srcId="{8C23E817-4003-4273-84C5-2CC14CB147C0}" destId="{B07F1F64-8376-406C-9896-AF3EB20E5934}" srcOrd="1" destOrd="0" presId="urn:microsoft.com/office/officeart/2018/5/layout/CenteredIconLabelDescriptionList"/>
+    <dgm:cxn modelId="{013306B4-FFA9-425F-9B66-D02F096630B9}" type="presParOf" srcId="{8C23E817-4003-4273-84C5-2CC14CB147C0}" destId="{EF1DA9A0-FE50-476C-BA83-0E1598A2D256}" srcOrd="2" destOrd="0" presId="urn:microsoft.com/office/officeart/2018/5/layout/CenteredIconLabelDescriptionList"/>
+    <dgm:cxn modelId="{C45D95FB-8AF7-4EC8-AB7E-3B6EE985CB55}" type="presParOf" srcId="{EF1DA9A0-FE50-476C-BA83-0E1598A2D256}" destId="{B6D7451F-6A9E-435C-89BE-2CCFB4DA2C58}" srcOrd="0" destOrd="0" presId="urn:microsoft.com/office/officeart/2018/5/layout/CenteredIconLabelDescriptionList"/>
+    <dgm:cxn modelId="{331E42E8-87BF-4C4F-9DC2-3540E0517FFE}" type="presParOf" srcId="{EF1DA9A0-FE50-476C-BA83-0E1598A2D256}" destId="{A9299E62-D2FF-4241-A886-D1D0E0BDFE86}" srcOrd="1" destOrd="0" presId="urn:microsoft.com/office/officeart/2018/5/layout/CenteredIconLabelDescriptionList"/>
+    <dgm:cxn modelId="{24E0276D-403F-40ED-ACB0-FF5F8B8F5CC1}" type="presParOf" srcId="{EF1DA9A0-FE50-476C-BA83-0E1598A2D256}" destId="{13C301C6-4519-4EDC-9BBA-6C2878EE5854}" srcOrd="2" destOrd="0" presId="urn:microsoft.com/office/officeart/2018/5/layout/CenteredIconLabelDescriptionList"/>
+    <dgm:cxn modelId="{4D88CA1D-27F5-461C-9948-3872385CCBDF}" type="presParOf" srcId="{EF1DA9A0-FE50-476C-BA83-0E1598A2D256}" destId="{918CA13A-1620-4DF7-9E96-40970C4921EB}" srcOrd="3" destOrd="0" presId="urn:microsoft.com/office/officeart/2018/5/layout/CenteredIconLabelDescriptionList"/>
+    <dgm:cxn modelId="{4E816895-7DEA-457E-9420-35472433ABD1}" type="presParOf" srcId="{EF1DA9A0-FE50-476C-BA83-0E1598A2D256}" destId="{2B20BD03-99C2-4A9B-A962-215609C983F6}" srcOrd="4" destOrd="0" presId="urn:microsoft.com/office/officeart/2018/5/layout/CenteredIconLabelDescriptionList"/>
+    <dgm:cxn modelId="{05A22FCE-33FA-495D-B85F-D912681F0F1E}" type="presParOf" srcId="{8C23E817-4003-4273-84C5-2CC14CB147C0}" destId="{50737E5C-1066-41F7-A791-415A6BBA5545}" srcOrd="3" destOrd="0" presId="urn:microsoft.com/office/officeart/2018/5/layout/CenteredIconLabelDescriptionList"/>
+    <dgm:cxn modelId="{CC29B28C-520A-4700-8FE4-AB2FBCF25C4B}" type="presParOf" srcId="{8C23E817-4003-4273-84C5-2CC14CB147C0}" destId="{5223DACE-19AB-4D48-A330-BF0A97ADF45D}" srcOrd="4" destOrd="0" presId="urn:microsoft.com/office/officeart/2018/5/layout/CenteredIconLabelDescriptionList"/>
+    <dgm:cxn modelId="{A9025CCB-FDB5-4CF2-BA42-6FF5E8539F2F}" type="presParOf" srcId="{5223DACE-19AB-4D48-A330-BF0A97ADF45D}" destId="{12A6CD52-7555-4260-B4DB-6C1BFDB39DD8}" srcOrd="0" destOrd="0" presId="urn:microsoft.com/office/officeart/2018/5/layout/CenteredIconLabelDescriptionList"/>
+    <dgm:cxn modelId="{877AE91E-19ED-4D72-B49E-7BF577B5AA4F}" type="presParOf" srcId="{5223DACE-19AB-4D48-A330-BF0A97ADF45D}" destId="{ECA02E4D-1A7D-4E4B-AB6A-CBC4BCDCBFF8}" srcOrd="1" destOrd="0" presId="urn:microsoft.com/office/officeart/2018/5/layout/CenteredIconLabelDescriptionList"/>
+    <dgm:cxn modelId="{3C9795DE-A49F-4EDA-B998-18EA990F4359}" type="presParOf" srcId="{5223DACE-19AB-4D48-A330-BF0A97ADF45D}" destId="{18C34D5F-CC3F-4EDA-BE0F-F4202FB06944}" srcOrd="2" destOrd="0" presId="urn:microsoft.com/office/officeart/2018/5/layout/CenteredIconLabelDescriptionList"/>
+    <dgm:cxn modelId="{C796B855-6692-4569-B6A3-7FCE9BE333E2}" type="presParOf" srcId="{5223DACE-19AB-4D48-A330-BF0A97ADF45D}" destId="{68DDEAEE-CF44-4464-AB16-B170E7F90C85}" srcOrd="3" destOrd="0" presId="urn:microsoft.com/office/officeart/2018/5/layout/CenteredIconLabelDescriptionList"/>
+    <dgm:cxn modelId="{86BF4318-9734-4FA3-A5A4-7494F8AC8FD0}" type="presParOf" srcId="{5223DACE-19AB-4D48-A330-BF0A97ADF45D}" destId="{5BBC331B-D87E-4145-82BD-5AD7B034809F}" srcOrd="4" destOrd="0" presId="urn:microsoft.com/office/officeart/2018/5/layout/CenteredIconLabelDescriptionList"/>
+  </dgm:cxnLst>
+  <dgm:bg/>
+  <dgm:whole/>
+  <dgm:extLst>
+    <a:ext uri="http://schemas.microsoft.com/office/drawing/2008/diagram">
+      <dsp:dataModelExt xmlns:dsp="http://schemas.microsoft.com/office/drawing/2008/diagram" relId="rId6" minVer="http://schemas.openxmlformats.org/drawingml/2006/diagram"/>
+    </a:ext>
+  </dgm:extLst>
+</dgm:dataModel>
+</file>
+
+<file path=ppt/diagrams/drawing1.xml><?xml version="1.0" encoding="utf-8"?>
+<dsp:drawing xmlns:dgm="http://schemas.openxmlformats.org/drawingml/2006/diagram" xmlns:dsp="http://schemas.microsoft.com/office/drawing/2008/diagram" xmlns:a="http://schemas.openxmlformats.org/drawingml/2006/main">
+  <dsp:spTree>
+    <dsp:nvGrpSpPr>
+      <dsp:cNvPr id="0" name=""/>
+      <dsp:cNvGrpSpPr/>
+    </dsp:nvGrpSpPr>
+    <dsp:grpSpPr/>
+    <dsp:sp modelId="{D3983F88-AB66-4FB6-9796-49803652A50F}">
+      <dsp:nvSpPr>
+        <dsp:cNvPr id="0" name=""/>
+        <dsp:cNvSpPr/>
+      </dsp:nvSpPr>
+      <dsp:spPr>
+        <a:xfrm>
+          <a:off x="940036" y="302388"/>
+          <a:ext cx="1003081" cy="1003081"/>
+        </a:xfrm>
+        <a:prstGeom prst="rect">
+          <a:avLst/>
+        </a:prstGeom>
+        <a:blipFill>
+          <a:blip xmlns:r="http://schemas.openxmlformats.org/officeDocument/2006/relationships" r:embed="rId1">
+            <a:extLst>
+              <a:ext uri="{28A0092B-C50C-407E-A947-70E740481C1C}">
+                <a14:useLocalDpi xmlns:a14="http://schemas.microsoft.com/office/drawing/2010/main" val="0"/>
+              </a:ext>
+              <a:ext uri="{96DAC541-7B7A-43D3-8B79-37D633B846F1}">
+                <asvg:svgBlip xmlns:asvg="http://schemas.microsoft.com/office/drawing/2016/SVG/main" r:embed="rId2"/>
+              </a:ext>
+            </a:extLst>
+          </a:blip>
+          <a:stretch>
+            <a:fillRect/>
+          </a:stretch>
+        </a:blipFill>
+        <a:ln w="19050" cap="rnd" cmpd="sng" algn="ctr">
+          <a:noFill/>
+          <a:prstDash val="solid"/>
+        </a:ln>
+        <a:effectLst/>
+      </dsp:spPr>
+      <dsp:style>
+        <a:lnRef idx="2">
+          <a:scrgbClr r="0" g="0" b="0"/>
+        </a:lnRef>
+        <a:fillRef idx="1">
+          <a:scrgbClr r="0" g="0" b="0"/>
+        </a:fillRef>
+        <a:effectRef idx="0">
+          <a:scrgbClr r="0" g="0" b="0"/>
+        </a:effectRef>
+        <a:fontRef idx="minor">
+          <a:schemeClr val="lt1"/>
+        </a:fontRef>
+      </dsp:style>
+    </dsp:sp>
+    <dsp:sp modelId="{9FB23DC9-3332-46D3-A51B-EB723F061BF8}">
+      <dsp:nvSpPr>
+        <dsp:cNvPr id="0" name=""/>
+        <dsp:cNvSpPr/>
+      </dsp:nvSpPr>
+      <dsp:spPr>
+        <a:xfrm>
+          <a:off x="8602" y="1455485"/>
+          <a:ext cx="2865948" cy="429892"/>
+        </a:xfrm>
+        <a:prstGeom prst="rect">
+          <a:avLst/>
+        </a:prstGeom>
+        <a:noFill/>
+        <a:ln>
+          <a:noFill/>
+        </a:ln>
+        <a:effectLst/>
+      </dsp:spPr>
+      <dsp:style>
+        <a:lnRef idx="0">
+          <a:scrgbClr r="0" g="0" b="0"/>
+        </a:lnRef>
+        <a:fillRef idx="0">
+          <a:scrgbClr r="0" g="0" b="0"/>
+        </a:fillRef>
+        <a:effectRef idx="0">
+          <a:scrgbClr r="0" g="0" b="0"/>
+        </a:effectRef>
+        <a:fontRef idx="minor"/>
+      </dsp:style>
+      <dsp:txBody>
+        <a:bodyPr spcFirstLastPara="0" vert="horz" wrap="square" lIns="0" tIns="0" rIns="0" bIns="0" numCol="1" spcCol="1270" anchor="t" anchorCtr="0">
+          <a:noAutofit/>
+        </a:bodyPr>
+        <a:lstStyle/>
+        <a:p>
+          <a:pPr marL="0" lvl="0" indent="0" algn="ctr" defTabSz="755650">
+            <a:lnSpc>
+              <a:spcPct val="90000"/>
+            </a:lnSpc>
+            <a:spcBef>
+              <a:spcPct val="0"/>
+            </a:spcBef>
+            <a:spcAft>
+              <a:spcPct val="35000"/>
+            </a:spcAft>
+            <a:buNone/>
+            <a:defRPr b="1"/>
+          </a:pPr>
+          <a:r>
+            <a:rPr lang="en-US" sz="1700" b="1" kern="1200"/>
+            <a:t>Popularity vs Health Rating</a:t>
+          </a:r>
+          <a:endParaRPr lang="en-US" sz="1700" kern="1200"/>
+        </a:p>
+      </dsp:txBody>
+      <dsp:txXfrm>
+        <a:off x="8602" y="1455485"/>
+        <a:ext cx="2865948" cy="429892"/>
+      </dsp:txXfrm>
+    </dsp:sp>
+    <dsp:sp modelId="{6745B453-2275-4C15-BF5B-5C5ECEFB2C99}">
+      <dsp:nvSpPr>
+        <dsp:cNvPr id="0" name=""/>
+        <dsp:cNvSpPr/>
+      </dsp:nvSpPr>
+      <dsp:spPr>
+        <a:xfrm>
+          <a:off x="8602" y="1955151"/>
+          <a:ext cx="2865948" cy="1835941"/>
+        </a:xfrm>
+        <a:prstGeom prst="rect">
+          <a:avLst/>
+        </a:prstGeom>
+        <a:noFill/>
+        <a:ln>
+          <a:noFill/>
+        </a:ln>
+        <a:effectLst/>
+      </dsp:spPr>
+      <dsp:style>
+        <a:lnRef idx="0">
+          <a:scrgbClr r="0" g="0" b="0"/>
+        </a:lnRef>
+        <a:fillRef idx="0">
+          <a:scrgbClr r="0" g="0" b="0"/>
+        </a:fillRef>
+        <a:effectRef idx="0">
+          <a:scrgbClr r="0" g="0" b="0"/>
+        </a:effectRef>
+        <a:fontRef idx="minor"/>
+      </dsp:style>
+      <dsp:txBody>
+        <a:bodyPr spcFirstLastPara="0" vert="horz" wrap="square" lIns="0" tIns="0" rIns="0" bIns="0" numCol="1" spcCol="1270" anchor="ctr" anchorCtr="0">
+          <a:noAutofit/>
+        </a:bodyPr>
+        <a:lstStyle/>
+        <a:p>
+          <a:pPr marL="0" lvl="0" indent="0" algn="ctr" defTabSz="577850">
+            <a:lnSpc>
+              <a:spcPct val="90000"/>
+            </a:lnSpc>
+            <a:spcBef>
+              <a:spcPct val="0"/>
+            </a:spcBef>
+            <a:spcAft>
+              <a:spcPct val="35000"/>
+            </a:spcAft>
+            <a:buNone/>
+          </a:pPr>
+          <a:r>
+            <a:rPr lang="en-US" sz="1300" kern="1200" dirty="0"/>
+            <a:t>Are more popular recipes healthier?</a:t>
+          </a:r>
+        </a:p>
+        <a:p>
+          <a:pPr marL="0" lvl="0" indent="0" algn="ctr" defTabSz="577850">
+            <a:lnSpc>
+              <a:spcPct val="90000"/>
+            </a:lnSpc>
+            <a:spcBef>
+              <a:spcPct val="0"/>
+            </a:spcBef>
+            <a:spcAft>
+              <a:spcPct val="35000"/>
+            </a:spcAft>
+            <a:buNone/>
+          </a:pPr>
+          <a:endParaRPr lang="en-US" sz="1300" kern="1200" dirty="0"/>
+        </a:p>
+        <a:p>
+          <a:pPr marL="0" lvl="0" indent="0" algn="ctr" defTabSz="577850">
+            <a:lnSpc>
+              <a:spcPct val="90000"/>
+            </a:lnSpc>
+            <a:spcBef>
+              <a:spcPct val="0"/>
+            </a:spcBef>
+            <a:spcAft>
+              <a:spcPct val="35000"/>
+            </a:spcAft>
+            <a:buNone/>
+          </a:pPr>
+          <a:r>
+            <a:rPr lang="en-US" sz="1300" kern="1200" dirty="0"/>
+            <a:t>What is the health rating of the most popular recipes?</a:t>
+          </a:r>
+          <a:br>
+            <a:rPr lang="en-US" sz="1300" kern="1200" dirty="0"/>
+          </a:br>
+          <a:endParaRPr lang="en-US" sz="1300" kern="1200" dirty="0"/>
+        </a:p>
+      </dsp:txBody>
+      <dsp:txXfrm>
+        <a:off x="8602" y="1955151"/>
+        <a:ext cx="2865948" cy="1835941"/>
+      </dsp:txXfrm>
+    </dsp:sp>
+    <dsp:sp modelId="{B6D7451F-6A9E-435C-89BE-2CCFB4DA2C58}">
+      <dsp:nvSpPr>
+        <dsp:cNvPr id="0" name=""/>
+        <dsp:cNvSpPr/>
+      </dsp:nvSpPr>
+      <dsp:spPr>
+        <a:xfrm>
+          <a:off x="4307525" y="302388"/>
+          <a:ext cx="1003081" cy="1003081"/>
+        </a:xfrm>
+        <a:prstGeom prst="rect">
+          <a:avLst/>
+        </a:prstGeom>
+        <a:blipFill>
+          <a:blip xmlns:r="http://schemas.openxmlformats.org/officeDocument/2006/relationships" r:embed="rId3">
+            <a:extLst>
+              <a:ext uri="{28A0092B-C50C-407E-A947-70E740481C1C}">
+                <a14:useLocalDpi xmlns:a14="http://schemas.microsoft.com/office/drawing/2010/main" val="0"/>
+              </a:ext>
+              <a:ext uri="{96DAC541-7B7A-43D3-8B79-37D633B846F1}">
+                <asvg:svgBlip xmlns:asvg="http://schemas.microsoft.com/office/drawing/2016/SVG/main" r:embed="rId4"/>
+              </a:ext>
+            </a:extLst>
+          </a:blip>
+          <a:stretch>
+            <a:fillRect/>
+          </a:stretch>
+        </a:blipFill>
+        <a:ln w="19050" cap="rnd" cmpd="sng" algn="ctr">
+          <a:noFill/>
+          <a:prstDash val="solid"/>
+        </a:ln>
+        <a:effectLst/>
+      </dsp:spPr>
+      <dsp:style>
+        <a:lnRef idx="2">
+          <a:scrgbClr r="0" g="0" b="0"/>
+        </a:lnRef>
+        <a:fillRef idx="1">
+          <a:scrgbClr r="0" g="0" b="0"/>
+        </a:fillRef>
+        <a:effectRef idx="0">
+          <a:scrgbClr r="0" g="0" b="0"/>
+        </a:effectRef>
+        <a:fontRef idx="minor">
+          <a:schemeClr val="lt1"/>
+        </a:fontRef>
+      </dsp:style>
+    </dsp:sp>
+    <dsp:sp modelId="{13C301C6-4519-4EDC-9BBA-6C2878EE5854}">
+      <dsp:nvSpPr>
+        <dsp:cNvPr id="0" name=""/>
+        <dsp:cNvSpPr/>
+      </dsp:nvSpPr>
+      <dsp:spPr>
+        <a:xfrm>
+          <a:off x="3376092" y="1455485"/>
+          <a:ext cx="2865948" cy="429892"/>
+        </a:xfrm>
+        <a:prstGeom prst="rect">
+          <a:avLst/>
+        </a:prstGeom>
+        <a:noFill/>
+        <a:ln>
+          <a:noFill/>
+        </a:ln>
+        <a:effectLst/>
+      </dsp:spPr>
+      <dsp:style>
+        <a:lnRef idx="0">
+          <a:scrgbClr r="0" g="0" b="0"/>
+        </a:lnRef>
+        <a:fillRef idx="0">
+          <a:scrgbClr r="0" g="0" b="0"/>
+        </a:fillRef>
+        <a:effectRef idx="0">
+          <a:scrgbClr r="0" g="0" b="0"/>
+        </a:effectRef>
+        <a:fontRef idx="minor"/>
+      </dsp:style>
+      <dsp:txBody>
+        <a:bodyPr spcFirstLastPara="0" vert="horz" wrap="square" lIns="0" tIns="0" rIns="0" bIns="0" numCol="1" spcCol="1270" anchor="t" anchorCtr="0">
+          <a:noAutofit/>
+        </a:bodyPr>
+        <a:lstStyle/>
+        <a:p>
+          <a:pPr marL="0" lvl="0" indent="0" algn="ctr" defTabSz="755650">
+            <a:lnSpc>
+              <a:spcPct val="90000"/>
+            </a:lnSpc>
+            <a:spcBef>
+              <a:spcPct val="0"/>
+            </a:spcBef>
+            <a:spcAft>
+              <a:spcPct val="35000"/>
+            </a:spcAft>
+            <a:buNone/>
+            <a:defRPr b="1"/>
+          </a:pPr>
+          <a:r>
+            <a:rPr lang="en-US" sz="1700" b="1" kern="1200"/>
+            <a:t>Meal Types</a:t>
+          </a:r>
+          <a:endParaRPr lang="en-US" sz="1700" kern="1200"/>
+        </a:p>
+      </dsp:txBody>
+      <dsp:txXfrm>
+        <a:off x="3376092" y="1455485"/>
+        <a:ext cx="2865948" cy="429892"/>
+      </dsp:txXfrm>
+    </dsp:sp>
+    <dsp:sp modelId="{2B20BD03-99C2-4A9B-A962-215609C983F6}">
+      <dsp:nvSpPr>
+        <dsp:cNvPr id="0" name=""/>
+        <dsp:cNvSpPr/>
+      </dsp:nvSpPr>
+      <dsp:spPr>
+        <a:xfrm>
+          <a:off x="3376092" y="1955151"/>
+          <a:ext cx="2865948" cy="1835941"/>
+        </a:xfrm>
+        <a:prstGeom prst="rect">
+          <a:avLst/>
+        </a:prstGeom>
+        <a:noFill/>
+        <a:ln>
+          <a:noFill/>
+        </a:ln>
+        <a:effectLst/>
+      </dsp:spPr>
+      <dsp:style>
+        <a:lnRef idx="0">
+          <a:scrgbClr r="0" g="0" b="0"/>
+        </a:lnRef>
+        <a:fillRef idx="0">
+          <a:scrgbClr r="0" g="0" b="0"/>
+        </a:fillRef>
+        <a:effectRef idx="0">
+          <a:scrgbClr r="0" g="0" b="0"/>
+        </a:effectRef>
+        <a:fontRef idx="minor"/>
+      </dsp:style>
+      <dsp:txBody>
+        <a:bodyPr spcFirstLastPara="0" vert="horz" wrap="square" lIns="0" tIns="0" rIns="0" bIns="0" numCol="1" spcCol="1270" anchor="ctr" anchorCtr="0">
+          <a:noAutofit/>
+        </a:bodyPr>
+        <a:lstStyle/>
+        <a:p>
+          <a:pPr marL="0" lvl="0" indent="0" algn="ctr" defTabSz="577850">
+            <a:lnSpc>
+              <a:spcPct val="90000"/>
+            </a:lnSpc>
+            <a:spcBef>
+              <a:spcPct val="0"/>
+            </a:spcBef>
+            <a:spcAft>
+              <a:spcPct val="35000"/>
+            </a:spcAft>
+            <a:buNone/>
+          </a:pPr>
+          <a:r>
+            <a:rPr lang="en-US" sz="1300" kern="1200" dirty="0"/>
+            <a:t>What meal type (breakfast, lunch, or dinner) is the healthiest?</a:t>
+          </a:r>
+        </a:p>
+        <a:p>
+          <a:pPr marL="0" lvl="0" indent="0" algn="ctr" defTabSz="577850">
+            <a:lnSpc>
+              <a:spcPct val="90000"/>
+            </a:lnSpc>
+            <a:spcBef>
+              <a:spcPct val="0"/>
+            </a:spcBef>
+            <a:spcAft>
+              <a:spcPct val="35000"/>
+            </a:spcAft>
+            <a:buNone/>
+          </a:pPr>
+          <a:endParaRPr lang="en-US" sz="1300" kern="1200" dirty="0"/>
+        </a:p>
+        <a:p>
+          <a:pPr marL="0" lvl="0" indent="0" algn="ctr" defTabSz="577850">
+            <a:lnSpc>
+              <a:spcPct val="90000"/>
+            </a:lnSpc>
+            <a:spcBef>
+              <a:spcPct val="0"/>
+            </a:spcBef>
+            <a:spcAft>
+              <a:spcPct val="35000"/>
+            </a:spcAft>
+            <a:buNone/>
+          </a:pPr>
+          <a:r>
+            <a:rPr lang="en-US" sz="1300" kern="1200" dirty="0"/>
+            <a:t>What percentage of recipes are healthy?</a:t>
+          </a:r>
+        </a:p>
+        <a:p>
+          <a:pPr marL="0" lvl="0" indent="0" algn="ctr" defTabSz="577850">
+            <a:lnSpc>
+              <a:spcPct val="90000"/>
+            </a:lnSpc>
+            <a:spcBef>
+              <a:spcPct val="0"/>
+            </a:spcBef>
+            <a:spcAft>
+              <a:spcPct val="35000"/>
+            </a:spcAft>
+            <a:buNone/>
+          </a:pPr>
+          <a:endParaRPr lang="en-US" sz="1300" kern="1200" dirty="0"/>
+        </a:p>
+        <a:p>
+          <a:pPr marL="0" lvl="0" indent="0" algn="ctr" defTabSz="577850">
+            <a:lnSpc>
+              <a:spcPct val="90000"/>
+            </a:lnSpc>
+            <a:spcBef>
+              <a:spcPct val="0"/>
+            </a:spcBef>
+            <a:spcAft>
+              <a:spcPct val="35000"/>
+            </a:spcAft>
+            <a:buNone/>
+          </a:pPr>
+          <a:r>
+            <a:rPr lang="en-US" sz="1300" kern="1200"/>
+            <a:t>What is the most popular ingredient per meal type?</a:t>
+          </a:r>
+          <a:br>
+            <a:rPr lang="en-US" sz="1300" kern="1200"/>
+          </a:br>
+          <a:endParaRPr lang="en-US" sz="1300" kern="1200"/>
+        </a:p>
+      </dsp:txBody>
+      <dsp:txXfrm>
+        <a:off x="3376092" y="1955151"/>
+        <a:ext cx="2865948" cy="1835941"/>
+      </dsp:txXfrm>
+    </dsp:sp>
+    <dsp:sp modelId="{12A6CD52-7555-4260-B4DB-6C1BFDB39DD8}">
+      <dsp:nvSpPr>
+        <dsp:cNvPr id="0" name=""/>
+        <dsp:cNvSpPr/>
+      </dsp:nvSpPr>
+      <dsp:spPr>
+        <a:xfrm>
+          <a:off x="7675014" y="302388"/>
+          <a:ext cx="1003081" cy="1003081"/>
+        </a:xfrm>
+        <a:prstGeom prst="rect">
+          <a:avLst/>
+        </a:prstGeom>
+        <a:blipFill>
+          <a:blip xmlns:r="http://schemas.openxmlformats.org/officeDocument/2006/relationships" r:embed="rId5">
+            <a:extLst>
+              <a:ext uri="{28A0092B-C50C-407E-A947-70E740481C1C}">
+                <a14:useLocalDpi xmlns:a14="http://schemas.microsoft.com/office/drawing/2010/main" val="0"/>
+              </a:ext>
+              <a:ext uri="{96DAC541-7B7A-43D3-8B79-37D633B846F1}">
+                <asvg:svgBlip xmlns:asvg="http://schemas.microsoft.com/office/drawing/2016/SVG/main" r:embed="rId6"/>
+              </a:ext>
+            </a:extLst>
+          </a:blip>
+          <a:stretch>
+            <a:fillRect/>
+          </a:stretch>
+        </a:blipFill>
+        <a:ln w="19050" cap="rnd" cmpd="sng" algn="ctr">
+          <a:noFill/>
+          <a:prstDash val="solid"/>
+        </a:ln>
+        <a:effectLst/>
+      </dsp:spPr>
+      <dsp:style>
+        <a:lnRef idx="2">
+          <a:scrgbClr r="0" g="0" b="0"/>
+        </a:lnRef>
+        <a:fillRef idx="1">
+          <a:scrgbClr r="0" g="0" b="0"/>
+        </a:fillRef>
+        <a:effectRef idx="0">
+          <a:scrgbClr r="0" g="0" b="0"/>
+        </a:effectRef>
+        <a:fontRef idx="minor">
+          <a:schemeClr val="lt1"/>
+        </a:fontRef>
+      </dsp:style>
+    </dsp:sp>
+    <dsp:sp modelId="{18C34D5F-CC3F-4EDA-BE0F-F4202FB06944}">
+      <dsp:nvSpPr>
+        <dsp:cNvPr id="0" name=""/>
+        <dsp:cNvSpPr/>
+      </dsp:nvSpPr>
+      <dsp:spPr>
+        <a:xfrm>
+          <a:off x="6743581" y="1455485"/>
+          <a:ext cx="2865948" cy="429892"/>
+        </a:xfrm>
+        <a:prstGeom prst="rect">
+          <a:avLst/>
+        </a:prstGeom>
+        <a:noFill/>
+        <a:ln>
+          <a:noFill/>
+        </a:ln>
+        <a:effectLst/>
+      </dsp:spPr>
+      <dsp:style>
+        <a:lnRef idx="0">
+          <a:scrgbClr r="0" g="0" b="0"/>
+        </a:lnRef>
+        <a:fillRef idx="0">
+          <a:scrgbClr r="0" g="0" b="0"/>
+        </a:fillRef>
+        <a:effectRef idx="0">
+          <a:scrgbClr r="0" g="0" b="0"/>
+        </a:effectRef>
+        <a:fontRef idx="minor"/>
+      </dsp:style>
+      <dsp:txBody>
+        <a:bodyPr spcFirstLastPara="0" vert="horz" wrap="square" lIns="0" tIns="0" rIns="0" bIns="0" numCol="1" spcCol="1270" anchor="t" anchorCtr="0">
+          <a:noAutofit/>
+        </a:bodyPr>
+        <a:lstStyle/>
+        <a:p>
+          <a:pPr marL="0" lvl="0" indent="0" algn="ctr" defTabSz="755650">
+            <a:lnSpc>
+              <a:spcPct val="90000"/>
+            </a:lnSpc>
+            <a:spcBef>
+              <a:spcPct val="0"/>
+            </a:spcBef>
+            <a:spcAft>
+              <a:spcPct val="35000"/>
+            </a:spcAft>
+            <a:buNone/>
+            <a:defRPr b="1"/>
+          </a:pPr>
+          <a:r>
+            <a:rPr lang="en-US" sz="1700" b="1" kern="1200"/>
+            <a:t>Cuisines</a:t>
+          </a:r>
+          <a:endParaRPr lang="en-US" sz="1700" kern="1200"/>
+        </a:p>
+      </dsp:txBody>
+      <dsp:txXfrm>
+        <a:off x="6743581" y="1455485"/>
+        <a:ext cx="2865948" cy="429892"/>
+      </dsp:txXfrm>
+    </dsp:sp>
+    <dsp:sp modelId="{5BBC331B-D87E-4145-82BD-5AD7B034809F}">
+      <dsp:nvSpPr>
+        <dsp:cNvPr id="0" name=""/>
+        <dsp:cNvSpPr/>
+      </dsp:nvSpPr>
+      <dsp:spPr>
+        <a:xfrm>
+          <a:off x="6743581" y="1955151"/>
+          <a:ext cx="2865948" cy="1835941"/>
+        </a:xfrm>
+        <a:prstGeom prst="rect">
+          <a:avLst/>
+        </a:prstGeom>
+        <a:noFill/>
+        <a:ln>
+          <a:noFill/>
+        </a:ln>
+        <a:effectLst/>
+      </dsp:spPr>
+      <dsp:style>
+        <a:lnRef idx="0">
+          <a:scrgbClr r="0" g="0" b="0"/>
+        </a:lnRef>
+        <a:fillRef idx="0">
+          <a:scrgbClr r="0" g="0" b="0"/>
+        </a:fillRef>
+        <a:effectRef idx="0">
+          <a:scrgbClr r="0" g="0" b="0"/>
+        </a:effectRef>
+        <a:fontRef idx="minor"/>
+      </dsp:style>
+      <dsp:txBody>
+        <a:bodyPr spcFirstLastPara="0" vert="horz" wrap="square" lIns="0" tIns="0" rIns="0" bIns="0" numCol="1" spcCol="1270" anchor="ctr" anchorCtr="0">
+          <a:noAutofit/>
+        </a:bodyPr>
+        <a:lstStyle/>
+        <a:p>
+          <a:pPr marL="0" lvl="0" indent="0" algn="ctr" defTabSz="577850">
+            <a:lnSpc>
+              <a:spcPct val="90000"/>
+            </a:lnSpc>
+            <a:spcBef>
+              <a:spcPct val="0"/>
+            </a:spcBef>
+            <a:spcAft>
+              <a:spcPct val="35000"/>
+            </a:spcAft>
+            <a:buNone/>
+          </a:pPr>
+          <a:r>
+            <a:rPr lang="en-US" sz="1300" kern="1200" dirty="0"/>
+            <a:t>Which cuisine has the healthiest recipes?</a:t>
+          </a:r>
+        </a:p>
+      </dsp:txBody>
+      <dsp:txXfrm>
+        <a:off x="6743581" y="1955151"/>
+        <a:ext cx="2865948" cy="1835941"/>
+      </dsp:txXfrm>
+    </dsp:sp>
+  </dsp:spTree>
+</dsp:drawing>
+</file>
+
+<file path=ppt/diagrams/layout1.xml><?xml version="1.0" encoding="utf-8"?>
+<dgm:layoutDef xmlns:dgm="http://schemas.openxmlformats.org/drawingml/2006/diagram" xmlns:a="http://schemas.openxmlformats.org/drawingml/2006/main" uniqueId="urn:microsoft.com/office/officeart/2018/5/layout/CenteredIconLabelDescriptionList">
+  <dgm:title val="Centered Icon Label Description List"/>
+  <dgm:desc val="Use to show non-sequential or grouped chunks of information. The placeholder holds an icon or small picture, and corresponding text boxes show Level 1 and Level 2 text respectively. Works well for minimal Level 1 text accompanied by lengthier Level two text."/>
+  <dgm:catLst>
+    <dgm:cat type="icon" pri="500"/>
+  </dgm:catLst>
+  <dgm:sampData useDef="1">
+    <dgm:dataModel>
+      <dgm:ptLst/>
+      <dgm:bg/>
+      <dgm:whole/>
+    </dgm:dataModel>
+  </dgm:sampData>
+  <dgm:styleData useDef="1">
+    <dgm:dataModel>
+      <dgm:ptLst/>
+      <dgm:bg/>
+      <dgm:whole/>
+    </dgm:dataModel>
+  </dgm:styleData>
+  <dgm:clrData useDef="1">
+    <dgm:dataModel>
+      <dgm:ptLst/>
+      <dgm:bg/>
+      <dgm:whole/>
+    </dgm:dataModel>
+  </dgm:clrData>
+  <dgm:layoutNode name="root">
+    <dgm:varLst>
+      <dgm:dir/>
+      <dgm:resizeHandles val="exact"/>
+    </dgm:varLst>
+    <dgm:choose name="Name0">
+      <dgm:if name="Name1" axis="self" func="var" arg="dir" op="equ" val="norm">
+        <dgm:alg type="lin"/>
+      </dgm:if>
+      <dgm:else name="Name2">
+        <dgm:alg type="lin">
+          <dgm:param type="linDir" val="fromR"/>
+        </dgm:alg>
+      </dgm:else>
+    </dgm:choose>
+    <dgm:shape xmlns:r="http://schemas.openxmlformats.org/officeDocument/2006/relationships" r:blip="">
+      <dgm:adjLst/>
+    </dgm:shape>
+    <dgm:presOf/>
+    <dgm:constrLst>
+      <dgm:constr type="h" for="ch" forName="compNode" refType="h" fact="0.45"/>
+      <dgm:constr type="w" for="ch" forName="compNode" val="120"/>
+      <dgm:constr type="w" for="ch" forName="sibTrans" refType="w" refFor="ch" refForName="compNode" fact="0.175"/>
+      <dgm:constr type="primFontSz" for="des" forName="parTx" val="36"/>
+      <dgm:constr type="primFontSz" for="des" forName="desTx" refType="primFontSz" refFor="des" refForName="parTx" op="lte" fact="0.75"/>
+      <dgm:constr type="h" for="des" forName="compNode" op="equ"/>
+      <dgm:constr type="h" for="des" forName="iconRect" op="equ"/>
+      <dgm:constr type="w" for="des" forName="iconRect" op="equ"/>
+      <dgm:constr type="h" for="des" forName="iconSpace" op="equ"/>
+      <dgm:constr type="h" for="des" forName="parTx" op="equ"/>
+      <dgm:constr type="h" for="des" forName="txSpace" op="equ"/>
+      <dgm:constr type="h" for="des" forName="desTx" op="equ"/>
+    </dgm:constrLst>
+    <dgm:ruleLst>
+      <dgm:rule type="w" for="ch" forName="compNode" val="0" fact="NaN" max="NaN"/>
+    </dgm:ruleLst>
+    <dgm:forEach name="Name3" axis="ch" ptType="node">
+      <dgm:layoutNode name="compNode">
+        <dgm:alg type="composite"/>
+        <dgm:shape xmlns:r="http://schemas.openxmlformats.org/officeDocument/2006/relationships" r:blip="">
+          <dgm:adjLst/>
+        </dgm:shape>
+        <dgm:presOf axis="self"/>
+        <dgm:constrLst>
+          <dgm:constr type="w" for="ch" forName="iconRect" refType="w" fact="0.35"/>
+          <dgm:constr type="h" for="ch" forName="iconRect" refType="w" refFor="ch" refForName="iconRect"/>
+          <dgm:constr type="ctrX" for="ch" forName="iconRect" refType="w" fact="0.5"/>
+          <dgm:constr type="t" for="ch" forName="iconRect"/>
+          <dgm:constr type="w" for="ch" forName="iconSpace" refType="w"/>
+          <dgm:constr type="h" for="ch" forName="iconSpace" refType="h" fact="0.043"/>
+          <dgm:constr type="l" for="ch" forName="iconSpace"/>
+          <dgm:constr type="t" for="ch" forName="iconSpace" refType="b" refFor="ch" refForName="iconRect"/>
+          <dgm:constr type="w" for="ch" forName="parTx" refType="w"/>
+          <dgm:constr type="h" for="ch" forName="parTx" refType="w" fact="0.15"/>
+          <dgm:constr type="l" for="ch" forName="parTx"/>
+          <dgm:constr type="t" for="ch" forName="parTx" refType="b" refFor="ch" refForName="iconSpace"/>
+          <dgm:constr type="h" for="ch" forName="txSpace" refType="h" fact="0.02"/>
+          <dgm:constr type="w" for="ch" forName="txSpace" refType="w"/>
+          <dgm:constr type="l" for="ch" forName="txSpace"/>
+          <dgm:constr type="t" for="ch" forName="txSpace" refType="b" refFor="ch" refForName="parTx"/>
+          <dgm:constr type="w" for="ch" forName="desTx" refType="w"/>
+          <dgm:constr type="l" for="ch" forName="desTx"/>
+          <dgm:constr type="t" for="ch" forName="desTx" refType="b" refFor="ch" refForName="txSpace"/>
+        </dgm:constrLst>
+        <dgm:ruleLst>
+          <dgm:rule type="h" val="INF" fact="NaN" max="NaN"/>
+        </dgm:ruleLst>
+        <dgm:layoutNode name="iconRect" styleLbl="node1">
+          <dgm:alg type="sp"/>
+          <dgm:shape xmlns:r="http://schemas.openxmlformats.org/officeDocument/2006/relationships" type="rect" r:blip="" blipPhldr="1">
+            <dgm:adjLst/>
+          </dgm:shape>
+          <dgm:presOf/>
+          <dgm:constrLst/>
+          <dgm:ruleLst/>
+        </dgm:layoutNode>
+        <dgm:layoutNode name="iconSpace">
+          <dgm:alg type="sp"/>
+          <dgm:shape xmlns:r="http://schemas.openxmlformats.org/officeDocument/2006/relationships" r:blip="">
+            <dgm:adjLst/>
+          </dgm:shape>
+          <dgm:presOf/>
+          <dgm:constrLst/>
+          <dgm:ruleLst/>
+        </dgm:layoutNode>
+        <dgm:layoutNode name="parTx" styleLbl="revTx">
+          <dgm:varLst>
+            <dgm:chMax val="0"/>
+            <dgm:chPref val="0"/>
+          </dgm:varLst>
+          <dgm:alg type="tx">
+            <dgm:param type="txAnchorVert" val="t"/>
+          </dgm:alg>
+          <dgm:shape xmlns:r="http://schemas.openxmlformats.org/officeDocument/2006/relationships" type="rect" r:blip="">
+            <dgm:adjLst/>
+          </dgm:shape>
+          <dgm:presOf axis="self" ptType="node"/>
+          <dgm:constrLst>
+            <dgm:constr type="lMarg"/>
+            <dgm:constr type="rMarg"/>
+            <dgm:constr type="tMarg"/>
+            <dgm:constr type="bMarg"/>
+          </dgm:constrLst>
+          <dgm:ruleLst>
+            <dgm:rule type="primFontSz" val="14" fact="NaN" max="NaN"/>
+            <dgm:rule type="h" val="INF" fact="NaN" max="NaN"/>
+          </dgm:ruleLst>
+        </dgm:layoutNode>
+        <dgm:layoutNode name="txSpace">
+          <dgm:alg type="sp"/>
+          <dgm:shape xmlns:r="http://schemas.openxmlformats.org/officeDocument/2006/relationships" r:blip="">
+            <dgm:adjLst/>
+          </dgm:shape>
+          <dgm:presOf/>
+          <dgm:constrLst/>
+          <dgm:ruleLst/>
+        </dgm:layoutNode>
+        <dgm:layoutNode name="desTx" styleLbl="revTx">
+          <dgm:varLst/>
+          <dgm:alg type="tx">
+            <dgm:param type="stBulletLvl" val="0"/>
+            <dgm:param type="txAnchorVert" val="t"/>
+          </dgm:alg>
+          <dgm:shape xmlns:r="http://schemas.openxmlformats.org/officeDocument/2006/relationships" type="rect" r:blip="">
+            <dgm:adjLst/>
+          </dgm:shape>
+          <dgm:presOf axis="des" ptType="node"/>
+          <dgm:constrLst>
+            <dgm:constr type="secFontSz" refType="primFontSz"/>
+            <dgm:constr type="lMarg"/>
+            <dgm:constr type="rMarg"/>
+            <dgm:constr type="tMarg"/>
+            <dgm:constr type="bMarg"/>
+          </dgm:constrLst>
+          <dgm:ruleLst>
+            <dgm:rule type="primFontSz" val="NaN" fact="NaN" max="17"/>
+            <dgm:rule type="h" val="INF" fact="NaN" max="NaN"/>
+          </dgm:ruleLst>
+        </dgm:layoutNode>
+      </dgm:layoutNode>
+      <dgm:forEach name="Name4" axis="followSib" ptType="sibTrans" cnt="1">
+        <dgm:layoutNode name="sibTrans">
+          <dgm:alg type="sp"/>
+          <dgm:shape xmlns:r="http://schemas.openxmlformats.org/officeDocument/2006/relationships" r:blip="">
+            <dgm:adjLst/>
+          </dgm:shape>
+          <dgm:presOf axis="self"/>
+          <dgm:constrLst/>
+          <dgm:ruleLst/>
+        </dgm:layoutNode>
+      </dgm:forEach>
+    </dgm:forEach>
+  </dgm:layoutNode>
+  <dgm:extLst>
+    <a:ext uri="{68A01E43-0DF5-4B5B-8FA6-DAF915123BFB}">
+      <dgm1612:lstStyle xmlns:dgm1612="http://schemas.microsoft.com/office/drawing/2016/12/diagram">
+        <a:lvl1pPr>
+          <a:lnSpc>
+            <a:spcPct val="100000"/>
+          </a:lnSpc>
+          <a:defRPr b="1"/>
+        </a:lvl1pPr>
+        <a:lvl2pPr>
+          <a:lnSpc>
+            <a:spcPct val="100000"/>
+          </a:lnSpc>
+        </a:lvl2pPr>
+      </dgm1612:lstStyle>
+    </a:ext>
+  </dgm:extLst>
+</dgm:layoutDef>
+</file>
+
+<file path=ppt/diagrams/quickStyle1.xml><?xml version="1.0" encoding="utf-8"?>
+<dgm:styleDef xmlns:dgm="http://schemas.openxmlformats.org/drawingml/2006/diagram" xmlns:a="http://schemas.openxmlformats.org/drawingml/2006/main" uniqueId="urn:microsoft.com/office/officeart/2005/8/quickstyle/simple1">
+  <dgm:title val=""/>
+  <dgm:desc val=""/>
+  <dgm:catLst>
+    <dgm:cat type="simple" pri="10100"/>
+  </dgm:catLst>
+  <dgm:scene3d>
+    <a:camera prst="orthographicFront"/>
+    <a:lightRig rig="threePt" dir="t"/>
+  </dgm:scene3d>
+  <dgm:styleLbl name="node0">
+    <dgm:scene3d>
+      <a:camera prst="orthographicFront"/>
+      <a:lightRig rig="threePt" dir="t"/>
+    </dgm:scene3d>
+    <dgm:sp3d/>
+    <dgm:txPr/>
+    <dgm:style>
+      <a:lnRef idx="2">
+        <a:scrgbClr r="0" g="0" b="0"/>
+      </a:lnRef>
+      <a:fillRef idx="1">
+        <a:scrgbClr r="0" g="0" b="0"/>
+      </a:fillRef>
+      <a:effectRef idx="0">
+        <a:scrgbClr r="0" g="0" b="0"/>
+      </a:effectRef>
+      <a:fontRef idx="minor">
+        <a:schemeClr val="lt1"/>
+      </a:fontRef>
+    </dgm:style>
+  </dgm:styleLbl>
+  <dgm:styleLbl name="lnNode1">
+    <dgm:scene3d>
+      <a:camera prst="orthographicFront"/>
+      <a:lightRig rig="threePt" dir="t"/>
+    </dgm:scene3d>
+    <dgm:sp3d/>
+    <dgm:txPr/>
+    <dgm:style>
+      <a:lnRef idx="2">
+        <a:scrgbClr r="0" g="0" b="0"/>
+      </a:lnRef>
+      <a:fillRef idx="1">
+        <a:scrgbClr r="0" g="0" b="0"/>
+      </a:fillRef>
+      <a:effectRef idx="0">
+        <a:scrgbClr r="0" g="0" b="0"/>
+      </a:effectRef>
+      <a:fontRef idx="minor">
+        <a:schemeClr val="lt1"/>
+      </a:fontRef>
+    </dgm:style>
+  </dgm:styleLbl>
+  <dgm:styleLbl name="vennNode1">
+    <dgm:scene3d>
+      <a:camera prst="orthographicFront"/>
+      <a:lightRig rig="threePt" dir="t"/>
+    </dgm:scene3d>
+    <dgm:sp3d/>
+    <dgm:txPr/>
+    <dgm:style>
+      <a:lnRef idx="2">
+        <a:scrgbClr r="0" g="0" b="0"/>
+      </a:lnRef>
+      <a:fillRef idx="1">
+        <a:scrgbClr r="0" g="0" b="0"/>
+      </a:fillRef>
+      <a:effectRef idx="0">
+        <a:scrgbClr r="0" g="0" b="0"/>
+      </a:effectRef>
+      <a:fontRef idx="minor">
+        <a:schemeClr val="tx1"/>
+      </a:fontRef>
+    </dgm:style>
+  </dgm:styleLbl>
+  <dgm:styleLbl name="alignNode1">
+    <dgm:scene3d>
+      <a:camera prst="orthographicFront"/>
+      <a:lightRig rig="threePt" dir="t"/>
+    </dgm:scene3d>
+    <dgm:sp3d/>
+    <dgm:txPr/>
+    <dgm:style>
+      <a:lnRef idx="2">
+        <a:scrgbClr r="0" g="0" b="0"/>
+      </a:lnRef>
+      <a:fillRef idx="1">
+        <a:scrgbClr r="0" g="0" b="0"/>
+      </a:fillRef>
+      <a:effectRef idx="0">
+        <a:scrgbClr r="0" g="0" b="0"/>
+      </a:effectRef>
+      <a:fontRef idx="minor">
+        <a:schemeClr val="lt1"/>
+      </a:fontRef>
+    </dgm:style>
+  </dgm:styleLbl>
+  <dgm:styleLbl name="node1">
+    <dgm:scene3d>
+      <a:camera prst="orthographicFront"/>
+      <a:lightRig rig="threePt" dir="t"/>
+    </dgm:scene3d>
+    <dgm:sp3d/>
+    <dgm:txPr/>
+    <dgm:style>
+      <a:lnRef idx="2">
+        <a:scrgbClr r="0" g="0" b="0"/>
+      </a:lnRef>
+      <a:fillRef idx="1">
+        <a:scrgbClr r="0" g="0" b="0"/>
+      </a:fillRef>
+      <a:effectRef idx="0">
+        <a:scrgbClr r="0" g="0" b="0"/>
+      </a:effectRef>
+      <a:fontRef idx="minor">
+        <a:schemeClr val="lt1"/>
+      </a:fontRef>
+    </dgm:style>
+  </dgm:styleLbl>
+  <dgm:styleLbl name="node2">
+    <dgm:scene3d>
+      <a:camera prst="orthographicFront"/>
+      <a:lightRig rig="threePt" dir="t"/>
+    </dgm:scene3d>
+    <dgm:sp3d/>
+    <dgm:txPr/>
+    <dgm:style>
+      <a:lnRef idx="2">
+        <a:scrgbClr r="0" g="0" b="0"/>
+      </a:lnRef>
+      <a:fillRef idx="1">
+        <a:scrgbClr r="0" g="0" b="0"/>
+      </a:fillRef>
+      <a:effectRef idx="0">
+        <a:scrgbClr r="0" g="0" b="0"/>
+      </a:effectRef>
+      <a:fontRef idx="minor">
+        <a:schemeClr val="lt1"/>
+      </a:fontRef>
+    </dgm:style>
+  </dgm:styleLbl>
+  <dgm:styleLbl name="node3">
+    <dgm:scene3d>
+      <a:camera prst="orthographicFront"/>
+      <a:lightRig rig="threePt" dir="t"/>
+    </dgm:scene3d>
+    <dgm:sp3d/>
+    <dgm:txPr/>
+    <dgm:style>
+      <a:lnRef idx="2">
+        <a:scrgbClr r="0" g="0" b="0"/>
+      </a:lnRef>
+      <a:fillRef idx="1">
+        <a:scrgbClr r="0" g="0" b="0"/>
+      </a:fillRef>
+      <a:effectRef idx="0">
+        <a:scrgbClr r="0" g="0" b="0"/>
+      </a:effectRef>
+      <a:fontRef idx="minor">
+        <a:schemeClr val="lt1"/>
+      </a:fontRef>
+    </dgm:style>
+  </dgm:styleLbl>
+  <dgm:styleLbl name="node4">
+    <dgm:scene3d>
+      <a:camera prst="orthographicFront"/>
+      <a:lightRig rig="threePt" dir="t"/>
+    </dgm:scene3d>
+    <dgm:sp3d/>
+    <dgm:txPr/>
+    <dgm:style>
+      <a:lnRef idx="2">
+        <a:scrgbClr r="0" g="0" b="0"/>
+      </a:lnRef>
+      <a:fillRef idx="1">
+        <a:scrgbClr r="0" g="0" b="0"/>
+      </a:fillRef>
+      <a:effectRef idx="0">
+        <a:scrgbClr r="0" g="0" b="0"/>
+      </a:effectRef>
+      <a:fontRef idx="minor">
+        <a:schemeClr val="lt1"/>
+      </a:fontRef>
+    </dgm:style>
+  </dgm:styleLbl>
+  <dgm:styleLbl name="fgImgPlace1">
+    <dgm:scene3d>
+      <a:camera prst="orthographicFront"/>
+      <a:lightRig rig="threePt" dir="t"/>
+    </dgm:scene3d>
+    <dgm:sp3d/>
+    <dgm:txPr/>
+    <dgm:style>
+      <a:lnRef idx="2">
+        <a:scrgbClr r="0" g="0" b="0"/>
+      </a:lnRef>
+      <a:fillRef idx="1">
+        <a:scrgbClr r="0" g="0" b="0"/>
+      </a:fillRef>
+      <a:effectRef idx="0">
+        <a:scrgbClr r="0" g="0" b="0"/>
+      </a:effectRef>
+      <a:fontRef idx="minor"/>
+    </dgm:style>
+  </dgm:styleLbl>
+  <dgm:styleLbl name="alignImgPlace1">
+    <dgm:scene3d>
+      <a:camera prst="orthographicFront"/>
+      <a:lightRig rig="threePt" dir="t"/>
+    </dgm:scene3d>
+    <dgm:sp3d/>
+    <dgm:txPr/>
+    <dgm:style>
+      <a:lnRef idx="2">
+        <a:scrgbClr r="0" g="0" b="0"/>
+      </a:lnRef>
+      <a:fillRef idx="1">
+        <a:scrgbClr r="0" g="0" b="0"/>
+      </a:fillRef>
+      <a:effectRef idx="0">
+        <a:scrgbClr r="0" g="0" b="0"/>
+      </a:effectRef>
+      <a:fontRef idx="minor"/>
+    </dgm:style>
+  </dgm:styleLbl>
+  <dgm:styleLbl name="bgImgPlace1">
+    <dgm:scene3d>
+      <a:camera prst="orthographicFront"/>
+      <a:lightRig rig="threePt" dir="t"/>
+    </dgm:scene3d>
+    <dgm:sp3d/>
+    <dgm:txPr/>
+    <dgm:style>
+      <a:lnRef idx="2">
+        <a:scrgbClr r="0" g="0" b="0"/>
+      </a:lnRef>
+      <a:fillRef idx="1">
+        <a:scrgbClr r="0" g="0" b="0"/>
+      </a:fillRef>
+      <a:effectRef idx="0">
+        <a:scrgbClr r="0" g="0" b="0"/>
+      </a:effectRef>
+      <a:fontRef idx="minor"/>
+    </dgm:style>
+  </dgm:styleLbl>
+  <dgm:styleLbl name="sibTrans2D1">
+    <dgm:scene3d>
+      <a:camera prst="orthographicFront"/>
+      <a:lightRig rig="threePt" dir="t"/>
+    </dgm:scene3d>
+    <dgm:sp3d/>
+    <dgm:txPr/>
+    <dgm:style>
+      <a:lnRef idx="0">
+        <a:scrgbClr r="0" g="0" b="0"/>
+      </a:lnRef>
+      <a:fillRef idx="1">
+        <a:scrgbClr r="0" g="0" b="0"/>
+      </a:fillRef>
+      <a:effectRef idx="0">
+        <a:scrgbClr r="0" g="0" b="0"/>
+      </a:effectRef>
+      <a:fontRef idx="minor">
+        <a:schemeClr val="lt1"/>
+      </a:fontRef>
+    </dgm:style>
+  </dgm:styleLbl>
+  <dgm:styleLbl name="fgSibTrans2D1">
+    <dgm:scene3d>
+      <a:camera prst="orthographicFront"/>
+      <a:lightRig rig="threePt" dir="t"/>
+    </dgm:scene3d>
+    <dgm:sp3d/>
+    <dgm:txPr/>
+    <dgm:style>
+      <a:lnRef idx="0">
+        <a:scrgbClr r="0" g="0" b="0"/>
+      </a:lnRef>
+      <a:fillRef idx="1">
+        <a:scrgbClr r="0" g="0" b="0"/>
+      </a:fillRef>
+      <a:effectRef idx="0">
+        <a:scrgbClr r="0" g="0" b="0"/>
+      </a:effectRef>
+      <a:fontRef idx="minor">
+        <a:schemeClr val="lt1"/>
+      </a:fontRef>
+    </dgm:style>
+  </dgm:styleLbl>
+  <dgm:styleLbl name="bgSibTrans2D1">
+    <dgm:scene3d>
+      <a:camera prst="orthographicFront"/>
+      <a:lightRig rig="threePt" dir="t"/>
+    </dgm:scene3d>
+    <dgm:sp3d/>
+    <dgm:txPr/>
+    <dgm:style>
+      <a:lnRef idx="0">
+        <a:scrgbClr r="0" g="0" b="0"/>
+      </a:lnRef>
+      <a:fillRef idx="1">
+        <a:scrgbClr r="0" g="0" b="0"/>
+      </a:fillRef>
+      <a:effectRef idx="0">
+        <a:scrgbClr r="0" g="0" b="0"/>
+      </a:effectRef>
+      <a:fontRef idx="minor">
+        <a:schemeClr val="lt1"/>
+      </a:fontRef>
+    </dgm:style>
+  </dgm:styleLbl>
+  <dgm:styleLbl name="sibTrans1D1">
+    <dgm:scene3d>
+      <a:camera prst="orthographicFront"/>
+      <a:lightRig rig="threePt" dir="t"/>
+    </dgm:scene3d>
+    <dgm:sp3d/>
+    <dgm:txPr/>
+    <dgm:style>
+      <a:lnRef idx="1">
+        <a:scrgbClr r="0" g="0" b="0"/>
+      </a:lnRef>
+      <a:fillRef idx="0">
+        <a:scrgbClr r="0" g="0" b="0"/>
+      </a:fillRef>
+      <a:effectRef idx="0">
+        <a:scrgbClr r="0" g="0" b="0"/>
+      </a:effectRef>
+      <a:fontRef idx="minor"/>
+    </dgm:style>
+  </dgm:styleLbl>
+  <dgm:styleLbl name="callout">
+    <dgm:scene3d>
+      <a:camera prst="orthographicFront"/>
+      <a:lightRig rig="threePt" dir="t"/>
+    </dgm:scene3d>
+    <dgm:sp3d/>
+    <dgm:txPr/>
+    <dgm:style>
+      <a:lnRef idx="2">
+        <a:scrgbClr r="0" g="0" b="0"/>
+      </a:lnRef>
+      <a:fillRef idx="1">
+        <a:scrgbClr r="0" g="0" b="0"/>
+      </a:fillRef>
+      <a:effectRef idx="0">
+        <a:scrgbClr r="0" g="0" b="0"/>
+      </a:effectRef>
+      <a:fontRef idx="minor"/>
+    </dgm:style>
+  </dgm:styleLbl>
+  <dgm:styleLbl name="asst0">
+    <dgm:scene3d>
+      <a:camera prst="orthographicFront"/>
+      <a:lightRig rig="threePt" dir="t"/>
+    </dgm:scene3d>
+    <dgm:sp3d/>
+    <dgm:txPr/>
+    <dgm:style>
+      <a:lnRef idx="2">
+        <a:scrgbClr r="0" g="0" b="0"/>
+      </a:lnRef>
+      <a:fillRef idx="1">
+        <a:scrgbClr r="0" g="0" b="0"/>
+      </a:fillRef>
+      <a:effectRef idx="0">
+        <a:scrgbClr r="0" g="0" b="0"/>
+      </a:effectRef>
+      <a:fontRef idx="minor">
+        <a:schemeClr val="lt1"/>
+      </a:fontRef>
+    </dgm:style>
+  </dgm:styleLbl>
+  <dgm:styleLbl name="asst1">
+    <dgm:scene3d>
+      <a:camera prst="orthographicFront"/>
+      <a:lightRig rig="threePt" dir="t"/>
+    </dgm:scene3d>
+    <dgm:sp3d/>
+    <dgm:txPr/>
+    <dgm:style>
+      <a:lnRef idx="2">
+        <a:scrgbClr r="0" g="0" b="0"/>
+      </a:lnRef>
+      <a:fillRef idx="1">
+        <a:scrgbClr r="0" g="0" b="0"/>
+      </a:fillRef>
+      <a:effectRef idx="0">
+        <a:scrgbClr r="0" g="0" b="0"/>
+      </a:effectRef>
+      <a:fontRef idx="minor">
+        <a:schemeClr val="lt1"/>
+      </a:fontRef>
+    </dgm:style>
+  </dgm:styleLbl>
+  <dgm:styleLbl name="asst2">
+    <dgm:scene3d>
+      <a:camera prst="orthographicFront"/>
+      <a:lightRig rig="threePt" dir="t"/>
+    </dgm:scene3d>
+    <dgm:sp3d/>
+    <dgm:txPr/>
+    <dgm:style>
+      <a:lnRef idx="2">
+        <a:scrgbClr r="0" g="0" b="0"/>
+      </a:lnRef>
+      <a:fillRef idx="1">
+        <a:scrgbClr r="0" g="0" b="0"/>
+      </a:fillRef>
+      <a:effectRef idx="0">
+        <a:scrgbClr r="0" g="0" b="0"/>
+      </a:effectRef>
+      <a:fontRef idx="minor">
+        <a:schemeClr val="lt1"/>
+      </a:fontRef>
+    </dgm:style>
+  </dgm:styleLbl>
+  <dgm:styleLbl name="asst3">
+    <dgm:scene3d>
+      <a:camera prst="orthographicFront"/>
+      <a:lightRig rig="threePt" dir="t"/>
+    </dgm:scene3d>
+    <dgm:sp3d/>
+    <dgm:txPr/>
+    <dgm:style>
+      <a:lnRef idx="2">
+        <a:scrgbClr r="0" g="0" b="0"/>
+      </a:lnRef>
+      <a:fillRef idx="1">
+        <a:scrgbClr r="0" g="0" b="0"/>
+      </a:fillRef>
+      <a:effectRef idx="0">
+        <a:scrgbClr r="0" g="0" b="0"/>
+      </a:effectRef>
+      <a:fontRef idx="minor">
+        <a:schemeClr val="lt1"/>
+      </a:fontRef>
+    </dgm:style>
+  </dgm:styleLbl>
+  <dgm:styleLbl name="asst4">
+    <dgm:scene3d>
+      <a:camera prst="orthographicFront"/>
+      <a:lightRig rig="threePt" dir="t"/>
+    </dgm:scene3d>
+    <dgm:sp3d/>
+    <dgm:txPr/>
+    <dgm:style>
+      <a:lnRef idx="2">
+        <a:scrgbClr r="0" g="0" b="0"/>
+      </a:lnRef>
+      <a:fillRef idx="1">
+        <a:scrgbClr r="0" g="0" b="0"/>
+      </a:fillRef>
+      <a:effectRef idx="0">
+        <a:scrgbClr r="0" g="0" b="0"/>
+      </a:effectRef>
+      <a:fontRef idx="minor">
+        <a:schemeClr val="lt1"/>
+      </a:fontRef>
+    </dgm:style>
+  </dgm:styleLbl>
+  <dgm:styleLbl name="parChTrans2D1">
+    <dgm:scene3d>
+      <a:camera prst="orthographicFront"/>
+      <a:lightRig rig="threePt" dir="t"/>
+    </dgm:scene3d>
+    <dgm:sp3d/>
+    <dgm:txPr/>
+    <dgm:style>
+      <a:lnRef idx="2">
+        <a:scrgbClr r="0" g="0" b="0"/>
+      </a:lnRef>
+      <a:fillRef idx="1">
+        <a:scrgbClr r="0" g="0" b="0"/>
+      </a:fillRef>
+      <a:effectRef idx="0">
+        <a:scrgbClr r="0" g="0" b="0"/>
+      </a:effectRef>
+      <a:fontRef idx="minor">
+        <a:schemeClr val="lt1"/>
+      </a:fontRef>
+    </dgm:style>
+  </dgm:styleLbl>
+  <dgm:styleLbl name="parChTrans2D2">
+    <dgm:scene3d>
+      <a:camera prst="orthographicFront"/>
+      <a:lightRig rig="threePt" dir="t"/>
+    </dgm:scene3d>
+    <dgm:sp3d/>
+    <dgm:txPr/>
+    <dgm:style>
+      <a:lnRef idx="2">
+        <a:scrgbClr r="0" g="0" b="0"/>
+      </a:lnRef>
+      <a:fillRef idx="1">
+        <a:scrgbClr r="0" g="0" b="0"/>
+      </a:fillRef>
+      <a:effectRef idx="0">
+        <a:scrgbClr r="0" g="0" b="0"/>
+      </a:effectRef>
+      <a:fontRef idx="minor">
+        <a:schemeClr val="lt1"/>
+      </a:fontRef>
+    </dgm:style>
+  </dgm:styleLbl>
+  <dgm:styleLbl name="parChTrans2D3">
+    <dgm:scene3d>
+      <a:camera prst="orthographicFront"/>
+      <a:lightRig rig="threePt" dir="t"/>
+    </dgm:scene3d>
+    <dgm:sp3d/>
+    <dgm:txPr/>
+    <dgm:style>
+      <a:lnRef idx="2">
+        <a:scrgbClr r="0" g="0" b="0"/>
+      </a:lnRef>
+      <a:fillRef idx="1">
+        <a:scrgbClr r="0" g="0" b="0"/>
+      </a:fillRef>
+      <a:effectRef idx="0">
+        <a:scrgbClr r="0" g="0" b="0"/>
+      </a:effectRef>
+      <a:fontRef idx="minor">
+        <a:schemeClr val="lt1"/>
+      </a:fontRef>
+    </dgm:style>
+  </dgm:styleLbl>
+  <dgm:styleLbl name="parChTrans2D4">
+    <dgm:scene3d>
+      <a:camera prst="orthographicFront"/>
+      <a:lightRig rig="threePt" dir="t"/>
+    </dgm:scene3d>
+    <dgm:sp3d/>
+    <dgm:txPr/>
+    <dgm:style>
+      <a:lnRef idx="2">
+        <a:scrgbClr r="0" g="0" b="0"/>
+      </a:lnRef>
+      <a:fillRef idx="1">
+        <a:scrgbClr r="0" g="0" b="0"/>
+      </a:fillRef>
+      <a:effectRef idx="0">
+        <a:scrgbClr r="0" g="0" b="0"/>
+      </a:effectRef>
+      <a:fontRef idx="minor">
+        <a:schemeClr val="lt1"/>
+      </a:fontRef>
+    </dgm:style>
+  </dgm:styleLbl>
+  <dgm:styleLbl name="parChTrans1D1">
+    <dgm:scene3d>
+      <a:camera prst="orthographicFront"/>
+      <a:lightRig rig="threePt" dir="t"/>
+    </dgm:scene3d>
+    <dgm:sp3d/>
+    <dgm:txPr/>
+    <dgm:style>
+      <a:lnRef idx="2">
+        <a:scrgbClr r="0" g="0" b="0"/>
+      </a:lnRef>
+      <a:fillRef idx="0">
+        <a:scrgbClr r="0" g="0" b="0"/>
+      </a:fillRef>
+      <a:effectRef idx="0">
+        <a:scrgbClr r="0" g="0" b="0"/>
+      </a:effectRef>
+      <a:fontRef idx="minor"/>
+    </dgm:style>
+  </dgm:styleLbl>
+  <dgm:styleLbl name="parChTrans1D2">
+    <dgm:scene3d>
+      <a:camera prst="orthographicFront"/>
+      <a:lightRig rig="threePt" dir="t"/>
+    </dgm:scene3d>
+    <dgm:sp3d/>
+    <dgm:txPr/>
+    <dgm:style>
+      <a:lnRef idx="2">
+        <a:scrgbClr r="0" g="0" b="0"/>
+      </a:lnRef>
+      <a:fillRef idx="0">
+        <a:scrgbClr r="0" g="0" b="0"/>
+      </a:fillRef>
+      <a:effectRef idx="0">
+        <a:scrgbClr r="0" g="0" b="0"/>
+      </a:effectRef>
+      <a:fontRef idx="minor"/>
+    </dgm:style>
+  </dgm:styleLbl>
+  <dgm:styleLbl name="parChTrans1D3">
+    <dgm:scene3d>
+      <a:camera prst="orthographicFront"/>
+      <a:lightRig rig="threePt" dir="t"/>
+    </dgm:scene3d>
+    <dgm:sp3d/>
+    <dgm:txPr/>
+    <dgm:style>
+      <a:lnRef idx="2">
+        <a:scrgbClr r="0" g="0" b="0"/>
+      </a:lnRef>
+      <a:fillRef idx="0">
+        <a:scrgbClr r="0" g="0" b="0"/>
+      </a:fillRef>
+      <a:effectRef idx="0">
+        <a:scrgbClr r="0" g="0" b="0"/>
+      </a:effectRef>
+      <a:fontRef idx="minor"/>
+    </dgm:style>
+  </dgm:styleLbl>
+  <dgm:styleLbl name="parChTrans1D4">
+    <dgm:scene3d>
+      <a:camera prst="orthographicFront"/>
+      <a:lightRig rig="threePt" dir="t"/>
+    </dgm:scene3d>
+    <dgm:sp3d/>
+    <dgm:txPr/>
+    <dgm:style>
+      <a:lnRef idx="2">
+        <a:scrgbClr r="0" g="0" b="0"/>
+      </a:lnRef>
+      <a:fillRef idx="0">
+        <a:scrgbClr r="0" g="0" b="0"/>
+      </a:fillRef>
+      <a:effectRef idx="0">
+        <a:scrgbClr r="0" g="0" b="0"/>
+      </a:effectRef>
+      <a:fontRef idx="minor"/>
+    </dgm:style>
+  </dgm:styleLbl>
+  <dgm:styleLbl name="fgAcc1">
+    <dgm:scene3d>
+      <a:camera prst="orthographicFront"/>
+      <a:lightRig rig="threePt" dir="t"/>
+    </dgm:scene3d>
+    <dgm:sp3d/>
+    <dgm:txPr/>
+    <dgm:style>
+      <a:lnRef idx="2">
+        <a:scrgbClr r="0" g="0" b="0"/>
+      </a:lnRef>
+      <a:fillRef idx="1">
+        <a:scrgbClr r="0" g="0" b="0"/>
+      </a:fillRef>
+      <a:effectRef idx="0">
+        <a:scrgbClr r="0" g="0" b="0"/>
+      </a:effectRef>
+      <a:fontRef idx="minor"/>
+    </dgm:style>
+  </dgm:styleLbl>
+  <dgm:styleLbl name="conFgAcc1">
+    <dgm:scene3d>
+      <a:camera prst="orthographicFront"/>
+      <a:lightRig rig="threePt" dir="t"/>
+    </dgm:scene3d>
+    <dgm:sp3d/>
+    <dgm:txPr/>
+    <dgm:style>
+      <a:lnRef idx="2">
+        <a:scrgbClr r="0" g="0" b="0"/>
+      </a:lnRef>
+      <a:fillRef idx="1">
+        <a:scrgbClr r="0" g="0" b="0"/>
+      </a:fillRef>
+      <a:effectRef idx="0">
+        <a:scrgbClr r="0" g="0" b="0"/>
+      </a:effectRef>
+      <a:fontRef idx="minor"/>
+    </dgm:style>
+  </dgm:styleLbl>
+  <dgm:styleLbl name="alignAcc1">
+    <dgm:scene3d>
+      <a:camera prst="orthographicFront"/>
+      <a:lightRig rig="threePt" dir="t"/>
+    </dgm:scene3d>
+    <dgm:sp3d/>
+    <dgm:txPr/>
+    <dgm:style>
+      <a:lnRef idx="2">
+        <a:scrgbClr r="0" g="0" b="0"/>
+      </a:lnRef>
+      <a:fillRef idx="1">
+        <a:scrgbClr r="0" g="0" b="0"/>
+      </a:fillRef>
+      <a:effectRef idx="0">
+        <a:scrgbClr r="0" g="0" b="0"/>
+      </a:effectRef>
+      <a:fontRef idx="minor"/>
+    </dgm:style>
+  </dgm:styleLbl>
+  <dgm:styleLbl name="trAlignAcc1">
+    <dgm:scene3d>
+      <a:camera prst="orthographicFront"/>
+      <a:lightRig rig="threePt" dir="t"/>
+    </dgm:scene3d>
+    <dgm:sp3d/>
+    <dgm:txPr/>
+    <dgm:style>
+      <a:lnRef idx="1">
+        <a:scrgbClr r="0" g="0" b="0"/>
+      </a:lnRef>
+      <a:fillRef idx="1">
+        <a:scrgbClr r="0" g="0" b="0"/>
+      </a:fillRef>
+      <a:effectRef idx="0">
+        <a:scrgbClr r="0" g="0" b="0"/>
+      </a:effectRef>
+      <a:fontRef idx="minor"/>
+    </dgm:style>
+  </dgm:styleLbl>
+  <dgm:styleLbl name="bgAcc1">
+    <dgm:scene3d>
+      <a:camera prst="orthographicFront"/>
+      <a:lightRig rig="threePt" dir="t"/>
+    </dgm:scene3d>
+    <dgm:sp3d/>
+    <dgm:txPr/>
+    <dgm:style>
+      <a:lnRef idx="2">
+        <a:scrgbClr r="0" g="0" b="0"/>
+      </a:lnRef>
+      <a:fillRef idx="1">
+        <a:scrgbClr r="0" g="0" b="0"/>
+      </a:fillRef>
+      <a:effectRef idx="0">
+        <a:scrgbClr r="0" g="0" b="0"/>
+      </a:effectRef>
+      <a:fontRef idx="minor"/>
+    </dgm:style>
+  </dgm:styleLbl>
+  <dgm:styleLbl name="solidFgAcc1">
+    <dgm:scene3d>
+      <a:camera prst="orthographicFront"/>
+      <a:lightRig rig="threePt" dir="t"/>
+    </dgm:scene3d>
+    <dgm:sp3d/>
+    <dgm:txPr/>
+    <dgm:style>
+      <a:lnRef idx="2">
+        <a:scrgbClr r="0" g="0" b="0"/>
+      </a:lnRef>
+      <a:fillRef idx="1">
+        <a:scrgbClr r="0" g="0" b="0"/>
+      </a:fillRef>
+      <a:effectRef idx="0">
+        <a:scrgbClr r="0" g="0" b="0"/>
+      </a:effectRef>
+      <a:fontRef idx="minor"/>
+    </dgm:style>
+  </dgm:styleLbl>
+  <dgm:styleLbl name="solidAlignAcc1">
+    <dgm:scene3d>
+      <a:camera prst="orthographicFront"/>
+      <a:lightRig rig="threePt" dir="t"/>
+    </dgm:scene3d>
+    <dgm:sp3d/>
+    <dgm:txPr/>
+    <dgm:style>
+      <a:lnRef idx="2">
+        <a:scrgbClr r="0" g="0" b="0"/>
+      </a:lnRef>
+      <a:fillRef idx="1">
+        <a:scrgbClr r="0" g="0" b="0"/>
+      </a:fillRef>
+      <a:effectRef idx="0">
+        <a:scrgbClr r="0" g="0" b="0"/>
+      </a:effectRef>
+      <a:fontRef idx="minor"/>
+    </dgm:style>
+  </dgm:styleLbl>
+  <dgm:styleLbl name="solidBgAcc1">
+    <dgm:scene3d>
+      <a:camera prst="orthographicFront"/>
+      <a:lightRig rig="threePt" dir="t"/>
+    </dgm:scene3d>
+    <dgm:sp3d/>
+    <dgm:txPr/>
+    <dgm:style>
+      <a:lnRef idx="2">
+        <a:scrgbClr r="0" g="0" b="0"/>
+      </a:lnRef>
+      <a:fillRef idx="1">
+        <a:scrgbClr r="0" g="0" b="0"/>
+      </a:fillRef>
+      <a:effectRef idx="0">
+        <a:scrgbClr r="0" g="0" b="0"/>
+      </a:effectRef>
+      <a:fontRef idx="minor"/>
+    </dgm:style>
+  </dgm:styleLbl>
+  <dgm:styleLbl name="fgAccFollowNode1">
+    <dgm:scene3d>
+      <a:camera prst="orthographicFront"/>
+      <a:lightRig rig="threePt" dir="t"/>
+    </dgm:scene3d>
+    <dgm:sp3d/>
+    <dgm:txPr/>
+    <dgm:style>
+      <a:lnRef idx="2">
+        <a:scrgbClr r="0" g="0" b="0"/>
+      </a:lnRef>
+      <a:fillRef idx="1">
+        <a:scrgbClr r="0" g="0" b="0"/>
+      </a:fillRef>
+      <a:effectRef idx="0">
+        <a:scrgbClr r="0" g="0" b="0"/>
+      </a:effectRef>
+      <a:fontRef idx="minor"/>
+    </dgm:style>
+  </dgm:styleLbl>
+  <dgm:styleLbl name="alignAccFollowNode1">
+    <dgm:scene3d>
+      <a:camera prst="orthographicFront"/>
+      <a:lightRig rig="threePt" dir="t"/>
+    </dgm:scene3d>
+    <dgm:sp3d/>
+    <dgm:txPr/>
+    <dgm:style>
+      <a:lnRef idx="2">
+        <a:scrgbClr r="0" g="0" b="0"/>
+      </a:lnRef>
+      <a:fillRef idx="1">
+        <a:scrgbClr r="0" g="0" b="0"/>
+      </a:fillRef>
+      <a:effectRef idx="0">
+        <a:scrgbClr r="0" g="0" b="0"/>
+      </a:effectRef>
+      <a:fontRef idx="minor"/>
+    </dgm:style>
+  </dgm:styleLbl>
+  <dgm:styleLbl name="bgAccFollowNode1">
+    <dgm:scene3d>
+      <a:camera prst="orthographicFront"/>
+      <a:lightRig rig="threePt" dir="t"/>
+    </dgm:scene3d>
+    <dgm:sp3d/>
+    <dgm:txPr/>
+    <dgm:style>
+      <a:lnRef idx="2">
+        <a:scrgbClr r="0" g="0" b="0"/>
+      </a:lnRef>
+      <a:fillRef idx="1">
+        <a:scrgbClr r="0" g="0" b="0"/>
+      </a:fillRef>
+      <a:effectRef idx="0">
+        <a:scrgbClr r="0" g="0" b="0"/>
+      </a:effectRef>
+      <a:fontRef idx="minor"/>
+    </dgm:style>
+  </dgm:styleLbl>
+  <dgm:styleLbl name="fgAcc0">
+    <dgm:scene3d>
+      <a:camera prst="orthographicFront"/>
+      <a:lightRig rig="threePt" dir="t"/>
+    </dgm:scene3d>
+    <dgm:sp3d/>
+    <dgm:txPr/>
+    <dgm:style>
+      <a:lnRef idx="2">
+        <a:scrgbClr r="0" g="0" b="0"/>
+      </a:lnRef>
+      <a:fillRef idx="1">
+        <a:scrgbClr r="0" g="0" b="0"/>
+      </a:fillRef>
+      <a:effectRef idx="0">
+        <a:scrgbClr r="0" g="0" b="0"/>
+      </a:effectRef>
+      <a:fontRef idx="minor"/>
+    </dgm:style>
+  </dgm:styleLbl>
+  <dgm:styleLbl name="fgAcc2">
+    <dgm:scene3d>
+      <a:camera prst="orthographicFront"/>
+      <a:lightRig rig="threePt" dir="t"/>
+    </dgm:scene3d>
+    <dgm:sp3d/>
+    <dgm:txPr/>
+    <dgm:style>
+      <a:lnRef idx="2">
+        <a:scrgbClr r="0" g="0" b="0"/>
+      </a:lnRef>
+      <a:fillRef idx="1">
+        <a:scrgbClr r="0" g="0" b="0"/>
+      </a:fillRef>
+      <a:effectRef idx="0">
+        <a:scrgbClr r="0" g="0" b="0"/>
+      </a:effectRef>
+      <a:fontRef idx="minor"/>
+    </dgm:style>
+  </dgm:styleLbl>
+  <dgm:styleLbl name="fgAcc3">
+    <dgm:scene3d>
+      <a:camera prst="orthographicFront"/>
+      <a:lightRig rig="threePt" dir="t"/>
+    </dgm:scene3d>
+    <dgm:sp3d/>
+    <dgm:txPr/>
+    <dgm:style>
+      <a:lnRef idx="2">
+        <a:scrgbClr r="0" g="0" b="0"/>
+      </a:lnRef>
+      <a:fillRef idx="1">
+        <a:scrgbClr r="0" g="0" b="0"/>
+      </a:fillRef>
+      <a:effectRef idx="0">
+        <a:scrgbClr r="0" g="0" b="0"/>
+      </a:effectRef>
+      <a:fontRef idx="minor"/>
+    </dgm:style>
+  </dgm:styleLbl>
+  <dgm:styleLbl name="fgAcc4">
+    <dgm:scene3d>
+      <a:camera prst="orthographicFront"/>
+      <a:lightRig rig="threePt" dir="t"/>
+    </dgm:scene3d>
+    <dgm:sp3d/>
+    <dgm:txPr/>
+    <dgm:style>
+      <a:lnRef idx="2">
+        <a:scrgbClr r="0" g="0" b="0"/>
+      </a:lnRef>
+      <a:fillRef idx="1">
+        <a:scrgbClr r="0" g="0" b="0"/>
+      </a:fillRef>
+      <a:effectRef idx="0">
+        <a:scrgbClr r="0" g="0" b="0"/>
+      </a:effectRef>
+      <a:fontRef idx="minor"/>
+    </dgm:style>
+  </dgm:styleLbl>
+  <dgm:styleLbl name="bgShp">
+    <dgm:scene3d>
+      <a:camera prst="orthographicFront"/>
+      <a:lightRig rig="threePt" dir="t"/>
+    </dgm:scene3d>
+    <dgm:sp3d/>
+    <dgm:txPr/>
+    <dgm:style>
+      <a:lnRef idx="0">
+        <a:scrgbClr r="0" g="0" b="0"/>
+      </a:lnRef>
+      <a:fillRef idx="1">
+        <a:scrgbClr r="0" g="0" b="0"/>
+      </a:fillRef>
+      <a:effectRef idx="0">
+        <a:scrgbClr r="0" g="0" b="0"/>
+      </a:effectRef>
+      <a:fontRef idx="minor"/>
+    </dgm:style>
+  </dgm:styleLbl>
+  <dgm:styleLbl name="dkBgShp">
+    <dgm:scene3d>
+      <a:camera prst="orthographicFront"/>
+      <a:lightRig rig="threePt" dir="t"/>
+    </dgm:scene3d>
+    <dgm:sp3d/>
+    <dgm:txPr/>
+    <dgm:style>
+      <a:lnRef idx="0">
+        <a:scrgbClr r="0" g="0" b="0"/>
+      </a:lnRef>
+      <a:fillRef idx="1">
+        <a:scrgbClr r="0" g="0" b="0"/>
+      </a:fillRef>
+      <a:effectRef idx="0">
+        <a:scrgbClr r="0" g="0" b="0"/>
+      </a:effectRef>
+      <a:fontRef idx="minor"/>
+    </dgm:style>
+  </dgm:styleLbl>
+  <dgm:styleLbl name="trBgShp">
+    <dgm:scene3d>
+      <a:camera prst="orthographicFront"/>
+      <a:lightRig rig="threePt" dir="t"/>
+    </dgm:scene3d>
+    <dgm:sp3d/>
+    <dgm:txPr/>
+    <dgm:style>
+      <a:lnRef idx="0">
+        <a:scrgbClr r="0" g="0" b="0"/>
+      </a:lnRef>
+      <a:fillRef idx="1">
+        <a:scrgbClr r="0" g="0" b="0"/>
+      </a:fillRef>
+      <a:effectRef idx="0">
+        <a:scrgbClr r="0" g="0" b="0"/>
+      </a:effectRef>
+      <a:fontRef idx="minor"/>
+    </dgm:style>
+  </dgm:styleLbl>
+  <dgm:styleLbl name="fgShp">
+    <dgm:scene3d>
+      <a:camera prst="orthographicFront"/>
+      <a:lightRig rig="threePt" dir="t"/>
+    </dgm:scene3d>
+    <dgm:sp3d/>
+    <dgm:txPr/>
+    <dgm:style>
+      <a:lnRef idx="2">
+        <a:scrgbClr r="0" g="0" b="0"/>
+      </a:lnRef>
+      <a:fillRef idx="1">
+        <a:scrgbClr r="0" g="0" b="0"/>
+      </a:fillRef>
+      <a:effectRef idx="0">
+        <a:scrgbClr r="0" g="0" b="0"/>
+      </a:effectRef>
+      <a:fontRef idx="minor"/>
+    </dgm:style>
+  </dgm:styleLbl>
+  <dgm:styleLbl name="revTx">
+    <dgm:scene3d>
+      <a:camera prst="orthographicFront"/>
+      <a:lightRig rig="threePt" dir="t"/>
+    </dgm:scene3d>
+    <dgm:sp3d/>
+    <dgm:txPr/>
+    <dgm:style>
+      <a:lnRef idx="0">
+        <a:scrgbClr r="0" g="0" b="0"/>
+      </a:lnRef>
+      <a:fillRef idx="0">
+        <a:scrgbClr r="0" g="0" b="0"/>
+      </a:fillRef>
+      <a:effectRef idx="0">
+        <a:scrgbClr r="0" g="0" b="0"/>
+      </a:effectRef>
+      <a:fontRef idx="minor"/>
+    </dgm:style>
+  </dgm:styleLbl>
+</dgm:styleDef>
 </file>
 
 <file path=ppt/notesMasters/notesMaster1.xml><?xml version="1.0" encoding="utf-8"?>
@@ -571,7 +3966,7 @@
           <a:p>
             <a:fld id="{13765296-5D10-B74F-8BEB-26EBD6040D03}" type="slidenum">
               <a:rPr lang="en-US" smtClean="0"/>
-              <a:t>4</a:t>
+              <a:t>3</a:t>
             </a:fld>
             <a:endParaRPr lang="en-US"/>
           </a:p>
@@ -713,7 +4108,7 @@
           <a:p>
             <a:fld id="{13765296-5D10-B74F-8BEB-26EBD6040D03}" type="slidenum">
               <a:rPr lang="en-US" smtClean="0"/>
-              <a:t>6</a:t>
+              <a:t>5</a:t>
             </a:fld>
             <a:endParaRPr lang="en-US"/>
           </a:p>
@@ -7457,7 +10852,7 @@
 </p:sld>
 </file>
 
-<file path=ppt/slides/slide2.xml><?xml version="1.0" encoding="utf-8"?>
+<file path=ppt/slides/slide10.xml><?xml version="1.0" encoding="utf-8"?>
 <p:sld xmlns:a="http://schemas.openxmlformats.org/drawingml/2006/main" xmlns:r="http://schemas.openxmlformats.org/officeDocument/2006/relationships" xmlns:p="http://schemas.openxmlformats.org/presentationml/2006/main">
   <p:cSld>
     <p:spTree>
@@ -7479,7 +10874,7 @@
           <p:cNvPr id="2" name="Title 1">
             <a:extLst>
               <a:ext uri="{FF2B5EF4-FFF2-40B4-BE49-F238E27FC236}">
-                <a16:creationId xmlns:a16="http://schemas.microsoft.com/office/drawing/2014/main" id="{0024AD15-A9C9-3DFB-22CB-B2912069F26F}"/>
+                <a16:creationId xmlns:a16="http://schemas.microsoft.com/office/drawing/2014/main" id="{3100542F-51FE-A1AF-A9C8-1D92BB859EE6}"/>
               </a:ext>
             </a:extLst>
           </p:cNvPr>
@@ -7497,17 +10892,17 @@
           <a:p>
             <a:r>
               <a:rPr lang="en-US" dirty="0"/>
-              <a:t>Scope</a:t>
+              <a:t>Data Analysis and Visualisation</a:t>
             </a:r>
           </a:p>
         </p:txBody>
       </p:sp>
       <p:sp>
         <p:nvSpPr>
-          <p:cNvPr id="3" name="Content Placeholder 2">
+          <p:cNvPr id="13" name="Content Placeholder 12">
             <a:extLst>
               <a:ext uri="{FF2B5EF4-FFF2-40B4-BE49-F238E27FC236}">
-                <a16:creationId xmlns:a16="http://schemas.microsoft.com/office/drawing/2014/main" id="{CA36757C-A8BB-3BA5-F9D3-615EA113912A}"/>
+                <a16:creationId xmlns:a16="http://schemas.microsoft.com/office/drawing/2014/main" id="{2FAC54D1-C97E-1190-C2F1-8124B2A21F06}"/>
               </a:ext>
             </a:extLst>
           </p:cNvPr>
@@ -7518,60 +10913,90 @@
             <p:ph idx="1"/>
           </p:nvPr>
         </p:nvSpPr>
-        <p:spPr/>
+        <p:spPr>
+          <a:xfrm>
+            <a:off x="677334" y="1284051"/>
+            <a:ext cx="8596668" cy="1177047"/>
+          </a:xfrm>
+        </p:spPr>
         <p:txBody>
-          <a:bodyPr/>
+          <a:bodyPr>
+            <a:normAutofit fontScale="85000" lnSpcReduction="20000"/>
+          </a:bodyPr>
           <a:lstStyle/>
           <a:p>
-            <a:pPr>
-              <a:lnSpc>
-                <a:spcPct val="300000"/>
-              </a:lnSpc>
-            </a:pPr>
+            <a:r>
+              <a:rPr lang="en-US" b="1" dirty="0"/>
+              <a:t>Meal Types</a:t>
+            </a:r>
+          </a:p>
+          <a:p>
+            <a:pPr lvl="1"/>
             <a:r>
               <a:rPr lang="en-US" dirty="0"/>
-              <a:t>Background</a:t>
+              <a:t>What meal type (breakfast, lunch, or dinner) is the healthiest?</a:t>
             </a:r>
           </a:p>
           <a:p>
-            <a:pPr>
-              <a:lnSpc>
-                <a:spcPct val="300000"/>
-              </a:lnSpc>
-            </a:pPr>
+            <a:pPr lvl="1"/>
             <a:r>
-              <a:rPr lang="en-US" dirty="0"/>
-              <a:t>Data Exploration and Cleaning</a:t>
+              <a:rPr lang="en-US" dirty="0">
+                <a:solidFill>
+                  <a:schemeClr val="tx1"/>
+                </a:solidFill>
+              </a:rPr>
+              <a:t>What percentage of recipes are healthy?</a:t>
             </a:r>
           </a:p>
           <a:p>
-            <a:pPr>
-              <a:lnSpc>
-                <a:spcPct val="300000"/>
-              </a:lnSpc>
-            </a:pPr>
+            <a:pPr lvl="1"/>
             <a:r>
-              <a:rPr lang="en-US" dirty="0"/>
-              <a:t>Data Analysis and Visualisation</a:t>
-            </a:r>
-          </a:p>
-          <a:p>
-            <a:pPr>
-              <a:lnSpc>
-                <a:spcPct val="300000"/>
-              </a:lnSpc>
-            </a:pPr>
-            <a:r>
-              <a:rPr lang="en-US" dirty="0"/>
-              <a:t>Conclusion</a:t>
+              <a:rPr lang="en-US" dirty="0">
+                <a:solidFill>
+                  <a:schemeClr val="bg2">
+                    <a:lumMod val="90000"/>
+                  </a:schemeClr>
+                </a:solidFill>
+              </a:rPr>
+              <a:t>What is the most popular ingredient per meal type?</a:t>
             </a:r>
           </a:p>
         </p:txBody>
       </p:sp>
+      <p:pic>
+        <p:nvPicPr>
+          <p:cNvPr id="4" name="Picture 3" descr="A graph of a meal type&#10;&#10;Description automatically generated">
+            <a:extLst>
+              <a:ext uri="{FF2B5EF4-FFF2-40B4-BE49-F238E27FC236}">
+                <a16:creationId xmlns:a16="http://schemas.microsoft.com/office/drawing/2014/main" id="{76010875-81C1-E200-D9D4-8237094A6C1F}"/>
+              </a:ext>
+            </a:extLst>
+          </p:cNvPr>
+          <p:cNvPicPr>
+            <a:picLocks noChangeAspect="1"/>
+          </p:cNvPicPr>
+          <p:nvPr/>
+        </p:nvPicPr>
+        <p:blipFill>
+          <a:blip r:embed="rId2"/>
+          <a:stretch>
+            <a:fillRect/>
+          </a:stretch>
+        </p:blipFill>
+        <p:spPr>
+          <a:xfrm>
+            <a:off x="2558367" y="2461098"/>
+            <a:ext cx="4834601" cy="3960000"/>
+          </a:xfrm>
+          <a:prstGeom prst="rect">
+            <a:avLst/>
+          </a:prstGeom>
+        </p:spPr>
+      </p:pic>
     </p:spTree>
     <p:extLst>
       <p:ext uri="{BB962C8B-B14F-4D97-AF65-F5344CB8AC3E}">
-        <p14:creationId xmlns:p14="http://schemas.microsoft.com/office/powerpoint/2010/main" val="372335960"/>
+        <p14:creationId xmlns:p14="http://schemas.microsoft.com/office/powerpoint/2010/main" val="1801616130"/>
       </p:ext>
     </p:extLst>
   </p:cSld>
@@ -7581,8 +11006,8 @@
 </p:sld>
 </file>
 
-<file path=ppt/slides/slide3.xml><?xml version="1.0" encoding="utf-8"?>
-<p:sld xmlns:a="http://schemas.openxmlformats.org/drawingml/2006/main" xmlns:r="http://schemas.openxmlformats.org/officeDocument/2006/relationships" xmlns:p="http://schemas.openxmlformats.org/presentationml/2006/main" show="0">
+<file path=ppt/slides/slide11.xml><?xml version="1.0" encoding="utf-8"?>
+<p:sld xmlns:a="http://schemas.openxmlformats.org/drawingml/2006/main" xmlns:r="http://schemas.openxmlformats.org/officeDocument/2006/relationships" xmlns:p="http://schemas.openxmlformats.org/presentationml/2006/main">
   <p:cSld>
     <p:spTree>
       <p:nvGrpSpPr>
@@ -7603,7 +11028,7 @@
           <p:cNvPr id="2" name="Title 1">
             <a:extLst>
               <a:ext uri="{FF2B5EF4-FFF2-40B4-BE49-F238E27FC236}">
-                <a16:creationId xmlns:a16="http://schemas.microsoft.com/office/drawing/2014/main" id="{24AD5C58-E27F-C998-1358-316A00CF3DF8}"/>
+                <a16:creationId xmlns:a16="http://schemas.microsoft.com/office/drawing/2014/main" id="{3100542F-51FE-A1AF-A9C8-1D92BB859EE6}"/>
               </a:ext>
             </a:extLst>
           </p:cNvPr>
@@ -7621,17 +11046,17 @@
           <a:p>
             <a:r>
               <a:rPr lang="en-US" dirty="0"/>
-              <a:t>Background</a:t>
+              <a:t>Data Analysis and Visualisation</a:t>
             </a:r>
           </a:p>
         </p:txBody>
       </p:sp>
       <p:sp>
         <p:nvSpPr>
-          <p:cNvPr id="3" name="Content Placeholder 2">
+          <p:cNvPr id="13" name="Content Placeholder 12">
             <a:extLst>
               <a:ext uri="{FF2B5EF4-FFF2-40B4-BE49-F238E27FC236}">
-                <a16:creationId xmlns:a16="http://schemas.microsoft.com/office/drawing/2014/main" id="{A2D2ADD8-77AE-58D5-E0D6-792860E841B4}"/>
+                <a16:creationId xmlns:a16="http://schemas.microsoft.com/office/drawing/2014/main" id="{2FAC54D1-C97E-1190-C2F1-8124B2A21F06}"/>
               </a:ext>
             </a:extLst>
           </p:cNvPr>
@@ -7642,132 +11067,120 @@
             <p:ph idx="1"/>
           </p:nvPr>
         </p:nvSpPr>
-        <p:spPr/>
+        <p:spPr>
+          <a:xfrm>
+            <a:off x="677334" y="1284051"/>
+            <a:ext cx="8596668" cy="1177047"/>
+          </a:xfrm>
+        </p:spPr>
         <p:txBody>
-          <a:bodyPr/>
+          <a:bodyPr>
+            <a:normAutofit fontScale="85000" lnSpcReduction="20000"/>
+          </a:bodyPr>
           <a:lstStyle/>
           <a:p>
-            <a:pPr marL="0" indent="0">
-              <a:buNone/>
-            </a:pPr>
+            <a:r>
+              <a:rPr lang="en-US" b="1" dirty="0"/>
+              <a:t>Meal Types</a:t>
+            </a:r>
+          </a:p>
+          <a:p>
+            <a:pPr lvl="1"/>
             <a:r>
               <a:rPr lang="en-US" dirty="0"/>
-              <a:t>2020-2021 National Healthy Survey (NHS):</a:t>
+              <a:t>What meal type (breakfast, lunch, or dinner) is the healthiest?</a:t>
             </a:r>
-            <a:br>
-              <a:rPr lang="en-US" dirty="0"/>
-            </a:br>
-            <a:endParaRPr lang="en-US" dirty="0"/>
-          </a:p>
-          <a:p>
-            <a:pPr marL="0" indent="0">
-              <a:buNone/>
-            </a:pPr>
+          </a:p>
+          <a:p>
+            <a:pPr lvl="1"/>
             <a:r>
-              <a:rPr lang="en-US" sz="3600" dirty="0"/>
-              <a:t>	94% </a:t>
+              <a:rPr lang="en-US" dirty="0">
+                <a:solidFill>
+                  <a:schemeClr val="tx1"/>
+                </a:solidFill>
+              </a:rPr>
+              <a:t>What percentage of recipes are healthy?</a:t>
             </a:r>
+          </a:p>
+          <a:p>
+            <a:pPr lvl="1"/>
             <a:r>
-              <a:rPr lang="en-US" dirty="0"/>
-              <a:t>of Australian adults </a:t>
+              <a:rPr lang="en-US" dirty="0">
+                <a:solidFill>
+                  <a:schemeClr val="bg2">
+                    <a:lumMod val="90000"/>
+                  </a:schemeClr>
+                </a:solidFill>
+              </a:rPr>
+              <a:t>What is the most popular ingredient per meal type?</a:t>
             </a:r>
-            <a:r>
-              <a:rPr lang="en-US" b="1" dirty="0"/>
-              <a:t>do not meet</a:t>
-            </a:r>
-            <a:r>
-              <a:rPr lang="en-US" dirty="0"/>
-              <a:t> the recommendations for daily 	fruit and vegetable consumption.</a:t>
-            </a:r>
-          </a:p>
-          <a:p>
-            <a:pPr marL="0" indent="0">
-              <a:buNone/>
-            </a:pPr>
-            <a:endParaRPr lang="en-US" dirty="0"/>
-          </a:p>
-          <a:p>
-            <a:pPr marL="0" indent="0">
-              <a:buNone/>
-            </a:pPr>
-            <a:r>
-              <a:rPr lang="en-US" sz="3600" dirty="0"/>
-              <a:t>	12% </a:t>
-            </a:r>
-            <a:r>
-              <a:rPr lang="en-US" dirty="0"/>
-              <a:t>of </a:t>
-            </a:r>
-            <a:r>
-              <a:rPr lang="en-US" u="sng" dirty="0"/>
-              <a:t>do not</a:t>
-            </a:r>
-            <a:r>
-              <a:rPr lang="en-US" dirty="0"/>
-              <a:t> eat </a:t>
-            </a:r>
-            <a:r>
-              <a:rPr lang="en-US" b="1" dirty="0"/>
-              <a:t>any fruit</a:t>
-            </a:r>
-            <a:r>
-              <a:rPr lang="en-US" dirty="0"/>
-              <a:t>.</a:t>
-            </a:r>
-          </a:p>
-          <a:p>
-            <a:pPr marL="0" indent="0">
-              <a:buNone/>
-            </a:pPr>
-            <a:endParaRPr lang="en-US" dirty="0"/>
-          </a:p>
-          <a:p>
-            <a:pPr marL="0" indent="0">
-              <a:buNone/>
-            </a:pPr>
-            <a:r>
-              <a:rPr lang="en-US" sz="3600" dirty="0"/>
-              <a:t>	1.6% </a:t>
-            </a:r>
-            <a:r>
-              <a:rPr lang="en-US" dirty="0"/>
-              <a:t>of </a:t>
-            </a:r>
-            <a:r>
-              <a:rPr lang="en-US" u="sng" dirty="0"/>
-              <a:t>do not</a:t>
-            </a:r>
-            <a:r>
-              <a:rPr lang="en-US" dirty="0"/>
-              <a:t> eat </a:t>
-            </a:r>
-            <a:r>
-              <a:rPr lang="en-US" b="1" dirty="0"/>
-              <a:t>any vegetables</a:t>
-            </a:r>
-            <a:r>
-              <a:rPr lang="en-US" dirty="0"/>
-              <a:t>.</a:t>
-            </a:r>
-          </a:p>
-          <a:p>
-            <a:pPr marL="0" indent="0">
-              <a:buNone/>
-            </a:pPr>
-            <a:endParaRPr lang="en-US" dirty="0"/>
-          </a:p>
-          <a:p>
-            <a:pPr marL="0" indent="0">
-              <a:buNone/>
-            </a:pPr>
-            <a:endParaRPr lang="en-US" dirty="0"/>
           </a:p>
         </p:txBody>
       </p:sp>
+      <p:pic>
+        <p:nvPicPr>
+          <p:cNvPr id="5" name="Picture 4" descr="A graph of calories and points&#10;&#10;Description automatically generated">
+            <a:extLst>
+              <a:ext uri="{FF2B5EF4-FFF2-40B4-BE49-F238E27FC236}">
+                <a16:creationId xmlns:a16="http://schemas.microsoft.com/office/drawing/2014/main" id="{48C034F5-23BC-F683-B09C-4352932ADC80}"/>
+              </a:ext>
+            </a:extLst>
+          </p:cNvPr>
+          <p:cNvPicPr>
+            <a:picLocks noChangeAspect="1"/>
+          </p:cNvPicPr>
+          <p:nvPr/>
+        </p:nvPicPr>
+        <p:blipFill>
+          <a:blip r:embed="rId2"/>
+          <a:stretch>
+            <a:fillRect/>
+          </a:stretch>
+        </p:blipFill>
+        <p:spPr>
+          <a:xfrm>
+            <a:off x="5492526" y="2604851"/>
+            <a:ext cx="4568353" cy="3960000"/>
+          </a:xfrm>
+          <a:prstGeom prst="rect">
+            <a:avLst/>
+          </a:prstGeom>
+        </p:spPr>
+      </p:pic>
+      <p:pic>
+        <p:nvPicPr>
+          <p:cNvPr id="7" name="Picture 6" descr="A graph of a number of points&#10;&#10;Description automatically generated with medium confidence">
+            <a:extLst>
+              <a:ext uri="{FF2B5EF4-FFF2-40B4-BE49-F238E27FC236}">
+                <a16:creationId xmlns:a16="http://schemas.microsoft.com/office/drawing/2014/main" id="{9DE470AC-A418-4BC2-F2DD-3586450A5B00}"/>
+              </a:ext>
+            </a:extLst>
+          </p:cNvPr>
+          <p:cNvPicPr>
+            <a:picLocks noChangeAspect="1"/>
+          </p:cNvPicPr>
+          <p:nvPr/>
+        </p:nvPicPr>
+        <p:blipFill>
+          <a:blip r:embed="rId3"/>
+          <a:stretch>
+            <a:fillRect/>
+          </a:stretch>
+        </p:blipFill>
+        <p:spPr>
+          <a:xfrm>
+            <a:off x="476190" y="2604851"/>
+            <a:ext cx="4499478" cy="3960000"/>
+          </a:xfrm>
+          <a:prstGeom prst="rect">
+            <a:avLst/>
+          </a:prstGeom>
+        </p:spPr>
+      </p:pic>
     </p:spTree>
     <p:extLst>
       <p:ext uri="{BB962C8B-B14F-4D97-AF65-F5344CB8AC3E}">
-        <p14:creationId xmlns:p14="http://schemas.microsoft.com/office/powerpoint/2010/main" val="2510471320"/>
+        <p14:creationId xmlns:p14="http://schemas.microsoft.com/office/powerpoint/2010/main" val="2665096801"/>
       </p:ext>
     </p:extLst>
   </p:cSld>
@@ -7777,7 +11190,2329 @@
 </p:sld>
 </file>
 
-<file path=ppt/slides/slide4.xml><?xml version="1.0" encoding="utf-8"?>
+<file path=ppt/slides/slide12.xml><?xml version="1.0" encoding="utf-8"?>
+<p:sld xmlns:a="http://schemas.openxmlformats.org/drawingml/2006/main" xmlns:r="http://schemas.openxmlformats.org/officeDocument/2006/relationships" xmlns:p="http://schemas.openxmlformats.org/presentationml/2006/main">
+  <p:cSld>
+    <p:spTree>
+      <p:nvGrpSpPr>
+        <p:cNvPr id="1" name=""/>
+        <p:cNvGrpSpPr/>
+        <p:nvPr/>
+      </p:nvGrpSpPr>
+      <p:grpSpPr>
+        <a:xfrm>
+          <a:off x="0" y="0"/>
+          <a:ext cx="0" cy="0"/>
+          <a:chOff x="0" y="0"/>
+          <a:chExt cx="0" cy="0"/>
+        </a:xfrm>
+      </p:grpSpPr>
+      <p:sp>
+        <p:nvSpPr>
+          <p:cNvPr id="2" name="Title 1">
+            <a:extLst>
+              <a:ext uri="{FF2B5EF4-FFF2-40B4-BE49-F238E27FC236}">
+                <a16:creationId xmlns:a16="http://schemas.microsoft.com/office/drawing/2014/main" id="{3100542F-51FE-A1AF-A9C8-1D92BB859EE6}"/>
+              </a:ext>
+            </a:extLst>
+          </p:cNvPr>
+          <p:cNvSpPr>
+            <a:spLocks noGrp="1"/>
+          </p:cNvSpPr>
+          <p:nvPr>
+            <p:ph type="title"/>
+          </p:nvPr>
+        </p:nvSpPr>
+        <p:spPr/>
+        <p:txBody>
+          <a:bodyPr/>
+          <a:lstStyle/>
+          <a:p>
+            <a:r>
+              <a:rPr lang="en-US" dirty="0"/>
+              <a:t>Data Analysis and Visualisation</a:t>
+            </a:r>
+          </a:p>
+        </p:txBody>
+      </p:sp>
+      <p:sp>
+        <p:nvSpPr>
+          <p:cNvPr id="13" name="Content Placeholder 12">
+            <a:extLst>
+              <a:ext uri="{FF2B5EF4-FFF2-40B4-BE49-F238E27FC236}">
+                <a16:creationId xmlns:a16="http://schemas.microsoft.com/office/drawing/2014/main" id="{2FAC54D1-C97E-1190-C2F1-8124B2A21F06}"/>
+              </a:ext>
+            </a:extLst>
+          </p:cNvPr>
+          <p:cNvSpPr>
+            <a:spLocks noGrp="1"/>
+          </p:cNvSpPr>
+          <p:nvPr>
+            <p:ph idx="1"/>
+          </p:nvPr>
+        </p:nvSpPr>
+        <p:spPr>
+          <a:xfrm>
+            <a:off x="677334" y="1284051"/>
+            <a:ext cx="8596668" cy="1177047"/>
+          </a:xfrm>
+        </p:spPr>
+        <p:txBody>
+          <a:bodyPr>
+            <a:normAutofit fontScale="85000" lnSpcReduction="20000"/>
+          </a:bodyPr>
+          <a:lstStyle/>
+          <a:p>
+            <a:r>
+              <a:rPr lang="en-US" b="1" dirty="0"/>
+              <a:t>Meal Types</a:t>
+            </a:r>
+          </a:p>
+          <a:p>
+            <a:pPr lvl="1"/>
+            <a:r>
+              <a:rPr lang="en-US" dirty="0">
+                <a:solidFill>
+                  <a:schemeClr val="bg2">
+                    <a:lumMod val="90000"/>
+                  </a:schemeClr>
+                </a:solidFill>
+              </a:rPr>
+              <a:t>What meal type (breakfast, lunch, or dinner) is the healthiest?</a:t>
+            </a:r>
+          </a:p>
+          <a:p>
+            <a:pPr lvl="1"/>
+            <a:r>
+              <a:rPr lang="en-US" dirty="0">
+                <a:solidFill>
+                  <a:schemeClr val="bg2">
+                    <a:lumMod val="90000"/>
+                  </a:schemeClr>
+                </a:solidFill>
+              </a:rPr>
+              <a:t>What percentage of recipes are healthy?</a:t>
+            </a:r>
+          </a:p>
+          <a:p>
+            <a:pPr lvl="1"/>
+            <a:r>
+              <a:rPr lang="en-US" dirty="0">
+                <a:solidFill>
+                  <a:schemeClr val="tx1"/>
+                </a:solidFill>
+              </a:rPr>
+              <a:t>What is the most popular ingredient per meal type?</a:t>
+            </a:r>
+          </a:p>
+        </p:txBody>
+      </p:sp>
+      <p:pic>
+        <p:nvPicPr>
+          <p:cNvPr id="4" name="Picture 3" descr="A screenshot of a menu&#10;&#10;Description automatically generated">
+            <a:extLst>
+              <a:ext uri="{FF2B5EF4-FFF2-40B4-BE49-F238E27FC236}">
+                <a16:creationId xmlns:a16="http://schemas.microsoft.com/office/drawing/2014/main" id="{C4826E3A-22C4-79E3-39DA-9C84F24AA01B}"/>
+              </a:ext>
+            </a:extLst>
+          </p:cNvPr>
+          <p:cNvPicPr>
+            <a:picLocks noChangeAspect="1"/>
+          </p:cNvPicPr>
+          <p:nvPr/>
+        </p:nvPicPr>
+        <p:blipFill>
+          <a:blip r:embed="rId2"/>
+          <a:stretch>
+            <a:fillRect/>
+          </a:stretch>
+        </p:blipFill>
+        <p:spPr>
+          <a:xfrm>
+            <a:off x="677334" y="3429000"/>
+            <a:ext cx="7772400" cy="1822016"/>
+          </a:xfrm>
+          <a:prstGeom prst="rect">
+            <a:avLst/>
+          </a:prstGeom>
+        </p:spPr>
+      </p:pic>
+    </p:spTree>
+    <p:extLst>
+      <p:ext uri="{BB962C8B-B14F-4D97-AF65-F5344CB8AC3E}">
+        <p14:creationId xmlns:p14="http://schemas.microsoft.com/office/powerpoint/2010/main" val="2931631433"/>
+      </p:ext>
+    </p:extLst>
+  </p:cSld>
+  <p:clrMapOvr>
+    <a:masterClrMapping/>
+  </p:clrMapOvr>
+</p:sld>
+</file>
+
+<file path=ppt/slides/slide13.xml><?xml version="1.0" encoding="utf-8"?>
+<p:sld xmlns:a="http://schemas.openxmlformats.org/drawingml/2006/main" xmlns:r="http://schemas.openxmlformats.org/officeDocument/2006/relationships" xmlns:p="http://schemas.openxmlformats.org/presentationml/2006/main">
+  <p:cSld>
+    <p:spTree>
+      <p:nvGrpSpPr>
+        <p:cNvPr id="1" name=""/>
+        <p:cNvGrpSpPr/>
+        <p:nvPr/>
+      </p:nvGrpSpPr>
+      <p:grpSpPr>
+        <a:xfrm>
+          <a:off x="0" y="0"/>
+          <a:ext cx="0" cy="0"/>
+          <a:chOff x="0" y="0"/>
+          <a:chExt cx="0" cy="0"/>
+        </a:xfrm>
+      </p:grpSpPr>
+      <p:sp>
+        <p:nvSpPr>
+          <p:cNvPr id="2" name="Title 1">
+            <a:extLst>
+              <a:ext uri="{FF2B5EF4-FFF2-40B4-BE49-F238E27FC236}">
+                <a16:creationId xmlns:a16="http://schemas.microsoft.com/office/drawing/2014/main" id="{3100542F-51FE-A1AF-A9C8-1D92BB859EE6}"/>
+              </a:ext>
+            </a:extLst>
+          </p:cNvPr>
+          <p:cNvSpPr>
+            <a:spLocks noGrp="1"/>
+          </p:cNvSpPr>
+          <p:nvPr>
+            <p:ph type="title"/>
+          </p:nvPr>
+        </p:nvSpPr>
+        <p:spPr/>
+        <p:txBody>
+          <a:bodyPr/>
+          <a:lstStyle/>
+          <a:p>
+            <a:r>
+              <a:rPr lang="en-US" dirty="0"/>
+              <a:t>Data Analysis and Visualisation</a:t>
+            </a:r>
+          </a:p>
+        </p:txBody>
+      </p:sp>
+      <p:sp>
+        <p:nvSpPr>
+          <p:cNvPr id="13" name="Content Placeholder 12">
+            <a:extLst>
+              <a:ext uri="{FF2B5EF4-FFF2-40B4-BE49-F238E27FC236}">
+                <a16:creationId xmlns:a16="http://schemas.microsoft.com/office/drawing/2014/main" id="{2FAC54D1-C97E-1190-C2F1-8124B2A21F06}"/>
+              </a:ext>
+            </a:extLst>
+          </p:cNvPr>
+          <p:cNvSpPr>
+            <a:spLocks noGrp="1"/>
+          </p:cNvSpPr>
+          <p:nvPr>
+            <p:ph idx="1"/>
+          </p:nvPr>
+        </p:nvSpPr>
+        <p:spPr>
+          <a:xfrm>
+            <a:off x="677334" y="1284051"/>
+            <a:ext cx="8596668" cy="1177047"/>
+          </a:xfrm>
+        </p:spPr>
+        <p:txBody>
+          <a:bodyPr>
+            <a:normAutofit/>
+          </a:bodyPr>
+          <a:lstStyle/>
+          <a:p>
+            <a:r>
+              <a:rPr lang="en-US" b="1" dirty="0"/>
+              <a:t>Cuisines: </a:t>
+            </a:r>
+            <a:r>
+              <a:rPr lang="en-US" dirty="0"/>
+              <a:t>Which cuisine has the healthiest recipes?</a:t>
+            </a:r>
+            <a:endParaRPr lang="en-US" b="1" dirty="0"/>
+          </a:p>
+        </p:txBody>
+      </p:sp>
+      <p:pic>
+        <p:nvPicPr>
+          <p:cNvPr id="5" name="Picture 4" descr="A graph of recipes per cuisine&#10;&#10;Description automatically generated">
+            <a:extLst>
+              <a:ext uri="{FF2B5EF4-FFF2-40B4-BE49-F238E27FC236}">
+                <a16:creationId xmlns:a16="http://schemas.microsoft.com/office/drawing/2014/main" id="{4A7D7923-84F2-8787-AA25-FE916316C584}"/>
+              </a:ext>
+            </a:extLst>
+          </p:cNvPr>
+          <p:cNvPicPr>
+            <a:picLocks noChangeAspect="1"/>
+          </p:cNvPicPr>
+          <p:nvPr/>
+        </p:nvPicPr>
+        <p:blipFill>
+          <a:blip r:embed="rId2"/>
+          <a:stretch>
+            <a:fillRect/>
+          </a:stretch>
+        </p:blipFill>
+        <p:spPr>
+          <a:xfrm>
+            <a:off x="343436" y="2233277"/>
+            <a:ext cx="4536593" cy="3960000"/>
+          </a:xfrm>
+          <a:prstGeom prst="rect">
+            <a:avLst/>
+          </a:prstGeom>
+        </p:spPr>
+      </p:pic>
+      <p:pic>
+        <p:nvPicPr>
+          <p:cNvPr id="7" name="Picture 6" descr="A graph of different recipes&#10;&#10;Description automatically generated">
+            <a:extLst>
+              <a:ext uri="{FF2B5EF4-FFF2-40B4-BE49-F238E27FC236}">
+                <a16:creationId xmlns:a16="http://schemas.microsoft.com/office/drawing/2014/main" id="{FEF4CC4F-C93A-7B21-B397-00E20E171ECA}"/>
+              </a:ext>
+            </a:extLst>
+          </p:cNvPr>
+          <p:cNvPicPr>
+            <a:picLocks noChangeAspect="1"/>
+          </p:cNvPicPr>
+          <p:nvPr/>
+        </p:nvPicPr>
+        <p:blipFill>
+          <a:blip r:embed="rId3"/>
+          <a:stretch>
+            <a:fillRect/>
+          </a:stretch>
+        </p:blipFill>
+        <p:spPr>
+          <a:xfrm>
+            <a:off x="5114986" y="2233277"/>
+            <a:ext cx="4393973" cy="3960000"/>
+          </a:xfrm>
+          <a:prstGeom prst="rect">
+            <a:avLst/>
+          </a:prstGeom>
+        </p:spPr>
+      </p:pic>
+    </p:spTree>
+    <p:extLst>
+      <p:ext uri="{BB962C8B-B14F-4D97-AF65-F5344CB8AC3E}">
+        <p14:creationId xmlns:p14="http://schemas.microsoft.com/office/powerpoint/2010/main" val="3724529069"/>
+      </p:ext>
+    </p:extLst>
+  </p:cSld>
+  <p:clrMapOvr>
+    <a:masterClrMapping/>
+  </p:clrMapOvr>
+</p:sld>
+</file>
+
+<file path=ppt/slides/slide14.xml><?xml version="1.0" encoding="utf-8"?>
+<p:sld xmlns:a="http://schemas.openxmlformats.org/drawingml/2006/main" xmlns:r="http://schemas.openxmlformats.org/officeDocument/2006/relationships" xmlns:p="http://schemas.openxmlformats.org/presentationml/2006/main">
+  <p:cSld>
+    <p:spTree>
+      <p:nvGrpSpPr>
+        <p:cNvPr id="1" name=""/>
+        <p:cNvGrpSpPr/>
+        <p:nvPr/>
+      </p:nvGrpSpPr>
+      <p:grpSpPr>
+        <a:xfrm>
+          <a:off x="0" y="0"/>
+          <a:ext cx="0" cy="0"/>
+          <a:chOff x="0" y="0"/>
+          <a:chExt cx="0" cy="0"/>
+        </a:xfrm>
+      </p:grpSpPr>
+      <p:sp>
+        <p:nvSpPr>
+          <p:cNvPr id="2" name="Title 1">
+            <a:extLst>
+              <a:ext uri="{FF2B5EF4-FFF2-40B4-BE49-F238E27FC236}">
+                <a16:creationId xmlns:a16="http://schemas.microsoft.com/office/drawing/2014/main" id="{3100542F-51FE-A1AF-A9C8-1D92BB859EE6}"/>
+              </a:ext>
+            </a:extLst>
+          </p:cNvPr>
+          <p:cNvSpPr>
+            <a:spLocks noGrp="1"/>
+          </p:cNvSpPr>
+          <p:nvPr>
+            <p:ph type="title"/>
+          </p:nvPr>
+        </p:nvSpPr>
+        <p:spPr/>
+        <p:txBody>
+          <a:bodyPr/>
+          <a:lstStyle/>
+          <a:p>
+            <a:r>
+              <a:rPr lang="en-US" dirty="0"/>
+              <a:t>Data Analysis and Visualisation</a:t>
+            </a:r>
+          </a:p>
+        </p:txBody>
+      </p:sp>
+      <p:sp>
+        <p:nvSpPr>
+          <p:cNvPr id="13" name="Content Placeholder 12">
+            <a:extLst>
+              <a:ext uri="{FF2B5EF4-FFF2-40B4-BE49-F238E27FC236}">
+                <a16:creationId xmlns:a16="http://schemas.microsoft.com/office/drawing/2014/main" id="{2FAC54D1-C97E-1190-C2F1-8124B2A21F06}"/>
+              </a:ext>
+            </a:extLst>
+          </p:cNvPr>
+          <p:cNvSpPr>
+            <a:spLocks noGrp="1"/>
+          </p:cNvSpPr>
+          <p:nvPr>
+            <p:ph idx="1"/>
+          </p:nvPr>
+        </p:nvSpPr>
+        <p:spPr>
+          <a:xfrm>
+            <a:off x="677334" y="1284051"/>
+            <a:ext cx="8596668" cy="1177047"/>
+          </a:xfrm>
+        </p:spPr>
+        <p:txBody>
+          <a:bodyPr>
+            <a:normAutofit/>
+          </a:bodyPr>
+          <a:lstStyle/>
+          <a:p>
+            <a:r>
+              <a:rPr lang="en-US" b="1" dirty="0"/>
+              <a:t>Cuisines: </a:t>
+            </a:r>
+            <a:r>
+              <a:rPr lang="en-US" dirty="0"/>
+              <a:t>Which cuisine has the healthiest recipes?</a:t>
+            </a:r>
+            <a:endParaRPr lang="en-US" b="1" dirty="0"/>
+          </a:p>
+        </p:txBody>
+      </p:sp>
+      <p:pic>
+        <p:nvPicPr>
+          <p:cNvPr id="4" name="Picture 3" descr="A map of the world with blue circles&#10;&#10;Description automatically generated">
+            <a:extLst>
+              <a:ext uri="{FF2B5EF4-FFF2-40B4-BE49-F238E27FC236}">
+                <a16:creationId xmlns:a16="http://schemas.microsoft.com/office/drawing/2014/main" id="{74162AD2-1ADF-4127-1890-A8DCF2E9E92F}"/>
+              </a:ext>
+            </a:extLst>
+          </p:cNvPr>
+          <p:cNvPicPr>
+            <a:picLocks noChangeAspect="1"/>
+          </p:cNvPicPr>
+          <p:nvPr/>
+        </p:nvPicPr>
+        <p:blipFill>
+          <a:blip r:embed="rId2"/>
+          <a:stretch>
+            <a:fillRect/>
+          </a:stretch>
+        </p:blipFill>
+        <p:spPr>
+          <a:xfrm>
+            <a:off x="1547882" y="1624851"/>
+            <a:ext cx="6855571" cy="5040000"/>
+          </a:xfrm>
+          <a:prstGeom prst="rect">
+            <a:avLst/>
+          </a:prstGeom>
+        </p:spPr>
+      </p:pic>
+    </p:spTree>
+    <p:extLst>
+      <p:ext uri="{BB962C8B-B14F-4D97-AF65-F5344CB8AC3E}">
+        <p14:creationId xmlns:p14="http://schemas.microsoft.com/office/powerpoint/2010/main" val="1840060018"/>
+      </p:ext>
+    </p:extLst>
+  </p:cSld>
+  <p:clrMapOvr>
+    <a:masterClrMapping/>
+  </p:clrMapOvr>
+</p:sld>
+</file>
+
+<file path=ppt/slides/slide15.xml><?xml version="1.0" encoding="utf-8"?>
+<p:sld xmlns:a="http://schemas.openxmlformats.org/drawingml/2006/main" xmlns:r="http://schemas.openxmlformats.org/officeDocument/2006/relationships" xmlns:p="http://schemas.openxmlformats.org/presentationml/2006/main">
+  <p:cSld>
+    <p:bg>
+      <p:bgPr>
+        <a:solidFill>
+          <a:schemeClr val="bg1"/>
+        </a:solidFill>
+        <a:effectLst/>
+      </p:bgPr>
+    </p:bg>
+    <p:spTree>
+      <p:nvGrpSpPr>
+        <p:cNvPr id="1" name=""/>
+        <p:cNvGrpSpPr/>
+        <p:nvPr/>
+      </p:nvGrpSpPr>
+      <p:grpSpPr>
+        <a:xfrm>
+          <a:off x="0" y="0"/>
+          <a:ext cx="0" cy="0"/>
+          <a:chOff x="0" y="0"/>
+          <a:chExt cx="0" cy="0"/>
+        </a:xfrm>
+      </p:grpSpPr>
+      <p:grpSp>
+        <p:nvGrpSpPr>
+          <p:cNvPr id="10" name="Group 9">
+            <a:extLst>
+              <a:ext uri="{FF2B5EF4-FFF2-40B4-BE49-F238E27FC236}">
+                <a16:creationId xmlns:a16="http://schemas.microsoft.com/office/drawing/2014/main" id="{88C9B83F-64CD-41C1-925F-A08801FFD0BD}"/>
+              </a:ext>
+              <a:ext uri="{C183D7F6-B498-43B3-948B-1728B52AA6E4}">
+                <adec:decorative xmlns:adec="http://schemas.microsoft.com/office/drawing/2017/decorative" val="1"/>
+              </a:ext>
+            </a:extLst>
+          </p:cNvPr>
+          <p:cNvGrpSpPr>
+            <a:grpSpLocks noGrp="1" noUngrp="1" noRot="1" noChangeAspect="1" noMove="1" noResize="1"/>
+          </p:cNvGrpSpPr>
+          <p:nvPr>
+            <p:extLst>
+              <p:ext uri="{386F3935-93C4-4BCD-93E2-E3B085C9AB24}">
+                <p16:designElem xmlns:p16="http://schemas.microsoft.com/office/powerpoint/2015/main" val="1"/>
+              </p:ext>
+            </p:extLst>
+          </p:nvPr>
+        </p:nvGrpSpPr>
+        <p:grpSpPr>
+          <a:xfrm>
+            <a:off x="0" y="-8467"/>
+            <a:ext cx="12192000" cy="6866467"/>
+            <a:chOff x="0" y="-8467"/>
+            <a:chExt cx="12192000" cy="6866467"/>
+          </a:xfrm>
+        </p:grpSpPr>
+        <p:cxnSp>
+          <p:nvCxnSpPr>
+            <p:cNvPr id="11" name="Straight Connector 10">
+              <a:extLst>
+                <a:ext uri="{FF2B5EF4-FFF2-40B4-BE49-F238E27FC236}">
+                  <a16:creationId xmlns:a16="http://schemas.microsoft.com/office/drawing/2014/main" id="{E1655065-0BD7-4422-BEC0-4401E998090A}"/>
+                </a:ext>
+                <a:ext uri="{C183D7F6-B498-43B3-948B-1728B52AA6E4}">
+                  <adec:decorative xmlns:adec="http://schemas.microsoft.com/office/drawing/2017/decorative" val="1"/>
+                </a:ext>
+              </a:extLst>
+            </p:cNvPr>
+            <p:cNvCxnSpPr/>
+            <p:nvPr>
+              <p:extLst>
+                <p:ext uri="{386F3935-93C4-4BCD-93E2-E3B085C9AB24}">
+                  <p16:designElem xmlns:p16="http://schemas.microsoft.com/office/powerpoint/2015/main" val="1"/>
+                </p:ext>
+              </p:extLst>
+            </p:nvPr>
+          </p:nvCxnSpPr>
+          <p:spPr>
+            <a:xfrm>
+              <a:off x="9371012" y="0"/>
+              <a:ext cx="1219200" cy="6858000"/>
+            </a:xfrm>
+            <a:prstGeom prst="line">
+              <a:avLst/>
+            </a:prstGeom>
+            <a:ln w="9525">
+              <a:solidFill>
+                <a:schemeClr val="bg1">
+                  <a:lumMod val="75000"/>
+                </a:schemeClr>
+              </a:solidFill>
+            </a:ln>
+          </p:spPr>
+          <p:style>
+            <a:lnRef idx="2">
+              <a:schemeClr val="accent1"/>
+            </a:lnRef>
+            <a:fillRef idx="0">
+              <a:schemeClr val="accent1"/>
+            </a:fillRef>
+            <a:effectRef idx="1">
+              <a:schemeClr val="accent1"/>
+            </a:effectRef>
+            <a:fontRef idx="minor">
+              <a:schemeClr val="tx1"/>
+            </a:fontRef>
+          </p:style>
+        </p:cxnSp>
+        <p:cxnSp>
+          <p:nvCxnSpPr>
+            <p:cNvPr id="12" name="Straight Connector 11">
+              <a:extLst>
+                <a:ext uri="{FF2B5EF4-FFF2-40B4-BE49-F238E27FC236}">
+                  <a16:creationId xmlns:a16="http://schemas.microsoft.com/office/drawing/2014/main" id="{4DDD90AC-ABEC-4A76-9C9C-AD0A5F8FC7F2}"/>
+                </a:ext>
+                <a:ext uri="{C183D7F6-B498-43B3-948B-1728B52AA6E4}">
+                  <adec:decorative xmlns:adec="http://schemas.microsoft.com/office/drawing/2017/decorative" val="1"/>
+                </a:ext>
+              </a:extLst>
+            </p:cNvPr>
+            <p:cNvCxnSpPr/>
+            <p:nvPr>
+              <p:extLst>
+                <p:ext uri="{386F3935-93C4-4BCD-93E2-E3B085C9AB24}">
+                  <p16:designElem xmlns:p16="http://schemas.microsoft.com/office/powerpoint/2015/main" val="1"/>
+                </p:ext>
+              </p:extLst>
+            </p:nvPr>
+          </p:nvCxnSpPr>
+          <p:spPr>
+            <a:xfrm flipH="1">
+              <a:off x="7425267" y="3681413"/>
+              <a:ext cx="4763558" cy="3176587"/>
+            </a:xfrm>
+            <a:prstGeom prst="line">
+              <a:avLst/>
+            </a:prstGeom>
+            <a:ln w="9525">
+              <a:solidFill>
+                <a:schemeClr val="bg1">
+                  <a:lumMod val="85000"/>
+                </a:schemeClr>
+              </a:solidFill>
+            </a:ln>
+          </p:spPr>
+          <p:style>
+            <a:lnRef idx="2">
+              <a:schemeClr val="accent1"/>
+            </a:lnRef>
+            <a:fillRef idx="0">
+              <a:schemeClr val="accent1"/>
+            </a:fillRef>
+            <a:effectRef idx="1">
+              <a:schemeClr val="accent1"/>
+            </a:effectRef>
+            <a:fontRef idx="minor">
+              <a:schemeClr val="tx1"/>
+            </a:fontRef>
+          </p:style>
+        </p:cxnSp>
+        <p:sp>
+          <p:nvSpPr>
+            <p:cNvPr id="13" name="Rectangle 23">
+              <a:extLst>
+                <a:ext uri="{FF2B5EF4-FFF2-40B4-BE49-F238E27FC236}">
+                  <a16:creationId xmlns:a16="http://schemas.microsoft.com/office/drawing/2014/main" id="{21A8AFEF-EC50-4C0B-9C64-814B76C82090}"/>
+                </a:ext>
+                <a:ext uri="{C183D7F6-B498-43B3-948B-1728B52AA6E4}">
+                  <adec:decorative xmlns:adec="http://schemas.microsoft.com/office/drawing/2017/decorative" val="1"/>
+                </a:ext>
+              </a:extLst>
+            </p:cNvPr>
+            <p:cNvSpPr/>
+            <p:nvPr>
+              <p:extLst>
+                <p:ext uri="{386F3935-93C4-4BCD-93E2-E3B085C9AB24}">
+                  <p16:designElem xmlns:p16="http://schemas.microsoft.com/office/powerpoint/2015/main" val="1"/>
+                </p:ext>
+              </p:extLst>
+            </p:nvPr>
+          </p:nvSpPr>
+          <p:spPr>
+            <a:xfrm>
+              <a:off x="9181476" y="-8467"/>
+              <a:ext cx="3007349" cy="6866467"/>
+            </a:xfrm>
+            <a:custGeom>
+              <a:avLst/>
+              <a:gdLst/>
+              <a:ahLst/>
+              <a:cxnLst/>
+              <a:rect l="l" t="t" r="r" b="b"/>
+              <a:pathLst>
+                <a:path w="3007349" h="6866467">
+                  <a:moveTo>
+                    <a:pt x="2045532" y="0"/>
+                  </a:moveTo>
+                  <a:lnTo>
+                    <a:pt x="3007349" y="0"/>
+                  </a:lnTo>
+                  <a:lnTo>
+                    <a:pt x="3007349" y="6866467"/>
+                  </a:lnTo>
+                  <a:lnTo>
+                    <a:pt x="0" y="6866467"/>
+                  </a:lnTo>
+                  <a:lnTo>
+                    <a:pt x="2045532" y="0"/>
+                  </a:lnTo>
+                  <a:close/>
+                </a:path>
+              </a:pathLst>
+            </a:custGeom>
+            <a:solidFill>
+              <a:schemeClr val="accent1">
+                <a:alpha val="30000"/>
+              </a:schemeClr>
+            </a:solidFill>
+            <a:ln>
+              <a:noFill/>
+            </a:ln>
+            <a:effectLst/>
+          </p:spPr>
+          <p:style>
+            <a:lnRef idx="1">
+              <a:schemeClr val="accent1"/>
+            </a:lnRef>
+            <a:fillRef idx="3">
+              <a:schemeClr val="accent1"/>
+            </a:fillRef>
+            <a:effectRef idx="2">
+              <a:schemeClr val="accent1"/>
+            </a:effectRef>
+            <a:fontRef idx="minor">
+              <a:schemeClr val="lt1"/>
+            </a:fontRef>
+          </p:style>
+        </p:sp>
+        <p:sp>
+          <p:nvSpPr>
+            <p:cNvPr id="14" name="Rectangle 25">
+              <a:extLst>
+                <a:ext uri="{FF2B5EF4-FFF2-40B4-BE49-F238E27FC236}">
+                  <a16:creationId xmlns:a16="http://schemas.microsoft.com/office/drawing/2014/main" id="{CAFAA800-E117-4357-84E4-56B63EA03E37}"/>
+                </a:ext>
+                <a:ext uri="{C183D7F6-B498-43B3-948B-1728B52AA6E4}">
+                  <adec:decorative xmlns:adec="http://schemas.microsoft.com/office/drawing/2017/decorative" val="1"/>
+                </a:ext>
+              </a:extLst>
+            </p:cNvPr>
+            <p:cNvSpPr/>
+            <p:nvPr>
+              <p:extLst>
+                <p:ext uri="{386F3935-93C4-4BCD-93E2-E3B085C9AB24}">
+                  <p16:designElem xmlns:p16="http://schemas.microsoft.com/office/powerpoint/2015/main" val="1"/>
+                </p:ext>
+              </p:extLst>
+            </p:nvPr>
+          </p:nvSpPr>
+          <p:spPr>
+            <a:xfrm>
+              <a:off x="9603442" y="-8467"/>
+              <a:ext cx="2588558" cy="6866467"/>
+            </a:xfrm>
+            <a:custGeom>
+              <a:avLst/>
+              <a:gdLst/>
+              <a:ahLst/>
+              <a:cxnLst/>
+              <a:rect l="l" t="t" r="r" b="b"/>
+              <a:pathLst>
+                <a:path w="2573311" h="6866467">
+                  <a:moveTo>
+                    <a:pt x="0" y="0"/>
+                  </a:moveTo>
+                  <a:lnTo>
+                    <a:pt x="2573311" y="0"/>
+                  </a:lnTo>
+                  <a:lnTo>
+                    <a:pt x="2573311" y="6866467"/>
+                  </a:lnTo>
+                  <a:lnTo>
+                    <a:pt x="1202336" y="6866467"/>
+                  </a:lnTo>
+                  <a:lnTo>
+                    <a:pt x="0" y="0"/>
+                  </a:lnTo>
+                  <a:close/>
+                </a:path>
+              </a:pathLst>
+            </a:custGeom>
+            <a:solidFill>
+              <a:schemeClr val="accent1">
+                <a:alpha val="20000"/>
+              </a:schemeClr>
+            </a:solidFill>
+            <a:ln>
+              <a:noFill/>
+            </a:ln>
+            <a:effectLst/>
+          </p:spPr>
+          <p:style>
+            <a:lnRef idx="1">
+              <a:schemeClr val="accent1"/>
+            </a:lnRef>
+            <a:fillRef idx="3">
+              <a:schemeClr val="accent1"/>
+            </a:fillRef>
+            <a:effectRef idx="2">
+              <a:schemeClr val="accent1"/>
+            </a:effectRef>
+            <a:fontRef idx="minor">
+              <a:schemeClr val="lt1"/>
+            </a:fontRef>
+          </p:style>
+        </p:sp>
+        <p:sp>
+          <p:nvSpPr>
+            <p:cNvPr id="15" name="Isosceles Triangle 14">
+              <a:extLst>
+                <a:ext uri="{FF2B5EF4-FFF2-40B4-BE49-F238E27FC236}">
+                  <a16:creationId xmlns:a16="http://schemas.microsoft.com/office/drawing/2014/main" id="{8DDFC9F4-3B45-402D-8AD7-60B3F08ED755}"/>
+                </a:ext>
+                <a:ext uri="{C183D7F6-B498-43B3-948B-1728B52AA6E4}">
+                  <adec:decorative xmlns:adec="http://schemas.microsoft.com/office/drawing/2017/decorative" val="1"/>
+                </a:ext>
+              </a:extLst>
+            </p:cNvPr>
+            <p:cNvSpPr/>
+            <p:nvPr>
+              <p:extLst>
+                <p:ext uri="{386F3935-93C4-4BCD-93E2-E3B085C9AB24}">
+                  <p16:designElem xmlns:p16="http://schemas.microsoft.com/office/powerpoint/2015/main" val="1"/>
+                </p:ext>
+              </p:extLst>
+            </p:nvPr>
+          </p:nvSpPr>
+          <p:spPr>
+            <a:xfrm>
+              <a:off x="8932333" y="3048000"/>
+              <a:ext cx="3259667" cy="3810000"/>
+            </a:xfrm>
+            <a:prstGeom prst="triangle">
+              <a:avLst>
+                <a:gd name="adj" fmla="val 100000"/>
+              </a:avLst>
+            </a:prstGeom>
+            <a:solidFill>
+              <a:schemeClr val="accent2">
+                <a:alpha val="72000"/>
+              </a:schemeClr>
+            </a:solidFill>
+            <a:ln>
+              <a:noFill/>
+            </a:ln>
+            <a:effectLst/>
+          </p:spPr>
+          <p:style>
+            <a:lnRef idx="1">
+              <a:schemeClr val="accent1"/>
+            </a:lnRef>
+            <a:fillRef idx="3">
+              <a:schemeClr val="accent1"/>
+            </a:fillRef>
+            <a:effectRef idx="2">
+              <a:schemeClr val="accent1"/>
+            </a:effectRef>
+            <a:fontRef idx="minor">
+              <a:schemeClr val="lt1"/>
+            </a:fontRef>
+          </p:style>
+        </p:sp>
+        <p:sp>
+          <p:nvSpPr>
+            <p:cNvPr id="16" name="Rectangle 27">
+              <a:extLst>
+                <a:ext uri="{FF2B5EF4-FFF2-40B4-BE49-F238E27FC236}">
+                  <a16:creationId xmlns:a16="http://schemas.microsoft.com/office/drawing/2014/main" id="{F26A0854-FBE4-4587-B349-06BE192BD7F6}"/>
+                </a:ext>
+                <a:ext uri="{C183D7F6-B498-43B3-948B-1728B52AA6E4}">
+                  <adec:decorative xmlns:adec="http://schemas.microsoft.com/office/drawing/2017/decorative" val="1"/>
+                </a:ext>
+              </a:extLst>
+            </p:cNvPr>
+            <p:cNvSpPr/>
+            <p:nvPr>
+              <p:extLst>
+                <p:ext uri="{386F3935-93C4-4BCD-93E2-E3B085C9AB24}">
+                  <p16:designElem xmlns:p16="http://schemas.microsoft.com/office/powerpoint/2015/main" val="1"/>
+                </p:ext>
+              </p:extLst>
+            </p:nvPr>
+          </p:nvSpPr>
+          <p:spPr>
+            <a:xfrm>
+              <a:off x="9334500" y="-8467"/>
+              <a:ext cx="2854326" cy="6866467"/>
+            </a:xfrm>
+            <a:custGeom>
+              <a:avLst/>
+              <a:gdLst/>
+              <a:ahLst/>
+              <a:cxnLst/>
+              <a:rect l="l" t="t" r="r" b="b"/>
+              <a:pathLst>
+                <a:path w="2858013" h="6866467">
+                  <a:moveTo>
+                    <a:pt x="0" y="0"/>
+                  </a:moveTo>
+                  <a:lnTo>
+                    <a:pt x="2858013" y="0"/>
+                  </a:lnTo>
+                  <a:lnTo>
+                    <a:pt x="2858013" y="6866467"/>
+                  </a:lnTo>
+                  <a:lnTo>
+                    <a:pt x="2473942" y="6866467"/>
+                  </a:lnTo>
+                  <a:lnTo>
+                    <a:pt x="0" y="0"/>
+                  </a:lnTo>
+                  <a:close/>
+                </a:path>
+              </a:pathLst>
+            </a:custGeom>
+            <a:solidFill>
+              <a:schemeClr val="accent2">
+                <a:lumMod val="75000"/>
+                <a:alpha val="70000"/>
+              </a:schemeClr>
+            </a:solidFill>
+            <a:ln>
+              <a:noFill/>
+            </a:ln>
+            <a:effectLst/>
+          </p:spPr>
+          <p:style>
+            <a:lnRef idx="1">
+              <a:schemeClr val="accent1"/>
+            </a:lnRef>
+            <a:fillRef idx="3">
+              <a:schemeClr val="accent1"/>
+            </a:fillRef>
+            <a:effectRef idx="2">
+              <a:schemeClr val="accent1"/>
+            </a:effectRef>
+            <a:fontRef idx="minor">
+              <a:schemeClr val="lt1"/>
+            </a:fontRef>
+          </p:style>
+        </p:sp>
+        <p:sp>
+          <p:nvSpPr>
+            <p:cNvPr id="17" name="Rectangle 28">
+              <a:extLst>
+                <a:ext uri="{FF2B5EF4-FFF2-40B4-BE49-F238E27FC236}">
+                  <a16:creationId xmlns:a16="http://schemas.microsoft.com/office/drawing/2014/main" id="{54A9C4C6-FF7D-470E-BFCA-CE4F60A1F0A8}"/>
+                </a:ext>
+                <a:ext uri="{C183D7F6-B498-43B3-948B-1728B52AA6E4}">
+                  <adec:decorative xmlns:adec="http://schemas.microsoft.com/office/drawing/2017/decorative" val="1"/>
+                </a:ext>
+              </a:extLst>
+            </p:cNvPr>
+            <p:cNvSpPr/>
+            <p:nvPr>
+              <p:extLst>
+                <p:ext uri="{386F3935-93C4-4BCD-93E2-E3B085C9AB24}">
+                  <p16:designElem xmlns:p16="http://schemas.microsoft.com/office/powerpoint/2015/main" val="1"/>
+                </p:ext>
+              </p:extLst>
+            </p:nvPr>
+          </p:nvSpPr>
+          <p:spPr>
+            <a:xfrm>
+              <a:off x="10898730" y="-8467"/>
+              <a:ext cx="1290094" cy="6866467"/>
+            </a:xfrm>
+            <a:custGeom>
+              <a:avLst/>
+              <a:gdLst/>
+              <a:ahLst/>
+              <a:cxnLst/>
+              <a:rect l="l" t="t" r="r" b="b"/>
+              <a:pathLst>
+                <a:path w="1290094" h="6858000">
+                  <a:moveTo>
+                    <a:pt x="1019735" y="0"/>
+                  </a:moveTo>
+                  <a:lnTo>
+                    <a:pt x="1290094" y="0"/>
+                  </a:lnTo>
+                  <a:lnTo>
+                    <a:pt x="1290094" y="6858000"/>
+                  </a:lnTo>
+                  <a:lnTo>
+                    <a:pt x="0" y="6858000"/>
+                  </a:lnTo>
+                  <a:lnTo>
+                    <a:pt x="1019735" y="0"/>
+                  </a:lnTo>
+                  <a:close/>
+                </a:path>
+              </a:pathLst>
+            </a:custGeom>
+            <a:solidFill>
+              <a:schemeClr val="accent1">
+                <a:lumMod val="60000"/>
+                <a:lumOff val="40000"/>
+                <a:alpha val="70000"/>
+              </a:schemeClr>
+            </a:solidFill>
+            <a:ln>
+              <a:noFill/>
+            </a:ln>
+            <a:effectLst/>
+          </p:spPr>
+          <p:style>
+            <a:lnRef idx="1">
+              <a:schemeClr val="accent1"/>
+            </a:lnRef>
+            <a:fillRef idx="3">
+              <a:schemeClr val="accent1"/>
+            </a:fillRef>
+            <a:effectRef idx="2">
+              <a:schemeClr val="accent1"/>
+            </a:effectRef>
+            <a:fontRef idx="minor">
+              <a:schemeClr val="lt1"/>
+            </a:fontRef>
+          </p:style>
+        </p:sp>
+        <p:sp>
+          <p:nvSpPr>
+            <p:cNvPr id="18" name="Rectangle 29">
+              <a:extLst>
+                <a:ext uri="{FF2B5EF4-FFF2-40B4-BE49-F238E27FC236}">
+                  <a16:creationId xmlns:a16="http://schemas.microsoft.com/office/drawing/2014/main" id="{B1721EA8-4871-45D4-B78F-AE805A3004B1}"/>
+                </a:ext>
+                <a:ext uri="{C183D7F6-B498-43B3-948B-1728B52AA6E4}">
+                  <adec:decorative xmlns:adec="http://schemas.microsoft.com/office/drawing/2017/decorative" val="1"/>
+                </a:ext>
+              </a:extLst>
+            </p:cNvPr>
+            <p:cNvSpPr/>
+            <p:nvPr>
+              <p:extLst>
+                <p:ext uri="{386F3935-93C4-4BCD-93E2-E3B085C9AB24}">
+                  <p16:designElem xmlns:p16="http://schemas.microsoft.com/office/powerpoint/2015/main" val="1"/>
+                </p:ext>
+              </p:extLst>
+            </p:nvPr>
+          </p:nvSpPr>
+          <p:spPr>
+            <a:xfrm>
+              <a:off x="10938999" y="-8467"/>
+              <a:ext cx="1249825" cy="6866467"/>
+            </a:xfrm>
+            <a:custGeom>
+              <a:avLst/>
+              <a:gdLst/>
+              <a:ahLst/>
+              <a:cxnLst/>
+              <a:rect l="l" t="t" r="r" b="b"/>
+              <a:pathLst>
+                <a:path w="1249825" h="6858000">
+                  <a:moveTo>
+                    <a:pt x="0" y="0"/>
+                  </a:moveTo>
+                  <a:lnTo>
+                    <a:pt x="1249825" y="0"/>
+                  </a:lnTo>
+                  <a:lnTo>
+                    <a:pt x="1249825" y="6858000"/>
+                  </a:lnTo>
+                  <a:lnTo>
+                    <a:pt x="1109382" y="6858000"/>
+                  </a:lnTo>
+                  <a:lnTo>
+                    <a:pt x="0" y="0"/>
+                  </a:lnTo>
+                  <a:close/>
+                </a:path>
+              </a:pathLst>
+            </a:custGeom>
+            <a:solidFill>
+              <a:schemeClr val="accent1">
+                <a:alpha val="65000"/>
+              </a:schemeClr>
+            </a:solidFill>
+            <a:ln>
+              <a:noFill/>
+            </a:ln>
+            <a:effectLst/>
+          </p:spPr>
+          <p:style>
+            <a:lnRef idx="1">
+              <a:schemeClr val="accent1"/>
+            </a:lnRef>
+            <a:fillRef idx="3">
+              <a:schemeClr val="accent1"/>
+            </a:fillRef>
+            <a:effectRef idx="2">
+              <a:schemeClr val="accent1"/>
+            </a:effectRef>
+            <a:fontRef idx="minor">
+              <a:schemeClr val="lt1"/>
+            </a:fontRef>
+          </p:style>
+        </p:sp>
+        <p:sp>
+          <p:nvSpPr>
+            <p:cNvPr id="19" name="Isosceles Triangle 18">
+              <a:extLst>
+                <a:ext uri="{FF2B5EF4-FFF2-40B4-BE49-F238E27FC236}">
+                  <a16:creationId xmlns:a16="http://schemas.microsoft.com/office/drawing/2014/main" id="{E5763971-E3A3-45C6-9BA8-2E032C7A55EB}"/>
+                </a:ext>
+                <a:ext uri="{C183D7F6-B498-43B3-948B-1728B52AA6E4}">
+                  <adec:decorative xmlns:adec="http://schemas.microsoft.com/office/drawing/2017/decorative" val="1"/>
+                </a:ext>
+              </a:extLst>
+            </p:cNvPr>
+            <p:cNvSpPr/>
+            <p:nvPr>
+              <p:extLst>
+                <p:ext uri="{386F3935-93C4-4BCD-93E2-E3B085C9AB24}">
+                  <p16:designElem xmlns:p16="http://schemas.microsoft.com/office/powerpoint/2015/main" val="1"/>
+                </p:ext>
+              </p:extLst>
+            </p:nvPr>
+          </p:nvSpPr>
+          <p:spPr>
+            <a:xfrm>
+              <a:off x="10371666" y="3589867"/>
+              <a:ext cx="1817159" cy="3268133"/>
+            </a:xfrm>
+            <a:prstGeom prst="triangle">
+              <a:avLst>
+                <a:gd name="adj" fmla="val 100000"/>
+              </a:avLst>
+            </a:prstGeom>
+            <a:solidFill>
+              <a:schemeClr val="accent1">
+                <a:alpha val="80000"/>
+              </a:schemeClr>
+            </a:solidFill>
+            <a:ln>
+              <a:noFill/>
+            </a:ln>
+            <a:effectLst/>
+          </p:spPr>
+          <p:style>
+            <a:lnRef idx="1">
+              <a:schemeClr val="accent1"/>
+            </a:lnRef>
+            <a:fillRef idx="3">
+              <a:schemeClr val="accent1"/>
+            </a:fillRef>
+            <a:effectRef idx="2">
+              <a:schemeClr val="accent1"/>
+            </a:effectRef>
+            <a:fontRef idx="minor">
+              <a:schemeClr val="lt1"/>
+            </a:fontRef>
+          </p:style>
+        </p:sp>
+        <p:sp>
+          <p:nvSpPr>
+            <p:cNvPr id="20" name="Isosceles Triangle 19">
+              <a:extLst>
+                <a:ext uri="{FF2B5EF4-FFF2-40B4-BE49-F238E27FC236}">
+                  <a16:creationId xmlns:a16="http://schemas.microsoft.com/office/drawing/2014/main" id="{32752E94-0E01-4AF5-A43A-F2FAD8737C29}"/>
+                </a:ext>
+                <a:ext uri="{C183D7F6-B498-43B3-948B-1728B52AA6E4}">
+                  <adec:decorative xmlns:adec="http://schemas.microsoft.com/office/drawing/2017/decorative" val="1"/>
+                </a:ext>
+              </a:extLst>
+            </p:cNvPr>
+            <p:cNvSpPr/>
+            <p:nvPr>
+              <p:extLst>
+                <p:ext uri="{386F3935-93C4-4BCD-93E2-E3B085C9AB24}">
+                  <p16:designElem xmlns:p16="http://schemas.microsoft.com/office/powerpoint/2015/main" val="1"/>
+                </p:ext>
+              </p:extLst>
+            </p:nvPr>
+          </p:nvSpPr>
+          <p:spPr>
+            <a:xfrm rot="10800000">
+              <a:off x="0" y="0"/>
+              <a:ext cx="842596" cy="5666154"/>
+            </a:xfrm>
+            <a:prstGeom prst="triangle">
+              <a:avLst>
+                <a:gd name="adj" fmla="val 100000"/>
+              </a:avLst>
+            </a:prstGeom>
+            <a:solidFill>
+              <a:schemeClr val="accent1">
+                <a:alpha val="85000"/>
+              </a:schemeClr>
+            </a:solidFill>
+            <a:ln>
+              <a:noFill/>
+            </a:ln>
+            <a:effectLst/>
+          </p:spPr>
+          <p:style>
+            <a:lnRef idx="1">
+              <a:schemeClr val="accent1"/>
+            </a:lnRef>
+            <a:fillRef idx="3">
+              <a:schemeClr val="accent1"/>
+            </a:fillRef>
+            <a:effectRef idx="2">
+              <a:schemeClr val="accent1"/>
+            </a:effectRef>
+            <a:fontRef idx="minor">
+              <a:schemeClr val="lt1"/>
+            </a:fontRef>
+          </p:style>
+        </p:sp>
+      </p:grpSp>
+      <p:pic>
+        <p:nvPicPr>
+          <p:cNvPr id="5" name="Content Placeholder 4" descr="A pan of food with limes&#10;&#10;Description automatically generated">
+            <a:extLst>
+              <a:ext uri="{FF2B5EF4-FFF2-40B4-BE49-F238E27FC236}">
+                <a16:creationId xmlns:a16="http://schemas.microsoft.com/office/drawing/2014/main" id="{AEB23F07-5365-DC6B-8489-67477F94F9AB}"/>
+              </a:ext>
+            </a:extLst>
+          </p:cNvPr>
+          <p:cNvPicPr>
+            <a:picLocks noGrp="1" noChangeAspect="1"/>
+          </p:cNvPicPr>
+          <p:nvPr>
+            <p:ph idx="1"/>
+          </p:nvPr>
+        </p:nvPicPr>
+        <p:blipFill rotWithShape="1">
+          <a:blip r:embed="rId2"/>
+          <a:srcRect l="4376" r="25526" b="9091"/>
+          <a:stretch/>
+        </p:blipFill>
+        <p:spPr>
+          <a:xfrm>
+            <a:off x="4269854" y="-1"/>
+            <a:ext cx="7922146" cy="6858001"/>
+          </a:xfrm>
+          <a:custGeom>
+            <a:avLst/>
+            <a:gdLst/>
+            <a:ahLst/>
+            <a:cxnLst/>
+            <a:rect l="l" t="t" r="r" b="b"/>
+            <a:pathLst>
+              <a:path w="7922146" h="6858001">
+                <a:moveTo>
+                  <a:pt x="379987" y="0"/>
+                </a:moveTo>
+                <a:lnTo>
+                  <a:pt x="5304971" y="0"/>
+                </a:lnTo>
+                <a:lnTo>
+                  <a:pt x="7065281" y="0"/>
+                </a:lnTo>
+                <a:lnTo>
+                  <a:pt x="7397540" y="0"/>
+                </a:lnTo>
+                <a:lnTo>
+                  <a:pt x="7397540" y="1"/>
+                </a:lnTo>
+                <a:lnTo>
+                  <a:pt x="7922146" y="1"/>
+                </a:lnTo>
+                <a:lnTo>
+                  <a:pt x="7922146" y="6858001"/>
+                </a:lnTo>
+                <a:lnTo>
+                  <a:pt x="7065281" y="6858001"/>
+                </a:lnTo>
+                <a:lnTo>
+                  <a:pt x="7065281" y="6858000"/>
+                </a:lnTo>
+                <a:lnTo>
+                  <a:pt x="5932989" y="6858000"/>
+                </a:lnTo>
+                <a:lnTo>
+                  <a:pt x="5932989" y="6858001"/>
+                </a:lnTo>
+                <a:lnTo>
+                  <a:pt x="27809" y="6858001"/>
+                </a:lnTo>
+                <a:lnTo>
+                  <a:pt x="1803228" y="4521201"/>
+                </a:lnTo>
+                <a:close/>
+                <a:moveTo>
+                  <a:pt x="0" y="0"/>
+                </a:moveTo>
+                <a:lnTo>
+                  <a:pt x="379987" y="0"/>
+                </a:lnTo>
+                <a:lnTo>
+                  <a:pt x="0" y="407"/>
+                </a:lnTo>
+                <a:close/>
+              </a:path>
+            </a:pathLst>
+          </a:custGeom>
+        </p:spPr>
+      </p:pic>
+      <p:sp>
+        <p:nvSpPr>
+          <p:cNvPr id="2" name="Title 1">
+            <a:extLst>
+              <a:ext uri="{FF2B5EF4-FFF2-40B4-BE49-F238E27FC236}">
+                <a16:creationId xmlns:a16="http://schemas.microsoft.com/office/drawing/2014/main" id="{10DD4EC6-51B9-8C29-6ED2-7670962391D6}"/>
+              </a:ext>
+            </a:extLst>
+          </p:cNvPr>
+          <p:cNvSpPr>
+            <a:spLocks noGrp="1"/>
+          </p:cNvSpPr>
+          <p:nvPr>
+            <p:ph type="title"/>
+          </p:nvPr>
+        </p:nvSpPr>
+        <p:spPr>
+          <a:xfrm>
+            <a:off x="619898" y="200062"/>
+            <a:ext cx="4088190" cy="2144304"/>
+          </a:xfrm>
+        </p:spPr>
+        <p:txBody>
+          <a:bodyPr vert="horz" lIns="91440" tIns="45720" rIns="91440" bIns="45720" rtlCol="0" anchor="b">
+            <a:normAutofit/>
+          </a:bodyPr>
+          <a:lstStyle/>
+          <a:p>
+            <a:pPr algn="ctr"/>
+            <a:r>
+              <a:rPr lang="en-US" sz="4800" dirty="0"/>
+              <a:t>Cajun Fried Chicken Strips</a:t>
+            </a:r>
+          </a:p>
+        </p:txBody>
+      </p:sp>
+      <p:cxnSp>
+        <p:nvCxnSpPr>
+          <p:cNvPr id="22" name="Straight Connector 21">
+            <a:extLst>
+              <a:ext uri="{FF2B5EF4-FFF2-40B4-BE49-F238E27FC236}">
+                <a16:creationId xmlns:a16="http://schemas.microsoft.com/office/drawing/2014/main" id="{A57C1A16-B8AB-4D99-A195-A38F556A6486}"/>
+              </a:ext>
+              <a:ext uri="{C183D7F6-B498-43B3-948B-1728B52AA6E4}">
+                <adec:decorative xmlns:adec="http://schemas.microsoft.com/office/drawing/2017/decorative" val="1"/>
+              </a:ext>
+            </a:extLst>
+          </p:cNvPr>
+          <p:cNvCxnSpPr>
+            <a:cxnSpLocks noGrp="1" noRot="1" noChangeAspect="1" noMove="1" noResize="1" noEditPoints="1" noAdjustHandles="1" noChangeArrowheads="1" noChangeShapeType="1"/>
+          </p:cNvCxnSpPr>
+          <p:nvPr>
+            <p:extLst>
+              <p:ext uri="{386F3935-93C4-4BCD-93E2-E3B085C9AB24}">
+                <p16:designElem xmlns:p16="http://schemas.microsoft.com/office/powerpoint/2015/main" val="1"/>
+              </p:ext>
+            </p:extLst>
+          </p:nvPr>
+        </p:nvCxnSpPr>
+        <p:spPr>
+          <a:xfrm>
+            <a:off x="9371012" y="0"/>
+            <a:ext cx="1219200" cy="6858000"/>
+          </a:xfrm>
+          <a:prstGeom prst="line">
+            <a:avLst/>
+          </a:prstGeom>
+          <a:ln w="9525">
+            <a:solidFill>
+              <a:schemeClr val="bg1">
+                <a:lumMod val="75000"/>
+              </a:schemeClr>
+            </a:solidFill>
+          </a:ln>
+        </p:spPr>
+        <p:style>
+          <a:lnRef idx="2">
+            <a:schemeClr val="accent1"/>
+          </a:lnRef>
+          <a:fillRef idx="0">
+            <a:schemeClr val="accent1"/>
+          </a:fillRef>
+          <a:effectRef idx="1">
+            <a:schemeClr val="accent1"/>
+          </a:effectRef>
+          <a:fontRef idx="minor">
+            <a:schemeClr val="tx1"/>
+          </a:fontRef>
+        </p:style>
+      </p:cxnSp>
+      <p:cxnSp>
+        <p:nvCxnSpPr>
+          <p:cNvPr id="24" name="Straight Connector 23">
+            <a:extLst>
+              <a:ext uri="{FF2B5EF4-FFF2-40B4-BE49-F238E27FC236}">
+                <a16:creationId xmlns:a16="http://schemas.microsoft.com/office/drawing/2014/main" id="{F8A9B20B-D1DD-4573-B5EC-558029519236}"/>
+              </a:ext>
+              <a:ext uri="{C183D7F6-B498-43B3-948B-1728B52AA6E4}">
+                <adec:decorative xmlns:adec="http://schemas.microsoft.com/office/drawing/2017/decorative" val="1"/>
+              </a:ext>
+            </a:extLst>
+          </p:cNvPr>
+          <p:cNvCxnSpPr>
+            <a:cxnSpLocks noGrp="1" noRot="1" noChangeAspect="1" noMove="1" noResize="1" noEditPoints="1" noAdjustHandles="1" noChangeArrowheads="1" noChangeShapeType="1"/>
+          </p:cNvCxnSpPr>
+          <p:nvPr>
+            <p:extLst>
+              <p:ext uri="{386F3935-93C4-4BCD-93E2-E3B085C9AB24}">
+                <p16:designElem xmlns:p16="http://schemas.microsoft.com/office/powerpoint/2015/main" val="1"/>
+              </p:ext>
+            </p:extLst>
+          </p:nvPr>
+        </p:nvCxnSpPr>
+        <p:spPr>
+          <a:xfrm flipH="1">
+            <a:off x="7425267" y="3681413"/>
+            <a:ext cx="4763558" cy="3176587"/>
+          </a:xfrm>
+          <a:prstGeom prst="line">
+            <a:avLst/>
+          </a:prstGeom>
+          <a:ln w="9525">
+            <a:solidFill>
+              <a:schemeClr val="bg1">
+                <a:lumMod val="85000"/>
+              </a:schemeClr>
+            </a:solidFill>
+          </a:ln>
+        </p:spPr>
+        <p:style>
+          <a:lnRef idx="2">
+            <a:schemeClr val="accent1"/>
+          </a:lnRef>
+          <a:fillRef idx="0">
+            <a:schemeClr val="accent1"/>
+          </a:fillRef>
+          <a:effectRef idx="1">
+            <a:schemeClr val="accent1"/>
+          </a:effectRef>
+          <a:fontRef idx="minor">
+            <a:schemeClr val="tx1"/>
+          </a:fontRef>
+        </p:style>
+      </p:cxnSp>
+      <p:sp>
+        <p:nvSpPr>
+          <p:cNvPr id="26" name="Rectangle 23">
+            <a:extLst>
+              <a:ext uri="{FF2B5EF4-FFF2-40B4-BE49-F238E27FC236}">
+                <a16:creationId xmlns:a16="http://schemas.microsoft.com/office/drawing/2014/main" id="{66D61E08-70C3-48D8-BEA0-787111DC30DA}"/>
+              </a:ext>
+              <a:ext uri="{C183D7F6-B498-43B3-948B-1728B52AA6E4}">
+                <adec:decorative xmlns:adec="http://schemas.microsoft.com/office/drawing/2017/decorative" val="1"/>
+              </a:ext>
+            </a:extLst>
+          </p:cNvPr>
+          <p:cNvSpPr>
+            <a:spLocks noGrp="1" noRot="1" noChangeAspect="1" noMove="1" noResize="1" noEditPoints="1" noAdjustHandles="1" noChangeArrowheads="1" noChangeShapeType="1" noTextEdit="1"/>
+          </p:cNvSpPr>
+          <p:nvPr>
+            <p:extLst>
+              <p:ext uri="{386F3935-93C4-4BCD-93E2-E3B085C9AB24}">
+                <p16:designElem xmlns:p16="http://schemas.microsoft.com/office/powerpoint/2015/main" val="1"/>
+              </p:ext>
+            </p:extLst>
+          </p:nvPr>
+        </p:nvSpPr>
+        <p:spPr>
+          <a:xfrm>
+            <a:off x="9181476" y="-8467"/>
+            <a:ext cx="3007349" cy="6866467"/>
+          </a:xfrm>
+          <a:custGeom>
+            <a:avLst/>
+            <a:gdLst/>
+            <a:ahLst/>
+            <a:cxnLst/>
+            <a:rect l="l" t="t" r="r" b="b"/>
+            <a:pathLst>
+              <a:path w="3007349" h="6866467">
+                <a:moveTo>
+                  <a:pt x="2045532" y="0"/>
+                </a:moveTo>
+                <a:lnTo>
+                  <a:pt x="3007349" y="0"/>
+                </a:lnTo>
+                <a:lnTo>
+                  <a:pt x="3007349" y="6866467"/>
+                </a:lnTo>
+                <a:lnTo>
+                  <a:pt x="0" y="6866467"/>
+                </a:lnTo>
+                <a:lnTo>
+                  <a:pt x="2045532" y="0"/>
+                </a:lnTo>
+                <a:close/>
+              </a:path>
+            </a:pathLst>
+          </a:custGeom>
+          <a:solidFill>
+            <a:schemeClr val="accent1">
+              <a:alpha val="30000"/>
+            </a:schemeClr>
+          </a:solidFill>
+          <a:ln>
+            <a:noFill/>
+          </a:ln>
+          <a:effectLst/>
+        </p:spPr>
+        <p:style>
+          <a:lnRef idx="1">
+            <a:schemeClr val="accent1"/>
+          </a:lnRef>
+          <a:fillRef idx="3">
+            <a:schemeClr val="accent1"/>
+          </a:fillRef>
+          <a:effectRef idx="2">
+            <a:schemeClr val="accent1"/>
+          </a:effectRef>
+          <a:fontRef idx="minor">
+            <a:schemeClr val="lt1"/>
+          </a:fontRef>
+        </p:style>
+      </p:sp>
+      <p:sp>
+        <p:nvSpPr>
+          <p:cNvPr id="28" name="Rectangle 25">
+            <a:extLst>
+              <a:ext uri="{FF2B5EF4-FFF2-40B4-BE49-F238E27FC236}">
+                <a16:creationId xmlns:a16="http://schemas.microsoft.com/office/drawing/2014/main" id="{FC55298F-0AE5-478E-AD2B-03C2614C5833}"/>
+              </a:ext>
+              <a:ext uri="{C183D7F6-B498-43B3-948B-1728B52AA6E4}">
+                <adec:decorative xmlns:adec="http://schemas.microsoft.com/office/drawing/2017/decorative" val="1"/>
+              </a:ext>
+            </a:extLst>
+          </p:cNvPr>
+          <p:cNvSpPr>
+            <a:spLocks noGrp="1" noRot="1" noChangeAspect="1" noMove="1" noResize="1" noEditPoints="1" noAdjustHandles="1" noChangeArrowheads="1" noChangeShapeType="1" noTextEdit="1"/>
+          </p:cNvSpPr>
+          <p:nvPr>
+            <p:extLst>
+              <p:ext uri="{386F3935-93C4-4BCD-93E2-E3B085C9AB24}">
+                <p16:designElem xmlns:p16="http://schemas.microsoft.com/office/powerpoint/2015/main" val="1"/>
+              </p:ext>
+            </p:extLst>
+          </p:nvPr>
+        </p:nvSpPr>
+        <p:spPr>
+          <a:xfrm>
+            <a:off x="9603442" y="-8467"/>
+            <a:ext cx="2588558" cy="6866467"/>
+          </a:xfrm>
+          <a:custGeom>
+            <a:avLst/>
+            <a:gdLst/>
+            <a:ahLst/>
+            <a:cxnLst/>
+            <a:rect l="l" t="t" r="r" b="b"/>
+            <a:pathLst>
+              <a:path w="2573311" h="6866467">
+                <a:moveTo>
+                  <a:pt x="0" y="0"/>
+                </a:moveTo>
+                <a:lnTo>
+                  <a:pt x="2573311" y="0"/>
+                </a:lnTo>
+                <a:lnTo>
+                  <a:pt x="2573311" y="6866467"/>
+                </a:lnTo>
+                <a:lnTo>
+                  <a:pt x="1202336" y="6866467"/>
+                </a:lnTo>
+                <a:lnTo>
+                  <a:pt x="0" y="0"/>
+                </a:lnTo>
+                <a:close/>
+              </a:path>
+            </a:pathLst>
+          </a:custGeom>
+          <a:solidFill>
+            <a:schemeClr val="accent1">
+              <a:alpha val="20000"/>
+            </a:schemeClr>
+          </a:solidFill>
+          <a:ln>
+            <a:noFill/>
+          </a:ln>
+          <a:effectLst/>
+        </p:spPr>
+        <p:style>
+          <a:lnRef idx="1">
+            <a:schemeClr val="accent1"/>
+          </a:lnRef>
+          <a:fillRef idx="3">
+            <a:schemeClr val="accent1"/>
+          </a:fillRef>
+          <a:effectRef idx="2">
+            <a:schemeClr val="accent1"/>
+          </a:effectRef>
+          <a:fontRef idx="minor">
+            <a:schemeClr val="lt1"/>
+          </a:fontRef>
+        </p:style>
+      </p:sp>
+      <p:sp>
+        <p:nvSpPr>
+          <p:cNvPr id="30" name="Isosceles Triangle 24">
+            <a:extLst>
+              <a:ext uri="{FF2B5EF4-FFF2-40B4-BE49-F238E27FC236}">
+                <a16:creationId xmlns:a16="http://schemas.microsoft.com/office/drawing/2014/main" id="{C180E4EA-0B63-4779-A895-7E90E71088F3}"/>
+              </a:ext>
+              <a:ext uri="{C183D7F6-B498-43B3-948B-1728B52AA6E4}">
+                <adec:decorative xmlns:adec="http://schemas.microsoft.com/office/drawing/2017/decorative" val="1"/>
+              </a:ext>
+            </a:extLst>
+          </p:cNvPr>
+          <p:cNvSpPr>
+            <a:spLocks noGrp="1" noRot="1" noChangeAspect="1" noMove="1" noResize="1" noEditPoints="1" noAdjustHandles="1" noChangeArrowheads="1" noChangeShapeType="1" noTextEdit="1"/>
+          </p:cNvSpPr>
+          <p:nvPr>
+            <p:extLst>
+              <p:ext uri="{386F3935-93C4-4BCD-93E2-E3B085C9AB24}">
+                <p16:designElem xmlns:p16="http://schemas.microsoft.com/office/powerpoint/2015/main" val="1"/>
+              </p:ext>
+            </p:extLst>
+          </p:nvPr>
+        </p:nvSpPr>
+        <p:spPr>
+          <a:xfrm>
+            <a:off x="8932333" y="3048000"/>
+            <a:ext cx="3259667" cy="3810000"/>
+          </a:xfrm>
+          <a:prstGeom prst="triangle">
+            <a:avLst>
+              <a:gd name="adj" fmla="val 100000"/>
+            </a:avLst>
+          </a:prstGeom>
+          <a:solidFill>
+            <a:schemeClr val="accent2">
+              <a:alpha val="72000"/>
+            </a:schemeClr>
+          </a:solidFill>
+          <a:ln>
+            <a:noFill/>
+          </a:ln>
+          <a:effectLst/>
+        </p:spPr>
+        <p:style>
+          <a:lnRef idx="1">
+            <a:schemeClr val="accent1"/>
+          </a:lnRef>
+          <a:fillRef idx="3">
+            <a:schemeClr val="accent1"/>
+          </a:fillRef>
+          <a:effectRef idx="2">
+            <a:schemeClr val="accent1"/>
+          </a:effectRef>
+          <a:fontRef idx="minor">
+            <a:schemeClr val="lt1"/>
+          </a:fontRef>
+        </p:style>
+      </p:sp>
+      <p:sp>
+        <p:nvSpPr>
+          <p:cNvPr id="32" name="Rectangle 27">
+            <a:extLst>
+              <a:ext uri="{FF2B5EF4-FFF2-40B4-BE49-F238E27FC236}">
+                <a16:creationId xmlns:a16="http://schemas.microsoft.com/office/drawing/2014/main" id="{CEE01D9D-3DE8-4EED-B0D3-8F3C79CC7673}"/>
+              </a:ext>
+              <a:ext uri="{C183D7F6-B498-43B3-948B-1728B52AA6E4}">
+                <adec:decorative xmlns:adec="http://schemas.microsoft.com/office/drawing/2017/decorative" val="1"/>
+              </a:ext>
+            </a:extLst>
+          </p:cNvPr>
+          <p:cNvSpPr>
+            <a:spLocks noGrp="1" noRot="1" noChangeAspect="1" noMove="1" noResize="1" noEditPoints="1" noAdjustHandles="1" noChangeArrowheads="1" noChangeShapeType="1" noTextEdit="1"/>
+          </p:cNvSpPr>
+          <p:nvPr>
+            <p:extLst>
+              <p:ext uri="{386F3935-93C4-4BCD-93E2-E3B085C9AB24}">
+                <p16:designElem xmlns:p16="http://schemas.microsoft.com/office/powerpoint/2015/main" val="1"/>
+              </p:ext>
+            </p:extLst>
+          </p:nvPr>
+        </p:nvSpPr>
+        <p:spPr>
+          <a:xfrm>
+            <a:off x="9334500" y="-8467"/>
+            <a:ext cx="2854326" cy="6866467"/>
+          </a:xfrm>
+          <a:custGeom>
+            <a:avLst/>
+            <a:gdLst/>
+            <a:ahLst/>
+            <a:cxnLst/>
+            <a:rect l="l" t="t" r="r" b="b"/>
+            <a:pathLst>
+              <a:path w="2858013" h="6866467">
+                <a:moveTo>
+                  <a:pt x="0" y="0"/>
+                </a:moveTo>
+                <a:lnTo>
+                  <a:pt x="2858013" y="0"/>
+                </a:lnTo>
+                <a:lnTo>
+                  <a:pt x="2858013" y="6866467"/>
+                </a:lnTo>
+                <a:lnTo>
+                  <a:pt x="2473942" y="6866467"/>
+                </a:lnTo>
+                <a:lnTo>
+                  <a:pt x="0" y="0"/>
+                </a:lnTo>
+                <a:close/>
+              </a:path>
+            </a:pathLst>
+          </a:custGeom>
+          <a:solidFill>
+            <a:schemeClr val="accent2">
+              <a:lumMod val="75000"/>
+              <a:alpha val="47000"/>
+            </a:schemeClr>
+          </a:solidFill>
+          <a:ln>
+            <a:noFill/>
+          </a:ln>
+          <a:effectLst/>
+        </p:spPr>
+        <p:style>
+          <a:lnRef idx="1">
+            <a:schemeClr val="accent1"/>
+          </a:lnRef>
+          <a:fillRef idx="3">
+            <a:schemeClr val="accent1"/>
+          </a:fillRef>
+          <a:effectRef idx="2">
+            <a:schemeClr val="accent1"/>
+          </a:effectRef>
+          <a:fontRef idx="minor">
+            <a:schemeClr val="lt1"/>
+          </a:fontRef>
+        </p:style>
+      </p:sp>
+      <p:sp>
+        <p:nvSpPr>
+          <p:cNvPr id="34" name="Rectangle 28">
+            <a:extLst>
+              <a:ext uri="{FF2B5EF4-FFF2-40B4-BE49-F238E27FC236}">
+                <a16:creationId xmlns:a16="http://schemas.microsoft.com/office/drawing/2014/main" id="{89AF5CE9-607F-43F4-8983-DCD6DA4051FD}"/>
+              </a:ext>
+              <a:ext uri="{C183D7F6-B498-43B3-948B-1728B52AA6E4}">
+                <adec:decorative xmlns:adec="http://schemas.microsoft.com/office/drawing/2017/decorative" val="1"/>
+              </a:ext>
+            </a:extLst>
+          </p:cNvPr>
+          <p:cNvSpPr>
+            <a:spLocks noGrp="1" noRot="1" noChangeAspect="1" noMove="1" noResize="1" noEditPoints="1" noAdjustHandles="1" noChangeArrowheads="1" noChangeShapeType="1" noTextEdit="1"/>
+          </p:cNvSpPr>
+          <p:nvPr>
+            <p:extLst>
+              <p:ext uri="{386F3935-93C4-4BCD-93E2-E3B085C9AB24}">
+                <p16:designElem xmlns:p16="http://schemas.microsoft.com/office/powerpoint/2015/main" val="1"/>
+              </p:ext>
+            </p:extLst>
+          </p:nvPr>
+        </p:nvSpPr>
+        <p:spPr>
+          <a:xfrm>
+            <a:off x="10898730" y="-8467"/>
+            <a:ext cx="1290094" cy="6866467"/>
+          </a:xfrm>
+          <a:custGeom>
+            <a:avLst/>
+            <a:gdLst/>
+            <a:ahLst/>
+            <a:cxnLst/>
+            <a:rect l="l" t="t" r="r" b="b"/>
+            <a:pathLst>
+              <a:path w="1290094" h="6858000">
+                <a:moveTo>
+                  <a:pt x="1019735" y="0"/>
+                </a:moveTo>
+                <a:lnTo>
+                  <a:pt x="1290094" y="0"/>
+                </a:lnTo>
+                <a:lnTo>
+                  <a:pt x="1290094" y="6858000"/>
+                </a:lnTo>
+                <a:lnTo>
+                  <a:pt x="0" y="6858000"/>
+                </a:lnTo>
+                <a:lnTo>
+                  <a:pt x="1019735" y="0"/>
+                </a:lnTo>
+                <a:close/>
+              </a:path>
+            </a:pathLst>
+          </a:custGeom>
+          <a:solidFill>
+            <a:schemeClr val="accent1">
+              <a:lumMod val="60000"/>
+              <a:lumOff val="40000"/>
+              <a:alpha val="70000"/>
+            </a:schemeClr>
+          </a:solidFill>
+          <a:ln>
+            <a:noFill/>
+          </a:ln>
+          <a:effectLst/>
+        </p:spPr>
+        <p:style>
+          <a:lnRef idx="1">
+            <a:schemeClr val="accent1"/>
+          </a:lnRef>
+          <a:fillRef idx="3">
+            <a:schemeClr val="accent1"/>
+          </a:fillRef>
+          <a:effectRef idx="2">
+            <a:schemeClr val="accent1"/>
+          </a:effectRef>
+          <a:fontRef idx="minor">
+            <a:schemeClr val="lt1"/>
+          </a:fontRef>
+        </p:style>
+      </p:sp>
+      <p:sp>
+        <p:nvSpPr>
+          <p:cNvPr id="36" name="Rectangle 29">
+            <a:extLst>
+              <a:ext uri="{FF2B5EF4-FFF2-40B4-BE49-F238E27FC236}">
+                <a16:creationId xmlns:a16="http://schemas.microsoft.com/office/drawing/2014/main" id="{6EEA2DBD-9E1E-4521-8C01-F32AD18A89E3}"/>
+              </a:ext>
+              <a:ext uri="{C183D7F6-B498-43B3-948B-1728B52AA6E4}">
+                <adec:decorative xmlns:adec="http://schemas.microsoft.com/office/drawing/2017/decorative" val="1"/>
+              </a:ext>
+            </a:extLst>
+          </p:cNvPr>
+          <p:cNvSpPr>
+            <a:spLocks noGrp="1" noRot="1" noChangeAspect="1" noMove="1" noResize="1" noEditPoints="1" noAdjustHandles="1" noChangeArrowheads="1" noChangeShapeType="1" noTextEdit="1"/>
+          </p:cNvSpPr>
+          <p:nvPr>
+            <p:extLst>
+              <p:ext uri="{386F3935-93C4-4BCD-93E2-E3B085C9AB24}">
+                <p16:designElem xmlns:p16="http://schemas.microsoft.com/office/powerpoint/2015/main" val="1"/>
+              </p:ext>
+            </p:extLst>
+          </p:nvPr>
+        </p:nvSpPr>
+        <p:spPr>
+          <a:xfrm>
+            <a:off x="10938999" y="-8467"/>
+            <a:ext cx="1249825" cy="6866467"/>
+          </a:xfrm>
+          <a:custGeom>
+            <a:avLst/>
+            <a:gdLst/>
+            <a:ahLst/>
+            <a:cxnLst/>
+            <a:rect l="l" t="t" r="r" b="b"/>
+            <a:pathLst>
+              <a:path w="1249825" h="6858000">
+                <a:moveTo>
+                  <a:pt x="0" y="0"/>
+                </a:moveTo>
+                <a:lnTo>
+                  <a:pt x="1249825" y="0"/>
+                </a:lnTo>
+                <a:lnTo>
+                  <a:pt x="1249825" y="6858000"/>
+                </a:lnTo>
+                <a:lnTo>
+                  <a:pt x="1109382" y="6858000"/>
+                </a:lnTo>
+                <a:lnTo>
+                  <a:pt x="0" y="0"/>
+                </a:lnTo>
+                <a:close/>
+              </a:path>
+            </a:pathLst>
+          </a:custGeom>
+          <a:solidFill>
+            <a:schemeClr val="accent1">
+              <a:alpha val="65000"/>
+            </a:schemeClr>
+          </a:solidFill>
+          <a:ln>
+            <a:noFill/>
+          </a:ln>
+          <a:effectLst/>
+        </p:spPr>
+        <p:style>
+          <a:lnRef idx="1">
+            <a:schemeClr val="accent1"/>
+          </a:lnRef>
+          <a:fillRef idx="3">
+            <a:schemeClr val="accent1"/>
+          </a:fillRef>
+          <a:effectRef idx="2">
+            <a:schemeClr val="accent1"/>
+          </a:effectRef>
+          <a:fontRef idx="minor">
+            <a:schemeClr val="lt1"/>
+          </a:fontRef>
+        </p:style>
+      </p:sp>
+      <p:sp>
+        <p:nvSpPr>
+          <p:cNvPr id="38" name="Isosceles Triangle 29">
+            <a:extLst>
+              <a:ext uri="{FF2B5EF4-FFF2-40B4-BE49-F238E27FC236}">
+                <a16:creationId xmlns:a16="http://schemas.microsoft.com/office/drawing/2014/main" id="{15BBD2C1-BA9B-46A9-A27A-33498B169272}"/>
+              </a:ext>
+              <a:ext uri="{C183D7F6-B498-43B3-948B-1728B52AA6E4}">
+                <adec:decorative xmlns:adec="http://schemas.microsoft.com/office/drawing/2017/decorative" val="1"/>
+              </a:ext>
+            </a:extLst>
+          </p:cNvPr>
+          <p:cNvSpPr>
+            <a:spLocks noGrp="1" noRot="1" noChangeAspect="1" noMove="1" noResize="1" noEditPoints="1" noAdjustHandles="1" noChangeArrowheads="1" noChangeShapeType="1" noTextEdit="1"/>
+          </p:cNvSpPr>
+          <p:nvPr>
+            <p:extLst>
+              <p:ext uri="{386F3935-93C4-4BCD-93E2-E3B085C9AB24}">
+                <p16:designElem xmlns:p16="http://schemas.microsoft.com/office/powerpoint/2015/main" val="1"/>
+              </p:ext>
+            </p:extLst>
+          </p:nvPr>
+        </p:nvSpPr>
+        <p:spPr>
+          <a:xfrm>
+            <a:off x="10371666" y="3589867"/>
+            <a:ext cx="1817159" cy="3268133"/>
+          </a:xfrm>
+          <a:prstGeom prst="triangle">
+            <a:avLst>
+              <a:gd name="adj" fmla="val 100000"/>
+            </a:avLst>
+          </a:prstGeom>
+          <a:solidFill>
+            <a:schemeClr val="accent1">
+              <a:alpha val="80000"/>
+            </a:schemeClr>
+          </a:solidFill>
+          <a:ln>
+            <a:noFill/>
+          </a:ln>
+          <a:effectLst/>
+        </p:spPr>
+        <p:style>
+          <a:lnRef idx="1">
+            <a:schemeClr val="accent1"/>
+          </a:lnRef>
+          <a:fillRef idx="3">
+            <a:schemeClr val="accent1"/>
+          </a:fillRef>
+          <a:effectRef idx="2">
+            <a:schemeClr val="accent1"/>
+          </a:effectRef>
+          <a:fontRef idx="minor">
+            <a:schemeClr val="lt1"/>
+          </a:fontRef>
+        </p:style>
+      </p:sp>
+      <p:pic>
+        <p:nvPicPr>
+          <p:cNvPr id="9" name="Picture 8" descr="A close-up of a nutrition label&#10;&#10;Description automatically generated">
+            <a:extLst>
+              <a:ext uri="{FF2B5EF4-FFF2-40B4-BE49-F238E27FC236}">
+                <a16:creationId xmlns:a16="http://schemas.microsoft.com/office/drawing/2014/main" id="{4EABD4C9-B633-C72A-50F1-CBB378392074}"/>
+              </a:ext>
+            </a:extLst>
+          </p:cNvPr>
+          <p:cNvPicPr>
+            <a:picLocks noChangeAspect="1"/>
+          </p:cNvPicPr>
+          <p:nvPr/>
+        </p:nvPicPr>
+        <p:blipFill>
+          <a:blip r:embed="rId3"/>
+          <a:stretch>
+            <a:fillRect/>
+          </a:stretch>
+        </p:blipFill>
+        <p:spPr>
+          <a:xfrm>
+            <a:off x="1441391" y="2466607"/>
+            <a:ext cx="2435091" cy="3881437"/>
+          </a:xfrm>
+          <a:prstGeom prst="rect">
+            <a:avLst/>
+          </a:prstGeom>
+        </p:spPr>
+      </p:pic>
+    </p:spTree>
+    <p:extLst>
+      <p:ext uri="{BB962C8B-B14F-4D97-AF65-F5344CB8AC3E}">
+        <p14:creationId xmlns:p14="http://schemas.microsoft.com/office/powerpoint/2010/main" val="912061883"/>
+      </p:ext>
+    </p:extLst>
+  </p:cSld>
+  <p:clrMapOvr>
+    <a:masterClrMapping/>
+  </p:clrMapOvr>
+</p:sld>
+</file>
+
+<file path=ppt/slides/slide2.xml><?xml version="1.0" encoding="utf-8"?>
+<p:sld xmlns:a="http://schemas.openxmlformats.org/drawingml/2006/main" xmlns:r="http://schemas.openxmlformats.org/officeDocument/2006/relationships" xmlns:p="http://schemas.openxmlformats.org/presentationml/2006/main">
+  <p:cSld>
+    <p:bg>
+      <p:bgPr>
+        <a:solidFill>
+          <a:schemeClr val="bg1"/>
+        </a:solidFill>
+        <a:effectLst/>
+      </p:bgPr>
+    </p:bg>
+    <p:spTree>
+      <p:nvGrpSpPr>
+        <p:cNvPr id="1" name=""/>
+        <p:cNvGrpSpPr/>
+        <p:nvPr/>
+      </p:nvGrpSpPr>
+      <p:grpSpPr>
+        <a:xfrm>
+          <a:off x="0" y="0"/>
+          <a:ext cx="0" cy="0"/>
+          <a:chOff x="0" y="0"/>
+          <a:chExt cx="0" cy="0"/>
+        </a:xfrm>
+      </p:grpSpPr>
+      <p:sp useBgFill="1">
+        <p:nvSpPr>
+          <p:cNvPr id="8" name="Rectangle 7">
+            <a:extLst>
+              <a:ext uri="{FF2B5EF4-FFF2-40B4-BE49-F238E27FC236}">
+                <a16:creationId xmlns:a16="http://schemas.microsoft.com/office/drawing/2014/main" id="{603AE127-802C-459A-A612-DB85B67F0DC0}"/>
+              </a:ext>
+              <a:ext uri="{C183D7F6-B498-43B3-948B-1728B52AA6E4}">
+                <adec:decorative xmlns:adec="http://schemas.microsoft.com/office/drawing/2017/decorative" val="1"/>
+              </a:ext>
+            </a:extLst>
+          </p:cNvPr>
+          <p:cNvSpPr>
+            <a:spLocks noGrp="1" noRot="1" noChangeAspect="1" noMove="1" noResize="1" noEditPoints="1" noAdjustHandles="1" noChangeArrowheads="1" noChangeShapeType="1" noTextEdit="1"/>
+          </p:cNvSpPr>
+          <p:nvPr>
+            <p:extLst>
+              <p:ext uri="{386F3935-93C4-4BCD-93E2-E3B085C9AB24}">
+                <p16:designElem xmlns:p16="http://schemas.microsoft.com/office/powerpoint/2015/main" val="1"/>
+              </p:ext>
+            </p:extLst>
+          </p:nvPr>
+        </p:nvSpPr>
+        <p:spPr>
+          <a:xfrm>
+            <a:off x="0" y="0"/>
+            <a:ext cx="12192000" cy="6858000"/>
+          </a:xfrm>
+          <a:prstGeom prst="rect">
+            <a:avLst/>
+          </a:prstGeom>
+          <a:ln>
+            <a:noFill/>
+          </a:ln>
+        </p:spPr>
+        <p:style>
+          <a:lnRef idx="2">
+            <a:schemeClr val="accent1">
+              <a:shade val="50000"/>
+            </a:schemeClr>
+          </a:lnRef>
+          <a:fillRef idx="1">
+            <a:schemeClr val="accent1"/>
+          </a:fillRef>
+          <a:effectRef idx="0">
+            <a:schemeClr val="accent1"/>
+          </a:effectRef>
+          <a:fontRef idx="minor">
+            <a:schemeClr val="lt1"/>
+          </a:fontRef>
+        </p:style>
+        <p:txBody>
+          <a:bodyPr rtlCol="0" anchor="ctr"/>
+          <a:lstStyle/>
+          <a:p>
+            <a:pPr algn="ctr"/>
+            <a:endParaRPr lang="en-US"/>
+          </a:p>
+        </p:txBody>
+      </p:sp>
+      <p:sp>
+        <p:nvSpPr>
+          <p:cNvPr id="2" name="Title 1">
+            <a:extLst>
+              <a:ext uri="{FF2B5EF4-FFF2-40B4-BE49-F238E27FC236}">
+                <a16:creationId xmlns:a16="http://schemas.microsoft.com/office/drawing/2014/main" id="{0024AD15-A9C9-3DFB-22CB-B2912069F26F}"/>
+              </a:ext>
+            </a:extLst>
+          </p:cNvPr>
+          <p:cNvSpPr>
+            <a:spLocks noGrp="1"/>
+          </p:cNvSpPr>
+          <p:nvPr>
+            <p:ph type="title"/>
+          </p:nvPr>
+        </p:nvSpPr>
+        <p:spPr>
+          <a:xfrm>
+            <a:off x="1043950" y="1179151"/>
+            <a:ext cx="3300646" cy="4463889"/>
+          </a:xfrm>
+        </p:spPr>
+        <p:txBody>
+          <a:bodyPr anchor="ctr">
+            <a:normAutofit/>
+          </a:bodyPr>
+          <a:lstStyle/>
+          <a:p>
+            <a:r>
+              <a:rPr lang="en-US" dirty="0"/>
+              <a:t>Scope</a:t>
+            </a:r>
+          </a:p>
+        </p:txBody>
+      </p:sp>
+      <p:sp>
+        <p:nvSpPr>
+          <p:cNvPr id="10" name="Isosceles Triangle 9">
+            <a:extLst>
+              <a:ext uri="{FF2B5EF4-FFF2-40B4-BE49-F238E27FC236}">
+                <a16:creationId xmlns:a16="http://schemas.microsoft.com/office/drawing/2014/main" id="{9323D83D-50D6-4040-A58B-FCEA340F886A}"/>
+              </a:ext>
+              <a:ext uri="{C183D7F6-B498-43B3-948B-1728B52AA6E4}">
+                <adec:decorative xmlns:adec="http://schemas.microsoft.com/office/drawing/2017/decorative" val="1"/>
+              </a:ext>
+            </a:extLst>
+          </p:cNvPr>
+          <p:cNvSpPr>
+            <a:spLocks noGrp="1" noRot="1" noChangeAspect="1" noMove="1" noResize="1" noEditPoints="1" noAdjustHandles="1" noChangeArrowheads="1" noChangeShapeType="1" noTextEdit="1"/>
+          </p:cNvSpPr>
+          <p:nvPr>
+            <p:extLst>
+              <p:ext uri="{386F3935-93C4-4BCD-93E2-E3B085C9AB24}">
+                <p16:designElem xmlns:p16="http://schemas.microsoft.com/office/powerpoint/2015/main" val="1"/>
+              </p:ext>
+            </p:extLst>
+          </p:nvPr>
+        </p:nvSpPr>
+        <p:spPr>
+          <a:xfrm>
+            <a:off x="0" y="4013200"/>
+            <a:ext cx="448733" cy="2844800"/>
+          </a:xfrm>
+          <a:prstGeom prst="triangle">
+            <a:avLst>
+              <a:gd name="adj" fmla="val 0"/>
+            </a:avLst>
+          </a:prstGeom>
+          <a:solidFill>
+            <a:schemeClr val="accent1"/>
+          </a:solidFill>
+          <a:ln>
+            <a:noFill/>
+          </a:ln>
+          <a:effectLst/>
+        </p:spPr>
+        <p:style>
+          <a:lnRef idx="1">
+            <a:schemeClr val="accent1"/>
+          </a:lnRef>
+          <a:fillRef idx="3">
+            <a:schemeClr val="accent1"/>
+          </a:fillRef>
+          <a:effectRef idx="2">
+            <a:schemeClr val="accent1"/>
+          </a:effectRef>
+          <a:fontRef idx="minor">
+            <a:schemeClr val="lt1"/>
+          </a:fontRef>
+        </p:style>
+      </p:sp>
+      <p:cxnSp>
+        <p:nvCxnSpPr>
+          <p:cNvPr id="12" name="Straight Connector 11">
+            <a:extLst>
+              <a:ext uri="{FF2B5EF4-FFF2-40B4-BE49-F238E27FC236}">
+                <a16:creationId xmlns:a16="http://schemas.microsoft.com/office/drawing/2014/main" id="{1A1FE6BB-DFB2-4080-9B5E-076EF5DDE67B}"/>
+              </a:ext>
+              <a:ext uri="{C183D7F6-B498-43B3-948B-1728B52AA6E4}">
+                <adec:decorative xmlns:adec="http://schemas.microsoft.com/office/drawing/2017/decorative" val="1"/>
+              </a:ext>
+            </a:extLst>
+          </p:cNvPr>
+          <p:cNvCxnSpPr>
+            <a:cxnSpLocks noGrp="1" noRot="1" noChangeAspect="1" noMove="1" noResize="1" noEditPoints="1" noAdjustHandles="1" noChangeArrowheads="1" noChangeShapeType="1"/>
+          </p:cNvCxnSpPr>
+          <p:nvPr>
+            <p:extLst>
+              <p:ext uri="{386F3935-93C4-4BCD-93E2-E3B085C9AB24}">
+                <p16:designElem xmlns:p16="http://schemas.microsoft.com/office/powerpoint/2015/main" val="1"/>
+              </p:ext>
+            </p:extLst>
+          </p:nvPr>
+        </p:nvCxnSpPr>
+        <p:spPr>
+          <a:xfrm>
+            <a:off x="4656670" y="1442595"/>
+            <a:ext cx="0" cy="3937000"/>
+          </a:xfrm>
+          <a:prstGeom prst="line">
+            <a:avLst/>
+          </a:prstGeom>
+        </p:spPr>
+        <p:style>
+          <a:lnRef idx="1">
+            <a:schemeClr val="accent1"/>
+          </a:lnRef>
+          <a:fillRef idx="0">
+            <a:schemeClr val="accent1"/>
+          </a:fillRef>
+          <a:effectRef idx="0">
+            <a:schemeClr val="accent1"/>
+          </a:effectRef>
+          <a:fontRef idx="minor">
+            <a:schemeClr val="tx1"/>
+          </a:fontRef>
+        </p:style>
+      </p:cxnSp>
+      <p:sp>
+        <p:nvSpPr>
+          <p:cNvPr id="3" name="Content Placeholder 2">
+            <a:extLst>
+              <a:ext uri="{FF2B5EF4-FFF2-40B4-BE49-F238E27FC236}">
+                <a16:creationId xmlns:a16="http://schemas.microsoft.com/office/drawing/2014/main" id="{CA36757C-A8BB-3BA5-F9D3-615EA113912A}"/>
+              </a:ext>
+            </a:extLst>
+          </p:cNvPr>
+          <p:cNvSpPr>
+            <a:spLocks noGrp="1"/>
+          </p:cNvSpPr>
+          <p:nvPr>
+            <p:ph idx="1"/>
+          </p:nvPr>
+        </p:nvSpPr>
+        <p:spPr>
+          <a:xfrm>
+            <a:off x="4978918" y="1109145"/>
+            <a:ext cx="6341016" cy="4603900"/>
+          </a:xfrm>
+        </p:spPr>
+        <p:txBody>
+          <a:bodyPr anchor="ctr">
+            <a:normAutofit/>
+          </a:bodyPr>
+          <a:lstStyle/>
+          <a:p>
+            <a:r>
+              <a:rPr lang="en-US" dirty="0"/>
+              <a:t>Background</a:t>
+            </a:r>
+          </a:p>
+          <a:p>
+            <a:pPr lvl="1"/>
+            <a:r>
+              <a:rPr lang="en-US" dirty="0"/>
+              <a:t>Research Questions</a:t>
+            </a:r>
+          </a:p>
+          <a:p>
+            <a:pPr lvl="1"/>
+            <a:r>
+              <a:rPr lang="en-US" dirty="0"/>
+              <a:t>Project Scope</a:t>
+            </a:r>
+          </a:p>
+          <a:p>
+            <a:r>
+              <a:rPr lang="en-US" dirty="0"/>
+              <a:t>Data Exploration and Cleaning</a:t>
+            </a:r>
+          </a:p>
+          <a:p>
+            <a:r>
+              <a:rPr lang="en-US" dirty="0"/>
+              <a:t>Data Analysis and Visualisation</a:t>
+            </a:r>
+          </a:p>
+          <a:p>
+            <a:pPr marL="0" indent="0">
+              <a:buNone/>
+            </a:pPr>
+            <a:endParaRPr lang="en-US" dirty="0"/>
+          </a:p>
+        </p:txBody>
+      </p:sp>
+      <p:sp>
+        <p:nvSpPr>
+          <p:cNvPr id="14" name="Isosceles Triangle 13">
+            <a:extLst>
+              <a:ext uri="{FF2B5EF4-FFF2-40B4-BE49-F238E27FC236}">
+                <a16:creationId xmlns:a16="http://schemas.microsoft.com/office/drawing/2014/main" id="{F10FD715-4DCE-4779-B634-EC78315EA213}"/>
+              </a:ext>
+              <a:ext uri="{C183D7F6-B498-43B3-948B-1728B52AA6E4}">
+                <adec:decorative xmlns:adec="http://schemas.microsoft.com/office/drawing/2017/decorative" val="1"/>
+              </a:ext>
+            </a:extLst>
+          </p:cNvPr>
+          <p:cNvSpPr>
+            <a:spLocks noGrp="1" noRot="1" noChangeAspect="1" noMove="1" noResize="1" noEditPoints="1" noAdjustHandles="1" noChangeArrowheads="1" noChangeShapeType="1" noTextEdit="1"/>
+          </p:cNvSpPr>
+          <p:nvPr>
+            <p:extLst>
+              <p:ext uri="{386F3935-93C4-4BCD-93E2-E3B085C9AB24}">
+                <p16:designElem xmlns:p16="http://schemas.microsoft.com/office/powerpoint/2015/main" val="1"/>
+              </p:ext>
+            </p:extLst>
+          </p:nvPr>
+        </p:nvSpPr>
+        <p:spPr>
+          <a:xfrm rot="10800000" flipH="1">
+            <a:off x="11364139" y="0"/>
+            <a:ext cx="842596" cy="4616289"/>
+          </a:xfrm>
+          <a:prstGeom prst="triangle">
+            <a:avLst>
+              <a:gd name="adj" fmla="val 100000"/>
+            </a:avLst>
+          </a:prstGeom>
+          <a:solidFill>
+            <a:schemeClr val="accent2"/>
+          </a:solidFill>
+          <a:ln>
+            <a:noFill/>
+          </a:ln>
+          <a:effectLst/>
+        </p:spPr>
+        <p:style>
+          <a:lnRef idx="1">
+            <a:schemeClr val="accent1"/>
+          </a:lnRef>
+          <a:fillRef idx="3">
+            <a:schemeClr val="accent1"/>
+          </a:fillRef>
+          <a:effectRef idx="2">
+            <a:schemeClr val="accent1"/>
+          </a:effectRef>
+          <a:fontRef idx="minor">
+            <a:schemeClr val="lt1"/>
+          </a:fontRef>
+        </p:style>
+      </p:sp>
+    </p:spTree>
+    <p:extLst>
+      <p:ext uri="{BB962C8B-B14F-4D97-AF65-F5344CB8AC3E}">
+        <p14:creationId xmlns:p14="http://schemas.microsoft.com/office/powerpoint/2010/main" val="372335960"/>
+      </p:ext>
+    </p:extLst>
+  </p:cSld>
+  <p:clrMapOvr>
+    <a:masterClrMapping/>
+  </p:clrMapOvr>
+</p:sld>
+</file>
+
+<file path=ppt/slides/slide3.xml><?xml version="1.0" encoding="utf-8"?>
 <p:sld xmlns:a="http://schemas.openxmlformats.org/drawingml/2006/main" xmlns:r="http://schemas.openxmlformats.org/officeDocument/2006/relationships" xmlns:p="http://schemas.openxmlformats.org/presentationml/2006/main">
   <p:cSld>
     <p:bg>
@@ -8024,9 +13759,17 @@
 </p:sld>
 </file>
 
-<file path=ppt/slides/slide5.xml><?xml version="1.0" encoding="utf-8"?>
+<file path=ppt/slides/slide4.xml><?xml version="1.0" encoding="utf-8"?>
 <p:sld xmlns:a="http://schemas.openxmlformats.org/drawingml/2006/main" xmlns:r="http://schemas.openxmlformats.org/officeDocument/2006/relationships" xmlns:p="http://schemas.openxmlformats.org/presentationml/2006/main">
   <p:cSld>
+    <p:bg>
+      <p:bgPr>
+        <a:solidFill>
+          <a:schemeClr val="bg1"/>
+        </a:solidFill>
+        <a:effectLst/>
+      </p:bgPr>
+    </p:bg>
     <p:spTree>
       <p:nvGrpSpPr>
         <p:cNvPr id="1" name=""/>
@@ -8041,6 +13784,66 @@
           <a:chExt cx="0" cy="0"/>
         </a:xfrm>
       </p:grpSpPr>
+      <p:sp useBgFill="1">
+        <p:nvSpPr>
+          <p:cNvPr id="9" name="Rectangle 8">
+            <a:extLst>
+              <a:ext uri="{FF2B5EF4-FFF2-40B4-BE49-F238E27FC236}">
+                <a16:creationId xmlns:a16="http://schemas.microsoft.com/office/drawing/2014/main" id="{9F4444CE-BC8D-4D61-B303-4C05614E62AB}"/>
+              </a:ext>
+              <a:ext uri="{C183D7F6-B498-43B3-948B-1728B52AA6E4}">
+                <adec:decorative xmlns:adec="http://schemas.microsoft.com/office/drawing/2017/decorative" val="1"/>
+              </a:ext>
+            </a:extLst>
+          </p:cNvPr>
+          <p:cNvSpPr>
+            <a:spLocks noGrp="1" noRot="1" noChangeAspect="1" noMove="1" noResize="1" noEditPoints="1" noAdjustHandles="1" noChangeArrowheads="1" noChangeShapeType="1" noTextEdit="1"/>
+          </p:cNvSpPr>
+          <p:nvPr>
+            <p:extLst>
+              <p:ext uri="{386F3935-93C4-4BCD-93E2-E3B085C9AB24}">
+                <p16:designElem xmlns:p16="http://schemas.microsoft.com/office/powerpoint/2015/main" val="1"/>
+              </p:ext>
+            </p:extLst>
+          </p:nvPr>
+        </p:nvSpPr>
+        <p:spPr>
+          <a:xfrm>
+            <a:off x="0" y="0"/>
+            <a:ext cx="12192000" cy="6858000"/>
+          </a:xfrm>
+          <a:prstGeom prst="rect">
+            <a:avLst/>
+          </a:prstGeom>
+          <a:ln>
+            <a:noFill/>
+          </a:ln>
+        </p:spPr>
+        <p:style>
+          <a:lnRef idx="2">
+            <a:schemeClr val="accent1">
+              <a:shade val="50000"/>
+            </a:schemeClr>
+          </a:lnRef>
+          <a:fillRef idx="1">
+            <a:schemeClr val="accent1"/>
+          </a:fillRef>
+          <a:effectRef idx="0">
+            <a:schemeClr val="accent1"/>
+          </a:effectRef>
+          <a:fontRef idx="minor">
+            <a:schemeClr val="lt1"/>
+          </a:fontRef>
+        </p:style>
+        <p:txBody>
+          <a:bodyPr rtlCol="0" anchor="ctr"/>
+          <a:lstStyle/>
+          <a:p>
+            <a:pPr algn="ctr"/>
+            <a:endParaRPr lang="en-US"/>
+          </a:p>
+        </p:txBody>
+      </p:sp>
       <p:sp>
         <p:nvSpPr>
           <p:cNvPr id="2" name="Title 1">
@@ -8057,9 +13860,16 @@
             <p:ph type="title"/>
           </p:nvPr>
         </p:nvSpPr>
-        <p:spPr/>
+        <p:spPr>
+          <a:xfrm>
+            <a:off x="1286933" y="609600"/>
+            <a:ext cx="10197494" cy="1099457"/>
+          </a:xfrm>
+        </p:spPr>
         <p:txBody>
-          <a:bodyPr/>
+          <a:bodyPr>
+            <a:normAutofit/>
+          </a:bodyPr>
           <a:lstStyle/>
           <a:p>
             <a:r>
@@ -8071,92 +13881,151 @@
       </p:sp>
       <p:sp>
         <p:nvSpPr>
-          <p:cNvPr id="3" name="Content Placeholder 2">
+          <p:cNvPr id="11" name="Isosceles Triangle 10">
             <a:extLst>
               <a:ext uri="{FF2B5EF4-FFF2-40B4-BE49-F238E27FC236}">
-                <a16:creationId xmlns:a16="http://schemas.microsoft.com/office/drawing/2014/main" id="{0BB97A16-37E9-3D1A-D633-BEE62CE68BA8}"/>
+                <a16:creationId xmlns:a16="http://schemas.microsoft.com/office/drawing/2014/main" id="{73772B81-181F-48B7-8826-4D9686D15DF5}"/>
+              </a:ext>
+              <a:ext uri="{C183D7F6-B498-43B3-948B-1728B52AA6E4}">
+                <adec:decorative xmlns:adec="http://schemas.microsoft.com/office/drawing/2017/decorative" val="1"/>
               </a:ext>
             </a:extLst>
           </p:cNvPr>
           <p:cNvSpPr>
-            <a:spLocks noGrp="1"/>
+            <a:spLocks noGrp="1" noRot="1" noChangeAspect="1" noMove="1" noResize="1" noEditPoints="1" noAdjustHandles="1" noChangeArrowheads="1" noChangeShapeType="1" noTextEdit="1"/>
           </p:cNvSpPr>
           <p:nvPr>
-            <p:ph idx="1"/>
+            <p:extLst>
+              <p:ext uri="{386F3935-93C4-4BCD-93E2-E3B085C9AB24}">
+                <p16:designElem xmlns:p16="http://schemas.microsoft.com/office/powerpoint/2015/main" val="1"/>
+              </p:ext>
+            </p:extLst>
           </p:nvPr>
         </p:nvSpPr>
-        <p:spPr/>
-        <p:txBody>
-          <a:bodyPr/>
-          <a:lstStyle/>
-          <a:p>
-            <a:r>
-              <a:rPr lang="en-US" b="1" dirty="0"/>
-              <a:t>Popularity vs Health Rating</a:t>
-            </a:r>
-          </a:p>
-          <a:p>
-            <a:pPr lvl="1"/>
-            <a:r>
-              <a:rPr lang="en-US" dirty="0"/>
-              <a:t>Are more popular recipes healthier?</a:t>
-            </a:r>
-          </a:p>
-          <a:p>
-            <a:pPr lvl="1"/>
-            <a:r>
-              <a:rPr lang="en-US" dirty="0"/>
-              <a:t>What is the health rating of the most popular recipes?</a:t>
-            </a:r>
-            <a:br>
-              <a:rPr lang="en-US" dirty="0"/>
-            </a:br>
-            <a:endParaRPr lang="en-US" dirty="0"/>
-          </a:p>
-          <a:p>
-            <a:r>
-              <a:rPr lang="en-US" b="1" dirty="0"/>
-              <a:t>Meal Types</a:t>
-            </a:r>
-          </a:p>
-          <a:p>
-            <a:pPr lvl="1"/>
-            <a:r>
-              <a:rPr lang="en-US" dirty="0"/>
-              <a:t>What meal type (breakfast, lunch, or dinner) is the healthiest?</a:t>
-            </a:r>
-          </a:p>
-          <a:p>
-            <a:pPr lvl="1"/>
-            <a:r>
-              <a:rPr lang="en-US" dirty="0"/>
-              <a:t>What percentage of recipes are healthy?</a:t>
-            </a:r>
-          </a:p>
-          <a:p>
-            <a:pPr lvl="1"/>
-            <a:r>
-              <a:rPr lang="en-US" dirty="0"/>
-              <a:t>What is the most popular ingredient per meal type?</a:t>
-            </a:r>
-            <a:br>
-              <a:rPr lang="en-US" dirty="0"/>
-            </a:br>
-            <a:endParaRPr lang="en-US" dirty="0"/>
-          </a:p>
-          <a:p>
-            <a:r>
-              <a:rPr lang="en-US" b="1" dirty="0"/>
-              <a:t>Cuisines: </a:t>
-            </a:r>
-            <a:r>
-              <a:rPr lang="en-US" dirty="0"/>
-              <a:t>Which cuisine has the healthiest recipes?</a:t>
-            </a:r>
-            <a:endParaRPr lang="en-US" b="1" dirty="0"/>
-          </a:p>
-        </p:txBody>
+        <p:spPr>
+          <a:xfrm rot="10800000">
+            <a:off x="0" y="0"/>
+            <a:ext cx="842596" cy="5666154"/>
+          </a:xfrm>
+          <a:prstGeom prst="triangle">
+            <a:avLst>
+              <a:gd name="adj" fmla="val 100000"/>
+            </a:avLst>
+          </a:prstGeom>
+          <a:solidFill>
+            <a:schemeClr val="accent1">
+              <a:alpha val="85000"/>
+            </a:schemeClr>
+          </a:solidFill>
+          <a:ln>
+            <a:noFill/>
+          </a:ln>
+          <a:effectLst/>
+        </p:spPr>
+        <p:style>
+          <a:lnRef idx="1">
+            <a:schemeClr val="accent1"/>
+          </a:lnRef>
+          <a:fillRef idx="3">
+            <a:schemeClr val="accent1"/>
+          </a:fillRef>
+          <a:effectRef idx="2">
+            <a:schemeClr val="accent1"/>
+          </a:effectRef>
+          <a:fontRef idx="minor">
+            <a:schemeClr val="lt1"/>
+          </a:fontRef>
+        </p:style>
       </p:sp>
+      <p:sp>
+        <p:nvSpPr>
+          <p:cNvPr id="13" name="Isosceles Triangle 12">
+            <a:extLst>
+              <a:ext uri="{FF2B5EF4-FFF2-40B4-BE49-F238E27FC236}">
+                <a16:creationId xmlns:a16="http://schemas.microsoft.com/office/drawing/2014/main" id="{B2205F6E-03C6-4E92-877C-E2482F6599AA}"/>
+              </a:ext>
+              <a:ext uri="{C183D7F6-B498-43B3-948B-1728B52AA6E4}">
+                <adec:decorative xmlns:adec="http://schemas.microsoft.com/office/drawing/2017/decorative" val="1"/>
+              </a:ext>
+            </a:extLst>
+          </p:cNvPr>
+          <p:cNvSpPr>
+            <a:spLocks noGrp="1" noRot="1" noChangeAspect="1" noMove="1" noResize="1" noEditPoints="1" noAdjustHandles="1" noChangeArrowheads="1" noChangeShapeType="1" noTextEdit="1"/>
+          </p:cNvSpPr>
+          <p:nvPr>
+            <p:extLst>
+              <p:ext uri="{386F3935-93C4-4BCD-93E2-E3B085C9AB24}">
+                <p16:designElem xmlns:p16="http://schemas.microsoft.com/office/powerpoint/2015/main" val="1"/>
+              </p:ext>
+            </p:extLst>
+          </p:nvPr>
+        </p:nvSpPr>
+        <p:spPr>
+          <a:xfrm flipH="1">
+            <a:off x="11743267" y="4013200"/>
+            <a:ext cx="448733" cy="2844800"/>
+          </a:xfrm>
+          <a:prstGeom prst="triangle">
+            <a:avLst>
+              <a:gd name="adj" fmla="val 0"/>
+            </a:avLst>
+          </a:prstGeom>
+          <a:solidFill>
+            <a:schemeClr val="accent1">
+              <a:alpha val="85000"/>
+            </a:schemeClr>
+          </a:solidFill>
+          <a:ln>
+            <a:noFill/>
+          </a:ln>
+          <a:effectLst/>
+        </p:spPr>
+        <p:style>
+          <a:lnRef idx="1">
+            <a:schemeClr val="accent1"/>
+          </a:lnRef>
+          <a:fillRef idx="3">
+            <a:schemeClr val="accent1"/>
+          </a:fillRef>
+          <a:effectRef idx="2">
+            <a:schemeClr val="accent1"/>
+          </a:effectRef>
+          <a:fontRef idx="minor">
+            <a:schemeClr val="lt1"/>
+          </a:fontRef>
+        </p:style>
+      </p:sp>
+      <p:graphicFrame>
+        <p:nvGraphicFramePr>
+          <p:cNvPr id="5" name="Content Placeholder 2">
+            <a:extLst>
+              <a:ext uri="{FF2B5EF4-FFF2-40B4-BE49-F238E27FC236}">
+                <a16:creationId xmlns:a16="http://schemas.microsoft.com/office/drawing/2014/main" id="{E5A66824-2B38-D7FC-5073-AFBB0A8BB2D5}"/>
+              </a:ext>
+            </a:extLst>
+          </p:cNvPr>
+          <p:cNvGraphicFramePr>
+            <a:graphicFrameLocks noGrp="1"/>
+          </p:cNvGraphicFramePr>
+          <p:nvPr>
+            <p:ph idx="1"/>
+            <p:extLst>
+              <p:ext uri="{D42A27DB-BD31-4B8C-83A1-F6EECF244321}">
+                <p14:modId xmlns:p14="http://schemas.microsoft.com/office/powerpoint/2010/main" val="567291907"/>
+              </p:ext>
+            </p:extLst>
+          </p:nvPr>
+        </p:nvGraphicFramePr>
+        <p:xfrm>
+          <a:off x="1286933" y="1948543"/>
+          <a:ext cx="9618133" cy="4093482"/>
+        </p:xfrm>
+        <a:graphic>
+          <a:graphicData uri="http://schemas.openxmlformats.org/drawingml/2006/diagram">
+            <dgm:relIds xmlns:dgm="http://schemas.openxmlformats.org/drawingml/2006/diagram" xmlns:r="http://schemas.openxmlformats.org/officeDocument/2006/relationships" r:dm="rId2" r:lo="rId3" r:qs="rId4" r:cs="rId5"/>
+          </a:graphicData>
+        </a:graphic>
+      </p:graphicFrame>
     </p:spTree>
     <p:extLst>
       <p:ext uri="{BB962C8B-B14F-4D97-AF65-F5344CB8AC3E}">
@@ -8170,7 +14039,7 @@
 </p:sld>
 </file>
 
-<file path=ppt/slides/slide6.xml><?xml version="1.0" encoding="utf-8"?>
+<file path=ppt/slides/slide5.xml><?xml version="1.0" encoding="utf-8"?>
 <p:sld xmlns:a="http://schemas.openxmlformats.org/drawingml/2006/main" xmlns:r="http://schemas.openxmlformats.org/officeDocument/2006/relationships" xmlns:p="http://schemas.openxmlformats.org/presentationml/2006/main">
   <p:cSld>
     <p:bg>
@@ -8225,7 +14094,7 @@
           <a:p>
             <a:r>
               <a:rPr lang="en-US" dirty="0"/>
-              <a:t>Background</a:t>
+              <a:t>Project Scope</a:t>
             </a:r>
           </a:p>
         </p:txBody>
@@ -8358,14 +14227,14 @@
             <p:ph idx="1"/>
             <p:extLst>
               <p:ext uri="{D42A27DB-BD31-4B8C-83A1-F6EECF244321}">
-                <p14:modId xmlns:p14="http://schemas.microsoft.com/office/powerpoint/2010/main" val="3744473890"/>
+                <p14:modId xmlns:p14="http://schemas.microsoft.com/office/powerpoint/2010/main" val="2517880453"/>
               </p:ext>
             </p:extLst>
           </p:nvPr>
         </p:nvGraphicFramePr>
         <p:xfrm>
-          <a:off x="2917998" y="1467168"/>
-          <a:ext cx="6648008" cy="4572000"/>
+          <a:off x="2917998" y="2002646"/>
+          <a:ext cx="6648008" cy="4021110"/>
         </p:xfrm>
         <a:graphic>
           <a:graphicData uri="http://schemas.openxmlformats.org/drawingml/2006/table">
@@ -8403,7 +14272,7 @@
                   </a:extLst>
                 </a:gridCol>
               </a:tblGrid>
-              <a:tr h="370840">
+              <a:tr h="515910">
                 <a:tc>
                   <a:txBody>
                     <a:bodyPr/>
@@ -8411,7 +14280,7 @@
                     <a:p>
                       <a:pPr algn="ctr"/>
                       <a:r>
-                        <a:rPr lang="en-US" dirty="0"/>
+                        <a:rPr lang="en-US" sz="1600" dirty="0"/>
                         <a:t>Health Measure</a:t>
                       </a:r>
                     </a:p>
@@ -8425,7 +14294,7 @@
                     <a:p>
                       <a:pPr algn="ctr"/>
                       <a:r>
-                        <a:rPr lang="en-US" dirty="0"/>
+                        <a:rPr lang="en-US" sz="1600" dirty="0"/>
                         <a:t>Data Source</a:t>
                       </a:r>
                     </a:p>
@@ -8439,7 +14308,7 @@
                     <a:p>
                       <a:pPr algn="ctr"/>
                       <a:r>
-                        <a:rPr lang="en-US" dirty="0"/>
+                        <a:rPr lang="en-US" sz="1600" dirty="0"/>
                         <a:t>Meal Type</a:t>
                       </a:r>
                     </a:p>
@@ -8453,7 +14322,7 @@
                     <a:p>
                       <a:pPr algn="ctr"/>
                       <a:r>
-                        <a:rPr lang="en-US" dirty="0"/>
+                        <a:rPr lang="en-US" sz="1600" dirty="0"/>
                         <a:t>Cuisine</a:t>
                       </a:r>
                     </a:p>
@@ -8466,7 +14335,7 @@
                   </a:ext>
                 </a:extLst>
               </a:tr>
-              <a:tr h="1310640">
+              <a:tr h="1056388">
                 <a:tc rowSpan="2">
                   <a:txBody>
                     <a:bodyPr/>
@@ -8474,7 +14343,7 @@
                     <a:p>
                       <a:pPr algn="ctr"/>
                       <a:r>
-                        <a:rPr lang="en-US" strike="sngStrike" dirty="0"/>
+                        <a:rPr lang="en-US" sz="1600" strike="sngStrike" dirty="0"/>
                         <a:t>Nutri-Scores</a:t>
                       </a:r>
                     </a:p>
@@ -8495,7 +14364,7 @@
                     <a:p>
                       <a:pPr algn="ctr"/>
                       <a:r>
-                        <a:rPr lang="en-US" strike="sngStrike" dirty="0"/>
+                        <a:rPr lang="en-US" sz="1600" strike="sngStrike" dirty="0"/>
                         <a:t>Spoonacular API</a:t>
                       </a:r>
                     </a:p>
@@ -8516,7 +14385,7 @@
                     <a:p>
                       <a:pPr algn="ctr"/>
                       <a:r>
-                        <a:rPr lang="en-US" dirty="0"/>
+                        <a:rPr lang="en-US" sz="1600" dirty="0"/>
                         <a:t>Breakfast</a:t>
                       </a:r>
                     </a:p>
@@ -8537,98 +14406,98 @@
                     <a:p>
                       <a:pPr algn="ctr"/>
                       <a:r>
-                        <a:rPr lang="en-US" dirty="0"/>
+                        <a:rPr lang="en-US" sz="1600" dirty="0"/>
                         <a:t>African</a:t>
                       </a:r>
                     </a:p>
                     <a:p>
                       <a:pPr algn="ctr"/>
                       <a:r>
-                        <a:rPr lang="en-US" dirty="0"/>
+                        <a:rPr lang="en-US" sz="1600" dirty="0"/>
                         <a:t>Cajun</a:t>
                       </a:r>
                     </a:p>
                     <a:p>
                       <a:pPr algn="ctr"/>
                       <a:r>
-                        <a:rPr lang="en-US" dirty="0"/>
+                        <a:rPr lang="en-US" sz="1600" dirty="0"/>
                         <a:t>Caribbean</a:t>
                       </a:r>
                     </a:p>
                     <a:p>
                       <a:pPr algn="ctr"/>
                       <a:r>
-                        <a:rPr lang="en-US" dirty="0"/>
+                        <a:rPr lang="en-US" sz="1600" dirty="0"/>
                         <a:t>French</a:t>
                       </a:r>
                     </a:p>
                     <a:p>
                       <a:pPr algn="ctr"/>
                       <a:r>
-                        <a:rPr lang="en-US" dirty="0"/>
+                        <a:rPr lang="en-US" sz="1600" dirty="0"/>
                         <a:t>German</a:t>
                       </a:r>
                     </a:p>
                     <a:p>
                       <a:pPr algn="ctr"/>
                       <a:r>
-                        <a:rPr lang="en-US" dirty="0"/>
+                        <a:rPr lang="en-US" sz="1600" dirty="0"/>
                         <a:t>Greek</a:t>
                       </a:r>
                     </a:p>
                     <a:p>
                       <a:pPr algn="ctr"/>
                       <a:r>
-                        <a:rPr lang="en-US" dirty="0"/>
+                        <a:rPr lang="en-US" sz="1600" dirty="0"/>
                         <a:t>Indian</a:t>
                       </a:r>
                     </a:p>
                     <a:p>
                       <a:pPr algn="ctr"/>
                       <a:r>
-                        <a:rPr lang="en-US" dirty="0"/>
+                        <a:rPr lang="en-US" sz="1600" dirty="0"/>
                         <a:t>Irish</a:t>
                       </a:r>
                     </a:p>
                     <a:p>
                       <a:pPr algn="ctr"/>
                       <a:r>
-                        <a:rPr lang="en-US" dirty="0"/>
+                        <a:rPr lang="en-US" sz="1600" dirty="0"/>
                         <a:t>Japanese</a:t>
                       </a:r>
                     </a:p>
                     <a:p>
                       <a:pPr algn="ctr"/>
                       <a:r>
-                        <a:rPr lang="en-US" dirty="0"/>
+                        <a:rPr lang="en-US" sz="1600" dirty="0"/>
                         <a:t>Korean</a:t>
                       </a:r>
                     </a:p>
                     <a:p>
                       <a:pPr algn="ctr"/>
                       <a:r>
-                        <a:rPr lang="en-US" dirty="0"/>
+                        <a:rPr lang="en-US" sz="1600" dirty="0"/>
                         <a:t>Mexican</a:t>
                       </a:r>
                     </a:p>
                     <a:p>
                       <a:pPr algn="ctr"/>
                       <a:r>
-                        <a:rPr lang="en-US" dirty="0"/>
+                        <a:rPr lang="en-US" sz="1600" dirty="0"/>
                         <a:t>Spanish</a:t>
                       </a:r>
                     </a:p>
                     <a:p>
                       <a:pPr algn="ctr"/>
                       <a:r>
-                        <a:rPr lang="en-US" dirty="0"/>
+                        <a:rPr lang="en-US" sz="1600" dirty="0"/>
                         <a:t>Thai</a:t>
                       </a:r>
                     </a:p>
                     <a:p>
                       <a:pPr algn="ctr"/>
                       <a:r>
-                        <a:rPr lang="en-US" dirty="0"/>
+                        <a:rPr lang="en-US" sz="1600" dirty="0"/>
                         <a:t>Vietnamese</a:t>
                       </a:r>
                     </a:p>
@@ -8648,7 +14517,7 @@
                   </a:ext>
                 </a:extLst>
               </a:tr>
-              <a:tr h="655320">
+              <a:tr h="528194">
                 <a:tc vMerge="1">
                   <a:txBody>
                     <a:bodyPr/>
@@ -8676,7 +14545,7 @@
                     <a:p>
                       <a:pPr algn="ctr"/>
                       <a:r>
-                        <a:rPr lang="en-US" dirty="0"/>
+                        <a:rPr lang="en-US" sz="1600" dirty="0"/>
                         <a:t>Lunch</a:t>
                       </a:r>
                     </a:p>
@@ -8706,7 +14575,7 @@
                   </a:ext>
                 </a:extLst>
               </a:tr>
-              <a:tr h="655320">
+              <a:tr h="528194">
                 <a:tc rowSpan="2">
                   <a:txBody>
                     <a:bodyPr/>
@@ -8730,7 +14599,7 @@
                         <a:defRPr/>
                       </a:pPr>
                       <a:r>
-                        <a:rPr lang="en-US" dirty="0"/>
+                        <a:rPr lang="en-US" sz="1600" dirty="0"/>
                         <a:t>Weight Watchers Smart Points</a:t>
                       </a:r>
                     </a:p>
@@ -8767,7 +14636,7 @@
                         <a:defRPr/>
                       </a:pPr>
                       <a:r>
-                        <a:rPr lang="en-US" dirty="0"/>
+                        <a:rPr lang="en-US" sz="1600" dirty="0"/>
                         <a:t>Kaggle Dataset</a:t>
                       </a:r>
                     </a:p>
@@ -8807,7 +14676,7 @@
                   </a:ext>
                 </a:extLst>
               </a:tr>
-              <a:tr h="1310640">
+              <a:tr h="1056388">
                 <a:tc vMerge="1">
                   <a:txBody>
                     <a:bodyPr/>
@@ -8835,7 +14704,7 @@
                     <a:p>
                       <a:pPr algn="ctr"/>
                       <a:r>
-                        <a:rPr lang="en-US" dirty="0"/>
+                        <a:rPr lang="en-US" sz="1600" dirty="0"/>
                         <a:t>Dinner</a:t>
                       </a:r>
                     </a:p>
@@ -8869,10 +14738,145 @@
           </a:graphicData>
         </a:graphic>
       </p:graphicFrame>
+      <p:pic>
+        <p:nvPicPr>
+          <p:cNvPr id="23" name="Picture 22">
+            <a:extLst>
+              <a:ext uri="{FF2B5EF4-FFF2-40B4-BE49-F238E27FC236}">
+                <a16:creationId xmlns:a16="http://schemas.microsoft.com/office/drawing/2014/main" id="{68007921-4C09-5B6E-E8DE-371769567DE7}"/>
+              </a:ext>
+            </a:extLst>
+          </p:cNvPr>
+          <p:cNvPicPr>
+            <a:picLocks noChangeAspect="1"/>
+          </p:cNvPicPr>
+          <p:nvPr/>
+        </p:nvPicPr>
+        <p:blipFill>
+          <a:blip r:embed="rId4"/>
+          <a:stretch>
+            <a:fillRect/>
+          </a:stretch>
+        </p:blipFill>
+        <p:spPr>
+          <a:xfrm>
+            <a:off x="2546790" y="1437134"/>
+            <a:ext cx="7390424" cy="352926"/>
+          </a:xfrm>
+          <a:prstGeom prst="rect">
+            <a:avLst/>
+          </a:prstGeom>
+        </p:spPr>
+      </p:pic>
     </p:spTree>
     <p:extLst>
       <p:ext uri="{BB962C8B-B14F-4D97-AF65-F5344CB8AC3E}">
         <p14:creationId xmlns:p14="http://schemas.microsoft.com/office/powerpoint/2010/main" val="919875013"/>
+      </p:ext>
+    </p:extLst>
+  </p:cSld>
+  <p:clrMapOvr>
+    <a:masterClrMapping/>
+  </p:clrMapOvr>
+</p:sld>
+</file>
+
+<file path=ppt/slides/slide6.xml><?xml version="1.0" encoding="utf-8"?>
+<p:sld xmlns:a="http://schemas.openxmlformats.org/drawingml/2006/main" xmlns:r="http://schemas.openxmlformats.org/officeDocument/2006/relationships" xmlns:p="http://schemas.openxmlformats.org/presentationml/2006/main">
+  <p:cSld>
+    <p:spTree>
+      <p:nvGrpSpPr>
+        <p:cNvPr id="1" name=""/>
+        <p:cNvGrpSpPr/>
+        <p:nvPr/>
+      </p:nvGrpSpPr>
+      <p:grpSpPr>
+        <a:xfrm>
+          <a:off x="0" y="0"/>
+          <a:ext cx="0" cy="0"/>
+          <a:chOff x="0" y="0"/>
+          <a:chExt cx="0" cy="0"/>
+        </a:xfrm>
+      </p:grpSpPr>
+      <p:sp>
+        <p:nvSpPr>
+          <p:cNvPr id="2" name="Title 1">
+            <a:extLst>
+              <a:ext uri="{FF2B5EF4-FFF2-40B4-BE49-F238E27FC236}">
+                <a16:creationId xmlns:a16="http://schemas.microsoft.com/office/drawing/2014/main" id="{9A9EBCFC-A386-63F9-9D86-9BE850AC93C0}"/>
+              </a:ext>
+            </a:extLst>
+          </p:cNvPr>
+          <p:cNvSpPr>
+            <a:spLocks noGrp="1"/>
+          </p:cNvSpPr>
+          <p:nvPr>
+            <p:ph type="title"/>
+          </p:nvPr>
+        </p:nvSpPr>
+        <p:spPr/>
+        <p:txBody>
+          <a:bodyPr/>
+          <a:lstStyle/>
+          <a:p>
+            <a:r>
+              <a:rPr lang="en-US" dirty="0"/>
+              <a:t>Data Exploration and Cleaning</a:t>
+            </a:r>
+          </a:p>
+        </p:txBody>
+      </p:sp>
+      <p:pic>
+        <p:nvPicPr>
+          <p:cNvPr id="1034" name="Picture 10">
+            <a:extLst>
+              <a:ext uri="{FF2B5EF4-FFF2-40B4-BE49-F238E27FC236}">
+                <a16:creationId xmlns:a16="http://schemas.microsoft.com/office/drawing/2014/main" id="{131626CE-DF2A-A97C-0830-F1E4D196F170}"/>
+              </a:ext>
+            </a:extLst>
+          </p:cNvPr>
+          <p:cNvPicPr>
+            <a:picLocks noChangeAspect="1" noChangeArrowheads="1"/>
+          </p:cNvPicPr>
+          <p:nvPr/>
+        </p:nvPicPr>
+        <p:blipFill>
+          <a:blip r:embed="rId2">
+            <a:extLst>
+              <a:ext uri="{28A0092B-C50C-407E-A947-70E740481C1C}">
+                <a14:useLocalDpi xmlns:a14="http://schemas.microsoft.com/office/drawing/2010/main" val="0"/>
+              </a:ext>
+            </a:extLst>
+          </a:blip>
+          <a:srcRect/>
+          <a:stretch>
+            <a:fillRect/>
+          </a:stretch>
+        </p:blipFill>
+        <p:spPr bwMode="auto">
+          <a:xfrm>
+            <a:off x="602543" y="1270000"/>
+            <a:ext cx="8746249" cy="5400000"/>
+          </a:xfrm>
+          <a:prstGeom prst="rect">
+            <a:avLst/>
+          </a:prstGeom>
+          <a:noFill/>
+          <a:extLst>
+            <a:ext uri="{909E8E84-426E-40DD-AFC4-6F175D3DCCD1}">
+              <a14:hiddenFill xmlns:a14="http://schemas.microsoft.com/office/drawing/2010/main">
+                <a:solidFill>
+                  <a:srgbClr val="FFFFFF"/>
+                </a:solidFill>
+              </a14:hiddenFill>
+            </a:ext>
+          </a:extLst>
+        </p:spPr>
+      </p:pic>
+    </p:spTree>
+    <p:extLst>
+      <p:ext uri="{BB962C8B-B14F-4D97-AF65-F5344CB8AC3E}">
+        <p14:creationId xmlns:p14="http://schemas.microsoft.com/office/powerpoint/2010/main" val="1316865534"/>
       </p:ext>
     </p:extLst>
   </p:cSld>
@@ -8929,156 +14933,10 @@
       </p:sp>
       <p:pic>
         <p:nvPicPr>
-          <p:cNvPr id="1030" name="Picture 6">
+          <p:cNvPr id="4098" name="Picture 2">
             <a:extLst>
               <a:ext uri="{FF2B5EF4-FFF2-40B4-BE49-F238E27FC236}">
-                <a16:creationId xmlns:a16="http://schemas.microsoft.com/office/drawing/2014/main" id="{E4C3CCB4-57F7-6B80-3FC2-4E6D9B5B02B4}"/>
-              </a:ext>
-            </a:extLst>
-          </p:cNvPr>
-          <p:cNvPicPr>
-            <a:picLocks noGrp="1" noChangeAspect="1" noChangeArrowheads="1"/>
-          </p:cNvPicPr>
-          <p:nvPr>
-            <p:ph idx="1"/>
-          </p:nvPr>
-        </p:nvPicPr>
-        <p:blipFill>
-          <a:blip r:embed="rId2">
-            <a:extLst>
-              <a:ext uri="{28A0092B-C50C-407E-A947-70E740481C1C}">
-                <a14:useLocalDpi xmlns:a14="http://schemas.microsoft.com/office/drawing/2010/main" val="0"/>
-              </a:ext>
-            </a:extLst>
-          </a:blip>
-          <a:srcRect/>
-          <a:stretch>
-            <a:fillRect/>
-          </a:stretch>
-        </p:blipFill>
-        <p:spPr bwMode="auto">
-          <a:xfrm>
-            <a:off x="1832790" y="2160588"/>
-            <a:ext cx="6286458" cy="3881437"/>
-          </a:xfrm>
-          <a:prstGeom prst="rect">
-            <a:avLst/>
-          </a:prstGeom>
-          <a:noFill/>
-          <a:extLst>
-            <a:ext uri="{909E8E84-426E-40DD-AFC4-6F175D3DCCD1}">
-              <a14:hiddenFill xmlns:a14="http://schemas.microsoft.com/office/drawing/2010/main">
-                <a:solidFill>
-                  <a:srgbClr val="FFFFFF"/>
-                </a:solidFill>
-              </a14:hiddenFill>
-            </a:ext>
-          </a:extLst>
-        </p:spPr>
-      </p:pic>
-    </p:spTree>
-    <p:extLst>
-      <p:ext uri="{BB962C8B-B14F-4D97-AF65-F5344CB8AC3E}">
-        <p14:creationId xmlns:p14="http://schemas.microsoft.com/office/powerpoint/2010/main" val="1316865534"/>
-      </p:ext>
-    </p:extLst>
-  </p:cSld>
-  <p:clrMapOvr>
-    <a:masterClrMapping/>
-  </p:clrMapOvr>
-</p:sld>
-</file>
-
-<file path=ppt/slides/slide8.xml><?xml version="1.0" encoding="utf-8"?>
-<p:sld xmlns:a="http://schemas.openxmlformats.org/drawingml/2006/main" xmlns:r="http://schemas.openxmlformats.org/officeDocument/2006/relationships" xmlns:p="http://schemas.openxmlformats.org/presentationml/2006/main" show="0">
-  <p:cSld>
-    <p:spTree>
-      <p:nvGrpSpPr>
-        <p:cNvPr id="1" name=""/>
-        <p:cNvGrpSpPr/>
-        <p:nvPr/>
-      </p:nvGrpSpPr>
-      <p:grpSpPr>
-        <a:xfrm>
-          <a:off x="0" y="0"/>
-          <a:ext cx="0" cy="0"/>
-          <a:chOff x="0" y="0"/>
-          <a:chExt cx="0" cy="0"/>
-        </a:xfrm>
-      </p:grpSpPr>
-      <p:sp>
-        <p:nvSpPr>
-          <p:cNvPr id="2" name="Title 1">
-            <a:extLst>
-              <a:ext uri="{FF2B5EF4-FFF2-40B4-BE49-F238E27FC236}">
-                <a16:creationId xmlns:a16="http://schemas.microsoft.com/office/drawing/2014/main" id="{9A9EBCFC-A386-63F9-9D86-9BE850AC93C0}"/>
-              </a:ext>
-            </a:extLst>
-          </p:cNvPr>
-          <p:cNvSpPr>
-            <a:spLocks noGrp="1"/>
-          </p:cNvSpPr>
-          <p:nvPr>
-            <p:ph type="title"/>
-          </p:nvPr>
-        </p:nvSpPr>
-        <p:spPr/>
-        <p:txBody>
-          <a:bodyPr/>
-          <a:lstStyle/>
-          <a:p>
-            <a:r>
-              <a:rPr lang="en-US" dirty="0"/>
-              <a:t>Data Exploration and Cleaning</a:t>
-            </a:r>
-          </a:p>
-        </p:txBody>
-      </p:sp>
-      <p:sp>
-        <p:nvSpPr>
-          <p:cNvPr id="3" name="Content Placeholder 2">
-            <a:extLst>
-              <a:ext uri="{FF2B5EF4-FFF2-40B4-BE49-F238E27FC236}">
-                <a16:creationId xmlns:a16="http://schemas.microsoft.com/office/drawing/2014/main" id="{750F01AA-A153-420B-3127-CDF8BE69764E}"/>
-              </a:ext>
-            </a:extLst>
-          </p:cNvPr>
-          <p:cNvSpPr>
-            <a:spLocks noGrp="1"/>
-          </p:cNvSpPr>
-          <p:nvPr>
-            <p:ph idx="1"/>
-          </p:nvPr>
-        </p:nvSpPr>
-        <p:spPr/>
-        <p:txBody>
-          <a:bodyPr/>
-          <a:lstStyle/>
-          <a:p>
-            <a:r>
-              <a:rPr lang="en-US" dirty="0"/>
-              <a:t>(Insert image of the flowcharts)</a:t>
-            </a:r>
-          </a:p>
-          <a:p>
-            <a:r>
-              <a:rPr lang="en-US" dirty="0"/>
-              <a:t>Before opening the notebook, discuss the main dataset is based on </a:t>
-            </a:r>
-            <a:r>
-              <a:rPr lang="en-US" dirty="0" err="1"/>
-              <a:t>Food.com</a:t>
-            </a:r>
-            <a:endParaRPr lang="en-US" dirty="0"/>
-          </a:p>
-        </p:txBody>
-      </p:sp>
-      <p:pic>
-        <p:nvPicPr>
-          <p:cNvPr id="1028" name="Picture 4">
-            <a:extLst>
-              <a:ext uri="{FF2B5EF4-FFF2-40B4-BE49-F238E27FC236}">
-                <a16:creationId xmlns:a16="http://schemas.microsoft.com/office/drawing/2014/main" id="{CEE88598-5B39-B6FA-4D4B-2780AC28D65F}"/>
+                <a16:creationId xmlns:a16="http://schemas.microsoft.com/office/drawing/2014/main" id="{D0356864-DB12-6AB9-9691-E0E5DEEF332E}"/>
               </a:ext>
             </a:extLst>
           </p:cNvPr>
@@ -9102,8 +14960,55 @@
         </p:blipFill>
         <p:spPr bwMode="auto">
           <a:xfrm>
-            <a:off x="417770" y="1400846"/>
-            <a:ext cx="8318457" cy="5135878"/>
+            <a:off x="677334" y="1270000"/>
+            <a:ext cx="3943575" cy="5400000"/>
+          </a:xfrm>
+          <a:prstGeom prst="rect">
+            <a:avLst/>
+          </a:prstGeom>
+          <a:noFill/>
+          <a:extLst>
+            <a:ext uri="{909E8E84-426E-40DD-AFC4-6F175D3DCCD1}">
+              <a14:hiddenFill xmlns:a14="http://schemas.microsoft.com/office/drawing/2010/main">
+                <a:solidFill>
+                  <a:srgbClr val="FFFFFF"/>
+                </a:solidFill>
+              </a14:hiddenFill>
+            </a:ext>
+          </a:extLst>
+        </p:spPr>
+      </p:pic>
+      <p:pic>
+        <p:nvPicPr>
+          <p:cNvPr id="4100" name="Picture 4">
+            <a:extLst>
+              <a:ext uri="{FF2B5EF4-FFF2-40B4-BE49-F238E27FC236}">
+                <a16:creationId xmlns:a16="http://schemas.microsoft.com/office/drawing/2014/main" id="{3CCB9D3A-EFB5-9E96-845D-820A8B424920}"/>
+              </a:ext>
+            </a:extLst>
+          </p:cNvPr>
+          <p:cNvPicPr>
+            <a:picLocks noChangeAspect="1" noChangeArrowheads="1"/>
+          </p:cNvPicPr>
+          <p:nvPr/>
+        </p:nvPicPr>
+        <p:blipFill>
+          <a:blip r:embed="rId3">
+            <a:extLst>
+              <a:ext uri="{28A0092B-C50C-407E-A947-70E740481C1C}">
+                <a14:useLocalDpi xmlns:a14="http://schemas.microsoft.com/office/drawing/2010/main" val="0"/>
+              </a:ext>
+            </a:extLst>
+          </a:blip>
+          <a:srcRect/>
+          <a:stretch>
+            <a:fillRect/>
+          </a:stretch>
+        </p:blipFill>
+        <p:spPr bwMode="auto">
+          <a:xfrm>
+            <a:off x="4975668" y="1270000"/>
+            <a:ext cx="5644904" cy="5400000"/>
           </a:xfrm>
           <a:prstGeom prst="rect">
             <a:avLst/>
@@ -9123,7 +15028,148 @@
     </p:spTree>
     <p:extLst>
       <p:ext uri="{BB962C8B-B14F-4D97-AF65-F5344CB8AC3E}">
-        <p14:creationId xmlns:p14="http://schemas.microsoft.com/office/powerpoint/2010/main" val="1022430428"/>
+        <p14:creationId xmlns:p14="http://schemas.microsoft.com/office/powerpoint/2010/main" val="1647451146"/>
+      </p:ext>
+    </p:extLst>
+  </p:cSld>
+  <p:clrMapOvr>
+    <a:masterClrMapping/>
+  </p:clrMapOvr>
+</p:sld>
+</file>
+
+<file path=ppt/slides/slide8.xml><?xml version="1.0" encoding="utf-8"?>
+<p:sld xmlns:a="http://schemas.openxmlformats.org/drawingml/2006/main" xmlns:r="http://schemas.openxmlformats.org/officeDocument/2006/relationships" xmlns:p="http://schemas.openxmlformats.org/presentationml/2006/main">
+  <p:cSld>
+    <p:spTree>
+      <p:nvGrpSpPr>
+        <p:cNvPr id="1" name=""/>
+        <p:cNvGrpSpPr/>
+        <p:nvPr/>
+      </p:nvGrpSpPr>
+      <p:grpSpPr>
+        <a:xfrm>
+          <a:off x="0" y="0"/>
+          <a:ext cx="0" cy="0"/>
+          <a:chOff x="0" y="0"/>
+          <a:chExt cx="0" cy="0"/>
+        </a:xfrm>
+      </p:grpSpPr>
+      <p:sp>
+        <p:nvSpPr>
+          <p:cNvPr id="2" name="Title 1">
+            <a:extLst>
+              <a:ext uri="{FF2B5EF4-FFF2-40B4-BE49-F238E27FC236}">
+                <a16:creationId xmlns:a16="http://schemas.microsoft.com/office/drawing/2014/main" id="{3100542F-51FE-A1AF-A9C8-1D92BB859EE6}"/>
+              </a:ext>
+            </a:extLst>
+          </p:cNvPr>
+          <p:cNvSpPr>
+            <a:spLocks noGrp="1"/>
+          </p:cNvSpPr>
+          <p:nvPr>
+            <p:ph type="title"/>
+          </p:nvPr>
+        </p:nvSpPr>
+        <p:spPr/>
+        <p:txBody>
+          <a:bodyPr/>
+          <a:lstStyle/>
+          <a:p>
+            <a:r>
+              <a:rPr lang="en-US" dirty="0"/>
+              <a:t>Data Analysis and Visualisation</a:t>
+            </a:r>
+          </a:p>
+        </p:txBody>
+      </p:sp>
+      <p:sp>
+        <p:nvSpPr>
+          <p:cNvPr id="13" name="Content Placeholder 12">
+            <a:extLst>
+              <a:ext uri="{FF2B5EF4-FFF2-40B4-BE49-F238E27FC236}">
+                <a16:creationId xmlns:a16="http://schemas.microsoft.com/office/drawing/2014/main" id="{2FAC54D1-C97E-1190-C2F1-8124B2A21F06}"/>
+              </a:ext>
+            </a:extLst>
+          </p:cNvPr>
+          <p:cNvSpPr>
+            <a:spLocks noGrp="1"/>
+          </p:cNvSpPr>
+          <p:nvPr>
+            <p:ph idx="1"/>
+          </p:nvPr>
+        </p:nvSpPr>
+        <p:spPr>
+          <a:xfrm>
+            <a:off x="677334" y="1284051"/>
+            <a:ext cx="8596668" cy="1177047"/>
+          </a:xfrm>
+        </p:spPr>
+        <p:txBody>
+          <a:bodyPr/>
+          <a:lstStyle/>
+          <a:p>
+            <a:r>
+              <a:rPr lang="en-US" b="1" dirty="0"/>
+              <a:t>Popularity vs Health Rating</a:t>
+            </a:r>
+          </a:p>
+          <a:p>
+            <a:pPr lvl="1"/>
+            <a:r>
+              <a:rPr lang="en-US" dirty="0"/>
+              <a:t>Are more popular recipes healthier?</a:t>
+            </a:r>
+          </a:p>
+          <a:p>
+            <a:pPr lvl="1"/>
+            <a:r>
+              <a:rPr lang="en-US" dirty="0">
+                <a:solidFill>
+                  <a:schemeClr val="bg2">
+                    <a:lumMod val="90000"/>
+                  </a:schemeClr>
+                </a:solidFill>
+              </a:rPr>
+              <a:t>What is the health rating of the most popular recipes?</a:t>
+            </a:r>
+          </a:p>
+        </p:txBody>
+      </p:sp>
+      <p:pic>
+        <p:nvPicPr>
+          <p:cNvPr id="4" name="Picture 3" descr="A graph of a bar chart&#10;&#10;Description automatically generated">
+            <a:extLst>
+              <a:ext uri="{FF2B5EF4-FFF2-40B4-BE49-F238E27FC236}">
+                <a16:creationId xmlns:a16="http://schemas.microsoft.com/office/drawing/2014/main" id="{6E8B537B-1F16-138D-6A08-21F36A9B927B}"/>
+              </a:ext>
+            </a:extLst>
+          </p:cNvPr>
+          <p:cNvPicPr>
+            <a:picLocks noChangeAspect="1"/>
+          </p:cNvPicPr>
+          <p:nvPr/>
+        </p:nvPicPr>
+        <p:blipFill>
+          <a:blip r:embed="rId2"/>
+          <a:stretch>
+            <a:fillRect/>
+          </a:stretch>
+        </p:blipFill>
+        <p:spPr>
+          <a:xfrm>
+            <a:off x="2746134" y="2461098"/>
+            <a:ext cx="4459068" cy="3960000"/>
+          </a:xfrm>
+          <a:prstGeom prst="rect">
+            <a:avLst/>
+          </a:prstGeom>
+        </p:spPr>
+      </p:pic>
+    </p:spTree>
+    <p:extLst>
+      <p:ext uri="{BB962C8B-B14F-4D97-AF65-F5344CB8AC3E}">
+        <p14:creationId xmlns:p14="http://schemas.microsoft.com/office/powerpoint/2010/main" val="1129279152"/>
       </p:ext>
     </p:extLst>
   </p:cSld>
@@ -9178,12 +15224,69 @@
           </a:p>
         </p:txBody>
       </p:sp>
+      <p:sp>
+        <p:nvSpPr>
+          <p:cNvPr id="13" name="Content Placeholder 12">
+            <a:extLst>
+              <a:ext uri="{FF2B5EF4-FFF2-40B4-BE49-F238E27FC236}">
+                <a16:creationId xmlns:a16="http://schemas.microsoft.com/office/drawing/2014/main" id="{2FAC54D1-C97E-1190-C2F1-8124B2A21F06}"/>
+              </a:ext>
+            </a:extLst>
+          </p:cNvPr>
+          <p:cNvSpPr>
+            <a:spLocks noGrp="1"/>
+          </p:cNvSpPr>
+          <p:nvPr>
+            <p:ph idx="1"/>
+          </p:nvPr>
+        </p:nvSpPr>
+        <p:spPr>
+          <a:xfrm>
+            <a:off x="677334" y="1284051"/>
+            <a:ext cx="8596668" cy="1177047"/>
+          </a:xfrm>
+        </p:spPr>
+        <p:txBody>
+          <a:bodyPr/>
+          <a:lstStyle/>
+          <a:p>
+            <a:r>
+              <a:rPr lang="en-US" b="1" dirty="0"/>
+              <a:t>Popularity vs Health Rating</a:t>
+            </a:r>
+          </a:p>
+          <a:p>
+            <a:pPr lvl="1"/>
+            <a:r>
+              <a:rPr lang="en-US" dirty="0">
+                <a:solidFill>
+                  <a:schemeClr val="bg2">
+                    <a:lumMod val="90000"/>
+                  </a:schemeClr>
+                </a:solidFill>
+              </a:rPr>
+              <a:t>Are more popular recipes healthier?</a:t>
+            </a:r>
+          </a:p>
+          <a:p>
+            <a:pPr lvl="1"/>
+            <a:r>
+              <a:rPr lang="en-US" dirty="0">
+                <a:solidFill>
+                  <a:schemeClr val="tx1"/>
+                </a:solidFill>
+              </a:rPr>
+              <a:t>What is the health rating of the most popular recipes?</a:t>
+            </a:r>
+          </a:p>
+        </p:txBody>
+      </p:sp>
       <p:pic>
         <p:nvPicPr>
-          <p:cNvPr id="7" name="Picture 6">
+          <p:cNvPr id="6" name="Picture 5" descr="A screenshot of a menu&#10;&#10;Description automatically generated">
             <a:extLst>
               <a:ext uri="{FF2B5EF4-FFF2-40B4-BE49-F238E27FC236}">
-                <a16:creationId xmlns:a16="http://schemas.microsoft.com/office/drawing/2014/main" id="{96FAD6AD-CA49-DC8E-FE05-9E31DA11F6E1}"/>
+                <a16:creationId xmlns:a16="http://schemas.microsoft.com/office/drawing/2014/main" id="{193D2D63-E54A-D3D0-BE71-6065E98D3E1C}"/>
               </a:ext>
             </a:extLst>
           </p:cNvPr>
@@ -9200,43 +15303,18 @@
         </p:blipFill>
         <p:spPr>
           <a:xfrm>
-            <a:off x="1089468" y="1516106"/>
-            <a:ext cx="7772400" cy="352926"/>
+            <a:off x="677334" y="2596903"/>
+            <a:ext cx="7744187" cy="3600000"/>
           </a:xfrm>
           <a:prstGeom prst="rect">
             <a:avLst/>
           </a:prstGeom>
         </p:spPr>
       </p:pic>
-      <p:sp>
-        <p:nvSpPr>
-          <p:cNvPr id="13" name="Content Placeholder 12">
-            <a:extLst>
-              <a:ext uri="{FF2B5EF4-FFF2-40B4-BE49-F238E27FC236}">
-                <a16:creationId xmlns:a16="http://schemas.microsoft.com/office/drawing/2014/main" id="{2FAC54D1-C97E-1190-C2F1-8124B2A21F06}"/>
-              </a:ext>
-            </a:extLst>
-          </p:cNvPr>
-          <p:cNvSpPr>
-            <a:spLocks noGrp="1"/>
-          </p:cNvSpPr>
-          <p:nvPr>
-            <p:ph idx="1"/>
-          </p:nvPr>
-        </p:nvSpPr>
-        <p:spPr/>
-        <p:txBody>
-          <a:bodyPr/>
-          <a:lstStyle/>
-          <a:p>
-            <a:endParaRPr lang="en-US"/>
-          </a:p>
-        </p:txBody>
-      </p:sp>
     </p:spTree>
     <p:extLst>
       <p:ext uri="{BB962C8B-B14F-4D97-AF65-F5344CB8AC3E}">
-        <p14:creationId xmlns:p14="http://schemas.microsoft.com/office/powerpoint/2010/main" val="2093037393"/>
+        <p14:creationId xmlns:p14="http://schemas.microsoft.com/office/powerpoint/2010/main" val="1423028269"/>
       </p:ext>
     </p:extLst>
   </p:cSld>

--- a/Slide Deck.pptx
+++ b/Slide Deck.pptx
@@ -10582,273 +10582,6 @@
   <p:clrMapOvr>
     <a:masterClrMapping/>
   </p:clrMapOvr>
-  <p:timing>
-    <p:tnLst>
-      <p:par>
-        <p:cTn id="1" dur="indefinite" restart="never" nodeType="tmRoot">
-          <p:childTnLst>
-            <p:seq concurrent="1" nextAc="seek">
-              <p:cTn id="2" dur="indefinite" nodeType="mainSeq">
-                <p:childTnLst>
-                  <p:par>
-                    <p:cTn id="3" fill="hold">
-                      <p:stCondLst>
-                        <p:cond delay="indefinite"/>
-                        <p:cond evt="onBegin" delay="0">
-                          <p:tn val="2"/>
-                        </p:cond>
-                      </p:stCondLst>
-                      <p:childTnLst>
-                        <p:par>
-                          <p:cTn id="4" fill="hold">
-                            <p:stCondLst>
-                              <p:cond delay="0"/>
-                            </p:stCondLst>
-                            <p:childTnLst>
-                              <p:par>
-                                <p:cTn id="5" presetID="10" presetClass="entr" presetSubtype="0" fill="hold" grpId="0" nodeType="withEffect">
-                                  <p:stCondLst>
-                                    <p:cond delay="1500"/>
-                                  </p:stCondLst>
-                                  <p:iterate>
-                                    <p:tmPct val="10000"/>
-                                  </p:iterate>
-                                  <p:childTnLst>
-                                    <p:set>
-                                      <p:cBhvr>
-                                        <p:cTn id="6" dur="1" fill="hold">
-                                          <p:stCondLst>
-                                            <p:cond delay="0"/>
-                                          </p:stCondLst>
-                                        </p:cTn>
-                                        <p:tgtEl>
-                                          <p:spTgt spid="3">
-                                            <p:txEl>
-                                              <p:pRg st="0" end="0"/>
-                                            </p:txEl>
-                                          </p:spTgt>
-                                        </p:tgtEl>
-                                        <p:attrNameLst>
-                                          <p:attrName>style.visibility</p:attrName>
-                                        </p:attrNameLst>
-                                      </p:cBhvr>
-                                      <p:to>
-                                        <p:strVal val="visible"/>
-                                      </p:to>
-                                    </p:set>
-                                    <p:animEffect transition="in" filter="fade">
-                                      <p:cBhvr>
-                                        <p:cTn id="7" dur="700"/>
-                                        <p:tgtEl>
-                                          <p:spTgt spid="3">
-                                            <p:txEl>
-                                              <p:pRg st="0" end="0"/>
-                                            </p:txEl>
-                                          </p:spTgt>
-                                        </p:tgtEl>
-                                      </p:cBhvr>
-                                    </p:animEffect>
-                                  </p:childTnLst>
-                                </p:cTn>
-                              </p:par>
-                            </p:childTnLst>
-                          </p:cTn>
-                        </p:par>
-                      </p:childTnLst>
-                    </p:cTn>
-                  </p:par>
-                  <p:par>
-                    <p:cTn id="8" fill="hold">
-                      <p:stCondLst>
-                        <p:cond delay="indefinite"/>
-                      </p:stCondLst>
-                      <p:childTnLst>
-                        <p:par>
-                          <p:cTn id="9" fill="hold">
-                            <p:stCondLst>
-                              <p:cond delay="0"/>
-                            </p:stCondLst>
-                            <p:childTnLst>
-                              <p:par>
-                                <p:cTn id="10" presetID="10" presetClass="entr" presetSubtype="0" fill="hold" grpId="0" nodeType="clickEffect">
-                                  <p:stCondLst>
-                                    <p:cond delay="1500"/>
-                                  </p:stCondLst>
-                                  <p:iterate>
-                                    <p:tmPct val="10000"/>
-                                  </p:iterate>
-                                  <p:childTnLst>
-                                    <p:set>
-                                      <p:cBhvr>
-                                        <p:cTn id="11" dur="1" fill="hold">
-                                          <p:stCondLst>
-                                            <p:cond delay="0"/>
-                                          </p:stCondLst>
-                                        </p:cTn>
-                                        <p:tgtEl>
-                                          <p:spTgt spid="3">
-                                            <p:txEl>
-                                              <p:pRg st="1" end="1"/>
-                                            </p:txEl>
-                                          </p:spTgt>
-                                        </p:tgtEl>
-                                        <p:attrNameLst>
-                                          <p:attrName>style.visibility</p:attrName>
-                                        </p:attrNameLst>
-                                      </p:cBhvr>
-                                      <p:to>
-                                        <p:strVal val="visible"/>
-                                      </p:to>
-                                    </p:set>
-                                    <p:animEffect transition="in" filter="fade">
-                                      <p:cBhvr>
-                                        <p:cTn id="12" dur="700"/>
-                                        <p:tgtEl>
-                                          <p:spTgt spid="3">
-                                            <p:txEl>
-                                              <p:pRg st="1" end="1"/>
-                                            </p:txEl>
-                                          </p:spTgt>
-                                        </p:tgtEl>
-                                      </p:cBhvr>
-                                    </p:animEffect>
-                                  </p:childTnLst>
-                                </p:cTn>
-                              </p:par>
-                            </p:childTnLst>
-                          </p:cTn>
-                        </p:par>
-                      </p:childTnLst>
-                    </p:cTn>
-                  </p:par>
-                  <p:par>
-                    <p:cTn id="13" fill="hold">
-                      <p:stCondLst>
-                        <p:cond delay="indefinite"/>
-                      </p:stCondLst>
-                      <p:childTnLst>
-                        <p:par>
-                          <p:cTn id="14" fill="hold">
-                            <p:stCondLst>
-                              <p:cond delay="0"/>
-                            </p:stCondLst>
-                            <p:childTnLst>
-                              <p:par>
-                                <p:cTn id="15" presetID="10" presetClass="entr" presetSubtype="0" fill="hold" grpId="0" nodeType="clickEffect">
-                                  <p:stCondLst>
-                                    <p:cond delay="1500"/>
-                                  </p:stCondLst>
-                                  <p:iterate>
-                                    <p:tmPct val="10000"/>
-                                  </p:iterate>
-                                  <p:childTnLst>
-                                    <p:set>
-                                      <p:cBhvr>
-                                        <p:cTn id="16" dur="1" fill="hold">
-                                          <p:stCondLst>
-                                            <p:cond delay="0"/>
-                                          </p:stCondLst>
-                                        </p:cTn>
-                                        <p:tgtEl>
-                                          <p:spTgt spid="3">
-                                            <p:txEl>
-                                              <p:pRg st="2" end="2"/>
-                                            </p:txEl>
-                                          </p:spTgt>
-                                        </p:tgtEl>
-                                        <p:attrNameLst>
-                                          <p:attrName>style.visibility</p:attrName>
-                                        </p:attrNameLst>
-                                      </p:cBhvr>
-                                      <p:to>
-                                        <p:strVal val="visible"/>
-                                      </p:to>
-                                    </p:set>
-                                    <p:animEffect transition="in" filter="fade">
-                                      <p:cBhvr>
-                                        <p:cTn id="17" dur="700"/>
-                                        <p:tgtEl>
-                                          <p:spTgt spid="3">
-                                            <p:txEl>
-                                              <p:pRg st="2" end="2"/>
-                                            </p:txEl>
-                                          </p:spTgt>
-                                        </p:tgtEl>
-                                      </p:cBhvr>
-                                    </p:animEffect>
-                                  </p:childTnLst>
-                                </p:cTn>
-                              </p:par>
-                              <p:par>
-                                <p:cTn id="18" presetID="10" presetClass="entr" presetSubtype="0" fill="hold" grpId="0" nodeType="withEffect">
-                                  <p:stCondLst>
-                                    <p:cond delay="1000"/>
-                                  </p:stCondLst>
-                                  <p:iterate>
-                                    <p:tmPct val="10000"/>
-                                  </p:iterate>
-                                  <p:childTnLst>
-                                    <p:set>
-                                      <p:cBhvr>
-                                        <p:cTn id="19" dur="1" fill="hold">
-                                          <p:stCondLst>
-                                            <p:cond delay="0"/>
-                                          </p:stCondLst>
-                                        </p:cTn>
-                                        <p:tgtEl>
-                                          <p:spTgt spid="2"/>
-                                        </p:tgtEl>
-                                        <p:attrNameLst>
-                                          <p:attrName>style.visibility</p:attrName>
-                                        </p:attrNameLst>
-                                      </p:cBhvr>
-                                      <p:to>
-                                        <p:strVal val="visible"/>
-                                      </p:to>
-                                    </p:set>
-                                    <p:animEffect transition="in" filter="fade">
-                                      <p:cBhvr>
-                                        <p:cTn id="20" dur="700"/>
-                                        <p:tgtEl>
-                                          <p:spTgt spid="2"/>
-                                        </p:tgtEl>
-                                      </p:cBhvr>
-                                    </p:animEffect>
-                                  </p:childTnLst>
-                                </p:cTn>
-                              </p:par>
-                            </p:childTnLst>
-                          </p:cTn>
-                        </p:par>
-                      </p:childTnLst>
-                    </p:cTn>
-                  </p:par>
-                </p:childTnLst>
-              </p:cTn>
-              <p:prevCondLst>
-                <p:cond evt="onPrev" delay="0">
-                  <p:tgtEl>
-                    <p:sldTgt/>
-                  </p:tgtEl>
-                </p:cond>
-              </p:prevCondLst>
-              <p:nextCondLst>
-                <p:cond evt="onNext" delay="0">
-                  <p:tgtEl>
-                    <p:sldTgt/>
-                  </p:tgtEl>
-                </p:cond>
-              </p:nextCondLst>
-            </p:seq>
-          </p:childTnLst>
-        </p:cTn>
-      </p:par>
-    </p:tnLst>
-    <p:bldLst>
-      <p:bldP spid="2" grpId="0"/>
-      <p:bldP spid="3" grpId="0" build="p"/>
-    </p:bldLst>
-  </p:timing>
 </p:sld>
 </file>
 
@@ -13410,14 +13143,12 @@
             </a:r>
           </a:p>
           <a:p>
-            <a:pPr lvl="1"/>
             <a:r>
               <a:rPr lang="en-US" dirty="0"/>
               <a:t>Research Questions</a:t>
             </a:r>
           </a:p>
           <a:p>
-            <a:pPr lvl="1"/>
             <a:r>
               <a:rPr lang="en-US" dirty="0"/>
               <a:t>Project Scope</a:t>

--- a/Slide Deck.pptx
+++ b/Slide Deck.pptx
@@ -121,6 +121,11 @@
       </a:defRPr>
     </a:lvl9pPr>
   </p:defaultTextStyle>
+  <p:extLst>
+    <p:ext uri="{EFAFB233-063F-42B5-8137-9DF3F51BA10A}">
+      <p15:sldGuideLst xmlns:p15="http://schemas.microsoft.com/office/powerpoint/2012/main"/>
+    </p:ext>
+  </p:extLst>
 </p:presentation>
 </file>
 
@@ -12873,6 +12878,45 @@
           </a:prstGeom>
         </p:spPr>
       </p:pic>
+      <p:sp>
+        <p:nvSpPr>
+          <p:cNvPr id="4" name="TextBox 3">
+            <a:extLst>
+              <a:ext uri="{FF2B5EF4-FFF2-40B4-BE49-F238E27FC236}">
+                <a16:creationId xmlns:a16="http://schemas.microsoft.com/office/drawing/2014/main" id="{666EB79D-2C12-9F70-3AD1-C65FA7DD9BB0}"/>
+              </a:ext>
+            </a:extLst>
+          </p:cNvPr>
+          <p:cNvSpPr txBox="1"/>
+          <p:nvPr/>
+        </p:nvSpPr>
+        <p:spPr>
+          <a:xfrm>
+            <a:off x="3211362" y="4231851"/>
+            <a:ext cx="3460372" cy="369332"/>
+          </a:xfrm>
+          <a:prstGeom prst="rect">
+            <a:avLst/>
+          </a:prstGeom>
+          <a:noFill/>
+        </p:spPr>
+        <p:txBody>
+          <a:bodyPr wrap="square">
+            <a:spAutoFit/>
+          </a:bodyPr>
+          <a:lstStyle/>
+          <a:p>
+            <a:pPr algn="ctr"/>
+            <a:r>
+              <a:rPr lang="en-US" dirty="0">
+                <a:hlinkClick r:id="rId4"/>
+              </a:rPr>
+              <a:t>Get the recipe!</a:t>
+            </a:r>
+            <a:endParaRPr lang="en-US" dirty="0"/>
+          </a:p>
+        </p:txBody>
+      </p:sp>
     </p:spTree>
     <p:extLst>
       <p:ext uri="{BB962C8B-B14F-4D97-AF65-F5344CB8AC3E}">
